--- a/Model selection.pptx
+++ b/Model selection.pptx
@@ -14,8 +14,8 @@
     <p:sldId id="259" r:id="rId5"/>
     <p:sldId id="260" r:id="rId6"/>
     <p:sldId id="261" r:id="rId7"/>
-    <p:sldId id="262" r:id="rId8"/>
-    <p:sldId id="264" r:id="rId9"/>
+    <p:sldId id="311" r:id="rId8"/>
+    <p:sldId id="262" r:id="rId9"/>
     <p:sldId id="263" r:id="rId10"/>
     <p:sldId id="265" r:id="rId11"/>
     <p:sldId id="266" r:id="rId12"/>
@@ -251,7 +251,7 @@
           <a:p>
             <a:fld id="{8F741A61-F0C9-4925-957E-8E5C327261BC}" type="datetimeFigureOut">
               <a:rPr lang="en-US" smtClean="0"/>
-              <a:t>5/7/2020</a:t>
+              <a:t>5/14/2020</a:t>
             </a:fld>
             <a:endParaRPr lang="en-US"/>
           </a:p>
@@ -941,7 +941,7 @@
           <a:p>
             <a:fld id="{63A1C593-65D0-4073-BCC9-577B9352EA97}" type="datetimeFigureOut">
               <a:rPr lang="en-US" smtClean="0"/>
-              <a:t>5/7/2020</a:t>
+              <a:t>5/14/2020</a:t>
             </a:fld>
             <a:endParaRPr lang="en-US"/>
           </a:p>
@@ -1111,7 +1111,7 @@
           <a:p>
             <a:fld id="{63A1C593-65D0-4073-BCC9-577B9352EA97}" type="datetimeFigureOut">
               <a:rPr lang="en-US" smtClean="0"/>
-              <a:t>5/7/2020</a:t>
+              <a:t>5/14/2020</a:t>
             </a:fld>
             <a:endParaRPr lang="en-US"/>
           </a:p>
@@ -1291,7 +1291,7 @@
           <a:p>
             <a:fld id="{63A1C593-65D0-4073-BCC9-577B9352EA97}" type="datetimeFigureOut">
               <a:rPr lang="en-US" smtClean="0"/>
-              <a:t>5/7/2020</a:t>
+              <a:t>5/14/2020</a:t>
             </a:fld>
             <a:endParaRPr lang="en-US"/>
           </a:p>
@@ -1461,7 +1461,7 @@
           <a:p>
             <a:fld id="{63A1C593-65D0-4073-BCC9-577B9352EA97}" type="datetimeFigureOut">
               <a:rPr lang="en-US" smtClean="0"/>
-              <a:t>5/7/2020</a:t>
+              <a:t>5/14/2020</a:t>
             </a:fld>
             <a:endParaRPr lang="en-US"/>
           </a:p>
@@ -1707,7 +1707,7 @@
           <a:p>
             <a:fld id="{63A1C593-65D0-4073-BCC9-577B9352EA97}" type="datetimeFigureOut">
               <a:rPr lang="en-US" smtClean="0"/>
-              <a:t>5/7/2020</a:t>
+              <a:t>5/14/2020</a:t>
             </a:fld>
             <a:endParaRPr lang="en-US"/>
           </a:p>
@@ -1939,7 +1939,7 @@
           <a:p>
             <a:fld id="{63A1C593-65D0-4073-BCC9-577B9352EA97}" type="datetimeFigureOut">
               <a:rPr lang="en-US" smtClean="0"/>
-              <a:t>5/7/2020</a:t>
+              <a:t>5/14/2020</a:t>
             </a:fld>
             <a:endParaRPr lang="en-US"/>
           </a:p>
@@ -2306,7 +2306,7 @@
           <a:p>
             <a:fld id="{63A1C593-65D0-4073-BCC9-577B9352EA97}" type="datetimeFigureOut">
               <a:rPr lang="en-US" smtClean="0"/>
-              <a:t>5/7/2020</a:t>
+              <a:t>5/14/2020</a:t>
             </a:fld>
             <a:endParaRPr lang="en-US"/>
           </a:p>
@@ -2424,7 +2424,7 @@
           <a:p>
             <a:fld id="{63A1C593-65D0-4073-BCC9-577B9352EA97}" type="datetimeFigureOut">
               <a:rPr lang="en-US" smtClean="0"/>
-              <a:t>5/7/2020</a:t>
+              <a:t>5/14/2020</a:t>
             </a:fld>
             <a:endParaRPr lang="en-US"/>
           </a:p>
@@ -2519,7 +2519,7 @@
           <a:p>
             <a:fld id="{63A1C593-65D0-4073-BCC9-577B9352EA97}" type="datetimeFigureOut">
               <a:rPr lang="en-US" smtClean="0"/>
-              <a:t>5/7/2020</a:t>
+              <a:t>5/14/2020</a:t>
             </a:fld>
             <a:endParaRPr lang="en-US"/>
           </a:p>
@@ -2796,7 +2796,7 @@
           <a:p>
             <a:fld id="{63A1C593-65D0-4073-BCC9-577B9352EA97}" type="datetimeFigureOut">
               <a:rPr lang="en-US" smtClean="0"/>
-              <a:t>5/7/2020</a:t>
+              <a:t>5/14/2020</a:t>
             </a:fld>
             <a:endParaRPr lang="en-US"/>
           </a:p>
@@ -3049,7 +3049,7 @@
           <a:p>
             <a:fld id="{63A1C593-65D0-4073-BCC9-577B9352EA97}" type="datetimeFigureOut">
               <a:rPr lang="en-US" smtClean="0"/>
-              <a:t>5/7/2020</a:t>
+              <a:t>5/14/2020</a:t>
             </a:fld>
             <a:endParaRPr lang="en-US"/>
           </a:p>
@@ -3262,7 +3262,7 @@
           <a:p>
             <a:fld id="{63A1C593-65D0-4073-BCC9-577B9352EA97}" type="datetimeFigureOut">
               <a:rPr lang="en-US" smtClean="0"/>
-              <a:t>5/7/2020</a:t>
+              <a:t>5/14/2020</a:t>
             </a:fld>
             <a:endParaRPr lang="en-US"/>
           </a:p>
@@ -6778,16 +6778,49 @@
         </p:spPr>
         <p:txBody>
           <a:bodyPr>
-            <a:normAutofit fontScale="92500" lnSpcReduction="10000"/>
+            <a:normAutofit lnSpcReduction="10000"/>
           </a:bodyPr>
           <a:lstStyle/>
           <a:p>
             <a:r>
               <a:rPr lang="en-US" dirty="0"/>
-              <a:t>Learning the parameters of a prediction function and testing it on the same data is a methodological mistake: a model that would just repeat the labels of the samples that it has just seen would have a perfect score but would fail to predict anything useful on yet-unseen data. This situation is called overfitting. To avoid it, it is common practice when performing a (supervised) machine learning experiment to hold out part of the available data as a test set </a:t>
-            </a:r>
-            <a:r>
-              <a:rPr lang="en-US" dirty="0" err="1"/>
+              <a:t>Learning the parameters of a prediction function and testing it on the same data is a methodological mistake: a model that would just repeat the labels of the samples that it has just seen would have a perfect score but would fail to predict anything useful on yet-unseen </a:t>
+            </a:r>
+            <a:r>
+              <a:rPr lang="en-US" dirty="0" smtClean="0"/>
+              <a:t>data.</a:t>
+            </a:r>
+          </a:p>
+          <a:p>
+            <a:pPr lvl="1"/>
+            <a:r>
+              <a:rPr lang="en-US" dirty="0" smtClean="0"/>
+              <a:t>This </a:t>
+            </a:r>
+            <a:r>
+              <a:rPr lang="en-US" dirty="0"/>
+              <a:t>situation is called </a:t>
+            </a:r>
+            <a:r>
+              <a:rPr lang="en-US" b="1" dirty="0" smtClean="0"/>
+              <a:t>overfitting</a:t>
+            </a:r>
+            <a:r>
+              <a:rPr lang="en-US" dirty="0" smtClean="0"/>
+              <a:t>.</a:t>
+            </a:r>
+          </a:p>
+          <a:p>
+            <a:r>
+              <a:rPr lang="en-US" dirty="0" smtClean="0"/>
+              <a:t>To </a:t>
+            </a:r>
+            <a:r>
+              <a:rPr lang="en-US" dirty="0"/>
+              <a:t>avoid it, it is common practice when performing a (supervised) machine learning experiment to hold out part of the available data as a test set </a:t>
+            </a:r>
+            <a:r>
+              <a:rPr lang="en-US" b="1" dirty="0" err="1"/>
               <a:t>X_test</a:t>
             </a:r>
             <a:r>
@@ -6795,7 +6828,7 @@
               <a:t>, </a:t>
             </a:r>
             <a:r>
-              <a:rPr lang="en-US" dirty="0" err="1"/>
+              <a:rPr lang="en-US" b="1" dirty="0" err="1"/>
               <a:t>y_test</a:t>
             </a:r>
             <a:r>
@@ -6803,12 +6836,6 @@
               <a:t>. </a:t>
             </a:r>
             <a:endParaRPr lang="en-US" dirty="0" smtClean="0"/>
-          </a:p>
-          <a:p>
-            <a:r>
-              <a:rPr lang="en-US" dirty="0"/>
-              <a:t>The best parameters can be determined by grid search techniques</a:t>
-            </a:r>
           </a:p>
         </p:txBody>
       </p:sp>
@@ -9962,13 +9989,28 @@
         <p:spPr/>
         <p:txBody>
           <a:bodyPr>
-            <a:normAutofit fontScale="85000" lnSpcReduction="20000"/>
+            <a:normAutofit fontScale="92500" lnSpcReduction="10000"/>
           </a:bodyPr>
           <a:lstStyle/>
           <a:p>
             <a:r>
               <a:rPr lang="en-US" dirty="0"/>
-              <a:t>A solution to this problem is a procedure called cross-validation (CV for short). A test set should still be held out for final evaluation, but the validation set is no longer needed when doing CV. In the basic approach, called k-fold CV, the training set is split into k smaller sets (other approaches are described below, but generally follow the same principles). The following procedure is followed for each of the k “folds</a:t>
+              <a:t>A solution to this problem is a procedure called cross-validation (CV for short). A test set should still be held out for final evaluation, but the validation set is no longer needed when doing CV. In the basic approach, called k-fold CV, the training set is split into k smaller sets (other approaches are described below, but generally follow the same principles</a:t>
+            </a:r>
+            <a:r>
+              <a:rPr lang="en-US" dirty="0" smtClean="0"/>
+              <a:t>).</a:t>
+            </a:r>
+          </a:p>
+          <a:p>
+            <a:pPr lvl="1"/>
+            <a:r>
+              <a:rPr lang="en-US" dirty="0" smtClean="0"/>
+              <a:t>The </a:t>
+            </a:r>
+            <a:r>
+              <a:rPr lang="en-US" dirty="0"/>
+              <a:t>following procedure is followed for each of the k “folds</a:t>
             </a:r>
             <a:r>
               <a:rPr lang="en-US" dirty="0" smtClean="0"/>
@@ -9977,57 +10019,66 @@
             <a:endParaRPr lang="en-US" dirty="0"/>
           </a:p>
           <a:p>
+            <a:pPr lvl="2"/>
+            <a:r>
+              <a:rPr lang="en-US" dirty="0"/>
+              <a:t>A model is trained using  </a:t>
+            </a:r>
+            <a:r>
+              <a:rPr lang="en-US" dirty="0" smtClean="0"/>
+              <a:t>k-1 of </a:t>
+            </a:r>
+            <a:r>
+              <a:rPr lang="en-US" dirty="0"/>
+              <a:t>the folds as training data</a:t>
+            </a:r>
+            <a:r>
+              <a:rPr lang="en-US" dirty="0" smtClean="0"/>
+              <a:t>;</a:t>
+            </a:r>
+            <a:endParaRPr lang="en-US" dirty="0"/>
+          </a:p>
+          <a:p>
+            <a:pPr lvl="2"/>
+            <a:r>
+              <a:rPr lang="en-US" dirty="0"/>
+              <a:t>the resulting model is validated on the remaining part of the data (i.e., it is used as a test set to compute a performance measure such as accuracy</a:t>
+            </a:r>
+            <a:r>
+              <a:rPr lang="en-US" dirty="0" smtClean="0"/>
+              <a:t>).</a:t>
+            </a:r>
+            <a:endParaRPr lang="en-US" dirty="0"/>
+          </a:p>
+          <a:p>
+            <a:r>
+              <a:rPr lang="en-US" dirty="0"/>
+              <a:t>The performance measure reported by k-fold cross-validation is then the average of the values computed in the </a:t>
+            </a:r>
+            <a:r>
+              <a:rPr lang="en-US" dirty="0" smtClean="0"/>
+              <a:t>loop.</a:t>
+            </a:r>
+          </a:p>
+          <a:p>
             <a:pPr lvl="1"/>
             <a:r>
-              <a:rPr lang="en-US" dirty="0"/>
-              <a:t>A model is trained using  </a:t>
-            </a:r>
-            <a:r>
-              <a:rPr lang="en-US" dirty="0" smtClean="0"/>
-              <a:t>k-1 of </a:t>
-            </a:r>
-            <a:r>
-              <a:rPr lang="en-US" dirty="0"/>
-              <a:t>the folds as training data</a:t>
-            </a:r>
-            <a:r>
-              <a:rPr lang="en-US" dirty="0" smtClean="0"/>
-              <a:t>;</a:t>
-            </a:r>
-            <a:endParaRPr lang="en-US" dirty="0"/>
-          </a:p>
-          <a:p>
-            <a:pPr lvl="1"/>
-            <a:r>
-              <a:rPr lang="en-US" dirty="0"/>
-              <a:t>the resulting model is validated on the remaining part of the data (i.e., it is used as a test set to compute a performance measure such as accuracy</a:t>
-            </a:r>
-            <a:r>
-              <a:rPr lang="en-US" dirty="0" smtClean="0"/>
-              <a:t>).</a:t>
-            </a:r>
-            <a:endParaRPr lang="en-US" dirty="0"/>
-          </a:p>
-          <a:p>
-            <a:r>
-              <a:rPr lang="en-US" dirty="0"/>
-              <a:t>The performance measure reported by k-fold cross-validation is then the average of the values computed in the loop. This approach can be computationally expensive, but does not waste too much data (as is the case when fixing an arbitrary validation set</a:t>
-            </a:r>
-            <a:r>
-              <a:rPr lang="en-US" dirty="0" smtClean="0"/>
-              <a:t>),</a:t>
-            </a:r>
-          </a:p>
-          <a:p>
-            <a:pPr lvl="1"/>
-            <a:r>
-              <a:rPr lang="en-US" dirty="0" smtClean="0"/>
-              <a:t>which </a:t>
-            </a:r>
-            <a:r>
-              <a:rPr lang="en-US" dirty="0"/>
-              <a:t>is a major advantage in problems such as inverse inference where the number of samples is very small.</a:t>
-            </a:r>
+              <a:rPr lang="en-US" dirty="0" smtClean="0"/>
+              <a:t>This </a:t>
+            </a:r>
+            <a:r>
+              <a:rPr lang="en-US" dirty="0"/>
+              <a:t>approach can be computationally expensive, but does not waste too much data (as is the case when fixing an arbitrary validation </a:t>
+            </a:r>
+            <a:r>
+              <a:rPr lang="en-US"/>
+              <a:t>set</a:t>
+            </a:r>
+            <a:r>
+              <a:rPr lang="en-US" smtClean="0"/>
+              <a:t>)</a:t>
+            </a:r>
+            <a:endParaRPr lang="en-US" dirty="0" smtClean="0"/>
           </a:p>
         </p:txBody>
       </p:sp>
@@ -10739,12 +10790,8 @@
           <a:lstStyle/>
           <a:p>
             <a:r>
-              <a:rPr lang="en-US" dirty="0"/>
-              <a:t>Computing cross-validated </a:t>
-            </a:r>
-            <a:r>
-              <a:rPr lang="en-US" dirty="0" smtClean="0"/>
-              <a:t>metrics</a:t>
+              <a:rPr lang="it-IT" dirty="0" smtClean="0"/>
+              <a:t>N.B.</a:t>
             </a:r>
             <a:endParaRPr lang="en-US" dirty="0"/>
           </a:p>
@@ -10767,63 +10814,18 @@
           <a:p>
             <a:r>
               <a:rPr lang="en-US" dirty="0"/>
-              <a:t>The simplest way to use cross-validation is to call the </a:t>
-            </a:r>
-            <a:r>
-              <a:rPr lang="en-US" dirty="0" err="1"/>
-              <a:t>cross_val_score</a:t>
-            </a:r>
-            <a:r>
-              <a:rPr lang="en-US" dirty="0"/>
-              <a:t> helper function on the estimator and the dataset</a:t>
-            </a:r>
-            <a:r>
-              <a:rPr lang="en-US" dirty="0" smtClean="0"/>
-              <a:t>.</a:t>
-            </a:r>
-          </a:p>
-          <a:p>
-            <a:r>
-              <a:rPr lang="en-US" dirty="0"/>
-              <a:t>scores = </a:t>
-            </a:r>
-            <a:r>
-              <a:rPr lang="en-US" dirty="0" err="1"/>
-              <a:t>cross_val_score</a:t>
-            </a:r>
-            <a:r>
-              <a:rPr lang="en-US" dirty="0"/>
-              <a:t>(</a:t>
-            </a:r>
-            <a:r>
-              <a:rPr lang="en-US" dirty="0" err="1"/>
-              <a:t>clf</a:t>
-            </a:r>
-            <a:r>
-              <a:rPr lang="en-US" dirty="0"/>
-              <a:t>, X, y, cv=5</a:t>
-            </a:r>
-            <a:r>
-              <a:rPr lang="en-US" dirty="0" smtClean="0"/>
-              <a:t>)</a:t>
-            </a:r>
-          </a:p>
-          <a:p>
-            <a:endParaRPr lang="it-IT" dirty="0"/>
-          </a:p>
-          <a:p>
-            <a:r>
-              <a:rPr lang="en-US" dirty="0"/>
-              <a:t>Just as it is important to test a predictor on data held-out from training, preprocessing (such as standardization, feature selection, etc.) and similar data transformations similarly should be learnt from a training set and applied to held-out data for prediction:</a:t>
-            </a:r>
-            <a:endParaRPr lang="en-US" dirty="0" smtClean="0"/>
+              <a:t>Just as it is important to test a predictor on data held-out from training, preprocessing (e.g., standardization, PCA, feature selection, etc.) and similar data transformations similarly should be learnt from a training set and applied to held-out data for prediction</a:t>
+            </a:r>
+          </a:p>
+          <a:p>
+            <a:endParaRPr lang="en-US" dirty="0"/>
           </a:p>
         </p:txBody>
       </p:sp>
     </p:spTree>
     <p:extLst>
       <p:ext uri="{BB962C8B-B14F-4D97-AF65-F5344CB8AC3E}">
-        <p14:creationId xmlns:p14="http://schemas.microsoft.com/office/powerpoint/2010/main" val="2158760358"/>
+        <p14:creationId xmlns:p14="http://schemas.microsoft.com/office/powerpoint/2010/main" val="1005453781"/>
       </p:ext>
     </p:extLst>
   </p:cSld>
@@ -10865,7 +10867,15 @@
           <a:bodyPr/>
           <a:lstStyle/>
           <a:p>
-            <a:endParaRPr lang="en-US"/>
+            <a:r>
+              <a:rPr lang="en-US" dirty="0"/>
+              <a:t>Computing cross-validated </a:t>
+            </a:r>
+            <a:r>
+              <a:rPr lang="en-US" dirty="0" smtClean="0"/>
+              <a:t>metrics</a:t>
+            </a:r>
+            <a:endParaRPr lang="en-US" dirty="0"/>
           </a:p>
         </p:txBody>
       </p:sp>
@@ -10881,8 +10891,70 @@
         </p:nvSpPr>
         <p:spPr/>
         <p:txBody>
-          <a:bodyPr/>
-          <a:lstStyle/>
+          <a:bodyPr>
+            <a:normAutofit/>
+          </a:bodyPr>
+          <a:lstStyle/>
+          <a:p>
+            <a:r>
+              <a:rPr lang="it-IT" dirty="0" smtClean="0"/>
+              <a:t>A general way to assess performance of an estimator</a:t>
+            </a:r>
+          </a:p>
+          <a:p>
+            <a:endParaRPr lang="en-US" dirty="0" smtClean="0"/>
+          </a:p>
+          <a:p>
+            <a:r>
+              <a:rPr lang="en-US" dirty="0" smtClean="0"/>
+              <a:t>The </a:t>
+            </a:r>
+            <a:r>
+              <a:rPr lang="en-US" dirty="0"/>
+              <a:t>simplest way to use cross-validation is to call the </a:t>
+            </a:r>
+            <a:r>
+              <a:rPr lang="en-US" dirty="0" err="1"/>
+              <a:t>cross_val_score</a:t>
+            </a:r>
+            <a:r>
+              <a:rPr lang="en-US" dirty="0"/>
+              <a:t> helper function on the estimator and the dataset</a:t>
+            </a:r>
+            <a:r>
+              <a:rPr lang="en-US" dirty="0" smtClean="0"/>
+              <a:t>.</a:t>
+            </a:r>
+          </a:p>
+          <a:p>
+            <a:r>
+              <a:rPr lang="en-US" dirty="0"/>
+              <a:t>scores = </a:t>
+            </a:r>
+            <a:r>
+              <a:rPr lang="en-US" dirty="0" err="1"/>
+              <a:t>cross_val_score</a:t>
+            </a:r>
+            <a:r>
+              <a:rPr lang="en-US" dirty="0"/>
+              <a:t>(</a:t>
+            </a:r>
+            <a:r>
+              <a:rPr lang="en-US" dirty="0" err="1"/>
+              <a:t>clf</a:t>
+            </a:r>
+            <a:r>
+              <a:rPr lang="en-US" dirty="0"/>
+              <a:t>, X, y, cv=5</a:t>
+            </a:r>
+            <a:r>
+              <a:rPr lang="en-US" dirty="0" smtClean="0"/>
+              <a:t>)</a:t>
+            </a:r>
+          </a:p>
+          <a:p>
+            <a:endParaRPr lang="it-IT" dirty="0"/>
+          </a:p>
           <a:p>
             <a:r>
               <a:rPr lang="en-US" dirty="0"/>
@@ -10894,19 +10966,7 @@
             </a:r>
             <a:r>
               <a:rPr lang="en-US" dirty="0"/>
-              <a:t> function </a:t>
-            </a:r>
-            <a:r>
-              <a:rPr lang="en-US" dirty="0" smtClean="0"/>
-              <a:t>allows </a:t>
-            </a:r>
-            <a:r>
-              <a:rPr lang="en-US" dirty="0"/>
-              <a:t>multiple metric </a:t>
-            </a:r>
-            <a:r>
-              <a:rPr lang="en-US" dirty="0" smtClean="0"/>
-              <a:t>evaluation</a:t>
+              <a:t> function allows multiple metric evaluation</a:t>
             </a:r>
           </a:p>
           <a:p>
@@ -10917,17 +10977,17 @@
             <a:endParaRPr lang="en-US" dirty="0"/>
           </a:p>
           <a:p>
-            <a:endParaRPr lang="en-US" dirty="0"/>
-          </a:p>
-          <a:p>
-            <a:endParaRPr lang="en-US" dirty="0"/>
+            <a:endParaRPr lang="en-US" dirty="0" smtClean="0"/>
+          </a:p>
+          <a:p>
+            <a:endParaRPr lang="it-IT" dirty="0"/>
           </a:p>
         </p:txBody>
       </p:sp>
     </p:spTree>
     <p:extLst>
       <p:ext uri="{BB962C8B-B14F-4D97-AF65-F5344CB8AC3E}">
-        <p14:creationId xmlns:p14="http://schemas.microsoft.com/office/powerpoint/2010/main" val="2497803928"/>
+        <p14:creationId xmlns:p14="http://schemas.microsoft.com/office/powerpoint/2010/main" val="2158760358"/>
       </p:ext>
     </p:extLst>
   </p:cSld>

--- a/Model selection.pptx
+++ b/Model selection.pptx
@@ -5,7 +5,7 @@
     <p:sldMasterId id="2147483648" r:id="rId1"/>
   </p:sldMasterIdLst>
   <p:notesMasterIdLst>
-    <p:notesMasterId r:id="rId57"/>
+    <p:notesMasterId r:id="rId59"/>
   </p:notesMasterIdLst>
   <p:sldIdLst>
     <p:sldId id="256" r:id="rId2"/>
@@ -14,55 +14,57 @@
     <p:sldId id="259" r:id="rId5"/>
     <p:sldId id="260" r:id="rId6"/>
     <p:sldId id="261" r:id="rId7"/>
-    <p:sldId id="311" r:id="rId8"/>
-    <p:sldId id="262" r:id="rId9"/>
-    <p:sldId id="263" r:id="rId10"/>
-    <p:sldId id="265" r:id="rId11"/>
-    <p:sldId id="266" r:id="rId12"/>
-    <p:sldId id="267" r:id="rId13"/>
-    <p:sldId id="268" r:id="rId14"/>
-    <p:sldId id="269" r:id="rId15"/>
-    <p:sldId id="270" r:id="rId16"/>
-    <p:sldId id="271" r:id="rId17"/>
-    <p:sldId id="272" r:id="rId18"/>
-    <p:sldId id="273" r:id="rId19"/>
-    <p:sldId id="274" r:id="rId20"/>
-    <p:sldId id="275" r:id="rId21"/>
-    <p:sldId id="276" r:id="rId22"/>
-    <p:sldId id="277" r:id="rId23"/>
-    <p:sldId id="279" r:id="rId24"/>
-    <p:sldId id="278" r:id="rId25"/>
-    <p:sldId id="280" r:id="rId26"/>
-    <p:sldId id="281" r:id="rId27"/>
-    <p:sldId id="282" r:id="rId28"/>
-    <p:sldId id="283" r:id="rId29"/>
-    <p:sldId id="285" r:id="rId30"/>
-    <p:sldId id="286" r:id="rId31"/>
-    <p:sldId id="284" r:id="rId32"/>
-    <p:sldId id="288" r:id="rId33"/>
-    <p:sldId id="287" r:id="rId34"/>
-    <p:sldId id="289" r:id="rId35"/>
-    <p:sldId id="290" r:id="rId36"/>
-    <p:sldId id="291" r:id="rId37"/>
-    <p:sldId id="292" r:id="rId38"/>
-    <p:sldId id="293" r:id="rId39"/>
-    <p:sldId id="294" r:id="rId40"/>
-    <p:sldId id="295" r:id="rId41"/>
-    <p:sldId id="296" r:id="rId42"/>
-    <p:sldId id="297" r:id="rId43"/>
-    <p:sldId id="298" r:id="rId44"/>
-    <p:sldId id="299" r:id="rId45"/>
-    <p:sldId id="300" r:id="rId46"/>
-    <p:sldId id="302" r:id="rId47"/>
-    <p:sldId id="301" r:id="rId48"/>
-    <p:sldId id="303" r:id="rId49"/>
-    <p:sldId id="304" r:id="rId50"/>
-    <p:sldId id="305" r:id="rId51"/>
-    <p:sldId id="309" r:id="rId52"/>
-    <p:sldId id="308" r:id="rId53"/>
-    <p:sldId id="307" r:id="rId54"/>
-    <p:sldId id="306" r:id="rId55"/>
-    <p:sldId id="310" r:id="rId56"/>
+    <p:sldId id="262" r:id="rId8"/>
+    <p:sldId id="312" r:id="rId9"/>
+    <p:sldId id="311" r:id="rId10"/>
+    <p:sldId id="263" r:id="rId11"/>
+    <p:sldId id="265" r:id="rId12"/>
+    <p:sldId id="266" r:id="rId13"/>
+    <p:sldId id="267" r:id="rId14"/>
+    <p:sldId id="268" r:id="rId15"/>
+    <p:sldId id="269" r:id="rId16"/>
+    <p:sldId id="270" r:id="rId17"/>
+    <p:sldId id="271" r:id="rId18"/>
+    <p:sldId id="272" r:id="rId19"/>
+    <p:sldId id="273" r:id="rId20"/>
+    <p:sldId id="274" r:id="rId21"/>
+    <p:sldId id="275" r:id="rId22"/>
+    <p:sldId id="276" r:id="rId23"/>
+    <p:sldId id="277" r:id="rId24"/>
+    <p:sldId id="279" r:id="rId25"/>
+    <p:sldId id="278" r:id="rId26"/>
+    <p:sldId id="280" r:id="rId27"/>
+    <p:sldId id="281" r:id="rId28"/>
+    <p:sldId id="282" r:id="rId29"/>
+    <p:sldId id="283" r:id="rId30"/>
+    <p:sldId id="285" r:id="rId31"/>
+    <p:sldId id="286" r:id="rId32"/>
+    <p:sldId id="313" r:id="rId33"/>
+    <p:sldId id="284" r:id="rId34"/>
+    <p:sldId id="288" r:id="rId35"/>
+    <p:sldId id="287" r:id="rId36"/>
+    <p:sldId id="289" r:id="rId37"/>
+    <p:sldId id="290" r:id="rId38"/>
+    <p:sldId id="291" r:id="rId39"/>
+    <p:sldId id="292" r:id="rId40"/>
+    <p:sldId id="293" r:id="rId41"/>
+    <p:sldId id="294" r:id="rId42"/>
+    <p:sldId id="296" r:id="rId43"/>
+    <p:sldId id="297" r:id="rId44"/>
+    <p:sldId id="298" r:id="rId45"/>
+    <p:sldId id="299" r:id="rId46"/>
+    <p:sldId id="300" r:id="rId47"/>
+    <p:sldId id="302" r:id="rId48"/>
+    <p:sldId id="301" r:id="rId49"/>
+    <p:sldId id="314" r:id="rId50"/>
+    <p:sldId id="303" r:id="rId51"/>
+    <p:sldId id="304" r:id="rId52"/>
+    <p:sldId id="305" r:id="rId53"/>
+    <p:sldId id="309" r:id="rId54"/>
+    <p:sldId id="308" r:id="rId55"/>
+    <p:sldId id="307" r:id="rId56"/>
+    <p:sldId id="306" r:id="rId57"/>
+    <p:sldId id="310" r:id="rId58"/>
   </p:sldIdLst>
   <p:sldSz cx="12192000" cy="6858000"/>
   <p:notesSz cx="6858000" cy="9144000"/>
@@ -251,7 +253,7 @@
           <a:p>
             <a:fld id="{8F741A61-F0C9-4925-957E-8E5C327261BC}" type="datetimeFigureOut">
               <a:rPr lang="en-US" smtClean="0"/>
-              <a:t>5/14/2020</a:t>
+              <a:t>5/16/2020</a:t>
             </a:fld>
             <a:endParaRPr lang="en-US"/>
           </a:p>
@@ -565,8 +567,48 @@
           <a:p>
             <a:r>
               <a:rPr lang="it-IT" dirty="0" smtClean="0"/>
-              <a:t>Num is the number of samples</a:t>
-            </a:r>
+              <a:t>N.B.,</a:t>
+            </a:r>
+            <a:r>
+              <a:rPr lang="it-IT" baseline="0" dirty="0" smtClean="0"/>
+              <a:t> it has only one estimator. We’ll see later the parameter tuning (grid search</a:t>
+            </a:r>
+            <a:r>
+              <a:rPr lang="it-IT" baseline="0" dirty="0" smtClean="0"/>
+              <a:t>)</a:t>
+            </a:r>
+          </a:p>
+          <a:p>
+            <a:endParaRPr lang="it-IT" baseline="0" dirty="0" smtClean="0"/>
+          </a:p>
+          <a:p>
+            <a:endParaRPr lang="it-IT" baseline="0" dirty="0" smtClean="0"/>
+          </a:p>
+          <a:p>
+            <a:pPr marL="0" marR="0" lvl="0" indent="0" algn="l" defTabSz="914400" rtl="0" eaLnBrk="1" fontAlgn="auto" latinLnBrk="0" hangingPunct="1">
+              <a:lnSpc>
+                <a:spcPct val="100000"/>
+              </a:lnSpc>
+              <a:spcBef>
+                <a:spcPts val="0"/>
+              </a:spcBef>
+              <a:spcAft>
+                <a:spcPts val="0"/>
+              </a:spcAft>
+              <a:buClrTx/>
+              <a:buSzTx/>
+              <a:buFontTx/>
+              <a:buNone/>
+              <a:tabLst/>
+              <a:defRPr/>
+            </a:pPr>
+            <a:r>
+              <a:rPr lang="it-IT" dirty="0" smtClean="0"/>
+              <a:t>For scoring: accuracy, precision, etc., see also scikit-learn.ppt</a:t>
+            </a:r>
+            <a:endParaRPr lang="en-US" dirty="0" smtClean="0"/>
+          </a:p>
+          <a:p>
             <a:endParaRPr lang="en-US" dirty="0"/>
           </a:p>
         </p:txBody>
@@ -588,7 +630,7 @@
           <a:p>
             <a:fld id="{A5A93F47-1213-4D57-BF48-400492A37E81}" type="slidenum">
               <a:rPr lang="en-US" smtClean="0"/>
-              <a:t>30</a:t>
+              <a:t>7</a:t>
             </a:fld>
             <a:endParaRPr lang="en-US"/>
           </a:p>
@@ -597,7 +639,372 @@
     </p:spTree>
     <p:extLst>
       <p:ext uri="{BB962C8B-B14F-4D97-AF65-F5344CB8AC3E}">
-        <p14:creationId xmlns:p14="http://schemas.microsoft.com/office/powerpoint/2010/main" val="2616340613"/>
+        <p14:creationId xmlns:p14="http://schemas.microsoft.com/office/powerpoint/2010/main" val="3070304585"/>
+      </p:ext>
+    </p:extLst>
+  </p:cSld>
+  <p:clrMapOvr>
+    <a:masterClrMapping/>
+  </p:clrMapOvr>
+</p:notes>
+</file>
+
+<file path=ppt/notesSlides/notesSlide10.xml><?xml version="1.0" encoding="utf-8"?>
+<p:notes xmlns:a="http://schemas.openxmlformats.org/drawingml/2006/main" xmlns:r="http://schemas.openxmlformats.org/officeDocument/2006/relationships" xmlns:p="http://schemas.openxmlformats.org/presentationml/2006/main">
+  <p:cSld>
+    <p:spTree>
+      <p:nvGrpSpPr>
+        <p:cNvPr id="1" name=""/>
+        <p:cNvGrpSpPr/>
+        <p:nvPr/>
+      </p:nvGrpSpPr>
+      <p:grpSpPr>
+        <a:xfrm>
+          <a:off x="0" y="0"/>
+          <a:ext cx="0" cy="0"/>
+          <a:chOff x="0" y="0"/>
+          <a:chExt cx="0" cy="0"/>
+        </a:xfrm>
+      </p:grpSpPr>
+      <p:sp>
+        <p:nvSpPr>
+          <p:cNvPr id="2" name="Slide Image Placeholder 1"/>
+          <p:cNvSpPr>
+            <a:spLocks noGrp="1" noRot="1" noChangeAspect="1"/>
+          </p:cNvSpPr>
+          <p:nvPr>
+            <p:ph type="sldImg"/>
+          </p:nvPr>
+        </p:nvSpPr>
+        <p:spPr/>
+      </p:sp>
+      <p:sp>
+        <p:nvSpPr>
+          <p:cNvPr id="3" name="Notes Placeholder 2"/>
+          <p:cNvSpPr>
+            <a:spLocks noGrp="1"/>
+          </p:cNvSpPr>
+          <p:nvPr>
+            <p:ph type="body" idx="1"/>
+          </p:nvPr>
+        </p:nvSpPr>
+        <p:spPr/>
+        <p:txBody>
+          <a:bodyPr/>
+          <a:lstStyle/>
+          <a:p>
+            <a:pPr marL="0" marR="0" lvl="0" indent="0" algn="l" defTabSz="914400" rtl="0" eaLnBrk="1" fontAlgn="auto" latinLnBrk="0" hangingPunct="1">
+              <a:lnSpc>
+                <a:spcPct val="100000"/>
+              </a:lnSpc>
+              <a:spcBef>
+                <a:spcPts val="0"/>
+              </a:spcBef>
+              <a:spcAft>
+                <a:spcPts val="0"/>
+              </a:spcAft>
+              <a:buClrTx/>
+              <a:buSzTx/>
+              <a:buFontTx/>
+              <a:buNone/>
+              <a:tabLst/>
+              <a:defRPr/>
+            </a:pPr>
+            <a:endParaRPr lang="en-US" dirty="0" smtClean="0"/>
+          </a:p>
+        </p:txBody>
+      </p:sp>
+      <p:sp>
+        <p:nvSpPr>
+          <p:cNvPr id="4" name="Slide Number Placeholder 3"/>
+          <p:cNvSpPr>
+            <a:spLocks noGrp="1"/>
+          </p:cNvSpPr>
+          <p:nvPr>
+            <p:ph type="sldNum" sz="quarter" idx="10"/>
+          </p:nvPr>
+        </p:nvSpPr>
+        <p:spPr/>
+        <p:txBody>
+          <a:bodyPr/>
+          <a:lstStyle/>
+          <a:p>
+            <a:fld id="{A5A93F47-1213-4D57-BF48-400492A37E81}" type="slidenum">
+              <a:rPr lang="en-US" smtClean="0"/>
+              <a:t>47</a:t>
+            </a:fld>
+            <a:endParaRPr lang="en-US"/>
+          </a:p>
+        </p:txBody>
+      </p:sp>
+    </p:spTree>
+    <p:extLst>
+      <p:ext uri="{BB962C8B-B14F-4D97-AF65-F5344CB8AC3E}">
+        <p14:creationId xmlns:p14="http://schemas.microsoft.com/office/powerpoint/2010/main" val="38511647"/>
+      </p:ext>
+    </p:extLst>
+  </p:cSld>
+  <p:clrMapOvr>
+    <a:masterClrMapping/>
+  </p:clrMapOvr>
+</p:notes>
+</file>
+
+<file path=ppt/notesSlides/notesSlide11.xml><?xml version="1.0" encoding="utf-8"?>
+<p:notes xmlns:a="http://schemas.openxmlformats.org/drawingml/2006/main" xmlns:r="http://schemas.openxmlformats.org/officeDocument/2006/relationships" xmlns:p="http://schemas.openxmlformats.org/presentationml/2006/main">
+  <p:cSld>
+    <p:spTree>
+      <p:nvGrpSpPr>
+        <p:cNvPr id="1" name=""/>
+        <p:cNvGrpSpPr/>
+        <p:nvPr/>
+      </p:nvGrpSpPr>
+      <p:grpSpPr>
+        <a:xfrm>
+          <a:off x="0" y="0"/>
+          <a:ext cx="0" cy="0"/>
+          <a:chOff x="0" y="0"/>
+          <a:chExt cx="0" cy="0"/>
+        </a:xfrm>
+      </p:grpSpPr>
+      <p:sp>
+        <p:nvSpPr>
+          <p:cNvPr id="2" name="Slide Image Placeholder 1"/>
+          <p:cNvSpPr>
+            <a:spLocks noGrp="1" noRot="1" noChangeAspect="1"/>
+          </p:cNvSpPr>
+          <p:nvPr>
+            <p:ph type="sldImg"/>
+          </p:nvPr>
+        </p:nvSpPr>
+        <p:spPr/>
+      </p:sp>
+      <p:sp>
+        <p:nvSpPr>
+          <p:cNvPr id="3" name="Notes Placeholder 2"/>
+          <p:cNvSpPr>
+            <a:spLocks noGrp="1"/>
+          </p:cNvSpPr>
+          <p:nvPr>
+            <p:ph type="body" idx="1"/>
+          </p:nvPr>
+        </p:nvSpPr>
+        <p:spPr/>
+        <p:txBody>
+          <a:bodyPr/>
+          <a:lstStyle/>
+          <a:p>
+            <a:endParaRPr lang="en-US" dirty="0"/>
+          </a:p>
+        </p:txBody>
+      </p:sp>
+      <p:sp>
+        <p:nvSpPr>
+          <p:cNvPr id="4" name="Slide Number Placeholder 3"/>
+          <p:cNvSpPr>
+            <a:spLocks noGrp="1"/>
+          </p:cNvSpPr>
+          <p:nvPr>
+            <p:ph type="sldNum" sz="quarter" idx="10"/>
+          </p:nvPr>
+        </p:nvSpPr>
+        <p:spPr/>
+        <p:txBody>
+          <a:bodyPr/>
+          <a:lstStyle/>
+          <a:p>
+            <a:fld id="{A5A93F47-1213-4D57-BF48-400492A37E81}" type="slidenum">
+              <a:rPr lang="en-US" smtClean="0"/>
+              <a:t>48</a:t>
+            </a:fld>
+            <a:endParaRPr lang="en-US"/>
+          </a:p>
+        </p:txBody>
+      </p:sp>
+    </p:spTree>
+    <p:extLst>
+      <p:ext uri="{BB962C8B-B14F-4D97-AF65-F5344CB8AC3E}">
+        <p14:creationId xmlns:p14="http://schemas.microsoft.com/office/powerpoint/2010/main" val="2641033440"/>
+      </p:ext>
+    </p:extLst>
+  </p:cSld>
+  <p:clrMapOvr>
+    <a:masterClrMapping/>
+  </p:clrMapOvr>
+</p:notes>
+</file>
+
+<file path=ppt/notesSlides/notesSlide12.xml><?xml version="1.0" encoding="utf-8"?>
+<p:notes xmlns:a="http://schemas.openxmlformats.org/drawingml/2006/main" xmlns:r="http://schemas.openxmlformats.org/officeDocument/2006/relationships" xmlns:p="http://schemas.openxmlformats.org/presentationml/2006/main">
+  <p:cSld>
+    <p:spTree>
+      <p:nvGrpSpPr>
+        <p:cNvPr id="1" name=""/>
+        <p:cNvGrpSpPr/>
+        <p:nvPr/>
+      </p:nvGrpSpPr>
+      <p:grpSpPr>
+        <a:xfrm>
+          <a:off x="0" y="0"/>
+          <a:ext cx="0" cy="0"/>
+          <a:chOff x="0" y="0"/>
+          <a:chExt cx="0" cy="0"/>
+        </a:xfrm>
+      </p:grpSpPr>
+      <p:sp>
+        <p:nvSpPr>
+          <p:cNvPr id="2" name="Slide Image Placeholder 1"/>
+          <p:cNvSpPr>
+            <a:spLocks noGrp="1" noRot="1" noChangeAspect="1"/>
+          </p:cNvSpPr>
+          <p:nvPr>
+            <p:ph type="sldImg"/>
+          </p:nvPr>
+        </p:nvSpPr>
+        <p:spPr/>
+      </p:sp>
+      <p:sp>
+        <p:nvSpPr>
+          <p:cNvPr id="3" name="Notes Placeholder 2"/>
+          <p:cNvSpPr>
+            <a:spLocks noGrp="1"/>
+          </p:cNvSpPr>
+          <p:nvPr>
+            <p:ph type="body" idx="1"/>
+          </p:nvPr>
+        </p:nvSpPr>
+        <p:spPr/>
+        <p:txBody>
+          <a:bodyPr/>
+          <a:lstStyle/>
+          <a:p>
+            <a:r>
+              <a:rPr lang="it-IT" dirty="0" smtClean="0"/>
+              <a:t>Multilabel like multiple tags</a:t>
+            </a:r>
+            <a:endParaRPr lang="en-US" dirty="0"/>
+          </a:p>
+        </p:txBody>
+      </p:sp>
+      <p:sp>
+        <p:nvSpPr>
+          <p:cNvPr id="4" name="Slide Number Placeholder 3"/>
+          <p:cNvSpPr>
+            <a:spLocks noGrp="1"/>
+          </p:cNvSpPr>
+          <p:nvPr>
+            <p:ph type="sldNum" sz="quarter" idx="10"/>
+          </p:nvPr>
+        </p:nvSpPr>
+        <p:spPr/>
+        <p:txBody>
+          <a:bodyPr/>
+          <a:lstStyle/>
+          <a:p>
+            <a:fld id="{A5A93F47-1213-4D57-BF48-400492A37E81}" type="slidenum">
+              <a:rPr lang="en-US" smtClean="0"/>
+              <a:t>49</a:t>
+            </a:fld>
+            <a:endParaRPr lang="en-US"/>
+          </a:p>
+        </p:txBody>
+      </p:sp>
+    </p:spTree>
+    <p:extLst>
+      <p:ext uri="{BB962C8B-B14F-4D97-AF65-F5344CB8AC3E}">
+        <p14:creationId xmlns:p14="http://schemas.microsoft.com/office/powerpoint/2010/main" val="1192022553"/>
+      </p:ext>
+    </p:extLst>
+  </p:cSld>
+  <p:clrMapOvr>
+    <a:masterClrMapping/>
+  </p:clrMapOvr>
+</p:notes>
+</file>
+
+<file path=ppt/notesSlides/notesSlide13.xml><?xml version="1.0" encoding="utf-8"?>
+<p:notes xmlns:a="http://schemas.openxmlformats.org/drawingml/2006/main" xmlns:r="http://schemas.openxmlformats.org/officeDocument/2006/relationships" xmlns:p="http://schemas.openxmlformats.org/presentationml/2006/main">
+  <p:cSld>
+    <p:spTree>
+      <p:nvGrpSpPr>
+        <p:cNvPr id="1" name=""/>
+        <p:cNvGrpSpPr/>
+        <p:nvPr/>
+      </p:nvGrpSpPr>
+      <p:grpSpPr>
+        <a:xfrm>
+          <a:off x="0" y="0"/>
+          <a:ext cx="0" cy="0"/>
+          <a:chOff x="0" y="0"/>
+          <a:chExt cx="0" cy="0"/>
+        </a:xfrm>
+      </p:grpSpPr>
+      <p:sp>
+        <p:nvSpPr>
+          <p:cNvPr id="2" name="Slide Image Placeholder 1"/>
+          <p:cNvSpPr>
+            <a:spLocks noGrp="1" noRot="1" noChangeAspect="1"/>
+          </p:cNvSpPr>
+          <p:nvPr>
+            <p:ph type="sldImg"/>
+          </p:nvPr>
+        </p:nvSpPr>
+        <p:spPr/>
+      </p:sp>
+      <p:sp>
+        <p:nvSpPr>
+          <p:cNvPr id="3" name="Notes Placeholder 2"/>
+          <p:cNvSpPr>
+            <a:spLocks noGrp="1"/>
+          </p:cNvSpPr>
+          <p:nvPr>
+            <p:ph type="body" idx="1"/>
+          </p:nvPr>
+        </p:nvSpPr>
+        <p:spPr/>
+        <p:txBody>
+          <a:bodyPr/>
+          <a:lstStyle/>
+          <a:p>
+            <a:r>
+              <a:rPr lang="it-IT" dirty="0" smtClean="0"/>
+              <a:t>Più vado a destra</a:t>
+            </a:r>
+            <a:r>
+              <a:rPr lang="it-IT" baseline="0" dirty="0" smtClean="0"/>
+              <a:t> sul grafico e più decido positivo</a:t>
+            </a:r>
+            <a:endParaRPr lang="en-US" dirty="0"/>
+          </a:p>
+        </p:txBody>
+      </p:sp>
+      <p:sp>
+        <p:nvSpPr>
+          <p:cNvPr id="4" name="Slide Number Placeholder 3"/>
+          <p:cNvSpPr>
+            <a:spLocks noGrp="1"/>
+          </p:cNvSpPr>
+          <p:nvPr>
+            <p:ph type="sldNum" sz="quarter" idx="10"/>
+          </p:nvPr>
+        </p:nvSpPr>
+        <p:spPr/>
+        <p:txBody>
+          <a:bodyPr/>
+          <a:lstStyle/>
+          <a:p>
+            <a:fld id="{A5A93F47-1213-4D57-BF48-400492A37E81}" type="slidenum">
+              <a:rPr lang="en-US" smtClean="0"/>
+              <a:t>55</a:t>
+            </a:fld>
+            <a:endParaRPr lang="en-US"/>
+          </a:p>
+        </p:txBody>
+      </p:sp>
+    </p:spTree>
+    <p:extLst>
+      <p:ext uri="{BB962C8B-B14F-4D97-AF65-F5344CB8AC3E}">
+        <p14:creationId xmlns:p14="http://schemas.microsoft.com/office/powerpoint/2010/main" val="2252225587"/>
       </p:ext>
     </p:extLst>
   </p:cSld>
@@ -651,34 +1058,25 @@
           <a:bodyPr/>
           <a:lstStyle/>
           <a:p>
-            <a:pPr marL="0" marR="0" lvl="0" indent="0" algn="l" defTabSz="914400" rtl="0" eaLnBrk="1" fontAlgn="auto" latinLnBrk="0" hangingPunct="1">
-              <a:lnSpc>
-                <a:spcPct val="100000"/>
-              </a:lnSpc>
-              <a:spcBef>
-                <a:spcPts val="0"/>
-              </a:spcBef>
-              <a:spcAft>
-                <a:spcPts val="0"/>
-              </a:spcAft>
-              <a:buClrTx/>
-              <a:buSzTx/>
-              <a:buFontTx/>
-              <a:buNone/>
-              <a:tabLst/>
-              <a:defRPr/>
-            </a:pPr>
-            <a:r>
-              <a:rPr lang="en-US" dirty="0" smtClean="0"/>
-              <a:t>Most implementations allow each sample to provide a weighted contribution to the overall score, through the </a:t>
-            </a:r>
-            <a:r>
-              <a:rPr lang="en-US" dirty="0" err="1" smtClean="0"/>
-              <a:t>sample_weight</a:t>
-            </a:r>
-            <a:r>
-              <a:rPr lang="en-US" dirty="0" smtClean="0"/>
-              <a:t> parameter</a:t>
+            <a:r>
+              <a:rPr lang="it-IT" dirty="0" smtClean="0"/>
+              <a:t>As, before, </a:t>
+            </a:r>
+            <a:r>
+              <a:rPr lang="it-IT" dirty="0" smtClean="0"/>
+              <a:t>we are dealing with only</a:t>
+            </a:r>
+            <a:r>
+              <a:rPr lang="it-IT" baseline="0" dirty="0" smtClean="0"/>
+              <a:t> </a:t>
+            </a:r>
+            <a:r>
+              <a:rPr lang="it-IT" baseline="0" dirty="0" smtClean="0"/>
+              <a:t>one estimator, not parameter tuning (grid search</a:t>
+            </a:r>
+            <a:r>
+              <a:rPr lang="it-IT" baseline="0" dirty="0" smtClean="0"/>
+              <a:t>)</a:t>
             </a:r>
           </a:p>
           <a:p>
@@ -703,7 +1101,7 @@
           <a:p>
             <a:fld id="{A5A93F47-1213-4D57-BF48-400492A37E81}" type="slidenum">
               <a:rPr lang="en-US" smtClean="0"/>
-              <a:t>46</a:t>
+              <a:t>8</a:t>
             </a:fld>
             <a:endParaRPr lang="en-US"/>
           </a:p>
@@ -712,7 +1110,7 @@
     </p:spTree>
     <p:extLst>
       <p:ext uri="{BB962C8B-B14F-4D97-AF65-F5344CB8AC3E}">
-        <p14:creationId xmlns:p14="http://schemas.microsoft.com/office/powerpoint/2010/main" val="38511647"/>
+        <p14:creationId xmlns:p14="http://schemas.microsoft.com/office/powerpoint/2010/main" val="2805434691"/>
       </p:ext>
     </p:extLst>
   </p:cSld>
@@ -767,8 +1165,10 @@
           <a:lstStyle/>
           <a:p>
             <a:r>
-              <a:rPr lang="it-IT" dirty="0" smtClean="0"/>
-              <a:t>Multilabel like multiple tags</a:t>
+              <a:rPr lang="en-US" dirty="0" smtClean="0">
+                <a:hlinkClick r:id="rId3"/>
+              </a:rPr>
+              <a:t>https://stackoverflow.com/questions/34731421/whats-the-difference-between-kfold-and-shufflesplit-cv</a:t>
             </a:r>
             <a:endParaRPr lang="en-US" dirty="0"/>
           </a:p>
@@ -791,7 +1191,7 @@
           <a:p>
             <a:fld id="{A5A93F47-1213-4D57-BF48-400492A37E81}" type="slidenum">
               <a:rPr lang="en-US" smtClean="0"/>
-              <a:t>47</a:t>
+              <a:t>14</a:t>
             </a:fld>
             <a:endParaRPr lang="en-US"/>
           </a:p>
@@ -800,7 +1200,563 @@
     </p:spTree>
     <p:extLst>
       <p:ext uri="{BB962C8B-B14F-4D97-AF65-F5344CB8AC3E}">
-        <p14:creationId xmlns:p14="http://schemas.microsoft.com/office/powerpoint/2010/main" val="2641033440"/>
+        <p14:creationId xmlns:p14="http://schemas.microsoft.com/office/powerpoint/2010/main" val="1949109885"/>
+      </p:ext>
+    </p:extLst>
+  </p:cSld>
+  <p:clrMapOvr>
+    <a:masterClrMapping/>
+  </p:clrMapOvr>
+</p:notes>
+</file>
+
+<file path=ppt/notesSlides/notesSlide4.xml><?xml version="1.0" encoding="utf-8"?>
+<p:notes xmlns:a="http://schemas.openxmlformats.org/drawingml/2006/main" xmlns:r="http://schemas.openxmlformats.org/officeDocument/2006/relationships" xmlns:p="http://schemas.openxmlformats.org/presentationml/2006/main">
+  <p:cSld>
+    <p:spTree>
+      <p:nvGrpSpPr>
+        <p:cNvPr id="1" name=""/>
+        <p:cNvGrpSpPr/>
+        <p:nvPr/>
+      </p:nvGrpSpPr>
+      <p:grpSpPr>
+        <a:xfrm>
+          <a:off x="0" y="0"/>
+          <a:ext cx="0" cy="0"/>
+          <a:chOff x="0" y="0"/>
+          <a:chExt cx="0" cy="0"/>
+        </a:xfrm>
+      </p:grpSpPr>
+      <p:sp>
+        <p:nvSpPr>
+          <p:cNvPr id="2" name="Slide Image Placeholder 1"/>
+          <p:cNvSpPr>
+            <a:spLocks noGrp="1" noRot="1" noChangeAspect="1"/>
+          </p:cNvSpPr>
+          <p:nvPr>
+            <p:ph type="sldImg"/>
+          </p:nvPr>
+        </p:nvSpPr>
+        <p:spPr/>
+      </p:sp>
+      <p:sp>
+        <p:nvSpPr>
+          <p:cNvPr id="3" name="Notes Placeholder 2"/>
+          <p:cNvSpPr>
+            <a:spLocks noGrp="1"/>
+          </p:cNvSpPr>
+          <p:nvPr>
+            <p:ph type="body" idx="1"/>
+          </p:nvPr>
+        </p:nvSpPr>
+        <p:spPr/>
+        <p:txBody>
+          <a:bodyPr/>
+          <a:lstStyle/>
+          <a:p>
+            <a:r>
+              <a:rPr lang="it-IT" dirty="0" smtClean="0"/>
+              <a:t>Differently</a:t>
+            </a:r>
+            <a:r>
+              <a:rPr lang="it-IT" baseline="0" dirty="0" smtClean="0"/>
+              <a:t> form GroupKFold, a group may appear in more validation sets (they are generated randomly at each iteration)</a:t>
+            </a:r>
+            <a:endParaRPr lang="en-US" dirty="0"/>
+          </a:p>
+        </p:txBody>
+      </p:sp>
+      <p:sp>
+        <p:nvSpPr>
+          <p:cNvPr id="4" name="Slide Number Placeholder 3"/>
+          <p:cNvSpPr>
+            <a:spLocks noGrp="1"/>
+          </p:cNvSpPr>
+          <p:nvPr>
+            <p:ph type="sldNum" sz="quarter" idx="10"/>
+          </p:nvPr>
+        </p:nvSpPr>
+        <p:spPr/>
+        <p:txBody>
+          <a:bodyPr/>
+          <a:lstStyle/>
+          <a:p>
+            <a:fld id="{A5A93F47-1213-4D57-BF48-400492A37E81}" type="slidenum">
+              <a:rPr lang="en-US" smtClean="0"/>
+              <a:t>21</a:t>
+            </a:fld>
+            <a:endParaRPr lang="en-US"/>
+          </a:p>
+        </p:txBody>
+      </p:sp>
+    </p:spTree>
+    <p:extLst>
+      <p:ext uri="{BB962C8B-B14F-4D97-AF65-F5344CB8AC3E}">
+        <p14:creationId xmlns:p14="http://schemas.microsoft.com/office/powerpoint/2010/main" val="486507218"/>
+      </p:ext>
+    </p:extLst>
+  </p:cSld>
+  <p:clrMapOvr>
+    <a:masterClrMapping/>
+  </p:clrMapOvr>
+</p:notes>
+</file>
+
+<file path=ppt/notesSlides/notesSlide5.xml><?xml version="1.0" encoding="utf-8"?>
+<p:notes xmlns:a="http://schemas.openxmlformats.org/drawingml/2006/main" xmlns:r="http://schemas.openxmlformats.org/officeDocument/2006/relationships" xmlns:p="http://schemas.openxmlformats.org/presentationml/2006/main">
+  <p:cSld>
+    <p:spTree>
+      <p:nvGrpSpPr>
+        <p:cNvPr id="1" name=""/>
+        <p:cNvGrpSpPr/>
+        <p:nvPr/>
+      </p:nvGrpSpPr>
+      <p:grpSpPr>
+        <a:xfrm>
+          <a:off x="0" y="0"/>
+          <a:ext cx="0" cy="0"/>
+          <a:chOff x="0" y="0"/>
+          <a:chExt cx="0" cy="0"/>
+        </a:xfrm>
+      </p:grpSpPr>
+      <p:sp>
+        <p:nvSpPr>
+          <p:cNvPr id="2" name="Slide Image Placeholder 1"/>
+          <p:cNvSpPr>
+            <a:spLocks noGrp="1" noRot="1" noChangeAspect="1"/>
+          </p:cNvSpPr>
+          <p:nvPr>
+            <p:ph type="sldImg"/>
+          </p:nvPr>
+        </p:nvSpPr>
+        <p:spPr/>
+      </p:sp>
+      <p:sp>
+        <p:nvSpPr>
+          <p:cNvPr id="3" name="Notes Placeholder 2"/>
+          <p:cNvSpPr>
+            <a:spLocks noGrp="1"/>
+          </p:cNvSpPr>
+          <p:nvPr>
+            <p:ph type="body" idx="1"/>
+          </p:nvPr>
+        </p:nvSpPr>
+        <p:spPr/>
+        <p:txBody>
+          <a:bodyPr/>
+          <a:lstStyle/>
+          <a:p>
+            <a:r>
+              <a:rPr lang="it-IT" dirty="0" smtClean="0"/>
+              <a:t>First bullet:</a:t>
+            </a:r>
+          </a:p>
+          <a:p>
+            <a:r>
+              <a:rPr lang="it-IT" dirty="0" smtClean="0"/>
+              <a:t>Pay</a:t>
+            </a:r>
+            <a:r>
+              <a:rPr lang="it-IT" baseline="0" dirty="0" smtClean="0"/>
+              <a:t> attention if there is a pattern in data.</a:t>
+            </a:r>
+            <a:br>
+              <a:rPr lang="it-IT" baseline="0" dirty="0" smtClean="0"/>
+            </a:br>
+            <a:r>
+              <a:rPr lang="it-IT" baseline="0" dirty="0" smtClean="0"/>
+              <a:t>If there is a label (target) pattern, do the shuffle (if not already donw with train_test_split)</a:t>
+            </a:r>
+            <a:br>
+              <a:rPr lang="it-IT" baseline="0" dirty="0" smtClean="0"/>
+            </a:br>
+            <a:r>
+              <a:rPr lang="it-IT" baseline="0" dirty="0" smtClean="0"/>
+              <a:t>If it is a time pattern, consider Time Series Cross Validation</a:t>
+            </a:r>
+            <a:endParaRPr lang="en-US" dirty="0"/>
+          </a:p>
+        </p:txBody>
+      </p:sp>
+      <p:sp>
+        <p:nvSpPr>
+          <p:cNvPr id="4" name="Slide Number Placeholder 3"/>
+          <p:cNvSpPr>
+            <a:spLocks noGrp="1"/>
+          </p:cNvSpPr>
+          <p:nvPr>
+            <p:ph type="sldNum" sz="quarter" idx="10"/>
+          </p:nvPr>
+        </p:nvSpPr>
+        <p:spPr/>
+        <p:txBody>
+          <a:bodyPr/>
+          <a:lstStyle/>
+          <a:p>
+            <a:fld id="{A5A93F47-1213-4D57-BF48-400492A37E81}" type="slidenum">
+              <a:rPr lang="en-US" smtClean="0"/>
+              <a:t>24</a:t>
+            </a:fld>
+            <a:endParaRPr lang="en-US"/>
+          </a:p>
+        </p:txBody>
+      </p:sp>
+    </p:spTree>
+    <p:extLst>
+      <p:ext uri="{BB962C8B-B14F-4D97-AF65-F5344CB8AC3E}">
+        <p14:creationId xmlns:p14="http://schemas.microsoft.com/office/powerpoint/2010/main" val="3840974690"/>
+      </p:ext>
+    </p:extLst>
+  </p:cSld>
+  <p:clrMapOvr>
+    <a:masterClrMapping/>
+  </p:clrMapOvr>
+</p:notes>
+</file>
+
+<file path=ppt/notesSlides/notesSlide6.xml><?xml version="1.0" encoding="utf-8"?>
+<p:notes xmlns:a="http://schemas.openxmlformats.org/drawingml/2006/main" xmlns:r="http://schemas.openxmlformats.org/officeDocument/2006/relationships" xmlns:p="http://schemas.openxmlformats.org/presentationml/2006/main">
+  <p:cSld>
+    <p:spTree>
+      <p:nvGrpSpPr>
+        <p:cNvPr id="1" name=""/>
+        <p:cNvGrpSpPr/>
+        <p:nvPr/>
+      </p:nvGrpSpPr>
+      <p:grpSpPr>
+        <a:xfrm>
+          <a:off x="0" y="0"/>
+          <a:ext cx="0" cy="0"/>
+          <a:chOff x="0" y="0"/>
+          <a:chExt cx="0" cy="0"/>
+        </a:xfrm>
+      </p:grpSpPr>
+      <p:sp>
+        <p:nvSpPr>
+          <p:cNvPr id="2" name="Slide Image Placeholder 1"/>
+          <p:cNvSpPr>
+            <a:spLocks noGrp="1" noRot="1" noChangeAspect="1"/>
+          </p:cNvSpPr>
+          <p:nvPr>
+            <p:ph type="sldImg"/>
+          </p:nvPr>
+        </p:nvSpPr>
+        <p:spPr/>
+      </p:sp>
+      <p:sp>
+        <p:nvSpPr>
+          <p:cNvPr id="3" name="Notes Placeholder 2"/>
+          <p:cNvSpPr>
+            <a:spLocks noGrp="1"/>
+          </p:cNvSpPr>
+          <p:nvPr>
+            <p:ph type="body" idx="1"/>
+          </p:nvPr>
+        </p:nvSpPr>
+        <p:spPr/>
+        <p:txBody>
+          <a:bodyPr/>
+          <a:lstStyle/>
+          <a:p>
+            <a:r>
+              <a:rPr lang="it-IT" dirty="0" smtClean="0"/>
+              <a:t>Probability density distribution</a:t>
+            </a:r>
+            <a:endParaRPr lang="en-US" dirty="0"/>
+          </a:p>
+        </p:txBody>
+      </p:sp>
+      <p:sp>
+        <p:nvSpPr>
+          <p:cNvPr id="4" name="Slide Number Placeholder 3"/>
+          <p:cNvSpPr>
+            <a:spLocks noGrp="1"/>
+          </p:cNvSpPr>
+          <p:nvPr>
+            <p:ph type="sldNum" sz="quarter" idx="10"/>
+          </p:nvPr>
+        </p:nvSpPr>
+        <p:spPr/>
+        <p:txBody>
+          <a:bodyPr/>
+          <a:lstStyle/>
+          <a:p>
+            <a:fld id="{A5A93F47-1213-4D57-BF48-400492A37E81}" type="slidenum">
+              <a:rPr lang="en-US" smtClean="0"/>
+              <a:t>30</a:t>
+            </a:fld>
+            <a:endParaRPr lang="en-US"/>
+          </a:p>
+        </p:txBody>
+      </p:sp>
+    </p:spTree>
+    <p:extLst>
+      <p:ext uri="{BB962C8B-B14F-4D97-AF65-F5344CB8AC3E}">
+        <p14:creationId xmlns:p14="http://schemas.microsoft.com/office/powerpoint/2010/main" val="406215895"/>
+      </p:ext>
+    </p:extLst>
+  </p:cSld>
+  <p:clrMapOvr>
+    <a:masterClrMapping/>
+  </p:clrMapOvr>
+</p:notes>
+</file>
+
+<file path=ppt/notesSlides/notesSlide7.xml><?xml version="1.0" encoding="utf-8"?>
+<p:notes xmlns:a="http://schemas.openxmlformats.org/drawingml/2006/main" xmlns:r="http://schemas.openxmlformats.org/officeDocument/2006/relationships" xmlns:p="http://schemas.openxmlformats.org/presentationml/2006/main">
+  <p:cSld>
+    <p:spTree>
+      <p:nvGrpSpPr>
+        <p:cNvPr id="1" name=""/>
+        <p:cNvGrpSpPr/>
+        <p:nvPr/>
+      </p:nvGrpSpPr>
+      <p:grpSpPr>
+        <a:xfrm>
+          <a:off x="0" y="0"/>
+          <a:ext cx="0" cy="0"/>
+          <a:chOff x="0" y="0"/>
+          <a:chExt cx="0" cy="0"/>
+        </a:xfrm>
+      </p:grpSpPr>
+      <p:sp>
+        <p:nvSpPr>
+          <p:cNvPr id="2" name="Slide Image Placeholder 1"/>
+          <p:cNvSpPr>
+            <a:spLocks noGrp="1" noRot="1" noChangeAspect="1"/>
+          </p:cNvSpPr>
+          <p:nvPr>
+            <p:ph type="sldImg"/>
+          </p:nvPr>
+        </p:nvSpPr>
+        <p:spPr/>
+      </p:sp>
+      <p:sp>
+        <p:nvSpPr>
+          <p:cNvPr id="3" name="Notes Placeholder 2"/>
+          <p:cNvSpPr>
+            <a:spLocks noGrp="1"/>
+          </p:cNvSpPr>
+          <p:nvPr>
+            <p:ph type="body" idx="1"/>
+          </p:nvPr>
+        </p:nvSpPr>
+        <p:spPr/>
+        <p:txBody>
+          <a:bodyPr/>
+          <a:lstStyle/>
+          <a:p>
+            <a:r>
+              <a:rPr lang="it-IT" dirty="0" smtClean="0"/>
+              <a:t>Num is the number of samples</a:t>
+            </a:r>
+            <a:endParaRPr lang="en-US" dirty="0"/>
+          </a:p>
+        </p:txBody>
+      </p:sp>
+      <p:sp>
+        <p:nvSpPr>
+          <p:cNvPr id="4" name="Slide Number Placeholder 3"/>
+          <p:cNvSpPr>
+            <a:spLocks noGrp="1"/>
+          </p:cNvSpPr>
+          <p:nvPr>
+            <p:ph type="sldNum" sz="quarter" idx="10"/>
+          </p:nvPr>
+        </p:nvSpPr>
+        <p:spPr/>
+        <p:txBody>
+          <a:bodyPr/>
+          <a:lstStyle/>
+          <a:p>
+            <a:fld id="{A5A93F47-1213-4D57-BF48-400492A37E81}" type="slidenum">
+              <a:rPr lang="en-US" smtClean="0"/>
+              <a:t>31</a:t>
+            </a:fld>
+            <a:endParaRPr lang="en-US"/>
+          </a:p>
+        </p:txBody>
+      </p:sp>
+    </p:spTree>
+    <p:extLst>
+      <p:ext uri="{BB962C8B-B14F-4D97-AF65-F5344CB8AC3E}">
+        <p14:creationId xmlns:p14="http://schemas.microsoft.com/office/powerpoint/2010/main" val="2616340613"/>
+      </p:ext>
+    </p:extLst>
+  </p:cSld>
+  <p:clrMapOvr>
+    <a:masterClrMapping/>
+  </p:clrMapOvr>
+</p:notes>
+</file>
+
+<file path=ppt/notesSlides/notesSlide8.xml><?xml version="1.0" encoding="utf-8"?>
+<p:notes xmlns:a="http://schemas.openxmlformats.org/drawingml/2006/main" xmlns:r="http://schemas.openxmlformats.org/officeDocument/2006/relationships" xmlns:p="http://schemas.openxmlformats.org/presentationml/2006/main">
+  <p:cSld>
+    <p:spTree>
+      <p:nvGrpSpPr>
+        <p:cNvPr id="1" name=""/>
+        <p:cNvGrpSpPr/>
+        <p:nvPr/>
+      </p:nvGrpSpPr>
+      <p:grpSpPr>
+        <a:xfrm>
+          <a:off x="0" y="0"/>
+          <a:ext cx="0" cy="0"/>
+          <a:chOff x="0" y="0"/>
+          <a:chExt cx="0" cy="0"/>
+        </a:xfrm>
+      </p:grpSpPr>
+      <p:sp>
+        <p:nvSpPr>
+          <p:cNvPr id="2" name="Slide Image Placeholder 1"/>
+          <p:cNvSpPr>
+            <a:spLocks noGrp="1" noRot="1" noChangeAspect="1"/>
+          </p:cNvSpPr>
+          <p:nvPr>
+            <p:ph type="sldImg"/>
+          </p:nvPr>
+        </p:nvSpPr>
+        <p:spPr/>
+      </p:sp>
+      <p:sp>
+        <p:nvSpPr>
+          <p:cNvPr id="3" name="Notes Placeholder 2"/>
+          <p:cNvSpPr>
+            <a:spLocks noGrp="1"/>
+          </p:cNvSpPr>
+          <p:nvPr>
+            <p:ph type="body" idx="1"/>
+          </p:nvPr>
+        </p:nvSpPr>
+        <p:spPr/>
+        <p:txBody>
+          <a:bodyPr/>
+          <a:lstStyle/>
+          <a:p>
+            <a:r>
+              <a:rPr lang="it-IT" dirty="0" smtClean="0"/>
+              <a:t>We’ll see in the following slides</a:t>
+            </a:r>
+            <a:endParaRPr lang="en-US" dirty="0"/>
+          </a:p>
+        </p:txBody>
+      </p:sp>
+      <p:sp>
+        <p:nvSpPr>
+          <p:cNvPr id="4" name="Slide Number Placeholder 3"/>
+          <p:cNvSpPr>
+            <a:spLocks noGrp="1"/>
+          </p:cNvSpPr>
+          <p:nvPr>
+            <p:ph type="sldNum" sz="quarter" idx="10"/>
+          </p:nvPr>
+        </p:nvSpPr>
+        <p:spPr/>
+        <p:txBody>
+          <a:bodyPr/>
+          <a:lstStyle/>
+          <a:p>
+            <a:fld id="{A5A93F47-1213-4D57-BF48-400492A37E81}" type="slidenum">
+              <a:rPr lang="en-US" smtClean="0"/>
+              <a:t>33</a:t>
+            </a:fld>
+            <a:endParaRPr lang="en-US"/>
+          </a:p>
+        </p:txBody>
+      </p:sp>
+    </p:spTree>
+    <p:extLst>
+      <p:ext uri="{BB962C8B-B14F-4D97-AF65-F5344CB8AC3E}">
+        <p14:creationId xmlns:p14="http://schemas.microsoft.com/office/powerpoint/2010/main" val="3638976208"/>
+      </p:ext>
+    </p:extLst>
+  </p:cSld>
+  <p:clrMapOvr>
+    <a:masterClrMapping/>
+  </p:clrMapOvr>
+</p:notes>
+</file>
+
+<file path=ppt/notesSlides/notesSlide9.xml><?xml version="1.0" encoding="utf-8"?>
+<p:notes xmlns:a="http://schemas.openxmlformats.org/drawingml/2006/main" xmlns:r="http://schemas.openxmlformats.org/officeDocument/2006/relationships" xmlns:p="http://schemas.openxmlformats.org/presentationml/2006/main">
+  <p:cSld>
+    <p:spTree>
+      <p:nvGrpSpPr>
+        <p:cNvPr id="1" name=""/>
+        <p:cNvGrpSpPr/>
+        <p:nvPr/>
+      </p:nvGrpSpPr>
+      <p:grpSpPr>
+        <a:xfrm>
+          <a:off x="0" y="0"/>
+          <a:ext cx="0" cy="0"/>
+          <a:chOff x="0" y="0"/>
+          <a:chExt cx="0" cy="0"/>
+        </a:xfrm>
+      </p:grpSpPr>
+      <p:sp>
+        <p:nvSpPr>
+          <p:cNvPr id="2" name="Slide Image Placeholder 1"/>
+          <p:cNvSpPr>
+            <a:spLocks noGrp="1" noRot="1" noChangeAspect="1"/>
+          </p:cNvSpPr>
+          <p:nvPr>
+            <p:ph type="sldImg"/>
+          </p:nvPr>
+        </p:nvSpPr>
+        <p:spPr/>
+      </p:sp>
+      <p:sp>
+        <p:nvSpPr>
+          <p:cNvPr id="3" name="Notes Placeholder 2"/>
+          <p:cNvSpPr>
+            <a:spLocks noGrp="1"/>
+          </p:cNvSpPr>
+          <p:nvPr>
+            <p:ph type="body" idx="1"/>
+          </p:nvPr>
+        </p:nvSpPr>
+        <p:spPr/>
+        <p:txBody>
+          <a:bodyPr/>
+          <a:lstStyle/>
+          <a:p>
+            <a:r>
+              <a:rPr lang="it-IT" dirty="0" smtClean="0"/>
+              <a:t>Code 2_scoring_metrics.py</a:t>
+            </a:r>
+            <a:endParaRPr lang="en-US" dirty="0"/>
+          </a:p>
+        </p:txBody>
+      </p:sp>
+      <p:sp>
+        <p:nvSpPr>
+          <p:cNvPr id="4" name="Slide Number Placeholder 3"/>
+          <p:cNvSpPr>
+            <a:spLocks noGrp="1"/>
+          </p:cNvSpPr>
+          <p:nvPr>
+            <p:ph type="sldNum" sz="quarter" idx="10"/>
+          </p:nvPr>
+        </p:nvSpPr>
+        <p:spPr/>
+        <p:txBody>
+          <a:bodyPr/>
+          <a:lstStyle/>
+          <a:p>
+            <a:fld id="{A5A93F47-1213-4D57-BF48-400492A37E81}" type="slidenum">
+              <a:rPr lang="en-US" smtClean="0"/>
+              <a:t>42</a:t>
+            </a:fld>
+            <a:endParaRPr lang="en-US"/>
+          </a:p>
+        </p:txBody>
+      </p:sp>
+    </p:spTree>
+    <p:extLst>
+      <p:ext uri="{BB962C8B-B14F-4D97-AF65-F5344CB8AC3E}">
+        <p14:creationId xmlns:p14="http://schemas.microsoft.com/office/powerpoint/2010/main" val="2098944653"/>
       </p:ext>
     </p:extLst>
   </p:cSld>
@@ -941,7 +1897,7 @@
           <a:p>
             <a:fld id="{63A1C593-65D0-4073-BCC9-577B9352EA97}" type="datetimeFigureOut">
               <a:rPr lang="en-US" smtClean="0"/>
-              <a:t>5/14/2020</a:t>
+              <a:t>5/16/2020</a:t>
             </a:fld>
             <a:endParaRPr lang="en-US"/>
           </a:p>
@@ -1111,7 +2067,7 @@
           <a:p>
             <a:fld id="{63A1C593-65D0-4073-BCC9-577B9352EA97}" type="datetimeFigureOut">
               <a:rPr lang="en-US" smtClean="0"/>
-              <a:t>5/14/2020</a:t>
+              <a:t>5/16/2020</a:t>
             </a:fld>
             <a:endParaRPr lang="en-US"/>
           </a:p>
@@ -1291,7 +2247,7 @@
           <a:p>
             <a:fld id="{63A1C593-65D0-4073-BCC9-577B9352EA97}" type="datetimeFigureOut">
               <a:rPr lang="en-US" smtClean="0"/>
-              <a:t>5/14/2020</a:t>
+              <a:t>5/16/2020</a:t>
             </a:fld>
             <a:endParaRPr lang="en-US"/>
           </a:p>
@@ -1461,7 +2417,7 @@
           <a:p>
             <a:fld id="{63A1C593-65D0-4073-BCC9-577B9352EA97}" type="datetimeFigureOut">
               <a:rPr lang="en-US" smtClean="0"/>
-              <a:t>5/14/2020</a:t>
+              <a:t>5/16/2020</a:t>
             </a:fld>
             <a:endParaRPr lang="en-US"/>
           </a:p>
@@ -1707,7 +2663,7 @@
           <a:p>
             <a:fld id="{63A1C593-65D0-4073-BCC9-577B9352EA97}" type="datetimeFigureOut">
               <a:rPr lang="en-US" smtClean="0"/>
-              <a:t>5/14/2020</a:t>
+              <a:t>5/16/2020</a:t>
             </a:fld>
             <a:endParaRPr lang="en-US"/>
           </a:p>
@@ -1939,7 +2895,7 @@
           <a:p>
             <a:fld id="{63A1C593-65D0-4073-BCC9-577B9352EA97}" type="datetimeFigureOut">
               <a:rPr lang="en-US" smtClean="0"/>
-              <a:t>5/14/2020</a:t>
+              <a:t>5/16/2020</a:t>
             </a:fld>
             <a:endParaRPr lang="en-US"/>
           </a:p>
@@ -2306,7 +3262,7 @@
           <a:p>
             <a:fld id="{63A1C593-65D0-4073-BCC9-577B9352EA97}" type="datetimeFigureOut">
               <a:rPr lang="en-US" smtClean="0"/>
-              <a:t>5/14/2020</a:t>
+              <a:t>5/16/2020</a:t>
             </a:fld>
             <a:endParaRPr lang="en-US"/>
           </a:p>
@@ -2424,7 +3380,7 @@
           <a:p>
             <a:fld id="{63A1C593-65D0-4073-BCC9-577B9352EA97}" type="datetimeFigureOut">
               <a:rPr lang="en-US" smtClean="0"/>
-              <a:t>5/14/2020</a:t>
+              <a:t>5/16/2020</a:t>
             </a:fld>
             <a:endParaRPr lang="en-US"/>
           </a:p>
@@ -2519,7 +3475,7 @@
           <a:p>
             <a:fld id="{63A1C593-65D0-4073-BCC9-577B9352EA97}" type="datetimeFigureOut">
               <a:rPr lang="en-US" smtClean="0"/>
-              <a:t>5/14/2020</a:t>
+              <a:t>5/16/2020</a:t>
             </a:fld>
             <a:endParaRPr lang="en-US"/>
           </a:p>
@@ -2796,7 +3752,7 @@
           <a:p>
             <a:fld id="{63A1C593-65D0-4073-BCC9-577B9352EA97}" type="datetimeFigureOut">
               <a:rPr lang="en-US" smtClean="0"/>
-              <a:t>5/14/2020</a:t>
+              <a:t>5/16/2020</a:t>
             </a:fld>
             <a:endParaRPr lang="en-US"/>
           </a:p>
@@ -3049,7 +4005,7 @@
           <a:p>
             <a:fld id="{63A1C593-65D0-4073-BCC9-577B9352EA97}" type="datetimeFigureOut">
               <a:rPr lang="en-US" smtClean="0"/>
-              <a:t>5/14/2020</a:t>
+              <a:t>5/16/2020</a:t>
             </a:fld>
             <a:endParaRPr lang="en-US"/>
           </a:p>
@@ -3262,7 +4218,7 @@
           <a:p>
             <a:fld id="{63A1C593-65D0-4073-BCC9-577B9352EA97}" type="datetimeFigureOut">
               <a:rPr lang="en-US" smtClean="0"/>
-              <a:t>5/14/2020</a:t>
+              <a:t>5/16/2020</a:t>
             </a:fld>
             <a:endParaRPr lang="en-US"/>
           </a:p>
@@ -3759,6 +4715,190 @@
           <a:lstStyle/>
           <a:p>
             <a:r>
+              <a:rPr lang="it-IT" dirty="0" smtClean="0"/>
+              <a:t>Cross-validation iterators</a:t>
+            </a:r>
+            <a:endParaRPr lang="en-US" dirty="0"/>
+          </a:p>
+        </p:txBody>
+      </p:sp>
+      <p:sp>
+        <p:nvSpPr>
+          <p:cNvPr id="3" name="Content Placeholder 2"/>
+          <p:cNvSpPr>
+            <a:spLocks noGrp="1"/>
+          </p:cNvSpPr>
+          <p:nvPr>
+            <p:ph idx="1"/>
+          </p:nvPr>
+        </p:nvSpPr>
+        <p:spPr/>
+        <p:txBody>
+          <a:bodyPr>
+            <a:normAutofit fontScale="92500" lnSpcReduction="20000"/>
+          </a:bodyPr>
+          <a:lstStyle/>
+          <a:p>
+            <a:r>
+              <a:rPr lang="en-US" dirty="0">
+                <a:solidFill>
+                  <a:srgbClr val="FF0000"/>
+                </a:solidFill>
+              </a:rPr>
+              <a:t>U</a:t>
+            </a:r>
+            <a:r>
+              <a:rPr lang="en-US" dirty="0" smtClean="0">
+                <a:solidFill>
+                  <a:srgbClr val="FF0000"/>
+                </a:solidFill>
+              </a:rPr>
+              <a:t>tilities </a:t>
+            </a:r>
+            <a:r>
+              <a:rPr lang="en-US" dirty="0">
+                <a:solidFill>
+                  <a:srgbClr val="FF0000"/>
+                </a:solidFill>
+              </a:rPr>
+              <a:t>to generate indices that can be used to generate dataset splits according to different cross validation strategies.</a:t>
+            </a:r>
+            <a:endParaRPr lang="en-US" dirty="0" smtClean="0">
+              <a:solidFill>
+                <a:srgbClr val="FF0000"/>
+              </a:solidFill>
+            </a:endParaRPr>
+          </a:p>
+          <a:p>
+            <a:r>
+              <a:rPr lang="en-US" dirty="0" smtClean="0"/>
+              <a:t>Cross-validation </a:t>
+            </a:r>
+            <a:r>
+              <a:rPr lang="en-US" dirty="0"/>
+              <a:t>iterators for </a:t>
+            </a:r>
+            <a:r>
+              <a:rPr lang="en-US" dirty="0" err="1"/>
+              <a:t>i.i.d</a:t>
+            </a:r>
+            <a:r>
+              <a:rPr lang="en-US" dirty="0"/>
+              <a:t>. data</a:t>
+            </a:r>
+          </a:p>
+          <a:p>
+            <a:pPr lvl="1"/>
+            <a:r>
+              <a:rPr lang="en-US" dirty="0"/>
+              <a:t>Assuming that some data is Independent and Identically Distributed (</a:t>
+            </a:r>
+            <a:r>
+              <a:rPr lang="en-US" dirty="0" err="1"/>
+              <a:t>i.i.d</a:t>
+            </a:r>
+            <a:r>
+              <a:rPr lang="en-US" dirty="0"/>
+              <a:t>.) is making the assumption that all samples stem from the same generative process and that the generative process is assumed to have no memory of past generated samples</a:t>
+            </a:r>
+            <a:r>
+              <a:rPr lang="en-US" dirty="0" smtClean="0"/>
+              <a:t>.</a:t>
+            </a:r>
+          </a:p>
+          <a:p>
+            <a:r>
+              <a:rPr lang="en-US" dirty="0"/>
+              <a:t>While </a:t>
+            </a:r>
+            <a:r>
+              <a:rPr lang="en-US" dirty="0" err="1"/>
+              <a:t>i.i.d</a:t>
+            </a:r>
+            <a:r>
+              <a:rPr lang="en-US" dirty="0"/>
+              <a:t>. data is a common assumption in machine learning theory, it rarely holds in practice. If one knows that the samples have been generated using a time-dependent process, it’s safer to use a </a:t>
+            </a:r>
+            <a:r>
+              <a:rPr lang="en-US" b="1" dirty="0"/>
+              <a:t>time-series aware cross-validation </a:t>
+            </a:r>
+            <a:r>
+              <a:rPr lang="en-US" b="1" dirty="0" smtClean="0"/>
+              <a:t>scheme</a:t>
+            </a:r>
+            <a:endParaRPr lang="en-US" b="1" dirty="0"/>
+          </a:p>
+          <a:p>
+            <a:r>
+              <a:rPr lang="en-US" dirty="0" smtClean="0"/>
+              <a:t>Similarly </a:t>
+            </a:r>
+            <a:r>
+              <a:rPr lang="en-US" dirty="0"/>
+              <a:t>if we know that the generative process has a group structure (samples from collected from different subjects, experiments, measurement devices) it safer to use </a:t>
+            </a:r>
+            <a:r>
+              <a:rPr lang="en-US" b="1" dirty="0"/>
+              <a:t>group-wise cross-validation</a:t>
+            </a:r>
+            <a:r>
+              <a:rPr lang="en-US" dirty="0"/>
+              <a:t>.</a:t>
+            </a:r>
+            <a:endParaRPr lang="en-US" dirty="0" smtClean="0"/>
+          </a:p>
+          <a:p>
+            <a:endParaRPr lang="en-US" dirty="0"/>
+          </a:p>
+        </p:txBody>
+      </p:sp>
+    </p:spTree>
+    <p:extLst>
+      <p:ext uri="{BB962C8B-B14F-4D97-AF65-F5344CB8AC3E}">
+        <p14:creationId xmlns:p14="http://schemas.microsoft.com/office/powerpoint/2010/main" val="2352341139"/>
+      </p:ext>
+    </p:extLst>
+  </p:cSld>
+  <p:clrMapOvr>
+    <a:masterClrMapping/>
+  </p:clrMapOvr>
+</p:sld>
+</file>
+
+<file path=ppt/slides/slide11.xml><?xml version="1.0" encoding="utf-8"?>
+<p:sld xmlns:a="http://schemas.openxmlformats.org/drawingml/2006/main" xmlns:r="http://schemas.openxmlformats.org/officeDocument/2006/relationships" xmlns:p="http://schemas.openxmlformats.org/presentationml/2006/main">
+  <p:cSld>
+    <p:spTree>
+      <p:nvGrpSpPr>
+        <p:cNvPr id="1" name=""/>
+        <p:cNvGrpSpPr/>
+        <p:nvPr/>
+      </p:nvGrpSpPr>
+      <p:grpSpPr>
+        <a:xfrm>
+          <a:off x="0" y="0"/>
+          <a:ext cx="0" cy="0"/>
+          <a:chOff x="0" y="0"/>
+          <a:chExt cx="0" cy="0"/>
+        </a:xfrm>
+      </p:grpSpPr>
+      <p:sp>
+        <p:nvSpPr>
+          <p:cNvPr id="2" name="Title 1"/>
+          <p:cNvSpPr>
+            <a:spLocks noGrp="1"/>
+          </p:cNvSpPr>
+          <p:nvPr>
+            <p:ph type="title"/>
+          </p:nvPr>
+        </p:nvSpPr>
+        <p:spPr/>
+        <p:txBody>
+          <a:bodyPr/>
+          <a:lstStyle/>
+          <a:p>
+            <a:r>
               <a:rPr lang="en-US" dirty="0"/>
               <a:t>Cross-validation iterators for </a:t>
             </a:r>
@@ -3822,7 +4962,7 @@
         </p:blipFill>
         <p:spPr bwMode="auto">
           <a:xfrm>
-            <a:off x="4708525" y="1781175"/>
+            <a:off x="3238500" y="2436783"/>
             <a:ext cx="5715000" cy="2857500"/>
           </a:xfrm>
           <a:prstGeom prst="rect">
@@ -3853,110 +4993,6 @@
 </p:sld>
 </file>
 
-<file path=ppt/slides/slide11.xml><?xml version="1.0" encoding="utf-8"?>
-<p:sld xmlns:a="http://schemas.openxmlformats.org/drawingml/2006/main" xmlns:r="http://schemas.openxmlformats.org/officeDocument/2006/relationships" xmlns:p="http://schemas.openxmlformats.org/presentationml/2006/main">
-  <p:cSld>
-    <p:spTree>
-      <p:nvGrpSpPr>
-        <p:cNvPr id="1" name=""/>
-        <p:cNvGrpSpPr/>
-        <p:nvPr/>
-      </p:nvGrpSpPr>
-      <p:grpSpPr>
-        <a:xfrm>
-          <a:off x="0" y="0"/>
-          <a:ext cx="0" cy="0"/>
-          <a:chOff x="0" y="0"/>
-          <a:chExt cx="0" cy="0"/>
-        </a:xfrm>
-      </p:grpSpPr>
-      <p:sp>
-        <p:nvSpPr>
-          <p:cNvPr id="2" name="Title 1"/>
-          <p:cNvSpPr>
-            <a:spLocks noGrp="1"/>
-          </p:cNvSpPr>
-          <p:nvPr>
-            <p:ph type="title"/>
-          </p:nvPr>
-        </p:nvSpPr>
-        <p:spPr/>
-        <p:txBody>
-          <a:bodyPr/>
-          <a:lstStyle/>
-          <a:p>
-            <a:r>
-              <a:rPr lang="it-IT" dirty="0" smtClean="0"/>
-              <a:t>Leave one out</a:t>
-            </a:r>
-            <a:endParaRPr lang="en-US" dirty="0"/>
-          </a:p>
-        </p:txBody>
-      </p:sp>
-      <p:sp>
-        <p:nvSpPr>
-          <p:cNvPr id="3" name="Content Placeholder 2"/>
-          <p:cNvSpPr>
-            <a:spLocks noGrp="1"/>
-          </p:cNvSpPr>
-          <p:nvPr>
-            <p:ph idx="1"/>
-          </p:nvPr>
-        </p:nvSpPr>
-        <p:spPr/>
-        <p:txBody>
-          <a:bodyPr/>
-          <a:lstStyle/>
-          <a:p>
-            <a:r>
-              <a:rPr lang="en-US" dirty="0" err="1"/>
-              <a:t>LeaveOneOut</a:t>
-            </a:r>
-            <a:r>
-              <a:rPr lang="en-US" dirty="0"/>
-              <a:t> (or LOO) is a simple cross-validation. Each learning set is created by taking all the samples except one, the test set being the sample left out. Thus, for  samples, we have  different training sets and  different tests set. This cross-validation procedure does not waste much data as only one sample is removed from the training </a:t>
-            </a:r>
-            <a:r>
-              <a:rPr lang="en-US" dirty="0" smtClean="0"/>
-              <a:t>set</a:t>
-            </a:r>
-          </a:p>
-          <a:p>
-            <a:r>
-              <a:rPr lang="en-US" dirty="0"/>
-              <a:t>A</a:t>
-            </a:r>
-            <a:r>
-              <a:rPr lang="en-US" dirty="0" smtClean="0"/>
-              <a:t>ssuming</a:t>
-            </a:r>
-            <a:r>
-              <a:rPr lang="en-US" dirty="0"/>
-              <a:t> k is not too large and k&lt;n, LOO is more computationally expensive than k-fold cross validation.</a:t>
-            </a:r>
-            <a:endParaRPr lang="it-IT" dirty="0"/>
-          </a:p>
-          <a:p>
-            <a:r>
-              <a:rPr lang="en-US" dirty="0"/>
-              <a:t>As a general rule, most authors, and empirical evidence, suggest that 5- or 10- fold cross validation should be preferred to LOO.</a:t>
-            </a:r>
-          </a:p>
-        </p:txBody>
-      </p:sp>
-    </p:spTree>
-    <p:extLst>
-      <p:ext uri="{BB962C8B-B14F-4D97-AF65-F5344CB8AC3E}">
-        <p14:creationId xmlns:p14="http://schemas.microsoft.com/office/powerpoint/2010/main" val="1450411928"/>
-      </p:ext>
-    </p:extLst>
-  </p:cSld>
-  <p:clrMapOvr>
-    <a:masterClrMapping/>
-  </p:clrMapOvr>
-</p:sld>
-</file>
-
 <file path=ppt/slides/slide12.xml><?xml version="1.0" encoding="utf-8"?>
 <p:sld xmlns:a="http://schemas.openxmlformats.org/drawingml/2006/main" xmlns:r="http://schemas.openxmlformats.org/officeDocument/2006/relationships" xmlns:p="http://schemas.openxmlformats.org/presentationml/2006/main">
   <p:cSld>
@@ -3991,7 +5027,7 @@
           <a:p>
             <a:r>
               <a:rPr lang="it-IT" dirty="0" smtClean="0"/>
-              <a:t>Leave P out</a:t>
+              <a:t>Leave one out</a:t>
             </a:r>
             <a:endParaRPr lang="en-US" dirty="0"/>
           </a:p>
@@ -4012,14 +5048,46 @@
           <a:bodyPr/>
           <a:lstStyle/>
           <a:p>
-            <a:endParaRPr lang="en-US"/>
+            <a:r>
+              <a:rPr lang="en-US" dirty="0" err="1"/>
+              <a:t>LeaveOneOut</a:t>
+            </a:r>
+            <a:r>
+              <a:rPr lang="en-US" dirty="0"/>
+              <a:t> (or LOO) is a simple cross-validation. Each learning set is created by taking all the samples except one, the test set being the sample left out. Thus, for  samples, we have  different training sets and  different tests set. This cross-validation procedure does not waste much data as only one sample is removed from the training </a:t>
+            </a:r>
+            <a:r>
+              <a:rPr lang="en-US" dirty="0" smtClean="0"/>
+              <a:t>set</a:t>
+            </a:r>
+          </a:p>
+          <a:p>
+            <a:r>
+              <a:rPr lang="en-US" dirty="0"/>
+              <a:t>A</a:t>
+            </a:r>
+            <a:r>
+              <a:rPr lang="en-US" dirty="0" smtClean="0"/>
+              <a:t>ssuming</a:t>
+            </a:r>
+            <a:r>
+              <a:rPr lang="en-US" dirty="0"/>
+              <a:t> k is not too large and k&lt;n, LOO is more computationally expensive than k-fold cross validation.</a:t>
+            </a:r>
+            <a:endParaRPr lang="it-IT" dirty="0"/>
+          </a:p>
+          <a:p>
+            <a:r>
+              <a:rPr lang="en-US" dirty="0"/>
+              <a:t>As a general rule, most authors, and empirical evidence, suggest that 5- or 10- fold cross validation should be preferred to LOO.</a:t>
+            </a:r>
           </a:p>
         </p:txBody>
       </p:sp>
     </p:spTree>
     <p:extLst>
       <p:ext uri="{BB962C8B-B14F-4D97-AF65-F5344CB8AC3E}">
-        <p14:creationId xmlns:p14="http://schemas.microsoft.com/office/powerpoint/2010/main" val="4138905319"/>
+        <p14:creationId xmlns:p14="http://schemas.microsoft.com/office/powerpoint/2010/main" val="1450411928"/>
       </p:ext>
     </p:extLst>
   </p:cSld>
@@ -4058,6 +5126,78 @@
         </p:nvSpPr>
         <p:spPr/>
         <p:txBody>
+          <a:bodyPr/>
+          <a:lstStyle/>
+          <a:p>
+            <a:r>
+              <a:rPr lang="it-IT" dirty="0" smtClean="0"/>
+              <a:t>Leave P out</a:t>
+            </a:r>
+            <a:endParaRPr lang="en-US" dirty="0"/>
+          </a:p>
+        </p:txBody>
+      </p:sp>
+      <p:sp>
+        <p:nvSpPr>
+          <p:cNvPr id="3" name="Content Placeholder 2"/>
+          <p:cNvSpPr>
+            <a:spLocks noGrp="1"/>
+          </p:cNvSpPr>
+          <p:nvPr>
+            <p:ph idx="1"/>
+          </p:nvPr>
+        </p:nvSpPr>
+        <p:spPr/>
+        <p:txBody>
+          <a:bodyPr/>
+          <a:lstStyle/>
+          <a:p>
+            <a:endParaRPr lang="en-US"/>
+          </a:p>
+        </p:txBody>
+      </p:sp>
+    </p:spTree>
+    <p:extLst>
+      <p:ext uri="{BB962C8B-B14F-4D97-AF65-F5344CB8AC3E}">
+        <p14:creationId xmlns:p14="http://schemas.microsoft.com/office/powerpoint/2010/main" val="4138905319"/>
+      </p:ext>
+    </p:extLst>
+  </p:cSld>
+  <p:clrMapOvr>
+    <a:masterClrMapping/>
+  </p:clrMapOvr>
+</p:sld>
+</file>
+
+<file path=ppt/slides/slide14.xml><?xml version="1.0" encoding="utf-8"?>
+<p:sld xmlns:a="http://schemas.openxmlformats.org/drawingml/2006/main" xmlns:r="http://schemas.openxmlformats.org/officeDocument/2006/relationships" xmlns:p="http://schemas.openxmlformats.org/presentationml/2006/main">
+  <p:cSld>
+    <p:spTree>
+      <p:nvGrpSpPr>
+        <p:cNvPr id="1" name=""/>
+        <p:cNvGrpSpPr/>
+        <p:nvPr/>
+      </p:nvGrpSpPr>
+      <p:grpSpPr>
+        <a:xfrm>
+          <a:off x="0" y="0"/>
+          <a:ext cx="0" cy="0"/>
+          <a:chOff x="0" y="0"/>
+          <a:chExt cx="0" cy="0"/>
+        </a:xfrm>
+      </p:grpSpPr>
+      <p:sp>
+        <p:nvSpPr>
+          <p:cNvPr id="2" name="Title 1"/>
+          <p:cNvSpPr>
+            <a:spLocks noGrp="1"/>
+          </p:cNvSpPr>
+          <p:nvPr>
+            <p:ph type="title"/>
+          </p:nvPr>
+        </p:nvSpPr>
+        <p:spPr/>
+        <p:txBody>
           <a:bodyPr>
             <a:normAutofit/>
           </a:bodyPr>
@@ -4145,15 +5285,52 @@
             </a:r>
             <a:r>
               <a:rPr lang="en-US" dirty="0"/>
-              <a:t>number generator.</a:t>
-            </a:r>
+              <a:t>number generator</a:t>
+            </a:r>
+            <a:r>
+              <a:rPr lang="en-US" dirty="0" smtClean="0"/>
+              <a:t>.</a:t>
+            </a:r>
+          </a:p>
+          <a:p>
+            <a:endParaRPr lang="it-IT" dirty="0"/>
+          </a:p>
+          <a:p>
+            <a:r>
+              <a:rPr lang="en-US" sz="1800" dirty="0" err="1"/>
+              <a:t>ShuffleSplit</a:t>
+            </a:r>
+            <a:r>
+              <a:rPr lang="en-US" sz="1800" dirty="0"/>
+              <a:t> works </a:t>
+            </a:r>
+            <a:r>
+              <a:rPr lang="en-US" sz="1800" dirty="0" smtClean="0"/>
+              <a:t>iteratively (extraction at each step),</a:t>
+            </a:r>
+            <a:br>
+              <a:rPr lang="en-US" sz="1800" dirty="0" smtClean="0"/>
+            </a:br>
+            <a:r>
+              <a:rPr lang="en-US" sz="1800" dirty="0" err="1" smtClean="0"/>
+              <a:t>KFold</a:t>
+            </a:r>
+            <a:r>
+              <a:rPr lang="en-US" sz="1800" dirty="0" smtClean="0"/>
+              <a:t> </a:t>
+            </a:r>
+            <a:r>
+              <a:rPr lang="en-US" sz="1800" dirty="0"/>
+              <a:t>just divides the dataset into k folds</a:t>
+            </a:r>
+            <a:endParaRPr lang="en-US" sz="1800" dirty="0"/>
           </a:p>
         </p:txBody>
       </p:sp>
       <p:pic>
         <p:nvPicPr>
           <p:cNvPr id="8195" name="Picture 3" descr="../_images/sphx_glr_plot_cv_indices_0061.png">
-            <a:hlinkClick r:id="rId2"/>
+            <a:hlinkClick r:id="rId3"/>
           </p:cNvPr>
           <p:cNvPicPr>
             <a:picLocks noChangeAspect="1" noChangeArrowheads="1"/>
@@ -4161,7 +5338,7 @@
           <p:nvPr/>
         </p:nvPicPr>
         <p:blipFill>
-          <a:blip r:embed="rId3">
+          <a:blip r:embed="rId4">
             <a:extLst>
               <a:ext uri="{28A0092B-C50C-407E-A947-70E740481C1C}">
                 <a14:useLocalDpi xmlns:a14="http://schemas.microsoft.com/office/drawing/2010/main" val="0"/>
@@ -4175,7 +5352,7 @@
         </p:blipFill>
         <p:spPr bwMode="auto">
           <a:xfrm>
-            <a:off x="5861049" y="3757613"/>
+            <a:off x="6253955" y="3564732"/>
             <a:ext cx="5715000" cy="2857500"/>
           </a:xfrm>
           <a:prstGeom prst="rect">
@@ -4206,7 +5383,7 @@
 </p:sld>
 </file>
 
-<file path=ppt/slides/slide14.xml><?xml version="1.0" encoding="utf-8"?>
+<file path=ppt/slides/slide15.xml><?xml version="1.0" encoding="utf-8"?>
 <p:sld xmlns:a="http://schemas.openxmlformats.org/drawingml/2006/main" xmlns:r="http://schemas.openxmlformats.org/officeDocument/2006/relationships" xmlns:p="http://schemas.openxmlformats.org/presentationml/2006/main">
   <p:cSld>
     <p:spTree>
@@ -4317,7 +5494,7 @@
 </p:sld>
 </file>
 
-<file path=ppt/slides/slide15.xml><?xml version="1.0" encoding="utf-8"?>
+<file path=ppt/slides/slide16.xml><?xml version="1.0" encoding="utf-8"?>
 <p:sld xmlns:a="http://schemas.openxmlformats.org/drawingml/2006/main" xmlns:r="http://schemas.openxmlformats.org/officeDocument/2006/relationships" xmlns:p="http://schemas.openxmlformats.org/presentationml/2006/main">
   <p:cSld>
     <p:spTree>
@@ -4443,7 +5620,7 @@
 </p:sld>
 </file>
 
-<file path=ppt/slides/slide16.xml><?xml version="1.0" encoding="utf-8"?>
+<file path=ppt/slides/slide17.xml><?xml version="1.0" encoding="utf-8"?>
 <p:sld xmlns:a="http://schemas.openxmlformats.org/drawingml/2006/main" xmlns:r="http://schemas.openxmlformats.org/officeDocument/2006/relationships" xmlns:p="http://schemas.openxmlformats.org/presentationml/2006/main">
   <p:cSld>
     <p:spTree>
@@ -4581,7 +5758,7 @@
 </p:sld>
 </file>
 
-<file path=ppt/slides/slide17.xml><?xml version="1.0" encoding="utf-8"?>
+<file path=ppt/slides/slide18.xml><?xml version="1.0" encoding="utf-8"?>
 <p:sld xmlns:a="http://schemas.openxmlformats.org/drawingml/2006/main" xmlns:r="http://schemas.openxmlformats.org/officeDocument/2006/relationships" xmlns:p="http://schemas.openxmlformats.org/presentationml/2006/main">
   <p:cSld>
     <p:spTree>
@@ -4658,7 +5835,22 @@
           <a:p>
             <a:r>
               <a:rPr lang="en-US" dirty="0"/>
-              <a:t>Such a grouping of data is domain specific. An example would be when there is medical data collected from multiple patients, with multiple samples taken from each patient. And such data is likely to be dependent on the individual </a:t>
+              <a:t>Such a grouping of data is domain </a:t>
+            </a:r>
+            <a:r>
+              <a:rPr lang="en-US" dirty="0" smtClean="0"/>
+              <a:t>specific.</a:t>
+            </a:r>
+          </a:p>
+          <a:p>
+            <a:pPr lvl="1"/>
+            <a:r>
+              <a:rPr lang="en-US" dirty="0" smtClean="0"/>
+              <a:t>An </a:t>
+            </a:r>
+            <a:r>
+              <a:rPr lang="en-US" dirty="0"/>
+              <a:t>example would be when there is medical data collected from multiple patients, with multiple samples taken from each patient. And such data is likely to be dependent on the individual </a:t>
             </a:r>
             <a:r>
               <a:rPr lang="en-US" dirty="0" smtClean="0"/>
@@ -4679,7 +5871,22 @@
           <a:p>
             <a:r>
               <a:rPr lang="en-US" dirty="0"/>
-              <a:t>In this case we would like to know if a model trained on a particular set of groups generalizes well to the unseen groups. To measure this, we need to ensure that all the samples in the validation fold come from groups that are not represented at all in the paired training fold.</a:t>
+              <a:t>In this case we would like to know if a model trained on a particular set of groups generalizes well to the unseen </a:t>
+            </a:r>
+            <a:r>
+              <a:rPr lang="en-US" dirty="0" smtClean="0"/>
+              <a:t>groups.</a:t>
+            </a:r>
+          </a:p>
+          <a:p>
+            <a:pPr lvl="1"/>
+            <a:r>
+              <a:rPr lang="en-US" dirty="0" smtClean="0"/>
+              <a:t>To </a:t>
+            </a:r>
+            <a:r>
+              <a:rPr lang="en-US" dirty="0"/>
+              <a:t>measure this, we need to ensure that all the samples in the validation fold come from groups that are not represented at all in the paired training fold.</a:t>
             </a:r>
           </a:p>
           <a:p>
@@ -4700,7 +5907,7 @@
 </p:sld>
 </file>
 
-<file path=ppt/slides/slide18.xml><?xml version="1.0" encoding="utf-8"?>
+<file path=ppt/slides/slide19.xml><?xml version="1.0" encoding="utf-8"?>
 <p:sld xmlns:a="http://schemas.openxmlformats.org/drawingml/2006/main" xmlns:r="http://schemas.openxmlformats.org/officeDocument/2006/relationships" xmlns:p="http://schemas.openxmlformats.org/presentationml/2006/main">
   <p:cSld>
     <p:spTree>
@@ -4862,88 +6069,6 @@
 </p:sld>
 </file>
 
-<file path=ppt/slides/slide19.xml><?xml version="1.0" encoding="utf-8"?>
-<p:sld xmlns:a="http://schemas.openxmlformats.org/drawingml/2006/main" xmlns:r="http://schemas.openxmlformats.org/officeDocument/2006/relationships" xmlns:p="http://schemas.openxmlformats.org/presentationml/2006/main">
-  <p:cSld>
-    <p:spTree>
-      <p:nvGrpSpPr>
-        <p:cNvPr id="1" name=""/>
-        <p:cNvGrpSpPr/>
-        <p:nvPr/>
-      </p:nvGrpSpPr>
-      <p:grpSpPr>
-        <a:xfrm>
-          <a:off x="0" y="0"/>
-          <a:ext cx="0" cy="0"/>
-          <a:chOff x="0" y="0"/>
-          <a:chExt cx="0" cy="0"/>
-        </a:xfrm>
-      </p:grpSpPr>
-      <p:sp>
-        <p:nvSpPr>
-          <p:cNvPr id="2" name="Title 1"/>
-          <p:cNvSpPr>
-            <a:spLocks noGrp="1"/>
-          </p:cNvSpPr>
-          <p:nvPr>
-            <p:ph type="title"/>
-          </p:nvPr>
-        </p:nvSpPr>
-        <p:spPr/>
-        <p:txBody>
-          <a:bodyPr/>
-          <a:lstStyle/>
-          <a:p>
-            <a:r>
-              <a:rPr lang="it-IT" dirty="0" smtClean="0"/>
-              <a:t>Leave groups out</a:t>
-            </a:r>
-            <a:endParaRPr lang="en-US" dirty="0"/>
-          </a:p>
-        </p:txBody>
-      </p:sp>
-      <p:sp>
-        <p:nvSpPr>
-          <p:cNvPr id="3" name="Content Placeholder 2"/>
-          <p:cNvSpPr>
-            <a:spLocks noGrp="1"/>
-          </p:cNvSpPr>
-          <p:nvPr>
-            <p:ph idx="1"/>
-          </p:nvPr>
-        </p:nvSpPr>
-        <p:spPr/>
-        <p:txBody>
-          <a:bodyPr/>
-          <a:lstStyle/>
-          <a:p>
-            <a:r>
-              <a:rPr lang="it-IT" dirty="0" smtClean="0"/>
-              <a:t>Leave one group out</a:t>
-            </a:r>
-          </a:p>
-          <a:p>
-            <a:r>
-              <a:rPr lang="it-IT" dirty="0" smtClean="0"/>
-              <a:t>Leave P groups out</a:t>
-            </a:r>
-            <a:endParaRPr lang="en-US" dirty="0"/>
-          </a:p>
-        </p:txBody>
-      </p:sp>
-    </p:spTree>
-    <p:extLst>
-      <p:ext uri="{BB962C8B-B14F-4D97-AF65-F5344CB8AC3E}">
-        <p14:creationId xmlns:p14="http://schemas.microsoft.com/office/powerpoint/2010/main" val="4232802541"/>
-      </p:ext>
-    </p:extLst>
-  </p:cSld>
-  <p:clrMapOvr>
-    <a:masterClrMapping/>
-  </p:clrMapOvr>
-</p:sld>
-</file>
-
 <file path=ppt/slides/slide2.xml><?xml version="1.0" encoding="utf-8"?>
 <p:sld xmlns:a="http://schemas.openxmlformats.org/drawingml/2006/main" xmlns:r="http://schemas.openxmlformats.org/officeDocument/2006/relationships" xmlns:p="http://schemas.openxmlformats.org/presentationml/2006/main">
   <p:cSld>
@@ -5108,6 +6233,88 @@
           <a:lstStyle/>
           <a:p>
             <a:r>
+              <a:rPr lang="it-IT" dirty="0" smtClean="0"/>
+              <a:t>Leave groups out</a:t>
+            </a:r>
+            <a:endParaRPr lang="en-US" dirty="0"/>
+          </a:p>
+        </p:txBody>
+      </p:sp>
+      <p:sp>
+        <p:nvSpPr>
+          <p:cNvPr id="3" name="Content Placeholder 2"/>
+          <p:cNvSpPr>
+            <a:spLocks noGrp="1"/>
+          </p:cNvSpPr>
+          <p:nvPr>
+            <p:ph idx="1"/>
+          </p:nvPr>
+        </p:nvSpPr>
+        <p:spPr/>
+        <p:txBody>
+          <a:bodyPr/>
+          <a:lstStyle/>
+          <a:p>
+            <a:r>
+              <a:rPr lang="it-IT" dirty="0" smtClean="0"/>
+              <a:t>Leave one group out</a:t>
+            </a:r>
+          </a:p>
+          <a:p>
+            <a:r>
+              <a:rPr lang="it-IT" dirty="0" smtClean="0"/>
+              <a:t>Leave P groups out</a:t>
+            </a:r>
+            <a:endParaRPr lang="en-US" dirty="0"/>
+          </a:p>
+        </p:txBody>
+      </p:sp>
+    </p:spTree>
+    <p:extLst>
+      <p:ext uri="{BB962C8B-B14F-4D97-AF65-F5344CB8AC3E}">
+        <p14:creationId xmlns:p14="http://schemas.microsoft.com/office/powerpoint/2010/main" val="4232802541"/>
+      </p:ext>
+    </p:extLst>
+  </p:cSld>
+  <p:clrMapOvr>
+    <a:masterClrMapping/>
+  </p:clrMapOvr>
+</p:sld>
+</file>
+
+<file path=ppt/slides/slide21.xml><?xml version="1.0" encoding="utf-8"?>
+<p:sld xmlns:a="http://schemas.openxmlformats.org/drawingml/2006/main" xmlns:r="http://schemas.openxmlformats.org/officeDocument/2006/relationships" xmlns:p="http://schemas.openxmlformats.org/presentationml/2006/main">
+  <p:cSld>
+    <p:spTree>
+      <p:nvGrpSpPr>
+        <p:cNvPr id="1" name=""/>
+        <p:cNvGrpSpPr/>
+        <p:nvPr/>
+      </p:nvGrpSpPr>
+      <p:grpSpPr>
+        <a:xfrm>
+          <a:off x="0" y="0"/>
+          <a:ext cx="0" cy="0"/>
+          <a:chOff x="0" y="0"/>
+          <a:chExt cx="0" cy="0"/>
+        </a:xfrm>
+      </p:grpSpPr>
+      <p:sp>
+        <p:nvSpPr>
+          <p:cNvPr id="2" name="Title 1"/>
+          <p:cNvSpPr>
+            <a:spLocks noGrp="1"/>
+          </p:cNvSpPr>
+          <p:nvPr>
+            <p:ph type="title"/>
+          </p:nvPr>
+        </p:nvSpPr>
+        <p:spPr/>
+        <p:txBody>
+          <a:bodyPr/>
+          <a:lstStyle/>
+          <a:p>
+            <a:r>
               <a:rPr lang="en-US" dirty="0"/>
               <a:t>Group Shuffle </a:t>
             </a:r>
@@ -5202,7 +6409,7 @@
       <p:pic>
         <p:nvPicPr>
           <p:cNvPr id="13314" name="Picture 2" descr="../_images/sphx_glr_plot_cv_indices_0081.png">
-            <a:hlinkClick r:id="rId2"/>
+            <a:hlinkClick r:id="rId3"/>
           </p:cNvPr>
           <p:cNvPicPr>
             <a:picLocks noChangeAspect="1" noChangeArrowheads="1"/>
@@ -5210,7 +6417,7 @@
           <p:nvPr/>
         </p:nvPicPr>
         <p:blipFill>
-          <a:blip r:embed="rId3">
+          <a:blip r:embed="rId4">
             <a:extLst>
               <a:ext uri="{28A0092B-C50C-407E-A947-70E740481C1C}">
                 <a14:useLocalDpi xmlns:a14="http://schemas.microsoft.com/office/drawing/2010/main" val="0"/>
@@ -5255,119 +6462,6 @@
 </p:sld>
 </file>
 
-<file path=ppt/slides/slide21.xml><?xml version="1.0" encoding="utf-8"?>
-<p:sld xmlns:a="http://schemas.openxmlformats.org/drawingml/2006/main" xmlns:r="http://schemas.openxmlformats.org/officeDocument/2006/relationships" xmlns:p="http://schemas.openxmlformats.org/presentationml/2006/main">
-  <p:cSld>
-    <p:spTree>
-      <p:nvGrpSpPr>
-        <p:cNvPr id="1" name=""/>
-        <p:cNvGrpSpPr/>
-        <p:nvPr/>
-      </p:nvGrpSpPr>
-      <p:grpSpPr>
-        <a:xfrm>
-          <a:off x="0" y="0"/>
-          <a:ext cx="0" cy="0"/>
-          <a:chOff x="0" y="0"/>
-          <a:chExt cx="0" cy="0"/>
-        </a:xfrm>
-      </p:grpSpPr>
-      <p:sp>
-        <p:nvSpPr>
-          <p:cNvPr id="2" name="Title 1"/>
-          <p:cNvSpPr>
-            <a:spLocks noGrp="1"/>
-          </p:cNvSpPr>
-          <p:nvPr>
-            <p:ph type="title"/>
-          </p:nvPr>
-        </p:nvSpPr>
-        <p:spPr/>
-        <p:txBody>
-          <a:bodyPr/>
-          <a:lstStyle/>
-          <a:p>
-            <a:r>
-              <a:rPr lang="en-US" dirty="0"/>
-              <a:t>Cross validation of time series data</a:t>
-            </a:r>
-            <a:r>
-              <a:rPr lang="en-US" dirty="0" smtClean="0">
-                <a:hlinkClick r:id="rId2" tooltip="Permalink to this headline"/>
-              </a:rPr>
-              <a:t>¶</a:t>
-            </a:r>
-            <a:endParaRPr lang="en-US" dirty="0"/>
-          </a:p>
-        </p:txBody>
-      </p:sp>
-      <p:sp>
-        <p:nvSpPr>
-          <p:cNvPr id="3" name="Content Placeholder 2"/>
-          <p:cNvSpPr>
-            <a:spLocks noGrp="1"/>
-          </p:cNvSpPr>
-          <p:nvPr>
-            <p:ph idx="1"/>
-          </p:nvPr>
-        </p:nvSpPr>
-        <p:spPr/>
-        <p:txBody>
-          <a:bodyPr/>
-          <a:lstStyle/>
-          <a:p>
-            <a:r>
-              <a:rPr lang="en-US" dirty="0"/>
-              <a:t>Time series data is </a:t>
-            </a:r>
-            <a:r>
-              <a:rPr lang="en-US" dirty="0" err="1"/>
-              <a:t>characterised</a:t>
-            </a:r>
-            <a:r>
-              <a:rPr lang="en-US" dirty="0"/>
-              <a:t> by the correlation between observations that are near in time (autocorrelation). However, classical cross-validation techniques such as </a:t>
-            </a:r>
-            <a:r>
-              <a:rPr lang="en-US" dirty="0" err="1"/>
-              <a:t>KFold</a:t>
-            </a:r>
-            <a:r>
-              <a:rPr lang="en-US" dirty="0"/>
-              <a:t> and </a:t>
-            </a:r>
-            <a:r>
-              <a:rPr lang="en-US" dirty="0" err="1"/>
-              <a:t>ShuffleSplit</a:t>
-            </a:r>
-            <a:r>
-              <a:rPr lang="en-US" dirty="0"/>
-              <a:t> assume the samples are independent and identically distributed, and would result in unreasonable correlation between training and testing instances (yielding poor estimates of </a:t>
-            </a:r>
-            <a:r>
-              <a:rPr lang="en-US" dirty="0" err="1"/>
-              <a:t>generalisation</a:t>
-            </a:r>
-            <a:r>
-              <a:rPr lang="en-US" dirty="0"/>
-              <a:t> error) on time series data. Therefore, it is very important to evaluate our model for time series data on the “future” observations least like those that are used to train the model. </a:t>
-            </a:r>
-          </a:p>
-        </p:txBody>
-      </p:sp>
-    </p:spTree>
-    <p:extLst>
-      <p:ext uri="{BB962C8B-B14F-4D97-AF65-F5344CB8AC3E}">
-        <p14:creationId xmlns:p14="http://schemas.microsoft.com/office/powerpoint/2010/main" val="3156858628"/>
-      </p:ext>
-    </p:extLst>
-  </p:cSld>
-  <p:clrMapOvr>
-    <a:masterClrMapping/>
-  </p:clrMapOvr>
-</p:sld>
-</file>
-
 <file path=ppt/slides/slide22.xml><?xml version="1.0" encoding="utf-8"?>
 <p:sld xmlns:a="http://schemas.openxmlformats.org/drawingml/2006/main" xmlns:r="http://schemas.openxmlformats.org/officeDocument/2006/relationships" xmlns:p="http://schemas.openxmlformats.org/presentationml/2006/main">
   <p:cSld>
@@ -5395,6 +6489,131 @@
             <p:ph type="title"/>
           </p:nvPr>
         </p:nvSpPr>
+        <p:spPr/>
+        <p:txBody>
+          <a:bodyPr/>
+          <a:lstStyle/>
+          <a:p>
+            <a:r>
+              <a:rPr lang="en-US" dirty="0"/>
+              <a:t>Cross validation of time series </a:t>
+            </a:r>
+            <a:r>
+              <a:rPr lang="en-US" dirty="0" smtClean="0"/>
+              <a:t>data</a:t>
+            </a:r>
+            <a:endParaRPr lang="en-US" dirty="0"/>
+          </a:p>
+        </p:txBody>
+      </p:sp>
+      <p:sp>
+        <p:nvSpPr>
+          <p:cNvPr id="3" name="Content Placeholder 2"/>
+          <p:cNvSpPr>
+            <a:spLocks noGrp="1"/>
+          </p:cNvSpPr>
+          <p:nvPr>
+            <p:ph idx="1"/>
+          </p:nvPr>
+        </p:nvSpPr>
+        <p:spPr/>
+        <p:txBody>
+          <a:bodyPr/>
+          <a:lstStyle/>
+          <a:p>
+            <a:r>
+              <a:rPr lang="en-US" dirty="0"/>
+              <a:t>Time series data is </a:t>
+            </a:r>
+            <a:r>
+              <a:rPr lang="en-US" dirty="0" err="1"/>
+              <a:t>characterised</a:t>
+            </a:r>
+            <a:r>
+              <a:rPr lang="en-US" dirty="0"/>
+              <a:t> by the correlation between observations that are near in time (autocorrelation). However, classical cross-validation techniques such as </a:t>
+            </a:r>
+            <a:r>
+              <a:rPr lang="en-US" dirty="0" err="1"/>
+              <a:t>KFold</a:t>
+            </a:r>
+            <a:r>
+              <a:rPr lang="en-US" dirty="0"/>
+              <a:t> and </a:t>
+            </a:r>
+            <a:r>
+              <a:rPr lang="en-US" dirty="0" err="1"/>
+              <a:t>ShuffleSplit</a:t>
+            </a:r>
+            <a:r>
+              <a:rPr lang="en-US" dirty="0"/>
+              <a:t> assume the samples are independent and identically distributed, and would result in unreasonable correlation between training and testing instances (yielding poor estimates of </a:t>
+            </a:r>
+            <a:r>
+              <a:rPr lang="en-US" dirty="0" err="1"/>
+              <a:t>generalisation</a:t>
+            </a:r>
+            <a:r>
+              <a:rPr lang="en-US" dirty="0"/>
+              <a:t> error) on time series </a:t>
+            </a:r>
+            <a:r>
+              <a:rPr lang="en-US" dirty="0" smtClean="0"/>
+              <a:t>data.</a:t>
+            </a:r>
+          </a:p>
+          <a:p>
+            <a:r>
+              <a:rPr lang="en-US" dirty="0" smtClean="0"/>
+              <a:t>Therefore</a:t>
+            </a:r>
+            <a:r>
+              <a:rPr lang="en-US" dirty="0"/>
+              <a:t>, it is very important to evaluate our model for time series data on the “future” observations least like those that are used to train the model. </a:t>
+            </a:r>
+          </a:p>
+        </p:txBody>
+      </p:sp>
+    </p:spTree>
+    <p:extLst>
+      <p:ext uri="{BB962C8B-B14F-4D97-AF65-F5344CB8AC3E}">
+        <p14:creationId xmlns:p14="http://schemas.microsoft.com/office/powerpoint/2010/main" val="3156858628"/>
+      </p:ext>
+    </p:extLst>
+  </p:cSld>
+  <p:clrMapOvr>
+    <a:masterClrMapping/>
+  </p:clrMapOvr>
+</p:sld>
+</file>
+
+<file path=ppt/slides/slide23.xml><?xml version="1.0" encoding="utf-8"?>
+<p:sld xmlns:a="http://schemas.openxmlformats.org/drawingml/2006/main" xmlns:r="http://schemas.openxmlformats.org/officeDocument/2006/relationships" xmlns:p="http://schemas.openxmlformats.org/presentationml/2006/main">
+  <p:cSld>
+    <p:spTree>
+      <p:nvGrpSpPr>
+        <p:cNvPr id="1" name=""/>
+        <p:cNvGrpSpPr/>
+        <p:nvPr/>
+      </p:nvGrpSpPr>
+      <p:grpSpPr>
+        <a:xfrm>
+          <a:off x="0" y="0"/>
+          <a:ext cx="0" cy="0"/>
+          <a:chOff x="0" y="0"/>
+          <a:chExt cx="0" cy="0"/>
+        </a:xfrm>
+      </p:grpSpPr>
+      <p:sp>
+        <p:nvSpPr>
+          <p:cNvPr id="2" name="Title 1"/>
+          <p:cNvSpPr>
+            <a:spLocks noGrp="1"/>
+          </p:cNvSpPr>
+          <p:nvPr>
+            <p:ph type="title"/>
+          </p:nvPr>
+        </p:nvSpPr>
         <p:spPr>
           <a:xfrm>
             <a:off x="838200" y="374650"/>
@@ -5425,7 +6644,9 @@
         </p:nvSpPr>
         <p:spPr/>
         <p:txBody>
-          <a:bodyPr/>
+          <a:bodyPr>
+            <a:normAutofit lnSpcReduction="10000"/>
+          </a:bodyPr>
           <a:lstStyle/>
           <a:p>
             <a:r>
@@ -5434,15 +6655,39 @@
             </a:r>
             <a:r>
               <a:rPr lang="en-US" dirty="0"/>
-              <a:t> is a variation of k-fold which returns first  folds as train set and the  </a:t>
-            </a:r>
-            <a:r>
-              <a:rPr lang="en-US" dirty="0" err="1"/>
+              <a:t> is a variation of k-fold which returns first </a:t>
+            </a:r>
+            <a:r>
+              <a:rPr lang="en-US" dirty="0" smtClean="0"/>
+              <a:t>k </a:t>
+            </a:r>
+            <a:r>
+              <a:rPr lang="en-US" dirty="0"/>
+              <a:t>folds as train set and the </a:t>
+            </a:r>
+            <a:r>
+              <a:rPr lang="en-US" dirty="0" smtClean="0"/>
+              <a:t>(k+1)</a:t>
+            </a:r>
+            <a:r>
+              <a:rPr lang="en-US" dirty="0" err="1" smtClean="0"/>
               <a:t>th</a:t>
             </a:r>
             <a:r>
-              <a:rPr lang="en-US" dirty="0"/>
-              <a:t> fold as test set. Note that unlike standard cross-validation methods, successive training sets are supersets of those that come before them. Also, it adds all surplus data to the first training partition, which is always used to train the model.</a:t>
+              <a:rPr lang="en-US" dirty="0" smtClean="0"/>
+              <a:t> </a:t>
+            </a:r>
+            <a:r>
+              <a:rPr lang="en-US" dirty="0"/>
+              <a:t>fold as test </a:t>
+            </a:r>
+            <a:r>
+              <a:rPr lang="en-US" dirty="0" smtClean="0"/>
+              <a:t>set (k=1...K-1). </a:t>
+            </a:r>
+            <a:r>
+              <a:rPr lang="en-US" dirty="0"/>
+              <a:t>Note that unlike standard cross-validation methods, successive training sets are supersets of those that come before them. Also, it adds all surplus data to the first training partition, which is always used to train the model.</a:t>
             </a:r>
           </a:p>
           <a:p>
@@ -5557,200 +6802,6 @@
 </p:sld>
 </file>
 
-<file path=ppt/slides/slide23.xml><?xml version="1.0" encoding="utf-8"?>
-<p:sld xmlns:a="http://schemas.openxmlformats.org/drawingml/2006/main" xmlns:r="http://schemas.openxmlformats.org/officeDocument/2006/relationships" xmlns:p="http://schemas.openxmlformats.org/presentationml/2006/main">
-  <p:cSld>
-    <p:spTree>
-      <p:nvGrpSpPr>
-        <p:cNvPr id="1" name=""/>
-        <p:cNvGrpSpPr/>
-        <p:nvPr/>
-      </p:nvGrpSpPr>
-      <p:grpSpPr>
-        <a:xfrm>
-          <a:off x="0" y="0"/>
-          <a:ext cx="0" cy="0"/>
-          <a:chOff x="0" y="0"/>
-          <a:chExt cx="0" cy="0"/>
-        </a:xfrm>
-      </p:grpSpPr>
-      <p:sp>
-        <p:nvSpPr>
-          <p:cNvPr id="2" name="Title 1"/>
-          <p:cNvSpPr>
-            <a:spLocks noGrp="1"/>
-          </p:cNvSpPr>
-          <p:nvPr>
-            <p:ph type="title"/>
-          </p:nvPr>
-        </p:nvSpPr>
-        <p:spPr/>
-        <p:txBody>
-          <a:bodyPr/>
-          <a:lstStyle/>
-          <a:p>
-            <a:r>
-              <a:rPr lang="it-IT" dirty="0" smtClean="0"/>
-              <a:t>A note on shuffling</a:t>
-            </a:r>
-            <a:endParaRPr lang="en-US" dirty="0"/>
-          </a:p>
-        </p:txBody>
-      </p:sp>
-      <p:sp>
-        <p:nvSpPr>
-          <p:cNvPr id="3" name="Content Placeholder 2"/>
-          <p:cNvSpPr>
-            <a:spLocks noGrp="1"/>
-          </p:cNvSpPr>
-          <p:nvPr>
-            <p:ph idx="1"/>
-          </p:nvPr>
-        </p:nvSpPr>
-        <p:spPr/>
-        <p:txBody>
-          <a:bodyPr>
-            <a:normAutofit fontScale="55000" lnSpcReduction="20000"/>
-          </a:bodyPr>
-          <a:lstStyle/>
-          <a:p>
-            <a:r>
-              <a:rPr lang="en-US" dirty="0"/>
-              <a:t>If the data ordering is not arbitrary (e.g. samples with the same class label are contiguous), shuffling it first may be essential to get a meaningful cross- validation result. However, the opposite may be true if the samples are not independently and identically distributed. For example, if samples correspond to news articles, and are ordered by their time of publication, then shuffling the data will likely lead to a model that is </a:t>
-            </a:r>
-            <a:r>
-              <a:rPr lang="en-US" dirty="0" err="1"/>
-              <a:t>overfit</a:t>
-            </a:r>
-            <a:r>
-              <a:rPr lang="en-US" dirty="0"/>
-              <a:t> and an inflated validation score: it will be tested on samples that are artificially similar (close in time) to training samples.</a:t>
-            </a:r>
-          </a:p>
-          <a:p>
-            <a:endParaRPr lang="en-US" dirty="0"/>
-          </a:p>
-          <a:p>
-            <a:r>
-              <a:rPr lang="en-US" dirty="0"/>
-              <a:t>Some cross validation iterators, such as </a:t>
-            </a:r>
-            <a:r>
-              <a:rPr lang="en-US" dirty="0" err="1"/>
-              <a:t>KFold</a:t>
-            </a:r>
-            <a:r>
-              <a:rPr lang="en-US" dirty="0"/>
-              <a:t>, have an inbuilt option to shuffle the data indices before splitting them. Note that:</a:t>
-            </a:r>
-          </a:p>
-          <a:p>
-            <a:endParaRPr lang="en-US" dirty="0"/>
-          </a:p>
-          <a:p>
-            <a:r>
-              <a:rPr lang="en-US" dirty="0"/>
-              <a:t>This consumes less memory than shuffling the data directly.</a:t>
-            </a:r>
-          </a:p>
-          <a:p>
-            <a:endParaRPr lang="en-US" dirty="0"/>
-          </a:p>
-          <a:p>
-            <a:r>
-              <a:rPr lang="en-US" dirty="0"/>
-              <a:t>By default no shuffling occurs, including for the (stratified) K fold cross- validation performed by specifying cv=</a:t>
-            </a:r>
-            <a:r>
-              <a:rPr lang="en-US" dirty="0" err="1"/>
-              <a:t>some_integer</a:t>
-            </a:r>
-            <a:r>
-              <a:rPr lang="en-US" dirty="0"/>
-              <a:t> to </a:t>
-            </a:r>
-            <a:r>
-              <a:rPr lang="en-US" dirty="0" err="1"/>
-              <a:t>cross_val_score</a:t>
-            </a:r>
-            <a:r>
-              <a:rPr lang="en-US" dirty="0"/>
-              <a:t>, grid search, etc. Keep in mind that </a:t>
-            </a:r>
-            <a:r>
-              <a:rPr lang="en-US" dirty="0" err="1"/>
-              <a:t>train_test_split</a:t>
-            </a:r>
-            <a:r>
-              <a:rPr lang="en-US" dirty="0"/>
-              <a:t> still returns a random split.</a:t>
-            </a:r>
-          </a:p>
-          <a:p>
-            <a:endParaRPr lang="en-US" dirty="0"/>
-          </a:p>
-          <a:p>
-            <a:r>
-              <a:rPr lang="en-US" dirty="0"/>
-              <a:t>The </a:t>
-            </a:r>
-            <a:r>
-              <a:rPr lang="en-US" dirty="0" err="1"/>
-              <a:t>random_state</a:t>
-            </a:r>
-            <a:r>
-              <a:rPr lang="en-US" dirty="0"/>
-              <a:t> parameter defaults to None, meaning that the shuffling will be different every time </a:t>
-            </a:r>
-            <a:r>
-              <a:rPr lang="en-US" dirty="0" err="1"/>
-              <a:t>KFold</a:t>
-            </a:r>
-            <a:r>
-              <a:rPr lang="en-US" dirty="0"/>
-              <a:t>(..., shuffle=True) is iterated. However, </a:t>
-            </a:r>
-            <a:r>
-              <a:rPr lang="en-US" dirty="0" err="1"/>
-              <a:t>GridSearchCV</a:t>
-            </a:r>
-            <a:r>
-              <a:rPr lang="en-US" dirty="0"/>
-              <a:t> will use the same shuffling for each set of parameters validated by a single call to its fit method.</a:t>
-            </a:r>
-          </a:p>
-          <a:p>
-            <a:endParaRPr lang="en-US" dirty="0"/>
-          </a:p>
-          <a:p>
-            <a:r>
-              <a:rPr lang="en-US" dirty="0"/>
-              <a:t>To get identical results for each split, set </a:t>
-            </a:r>
-            <a:r>
-              <a:rPr lang="en-US" dirty="0" err="1"/>
-              <a:t>random_state</a:t>
-            </a:r>
-            <a:r>
-              <a:rPr lang="en-US" dirty="0"/>
-              <a:t> to an integer.</a:t>
-            </a:r>
-          </a:p>
-        </p:txBody>
-      </p:sp>
-    </p:spTree>
-    <p:extLst>
-      <p:ext uri="{BB962C8B-B14F-4D97-AF65-F5344CB8AC3E}">
-        <p14:creationId xmlns:p14="http://schemas.microsoft.com/office/powerpoint/2010/main" val="3726856212"/>
-      </p:ext>
-    </p:extLst>
-  </p:cSld>
-  <p:clrMapOvr>
-    <a:masterClrMapping/>
-  </p:clrMapOvr>
-</p:sld>
-</file>
-
 <file path=ppt/slides/slide24.xml><?xml version="1.0" encoding="utf-8"?>
 <p:sld xmlns:a="http://schemas.openxmlformats.org/drawingml/2006/main" xmlns:r="http://schemas.openxmlformats.org/officeDocument/2006/relationships" xmlns:p="http://schemas.openxmlformats.org/presentationml/2006/main">
   <p:cSld>
@@ -5784,12 +6835,8 @@
           <a:lstStyle/>
           <a:p>
             <a:r>
-              <a:rPr lang="en-US" dirty="0"/>
-              <a:t>Tuning the hyper-parameters of an </a:t>
-            </a:r>
-            <a:r>
-              <a:rPr lang="en-US" dirty="0" smtClean="0"/>
-              <a:t>estimator</a:t>
+              <a:rPr lang="it-IT" dirty="0" smtClean="0"/>
+              <a:t>A note on shuffling</a:t>
             </a:r>
             <a:endParaRPr lang="en-US" dirty="0"/>
           </a:p>
@@ -5808,69 +6855,111 @@
         <p:spPr/>
         <p:txBody>
           <a:bodyPr>
-            <a:normAutofit fontScale="92500" lnSpcReduction="20000"/>
+            <a:normAutofit fontScale="77500" lnSpcReduction="20000"/>
           </a:bodyPr>
           <a:lstStyle/>
           <a:p>
             <a:r>
               <a:rPr lang="en-US" dirty="0"/>
-              <a:t>Cross validation iterators can also be used to directly perform model selection using Grid Search for the optimal </a:t>
+              <a:t>If the data ordering is not arbitrary (e.g. samples with the same class label are contiguous), shuffling it first may be essential to get a meaningful cross- validation result. However, the opposite may be true </a:t>
+            </a:r>
+            <a:r>
+              <a:rPr lang="en-US" dirty="0" smtClean="0"/>
+              <a:t>also if </a:t>
+            </a:r>
+            <a:r>
+              <a:rPr lang="en-US" dirty="0"/>
+              <a:t>the samples are not independently and identically </a:t>
+            </a:r>
+            <a:r>
+              <a:rPr lang="en-US" dirty="0" smtClean="0"/>
+              <a:t>distributed.</a:t>
+            </a:r>
+          </a:p>
+          <a:p>
+            <a:pPr lvl="1"/>
+            <a:r>
+              <a:rPr lang="en-US" dirty="0" smtClean="0"/>
+              <a:t>For </a:t>
+            </a:r>
+            <a:r>
+              <a:rPr lang="en-US" dirty="0"/>
+              <a:t>example, if samples correspond to news articles, and are ordered by their time of publication, then shuffling the data will likely lead to a model that is </a:t>
             </a:r>
             <a:r>
               <a:rPr lang="en-US" dirty="0" err="1"/>
-              <a:t>hyperparameters</a:t>
-            </a:r>
-            <a:r>
-              <a:rPr lang="en-US" dirty="0"/>
-              <a:t> of the model</a:t>
+              <a:t>overfit</a:t>
+            </a:r>
+            <a:r>
+              <a:rPr lang="en-US" dirty="0"/>
+              <a:t> and an inflated validation score: it will be tested on samples that are artificially similar (close in time) to training samples</a:t>
             </a:r>
             <a:r>
               <a:rPr lang="en-US" dirty="0" smtClean="0"/>
               <a:t>.</a:t>
             </a:r>
-          </a:p>
-          <a:p>
-            <a:r>
-              <a:rPr lang="en-US" dirty="0"/>
-              <a:t>Hyper-parameters are parameters that are not directly learnt within </a:t>
-            </a:r>
-            <a:r>
-              <a:rPr lang="en-US" dirty="0" smtClean="0"/>
-              <a:t>estimators.</a:t>
-            </a:r>
+            <a:endParaRPr lang="en-US" dirty="0"/>
+          </a:p>
+          <a:p>
+            <a:r>
+              <a:rPr lang="en-US" dirty="0"/>
+              <a:t>Some cross validation iterators, such as </a:t>
+            </a:r>
+            <a:r>
+              <a:rPr lang="en-US" dirty="0" err="1"/>
+              <a:t>KFold</a:t>
+            </a:r>
+            <a:r>
+              <a:rPr lang="en-US" dirty="0"/>
+              <a:t>, have an inbuilt option to shuffle the data indices before splitting them. Note that</a:t>
+            </a:r>
+            <a:r>
+              <a:rPr lang="en-US" dirty="0" smtClean="0"/>
+              <a:t>:</a:t>
+            </a:r>
+            <a:endParaRPr lang="en-US" dirty="0"/>
           </a:p>
           <a:p>
             <a:pPr lvl="1"/>
             <a:r>
-              <a:rPr lang="en-US" dirty="0" smtClean="0"/>
-              <a:t>In </a:t>
-            </a:r>
-            <a:r>
-              <a:rPr lang="en-US" dirty="0" err="1" smtClean="0"/>
-              <a:t>sk</a:t>
-            </a:r>
-            <a:r>
-              <a:rPr lang="en-US" dirty="0" smtClean="0"/>
-              <a:t>-learn </a:t>
-            </a:r>
-            <a:r>
-              <a:rPr lang="en-US" dirty="0"/>
-              <a:t>they are passed as arguments to the constructor of the estimator </a:t>
-            </a:r>
-            <a:r>
-              <a:rPr lang="en-US" dirty="0" smtClean="0"/>
-              <a:t>classes.</a:t>
-            </a:r>
+              <a:rPr lang="en-US" dirty="0"/>
+              <a:t>This consumes less memory than shuffling the data directly</a:t>
+            </a:r>
+            <a:r>
+              <a:rPr lang="en-US" dirty="0" smtClean="0"/>
+              <a:t>.</a:t>
+            </a:r>
+            <a:endParaRPr lang="en-US" dirty="0"/>
           </a:p>
           <a:p>
             <a:pPr lvl="1"/>
             <a:r>
-              <a:rPr lang="en-US" dirty="0" smtClean="0"/>
-              <a:t>Typical </a:t>
-            </a:r>
-            <a:r>
-              <a:rPr lang="en-US" dirty="0"/>
-              <a:t>examples include C, kernel and gamma for Support Vector Classifier, alpha for Lasso, etc</a:t>
+              <a:rPr lang="en-US" dirty="0"/>
+              <a:t>By default no shuffling occurs, including for the (stratified) K fold cross- validation performed by specifying cv=</a:t>
+            </a:r>
+            <a:r>
+              <a:rPr lang="en-US" dirty="0" err="1"/>
+              <a:t>some_integer</a:t>
+            </a:r>
+            <a:r>
+              <a:rPr lang="en-US" dirty="0"/>
+              <a:t> to </a:t>
+            </a:r>
+            <a:r>
+              <a:rPr lang="en-US" dirty="0" err="1"/>
+              <a:t>cross_val_score</a:t>
+            </a:r>
+            <a:r>
+              <a:rPr lang="en-US" dirty="0"/>
+              <a:t>, grid search, etc. Keep in mind that </a:t>
+            </a:r>
+            <a:r>
+              <a:rPr lang="en-US" dirty="0" err="1"/>
+              <a:t>train_test_split</a:t>
+            </a:r>
+            <a:r>
+              <a:rPr lang="en-US" dirty="0"/>
+              <a:t> still returns a random split</a:t>
             </a:r>
             <a:r>
               <a:rPr lang="en-US" dirty="0" smtClean="0"/>
@@ -5879,9 +6968,34 @@
             <a:endParaRPr lang="en-US" dirty="0"/>
           </a:p>
           <a:p>
-            <a:r>
-              <a:rPr lang="en-US" dirty="0"/>
-              <a:t>It is possible and recommended to search the hyper-parameter space for the best cross validation score</a:t>
+            <a:pPr lvl="1"/>
+            <a:r>
+              <a:rPr lang="en-US" dirty="0"/>
+              <a:t>The </a:t>
+            </a:r>
+            <a:r>
+              <a:rPr lang="en-US" dirty="0" err="1"/>
+              <a:t>random_state</a:t>
+            </a:r>
+            <a:r>
+              <a:rPr lang="en-US" dirty="0"/>
+              <a:t> parameter defaults to None, meaning that the shuffling will be different every time </a:t>
+            </a:r>
+            <a:r>
+              <a:rPr lang="en-US" dirty="0" err="1"/>
+              <a:t>KFold</a:t>
+            </a:r>
+            <a:r>
+              <a:rPr lang="en-US" dirty="0"/>
+              <a:t>(..., shuffle=True) is iterated. However, </a:t>
+            </a:r>
+            <a:r>
+              <a:rPr lang="en-US" dirty="0" err="1"/>
+              <a:t>GridSearchCV</a:t>
+            </a:r>
+            <a:r>
+              <a:rPr lang="en-US" dirty="0"/>
+              <a:t> will use the same shuffling for each set of parameters validated by a single call to its fit method</a:t>
             </a:r>
             <a:r>
               <a:rPr lang="en-US" dirty="0" smtClean="0"/>
@@ -5890,25 +7004,18 @@
             <a:endParaRPr lang="en-US" dirty="0"/>
           </a:p>
           <a:p>
-            <a:r>
-              <a:rPr lang="en-US" dirty="0"/>
-              <a:t>Any parameter provided when constructing an estimator may be optimized in this manner. Specifically, to find the names and current values for all parameters for a given estimator, use</a:t>
-            </a:r>
-            <a:r>
-              <a:rPr lang="en-US" dirty="0" smtClean="0"/>
-              <a:t>:</a:t>
-            </a:r>
-            <a:endParaRPr lang="en-US" dirty="0"/>
-          </a:p>
-          <a:p>
             <a:pPr lvl="1"/>
             <a:r>
+              <a:rPr lang="en-US" dirty="0"/>
+              <a:t>To get identical results for each split, set </a:t>
+            </a:r>
+            <a:r>
               <a:rPr lang="en-US" dirty="0" err="1"/>
-              <a:t>estimator.get_params</a:t>
-            </a:r>
-            <a:r>
-              <a:rPr lang="en-US" dirty="0"/>
-              <a:t>()</a:t>
+              <a:t>random_state</a:t>
+            </a:r>
+            <a:r>
+              <a:rPr lang="en-US" dirty="0"/>
+              <a:t> to an integer.</a:t>
             </a:r>
           </a:p>
         </p:txBody>
@@ -5916,7 +7023,7 @@
     </p:spTree>
     <p:extLst>
       <p:ext uri="{BB962C8B-B14F-4D97-AF65-F5344CB8AC3E}">
-        <p14:creationId xmlns:p14="http://schemas.microsoft.com/office/powerpoint/2010/main" val="1029220719"/>
+        <p14:creationId xmlns:p14="http://schemas.microsoft.com/office/powerpoint/2010/main" val="3726856212"/>
       </p:ext>
     </p:extLst>
   </p:cSld>
@@ -5959,8 +7066,12 @@
           <a:lstStyle/>
           <a:p>
             <a:r>
-              <a:rPr lang="it-IT" dirty="0" smtClean="0"/>
-              <a:t>Search</a:t>
+              <a:rPr lang="en-US" dirty="0"/>
+              <a:t>Tuning the hyper-parameters of an </a:t>
+            </a:r>
+            <a:r>
+              <a:rPr lang="en-US" dirty="0" smtClean="0"/>
+              <a:t>estimator</a:t>
             </a:r>
             <a:endParaRPr lang="en-US" dirty="0"/>
           </a:p>
@@ -5979,13 +7090,91 @@
         <p:spPr/>
         <p:txBody>
           <a:bodyPr>
-            <a:normAutofit/>
+            <a:normAutofit fontScale="92500" lnSpcReduction="20000"/>
           </a:bodyPr>
           <a:lstStyle/>
           <a:p>
             <a:r>
               <a:rPr lang="en-US" dirty="0"/>
-              <a:t>A search consists of</a:t>
+              <a:t>Cross validation iterators can also be used to directly perform model selection using Grid Search for the optimal </a:t>
+            </a:r>
+            <a:r>
+              <a:rPr lang="en-US" dirty="0" err="1"/>
+              <a:t>hyperparameters</a:t>
+            </a:r>
+            <a:r>
+              <a:rPr lang="en-US" dirty="0"/>
+              <a:t> of the model</a:t>
+            </a:r>
+            <a:r>
+              <a:rPr lang="en-US" dirty="0" smtClean="0"/>
+              <a:t>.</a:t>
+            </a:r>
+          </a:p>
+          <a:p>
+            <a:r>
+              <a:rPr lang="en-US" dirty="0"/>
+              <a:t>Hyper-parameters are parameters that are not directly learnt within </a:t>
+            </a:r>
+            <a:r>
+              <a:rPr lang="en-US" dirty="0" smtClean="0"/>
+              <a:t>estimators.</a:t>
+            </a:r>
+          </a:p>
+          <a:p>
+            <a:pPr lvl="1"/>
+            <a:r>
+              <a:rPr lang="en-US" dirty="0" smtClean="0"/>
+              <a:t>In </a:t>
+            </a:r>
+            <a:r>
+              <a:rPr lang="en-US" dirty="0" err="1" smtClean="0"/>
+              <a:t>sk</a:t>
+            </a:r>
+            <a:r>
+              <a:rPr lang="en-US" dirty="0" smtClean="0"/>
+              <a:t>-learn </a:t>
+            </a:r>
+            <a:r>
+              <a:rPr lang="en-US" dirty="0"/>
+              <a:t>they are passed as arguments to the constructor of the estimator </a:t>
+            </a:r>
+            <a:r>
+              <a:rPr lang="en-US" dirty="0" smtClean="0"/>
+              <a:t>classes.</a:t>
+            </a:r>
+          </a:p>
+          <a:p>
+            <a:pPr lvl="1"/>
+            <a:r>
+              <a:rPr lang="en-US" dirty="0" smtClean="0"/>
+              <a:t>Typical </a:t>
+            </a:r>
+            <a:r>
+              <a:rPr lang="en-US" dirty="0"/>
+              <a:t>examples include C, kernel and gamma for Support Vector Classifier, alpha for Lasso, etc</a:t>
+            </a:r>
+            <a:r>
+              <a:rPr lang="en-US" dirty="0" smtClean="0"/>
+              <a:t>.</a:t>
+            </a:r>
+            <a:endParaRPr lang="en-US" dirty="0"/>
+          </a:p>
+          <a:p>
+            <a:r>
+              <a:rPr lang="en-US" dirty="0"/>
+              <a:t>It is possible and recommended to search the hyper-parameter space for the best cross validation score</a:t>
+            </a:r>
+            <a:r>
+              <a:rPr lang="en-US" dirty="0" smtClean="0"/>
+              <a:t>.</a:t>
+            </a:r>
+            <a:endParaRPr lang="en-US" dirty="0"/>
+          </a:p>
+          <a:p>
+            <a:r>
+              <a:rPr lang="en-US" dirty="0"/>
+              <a:t>Any parameter provided when constructing an estimator may be optimized in this manner. Specifically, to find the names and current values for all parameters for a given estimator, use</a:t>
             </a:r>
             <a:r>
               <a:rPr lang="en-US" dirty="0" smtClean="0"/>
@@ -5996,68 +7185,12 @@
           <a:p>
             <a:pPr lvl="1"/>
             <a:r>
-              <a:rPr lang="en-US" dirty="0"/>
-              <a:t>an estimator (</a:t>
-            </a:r>
-            <a:r>
               <a:rPr lang="en-US" dirty="0" err="1"/>
-              <a:t>regressor</a:t>
-            </a:r>
-            <a:r>
-              <a:rPr lang="en-US" dirty="0"/>
-              <a:t> or classifier such as </a:t>
-            </a:r>
-            <a:r>
-              <a:rPr lang="en-US" dirty="0" err="1"/>
-              <a:t>sklearn.svm.SVC</a:t>
-            </a:r>
-            <a:r>
-              <a:rPr lang="en-US" dirty="0" smtClean="0"/>
-              <a:t>());</a:t>
-            </a:r>
-            <a:endParaRPr lang="en-US" dirty="0"/>
-          </a:p>
-          <a:p>
-            <a:pPr lvl="1"/>
-            <a:r>
-              <a:rPr lang="en-US" dirty="0"/>
-              <a:t>a parameter space</a:t>
-            </a:r>
-            <a:r>
-              <a:rPr lang="en-US" dirty="0" smtClean="0"/>
-              <a:t>;</a:t>
-            </a:r>
-            <a:endParaRPr lang="en-US" dirty="0"/>
-          </a:p>
-          <a:p>
-            <a:pPr lvl="1"/>
-            <a:r>
-              <a:rPr lang="en-US" dirty="0"/>
-              <a:t>a method for searching or sampling candidates</a:t>
-            </a:r>
-            <a:r>
-              <a:rPr lang="en-US" dirty="0" smtClean="0"/>
-              <a:t>;</a:t>
-            </a:r>
-            <a:endParaRPr lang="en-US" dirty="0"/>
-          </a:p>
-          <a:p>
-            <a:pPr lvl="1"/>
-            <a:r>
-              <a:rPr lang="en-US" dirty="0"/>
-              <a:t>a cross-validation scheme; </a:t>
-            </a:r>
-            <a:r>
-              <a:rPr lang="en-US" dirty="0" smtClean="0"/>
-              <a:t>and</a:t>
-            </a:r>
-            <a:endParaRPr lang="en-US" dirty="0"/>
-          </a:p>
-          <a:p>
-            <a:pPr lvl="1"/>
-            <a:r>
-              <a:rPr lang="en-US" dirty="0"/>
-              <a:t>a score function.</a:t>
+              <a:t>estimator.get_params</a:t>
+            </a:r>
+            <a:r>
+              <a:rPr lang="en-US" dirty="0"/>
+              <a:t>()</a:t>
             </a:r>
           </a:p>
         </p:txBody>
@@ -6065,7 +7198,7 @@
     </p:spTree>
     <p:extLst>
       <p:ext uri="{BB962C8B-B14F-4D97-AF65-F5344CB8AC3E}">
-        <p14:creationId xmlns:p14="http://schemas.microsoft.com/office/powerpoint/2010/main" val="138929225"/>
+        <p14:creationId xmlns:p14="http://schemas.microsoft.com/office/powerpoint/2010/main" val="1029220719"/>
       </p:ext>
     </p:extLst>
   </p:cSld>
@@ -6109,7 +7242,7 @@
           <a:p>
             <a:r>
               <a:rPr lang="it-IT" dirty="0" smtClean="0"/>
-              <a:t>Search</a:t>
+              <a:t>Search for the best hyper-parameters</a:t>
             </a:r>
             <a:endParaRPr lang="en-US" dirty="0"/>
           </a:p>
@@ -6128,124 +7261,118 @@
         <p:spPr/>
         <p:txBody>
           <a:bodyPr>
-            <a:normAutofit fontScale="92500" lnSpcReduction="10000"/>
+            <a:normAutofit/>
           </a:bodyPr>
           <a:lstStyle/>
           <a:p>
             <a:r>
               <a:rPr lang="en-US" dirty="0"/>
-              <a:t>Some models allow for specialized, efficient parameter search strategies, outlined below. Two generic approaches to sampling search candidates are provided in </a:t>
-            </a:r>
-            <a:r>
-              <a:rPr lang="en-US" dirty="0" err="1" smtClean="0"/>
-              <a:t>scikit</a:t>
-            </a:r>
-            <a:r>
-              <a:rPr lang="en-US" dirty="0" smtClean="0"/>
-              <a:t>-learn:</a:t>
-            </a:r>
+              <a:t>A search consists of</a:t>
+            </a:r>
+            <a:r>
+              <a:rPr lang="en-US" dirty="0" smtClean="0"/>
+              <a:t>:</a:t>
+            </a:r>
+            <a:endParaRPr lang="en-US" dirty="0"/>
           </a:p>
           <a:p>
             <a:pPr lvl="1"/>
             <a:r>
-              <a:rPr lang="en-US" dirty="0" smtClean="0"/>
-              <a:t>for </a:t>
-            </a:r>
-            <a:r>
-              <a:rPr lang="en-US" dirty="0"/>
-              <a:t>given values, </a:t>
+              <a:rPr lang="en-US" dirty="0"/>
+              <a:t>an estimator (</a:t>
             </a:r>
             <a:r>
               <a:rPr lang="en-US" dirty="0" err="1"/>
-              <a:t>GridSearchCV</a:t>
-            </a:r>
-            <a:r>
-              <a:rPr lang="en-US" dirty="0"/>
-              <a:t> exhaustively considers all parameter </a:t>
-            </a:r>
-            <a:r>
-              <a:rPr lang="en-US" dirty="0" smtClean="0"/>
-              <a:t>combinations,</a:t>
-            </a:r>
+              <a:t>regressor</a:t>
+            </a:r>
+            <a:r>
+              <a:rPr lang="en-US" dirty="0"/>
+              <a:t> or classifier such as </a:t>
+            </a:r>
+            <a:r>
+              <a:rPr lang="en-US" dirty="0" err="1"/>
+              <a:t>sklearn.svm.SVC</a:t>
+            </a:r>
+            <a:r>
+              <a:rPr lang="en-US" dirty="0" smtClean="0"/>
+              <a:t>());</a:t>
+            </a:r>
+          </a:p>
+          <a:p>
+            <a:pPr lvl="2"/>
+            <a:r>
+              <a:rPr lang="it-IT" dirty="0" smtClean="0"/>
+              <a:t>Could be also a composed estimator (pipeline)</a:t>
+            </a:r>
+            <a:endParaRPr lang="en-US" dirty="0"/>
           </a:p>
           <a:p>
             <a:pPr lvl="1"/>
             <a:r>
-              <a:rPr lang="en-US" dirty="0" smtClean="0"/>
-              <a:t>while </a:t>
-            </a:r>
-            <a:r>
-              <a:rPr lang="en-US" dirty="0" err="1"/>
-              <a:t>RandomizedSearchCV</a:t>
-            </a:r>
-            <a:r>
-              <a:rPr lang="en-US" dirty="0"/>
-              <a:t> can sample a given number of candidates from a parameter space with a specified </a:t>
-            </a:r>
-            <a:r>
-              <a:rPr lang="en-US" dirty="0" smtClean="0"/>
-              <a:t>distribution.</a:t>
-            </a:r>
+              <a:rPr lang="en-US" dirty="0"/>
+              <a:t>a parameter space</a:t>
+            </a:r>
+            <a:r>
+              <a:rPr lang="en-US" dirty="0" smtClean="0"/>
+              <a:t>;</a:t>
+            </a:r>
+            <a:endParaRPr lang="en-US" dirty="0"/>
           </a:p>
           <a:p>
             <a:pPr lvl="1"/>
             <a:r>
-              <a:rPr lang="en-US" dirty="0" smtClean="0"/>
-              <a:t>After </a:t>
-            </a:r>
-            <a:r>
-              <a:rPr lang="en-US" dirty="0"/>
-              <a:t>describing these tools we detail best practice applicable to both approaches</a:t>
-            </a:r>
-            <a:r>
-              <a:rPr lang="en-US" dirty="0" smtClean="0"/>
-              <a:t>.</a:t>
+              <a:rPr lang="en-US" dirty="0"/>
+              <a:t>a method for searching or sampling candidates</a:t>
+            </a:r>
+            <a:r>
+              <a:rPr lang="en-US" dirty="0" smtClean="0"/>
+              <a:t>;</a:t>
             </a:r>
             <a:endParaRPr lang="en-US" dirty="0"/>
           </a:p>
           <a:p>
-            <a:r>
-              <a:rPr lang="en-US" dirty="0"/>
-              <a:t>Note that it is common that a small subset of those parameters can have a large impact on the predictive or computation performance of the model while others can be left to their default </a:t>
-            </a:r>
-            <a:r>
-              <a:rPr lang="en-US" dirty="0" smtClean="0"/>
-              <a:t>values.</a:t>
-            </a:r>
-          </a:p>
-          <a:p>
             <a:pPr lvl="1"/>
             <a:r>
-              <a:rPr lang="en-US" dirty="0" smtClean="0"/>
-              <a:t>It </a:t>
-            </a:r>
-            <a:r>
-              <a:rPr lang="en-US" dirty="0"/>
-              <a:t>is recommended to read the </a:t>
-            </a:r>
-            <a:r>
-              <a:rPr lang="en-US" dirty="0" err="1"/>
-              <a:t>docstring</a:t>
-            </a:r>
-            <a:r>
-              <a:rPr lang="en-US" dirty="0"/>
-              <a:t> of the estimator class to get a finer understanding of their expected behavior, possibly by </a:t>
-            </a:r>
-            <a:r>
-              <a:rPr lang="en-US" dirty="0" smtClean="0"/>
-              <a:t>checking </a:t>
-            </a:r>
-            <a:r>
-              <a:rPr lang="en-US" dirty="0"/>
-              <a:t>the literature.</a:t>
-            </a:r>
+              <a:rPr lang="en-US" dirty="0"/>
+              <a:t>a cross-validation scheme; </a:t>
+            </a:r>
+            <a:r>
+              <a:rPr lang="en-US" dirty="0" smtClean="0"/>
+              <a:t>and</a:t>
+            </a:r>
+            <a:endParaRPr lang="en-US" dirty="0"/>
+          </a:p>
+          <a:p>
+            <a:pPr lvl="1"/>
+            <a:r>
+              <a:rPr lang="en-US" dirty="0"/>
+              <a:t>a score </a:t>
+            </a:r>
+            <a:r>
+              <a:rPr lang="en-US" dirty="0" smtClean="0"/>
+              <a:t>function</a:t>
+            </a:r>
+          </a:p>
+          <a:p>
+            <a:endParaRPr lang="it-IT" dirty="0"/>
+          </a:p>
+          <a:p>
+            <a:r>
+              <a:rPr lang="en-US" dirty="0"/>
+              <a:t>Some models allow for specialized, efficient parameter search strategies, outlined </a:t>
+            </a:r>
+            <a:r>
+              <a:rPr lang="en-US" dirty="0" smtClean="0"/>
+              <a:t>later.</a:t>
+            </a:r>
+            <a:endParaRPr lang="en-US" dirty="0"/>
           </a:p>
         </p:txBody>
       </p:sp>
     </p:spTree>
     <p:extLst>
       <p:ext uri="{BB962C8B-B14F-4D97-AF65-F5344CB8AC3E}">
-        <p14:creationId xmlns:p14="http://schemas.microsoft.com/office/powerpoint/2010/main" val="830706917"/>
+        <p14:creationId xmlns:p14="http://schemas.microsoft.com/office/powerpoint/2010/main" val="138929225"/>
       </p:ext>
     </p:extLst>
   </p:cSld>
@@ -6289,7 +7416,7 @@
           <a:p>
             <a:r>
               <a:rPr lang="it-IT" dirty="0" smtClean="0"/>
-              <a:t>Exhaustive grid search</a:t>
+              <a:t>Search</a:t>
             </a:r>
             <a:endParaRPr lang="en-US" dirty="0"/>
           </a:p>
@@ -6308,13 +7435,36 @@
         <p:spPr/>
         <p:txBody>
           <a:bodyPr>
-            <a:normAutofit/>
+            <a:normAutofit fontScale="92500"/>
           </a:bodyPr>
           <a:lstStyle/>
           <a:p>
             <a:r>
-              <a:rPr lang="en-US" dirty="0"/>
-              <a:t>The grid search provided by </a:t>
+              <a:rPr lang="en-US" dirty="0" smtClean="0"/>
+              <a:t>Two </a:t>
+            </a:r>
+            <a:r>
+              <a:rPr lang="en-US" dirty="0"/>
+              <a:t>generic approaches to sampling search candidates are provided in </a:t>
+            </a:r>
+            <a:r>
+              <a:rPr lang="en-US" dirty="0" err="1" smtClean="0"/>
+              <a:t>scikit</a:t>
+            </a:r>
+            <a:r>
+              <a:rPr lang="en-US" dirty="0" smtClean="0"/>
+              <a:t>-learn:</a:t>
+            </a:r>
+          </a:p>
+          <a:p>
+            <a:pPr lvl="1"/>
+            <a:r>
+              <a:rPr lang="en-US" dirty="0" smtClean="0"/>
+              <a:t>for </a:t>
+            </a:r>
+            <a:r>
+              <a:rPr lang="en-US" dirty="0"/>
+              <a:t>given values, </a:t>
             </a:r>
             <a:r>
               <a:rPr lang="en-US" dirty="0" err="1"/>
@@ -6322,77 +7472,83 @@
             </a:r>
             <a:r>
               <a:rPr lang="en-US" dirty="0"/>
-              <a:t> exhaustively generates candidates from a grid of parameter values specified with the </a:t>
+              <a:t> exhaustively considers all parameter </a:t>
+            </a:r>
+            <a:r>
+              <a:rPr lang="en-US" dirty="0" smtClean="0"/>
+              <a:t>combinations,</a:t>
+            </a:r>
+          </a:p>
+          <a:p>
+            <a:pPr lvl="1"/>
+            <a:r>
+              <a:rPr lang="en-US" dirty="0" smtClean="0"/>
+              <a:t>while </a:t>
             </a:r>
             <a:r>
               <a:rPr lang="en-US" dirty="0" err="1"/>
-              <a:t>param_grid</a:t>
-            </a:r>
-            <a:r>
-              <a:rPr lang="en-US" dirty="0"/>
-              <a:t> parameter</a:t>
+              <a:t>RandomizedSearchCV</a:t>
+            </a:r>
+            <a:r>
+              <a:rPr lang="en-US" dirty="0"/>
+              <a:t> can sample a given number of candidates from a parameter space with a specified </a:t>
+            </a:r>
+            <a:r>
+              <a:rPr lang="en-US" dirty="0" smtClean="0"/>
+              <a:t>distribution.</a:t>
+            </a:r>
+          </a:p>
+          <a:p>
+            <a:pPr lvl="1"/>
+            <a:r>
+              <a:rPr lang="en-US" dirty="0" smtClean="0"/>
+              <a:t>After </a:t>
+            </a:r>
+            <a:r>
+              <a:rPr lang="en-US" dirty="0"/>
+              <a:t>describing these tools we detail best practice applicable to both approaches</a:t>
             </a:r>
             <a:r>
               <a:rPr lang="en-US" dirty="0" smtClean="0"/>
               <a:t>.</a:t>
             </a:r>
+            <a:endParaRPr lang="en-US" dirty="0"/>
+          </a:p>
+          <a:p>
+            <a:r>
+              <a:rPr lang="en-US" dirty="0"/>
+              <a:t>Note that it is common that a small subset of those parameters can have a large impact on the predictive or computation performance of the model while others can be left to their default </a:t>
+            </a:r>
+            <a:r>
+              <a:rPr lang="en-US" dirty="0" smtClean="0"/>
+              <a:t>values.</a:t>
+            </a:r>
           </a:p>
           <a:p>
             <a:pPr lvl="1"/>
             <a:r>
+              <a:rPr lang="en-US" dirty="0" smtClean="0"/>
+              <a:t>It </a:t>
+            </a:r>
+            <a:r>
+              <a:rPr lang="en-US" dirty="0"/>
+              <a:t>is recommended to read the </a:t>
+            </a:r>
+            <a:r>
               <a:rPr lang="en-US" dirty="0" err="1"/>
-              <a:t>param_grid</a:t>
-            </a:r>
-            <a:r>
-              <a:rPr lang="en-US" dirty="0"/>
-              <a:t> = [</a:t>
-            </a:r>
-          </a:p>
-          <a:p>
-            <a:pPr lvl="1"/>
-            <a:r>
-              <a:rPr lang="en-US" dirty="0"/>
-              <a:t>  {'C': [1, 10, 100, 1000], 'kernel': ['linear']},</a:t>
-            </a:r>
-          </a:p>
-          <a:p>
-            <a:pPr lvl="1"/>
-            <a:r>
-              <a:rPr lang="en-US" dirty="0"/>
-              <a:t>  {'C': [1, 10, 100, 1000], 'gamma': [0.001, 0.0001], 'kernel': ['</a:t>
-            </a:r>
-            <a:r>
-              <a:rPr lang="en-US" dirty="0" err="1"/>
-              <a:t>rbf</a:t>
-            </a:r>
-            <a:r>
-              <a:rPr lang="en-US" dirty="0"/>
-              <a:t>']},</a:t>
-            </a:r>
-          </a:p>
-          <a:p>
-            <a:pPr lvl="1"/>
-            <a:r>
-              <a:rPr lang="en-US" dirty="0"/>
-              <a:t> </a:t>
-            </a:r>
-            <a:r>
-              <a:rPr lang="en-US" dirty="0" smtClean="0"/>
-              <a:t>]</a:t>
-            </a:r>
-          </a:p>
-          <a:p>
-            <a:r>
-              <a:rPr lang="en-US" dirty="0"/>
-              <a:t>The </a:t>
-            </a:r>
-            <a:r>
-              <a:rPr lang="en-US" dirty="0" err="1"/>
-              <a:t>GridSearchCV</a:t>
-            </a:r>
-            <a:r>
-              <a:rPr lang="en-US" dirty="0"/>
-              <a:t> instance implements the usual estimator API: when “fitting” it on a dataset all the possible combinations of parameter values are evaluated and the best combination is retained.</a:t>
+              <a:t>docstring</a:t>
+            </a:r>
+            <a:r>
+              <a:rPr lang="en-US" dirty="0"/>
+              <a:t> of the estimator class to get a finer understanding of their expected behavior, possibly by </a:t>
+            </a:r>
+            <a:r>
+              <a:rPr lang="en-US" dirty="0" smtClean="0"/>
+              <a:t>checking </a:t>
+            </a:r>
+            <a:r>
+              <a:rPr lang="en-US" dirty="0"/>
+              <a:t>the literature.</a:t>
             </a:r>
           </a:p>
         </p:txBody>
@@ -6400,7 +7556,7 @@
     </p:spTree>
     <p:extLst>
       <p:ext uri="{BB962C8B-B14F-4D97-AF65-F5344CB8AC3E}">
-        <p14:creationId xmlns:p14="http://schemas.microsoft.com/office/powerpoint/2010/main" val="3087148527"/>
+        <p14:creationId xmlns:p14="http://schemas.microsoft.com/office/powerpoint/2010/main" val="830706917"/>
       </p:ext>
     </p:extLst>
   </p:cSld>
@@ -6443,12 +7599,8 @@
           <a:lstStyle/>
           <a:p>
             <a:r>
-              <a:rPr lang="en-US" dirty="0"/>
-              <a:t>Randomized Parameter </a:t>
-            </a:r>
-            <a:r>
-              <a:rPr lang="en-US" dirty="0" smtClean="0"/>
-              <a:t>Optimization</a:t>
+              <a:rPr lang="it-IT" dirty="0" smtClean="0"/>
+              <a:t>Exhaustive grid search</a:t>
             </a:r>
             <a:endParaRPr lang="en-US" dirty="0"/>
           </a:p>
@@ -6467,83 +7619,91 @@
         <p:spPr/>
         <p:txBody>
           <a:bodyPr>
-            <a:normAutofit lnSpcReduction="10000"/>
+            <a:normAutofit/>
           </a:bodyPr>
           <a:lstStyle/>
           <a:p>
             <a:r>
               <a:rPr lang="en-US" dirty="0"/>
-              <a:t>While using a grid of parameter settings is currently the most widely used method for parameter optimization, other search methods have more </a:t>
+              <a:t>The grid search provided by </a:t>
             </a:r>
             <a:r>
               <a:rPr lang="en-US" dirty="0" err="1"/>
-              <a:t>favourable</a:t>
-            </a:r>
+              <a:t>GridSearchCV</a:t>
+            </a:r>
+            <a:r>
+              <a:rPr lang="en-US" dirty="0"/>
+              <a:t> exhaustively generates candidates from a grid of parameter values specified with the </a:t>
+            </a:r>
+            <a:r>
+              <a:rPr lang="en-US" dirty="0" err="1"/>
+              <a:t>param_grid</a:t>
+            </a:r>
+            <a:r>
+              <a:rPr lang="en-US" dirty="0"/>
+              <a:t> parameter</a:t>
+            </a:r>
+            <a:r>
+              <a:rPr lang="en-US" dirty="0" smtClean="0"/>
+              <a:t>.</a:t>
+            </a:r>
+          </a:p>
+          <a:p>
+            <a:pPr lvl="1"/>
+            <a:r>
+              <a:rPr lang="en-US" dirty="0" err="1"/>
+              <a:t>param_grid</a:t>
+            </a:r>
+            <a:r>
+              <a:rPr lang="en-US" dirty="0"/>
+              <a:t> = [</a:t>
+            </a:r>
+          </a:p>
+          <a:p>
+            <a:pPr lvl="1"/>
+            <a:r>
+              <a:rPr lang="en-US" dirty="0"/>
+              <a:t>  {'C': [1, 10, 100, 1000], 'kernel': ['linear']},</a:t>
+            </a:r>
+          </a:p>
+          <a:p>
+            <a:pPr lvl="1"/>
+            <a:r>
+              <a:rPr lang="en-US" dirty="0"/>
+              <a:t>  {'C': [1, 10, 100, 1000], 'gamma': [0.001, 0.0001], 'kernel': ['</a:t>
+            </a:r>
+            <a:r>
+              <a:rPr lang="en-US" dirty="0" err="1"/>
+              <a:t>rbf</a:t>
+            </a:r>
+            <a:r>
+              <a:rPr lang="en-US" dirty="0"/>
+              <a:t>']},</a:t>
+            </a:r>
+          </a:p>
+          <a:p>
+            <a:pPr lvl="1"/>
             <a:r>
               <a:rPr lang="en-US" dirty="0"/>
               <a:t> </a:t>
             </a:r>
             <a:r>
               <a:rPr lang="en-US" dirty="0" smtClean="0"/>
-              <a:t>properties.</a:t>
-            </a:r>
-          </a:p>
-          <a:p>
-            <a:r>
-              <a:rPr lang="en-US" dirty="0" err="1" smtClean="0"/>
-              <a:t>RandomizedSearchCV</a:t>
-            </a:r>
-            <a:r>
-              <a:rPr lang="en-US" dirty="0" smtClean="0"/>
-              <a:t> </a:t>
-            </a:r>
-            <a:r>
-              <a:rPr lang="en-US" dirty="0"/>
-              <a:t>implements a randomized search over parameters, where each setting is sampled from a distribution over possible parameter </a:t>
-            </a:r>
-            <a:r>
-              <a:rPr lang="en-US" dirty="0" smtClean="0"/>
-              <a:t>values.</a:t>
-            </a:r>
-          </a:p>
-          <a:p>
-            <a:r>
-              <a:rPr lang="en-US" dirty="0" smtClean="0"/>
-              <a:t>Two </a:t>
-            </a:r>
-            <a:r>
-              <a:rPr lang="en-US" dirty="0"/>
-              <a:t>main benefits over an exhaustive search</a:t>
-            </a:r>
-            <a:r>
-              <a:rPr lang="en-US" dirty="0" smtClean="0"/>
-              <a:t>:</a:t>
-            </a:r>
-            <a:endParaRPr lang="en-US" dirty="0"/>
-          </a:p>
-          <a:p>
-            <a:pPr lvl="1"/>
-            <a:r>
-              <a:rPr lang="en-US" dirty="0"/>
-              <a:t>A budget can be chosen independent of the number of parameters and possible values</a:t>
-            </a:r>
-            <a:r>
-              <a:rPr lang="en-US" dirty="0" smtClean="0"/>
-              <a:t>.</a:t>
-            </a:r>
-            <a:endParaRPr lang="en-US" dirty="0"/>
-          </a:p>
-          <a:p>
-            <a:pPr lvl="1"/>
-            <a:r>
-              <a:rPr lang="en-US" dirty="0">
-                <a:solidFill>
-                  <a:schemeClr val="bg1">
-                    <a:lumMod val="50000"/>
-                  </a:schemeClr>
-                </a:solidFill>
-              </a:rPr>
-              <a:t>Adding parameters that do not influence the performance does not decrease efficiency.</a:t>
+              <a:t>]</a:t>
+            </a:r>
+          </a:p>
+          <a:p>
+            <a:r>
+              <a:rPr lang="en-US" dirty="0"/>
+              <a:t>The </a:t>
+            </a:r>
+            <a:r>
+              <a:rPr lang="en-US" dirty="0" err="1"/>
+              <a:t>GridSearchCV</a:t>
+            </a:r>
+            <a:r>
+              <a:rPr lang="en-US" dirty="0"/>
+              <a:t> instance implements the usual estimator API: when “fitting” it on a dataset all the possible combinations of parameter values are evaluated and the best combination is retained.</a:t>
             </a:r>
           </a:p>
         </p:txBody>
@@ -6551,7 +7711,7 @@
     </p:spTree>
     <p:extLst>
       <p:ext uri="{BB962C8B-B14F-4D97-AF65-F5344CB8AC3E}">
-        <p14:creationId xmlns:p14="http://schemas.microsoft.com/office/powerpoint/2010/main" val="1980382177"/>
+        <p14:creationId xmlns:p14="http://schemas.microsoft.com/office/powerpoint/2010/main" val="3087148527"/>
       </p:ext>
     </p:extLst>
   </p:cSld>
@@ -6594,115 +7754,140 @@
           <a:lstStyle/>
           <a:p>
             <a:r>
+              <a:rPr lang="en-US" dirty="0"/>
+              <a:t>Randomized Parameter </a:t>
+            </a:r>
+            <a:r>
+              <a:rPr lang="en-US" dirty="0" smtClean="0"/>
+              <a:t>Optimization</a:t>
+            </a:r>
+            <a:endParaRPr lang="en-US" dirty="0"/>
+          </a:p>
+        </p:txBody>
+      </p:sp>
+      <p:sp>
+        <p:nvSpPr>
+          <p:cNvPr id="3" name="Content Placeholder 2"/>
+          <p:cNvSpPr>
+            <a:spLocks noGrp="1"/>
+          </p:cNvSpPr>
+          <p:nvPr>
+            <p:ph idx="1"/>
+          </p:nvPr>
+        </p:nvSpPr>
+        <p:spPr/>
+        <p:txBody>
+          <a:bodyPr>
+            <a:normAutofit fontScale="92500" lnSpcReduction="20000"/>
+          </a:bodyPr>
+          <a:lstStyle/>
+          <a:p>
+            <a:r>
+              <a:rPr lang="en-US" dirty="0"/>
+              <a:t>While using a grid of parameter settings is currently the most widely used method for parameter optimization, other search methods have more </a:t>
+            </a:r>
+            <a:r>
+              <a:rPr lang="en-US" dirty="0" err="1"/>
+              <a:t>favourable</a:t>
+            </a:r>
+            <a:r>
+              <a:rPr lang="en-US" dirty="0"/>
+              <a:t> </a:t>
+            </a:r>
+            <a:r>
+              <a:rPr lang="en-US" dirty="0" smtClean="0"/>
+              <a:t>properties.</a:t>
+            </a:r>
+          </a:p>
+          <a:p>
+            <a:r>
+              <a:rPr lang="en-US" dirty="0" err="1" smtClean="0"/>
+              <a:t>RandomizedSearchCV</a:t>
+            </a:r>
+            <a:r>
+              <a:rPr lang="en-US" dirty="0" smtClean="0"/>
+              <a:t> </a:t>
+            </a:r>
+            <a:r>
+              <a:rPr lang="en-US" dirty="0"/>
+              <a:t>implements a randomized search over parameters, where each setting is sampled from a distribution over possible parameter </a:t>
+            </a:r>
+            <a:r>
+              <a:rPr lang="en-US" dirty="0" smtClean="0"/>
+              <a:t>values.</a:t>
+            </a:r>
+          </a:p>
+          <a:p>
+            <a:r>
+              <a:rPr lang="en-US" dirty="0" smtClean="0"/>
+              <a:t>Two </a:t>
+            </a:r>
+            <a:r>
+              <a:rPr lang="en-US" dirty="0"/>
+              <a:t>main benefits over an exhaustive search</a:t>
+            </a:r>
+            <a:r>
+              <a:rPr lang="en-US" dirty="0" smtClean="0"/>
+              <a:t>:</a:t>
+            </a:r>
+            <a:endParaRPr lang="en-US" dirty="0"/>
+          </a:p>
+          <a:p>
+            <a:pPr lvl="1"/>
+            <a:r>
+              <a:rPr lang="en-US" dirty="0"/>
+              <a:t>A </a:t>
+            </a:r>
+            <a:r>
+              <a:rPr lang="en-US" dirty="0" err="1"/>
+              <a:t>a</a:t>
+            </a:r>
+            <a:r>
+              <a:rPr lang="en-US" dirty="0"/>
+              <a:t> computation budget </a:t>
+            </a:r>
+            <a:r>
+              <a:rPr lang="en-US" dirty="0"/>
+              <a:t>can be chosen independent of the number of parameters and possible values</a:t>
+            </a:r>
+            <a:r>
+              <a:rPr lang="en-US" dirty="0" smtClean="0"/>
+              <a:t>.</a:t>
+            </a:r>
+          </a:p>
+          <a:p>
+            <a:pPr lvl="2"/>
+            <a:r>
+              <a:rPr lang="it-IT" dirty="0"/>
+              <a:t>n</a:t>
+            </a:r>
+            <a:r>
               <a:rPr lang="it-IT" dirty="0" smtClean="0"/>
-              <a:t>Specifying parameters</a:t>
+              <a:t>_iter param, </a:t>
+            </a:r>
+            <a:r>
+              <a:rPr lang="en-US" dirty="0"/>
+              <a:t>being the number of sampled candidates or sampling iterations</a:t>
             </a:r>
             <a:endParaRPr lang="en-US" dirty="0"/>
           </a:p>
-        </p:txBody>
-      </p:sp>
-      <p:sp>
-        <p:nvSpPr>
-          <p:cNvPr id="3" name="Content Placeholder 2"/>
-          <p:cNvSpPr>
-            <a:spLocks noGrp="1"/>
-          </p:cNvSpPr>
-          <p:nvPr>
-            <p:ph idx="1"/>
-          </p:nvPr>
-        </p:nvSpPr>
-        <p:spPr/>
-        <p:txBody>
-          <a:bodyPr/>
-          <a:lstStyle/>
-          <a:p>
-            <a:r>
-              <a:rPr lang="en-US" dirty="0"/>
-              <a:t>Specifying how parameters should be sampled is done using a dictionary, very similar to specifying parameters for </a:t>
-            </a:r>
-            <a:r>
-              <a:rPr lang="en-US" dirty="0" err="1"/>
-              <a:t>GridSearchCV</a:t>
-            </a:r>
-            <a:r>
-              <a:rPr lang="en-US" dirty="0"/>
-              <a:t>. Additionally, a computation budget, being the number of sampled candidates or sampling iterations, is specified using the </a:t>
-            </a:r>
-            <a:r>
-              <a:rPr lang="en-US" dirty="0" err="1"/>
-              <a:t>n_iter</a:t>
-            </a:r>
-            <a:r>
-              <a:rPr lang="en-US" dirty="0"/>
-              <a:t> </a:t>
-            </a:r>
-            <a:r>
-              <a:rPr lang="en-US" dirty="0" smtClean="0"/>
-              <a:t>parameter.</a:t>
-            </a:r>
-          </a:p>
-          <a:p>
-            <a:r>
-              <a:rPr lang="en-US" dirty="0" smtClean="0"/>
-              <a:t>For </a:t>
-            </a:r>
-            <a:r>
-              <a:rPr lang="en-US" dirty="0"/>
-              <a:t>each parameter, either a distribution over possible values or a list of discrete choices (which will be sampled uniformly) can be specified</a:t>
-            </a:r>
-            <a:r>
-              <a:rPr lang="en-US" dirty="0" smtClean="0"/>
-              <a:t>:</a:t>
-            </a:r>
-          </a:p>
           <a:p>
             <a:pPr lvl="1"/>
             <a:r>
               <a:rPr lang="en-US" dirty="0"/>
-              <a:t>{'C': </a:t>
-            </a:r>
-            <a:r>
-              <a:rPr lang="en-US" dirty="0" err="1"/>
-              <a:t>scipy.stats.expon</a:t>
-            </a:r>
-            <a:r>
-              <a:rPr lang="en-US" dirty="0"/>
-              <a:t>(scale=100), 'gamma': </a:t>
-            </a:r>
-            <a:r>
-              <a:rPr lang="en-US" dirty="0" err="1"/>
-              <a:t>scipy.stats.expon</a:t>
-            </a:r>
-            <a:r>
-              <a:rPr lang="en-US" dirty="0"/>
-              <a:t>(scale=.1),</a:t>
-            </a:r>
-          </a:p>
-          <a:p>
-            <a:pPr lvl="1"/>
-            <a:r>
-              <a:rPr lang="en-US" dirty="0"/>
-              <a:t>  'kernel': ['</a:t>
-            </a:r>
-            <a:r>
-              <a:rPr lang="en-US" dirty="0" err="1"/>
-              <a:t>rbf</a:t>
-            </a:r>
-            <a:r>
-              <a:rPr lang="en-US" dirty="0"/>
-              <a:t>'], '</a:t>
-            </a:r>
-            <a:r>
-              <a:rPr lang="en-US" dirty="0" err="1"/>
-              <a:t>class_weight</a:t>
-            </a:r>
-            <a:r>
-              <a:rPr lang="en-US" dirty="0"/>
-              <a:t>':['balanced', None]}</a:t>
-            </a:r>
-            <a:endParaRPr lang="en-US" dirty="0" smtClean="0"/>
-          </a:p>
-          <a:p>
+              <a:t>Adding parameters that do not influence the performance does not decrease efficiency</a:t>
+            </a:r>
+            <a:r>
+              <a:rPr lang="en-US" dirty="0" smtClean="0"/>
+              <a:t>.</a:t>
+            </a:r>
+          </a:p>
+          <a:p>
+            <a:pPr lvl="2"/>
+            <a:r>
+              <a:rPr lang="it-IT" dirty="0" smtClean="0"/>
+              <a:t>Automatic algorithm</a:t>
+            </a:r>
             <a:endParaRPr lang="en-US" dirty="0"/>
           </a:p>
         </p:txBody>
@@ -6710,7 +7895,7 @@
     </p:spTree>
     <p:extLst>
       <p:ext uri="{BB962C8B-B14F-4D97-AF65-F5344CB8AC3E}">
-        <p14:creationId xmlns:p14="http://schemas.microsoft.com/office/powerpoint/2010/main" val="1955492487"/>
+        <p14:creationId xmlns:p14="http://schemas.microsoft.com/office/powerpoint/2010/main" val="1980382177"/>
       </p:ext>
     </p:extLst>
   </p:cSld>
@@ -6929,7 +8114,7 @@
           <a:p>
             <a:r>
               <a:rPr lang="it-IT" dirty="0" smtClean="0"/>
-              <a:t>Continuous distribution of the params</a:t>
+              <a:t>Specifying parameters</a:t>
             </a:r>
             <a:endParaRPr lang="en-US" dirty="0"/>
           </a:p>
@@ -6947,123 +8132,74 @@
         </p:nvSpPr>
         <p:spPr/>
         <p:txBody>
-          <a:bodyPr>
-            <a:normAutofit fontScale="92500" lnSpcReduction="10000"/>
-          </a:bodyPr>
-          <a:lstStyle/>
-          <a:p>
-            <a:r>
-              <a:rPr lang="en-US" dirty="0"/>
-              <a:t>For continuous parameters, such as C above, it is important to specify a continuous distribution to take full advantage of the randomization. This way, increasing </a:t>
+          <a:bodyPr/>
+          <a:lstStyle/>
+          <a:p>
+            <a:r>
+              <a:rPr lang="en-US" dirty="0"/>
+              <a:t>Specifying how parameters should be sampled is done using a dictionary, very similar to specifying parameters for </a:t>
+            </a:r>
+            <a:r>
+              <a:rPr lang="en-US" dirty="0" err="1" smtClean="0"/>
+              <a:t>GridSearchCV</a:t>
+            </a:r>
+            <a:r>
+              <a:rPr lang="en-US" dirty="0" smtClean="0"/>
+              <a:t>.</a:t>
+            </a:r>
+          </a:p>
+          <a:p>
+            <a:r>
+              <a:rPr lang="en-US" dirty="0" smtClean="0"/>
+              <a:t>For </a:t>
+            </a:r>
+            <a:r>
+              <a:rPr lang="en-US" dirty="0"/>
+              <a:t>each parameter, either a distribution over possible values or a list of discrete choices (which will be sampled uniformly) can be specified</a:t>
+            </a:r>
+            <a:r>
+              <a:rPr lang="en-US" dirty="0" smtClean="0"/>
+              <a:t>:</a:t>
+            </a:r>
+          </a:p>
+          <a:p>
+            <a:pPr lvl="1"/>
+            <a:r>
+              <a:rPr lang="en-US" dirty="0"/>
+              <a:t>{'C': </a:t>
             </a:r>
             <a:r>
               <a:rPr lang="en-US" dirty="0" err="1"/>
-              <a:t>n_iter</a:t>
-            </a:r>
-            <a:r>
-              <a:rPr lang="en-US" dirty="0"/>
-              <a:t> will always lead to a finer search</a:t>
-            </a:r>
-            <a:r>
-              <a:rPr lang="en-US" dirty="0" smtClean="0"/>
-              <a:t>.</a:t>
-            </a:r>
-            <a:endParaRPr lang="en-US" dirty="0"/>
-          </a:p>
-          <a:p>
-            <a:r>
-              <a:rPr lang="en-US" dirty="0"/>
-              <a:t>A continuous log-uniform random variable is available through </a:t>
+              <a:t>scipy.stats.expon</a:t>
+            </a:r>
+            <a:r>
+              <a:rPr lang="en-US" dirty="0"/>
+              <a:t>(scale=100), 'gamma': </a:t>
             </a:r>
             <a:r>
               <a:rPr lang="en-US" dirty="0" err="1"/>
-              <a:t>loguniform</a:t>
-            </a:r>
-            <a:r>
-              <a:rPr lang="en-US" dirty="0"/>
-              <a:t>. This is a continuous version of log-spaced parameters. For example to specify C above, </a:t>
-            </a:r>
-            <a:r>
-              <a:rPr lang="en-US" dirty="0" err="1"/>
-              <a:t>loguniform</a:t>
-            </a:r>
-            <a:r>
-              <a:rPr lang="en-US" dirty="0"/>
-              <a:t>(1, 100) can be used instead of [1, 10, 100] or </a:t>
-            </a:r>
-            <a:r>
-              <a:rPr lang="en-US" dirty="0" err="1"/>
-              <a:t>np.logspace</a:t>
-            </a:r>
-            <a:r>
-              <a:rPr lang="en-US" dirty="0"/>
-              <a:t>(0, 2, </a:t>
-            </a:r>
-            <a:r>
-              <a:rPr lang="en-US" dirty="0" err="1"/>
-              <a:t>num</a:t>
-            </a:r>
-            <a:r>
-              <a:rPr lang="en-US" dirty="0"/>
-              <a:t>=1000). </a:t>
-            </a:r>
-            <a:endParaRPr lang="en-US" dirty="0" smtClean="0"/>
-          </a:p>
-          <a:p>
-            <a:pPr lvl="1"/>
-            <a:r>
-              <a:rPr lang="en-US" dirty="0"/>
-              <a:t>from </a:t>
-            </a:r>
-            <a:r>
-              <a:rPr lang="en-US" dirty="0" err="1"/>
-              <a:t>sklearn.utils.fixes</a:t>
-            </a:r>
-            <a:r>
-              <a:rPr lang="en-US" dirty="0"/>
-              <a:t> import </a:t>
-            </a:r>
-            <a:r>
-              <a:rPr lang="en-US" dirty="0" err="1"/>
-              <a:t>loguniform</a:t>
-            </a:r>
-            <a:endParaRPr lang="en-US" dirty="0"/>
-          </a:p>
-          <a:p>
-            <a:pPr lvl="1"/>
-            <a:r>
-              <a:rPr lang="en-US" dirty="0"/>
-              <a:t>{'C': </a:t>
-            </a:r>
-            <a:r>
-              <a:rPr lang="en-US" dirty="0" err="1"/>
-              <a:t>loguniform</a:t>
-            </a:r>
-            <a:r>
-              <a:rPr lang="en-US" dirty="0"/>
-              <a:t>(1e0, 1e3),</a:t>
-            </a:r>
-          </a:p>
-          <a:p>
-            <a:pPr lvl="1"/>
-            <a:r>
-              <a:rPr lang="en-US" dirty="0"/>
-              <a:t> 'gamma': </a:t>
-            </a:r>
-            <a:r>
-              <a:rPr lang="en-US" dirty="0" err="1"/>
-              <a:t>loguniform</a:t>
-            </a:r>
-            <a:r>
-              <a:rPr lang="en-US" dirty="0"/>
-              <a:t>(1e-4, 1e-3),</a:t>
-            </a:r>
-          </a:p>
-          <a:p>
-            <a:pPr lvl="1"/>
-            <a:r>
-              <a:rPr lang="en-US" dirty="0"/>
-              <a:t> 'kernel': ['</a:t>
+              <a:t>scipy.stats.expon</a:t>
+            </a:r>
+            <a:r>
+              <a:rPr lang="en-US" dirty="0"/>
+              <a:t>(scale=.1),</a:t>
+            </a:r>
+          </a:p>
+          <a:p>
+            <a:pPr marL="457200" lvl="1" indent="0">
+              <a:buNone/>
+            </a:pPr>
+            <a:r>
+              <a:rPr lang="en-US" dirty="0"/>
+              <a:t>	</a:t>
+            </a:r>
+            <a:r>
+              <a:rPr lang="en-US" dirty="0" smtClean="0"/>
+              <a:t>'kernel</a:t>
+            </a:r>
+            <a:r>
+              <a:rPr lang="en-US" dirty="0"/>
+              <a:t>': ['</a:t>
             </a:r>
             <a:r>
               <a:rPr lang="en-US" dirty="0" err="1"/>
@@ -7071,14 +8207,7 @@
             </a:r>
             <a:r>
               <a:rPr lang="en-US" dirty="0"/>
-              <a:t>'],</a:t>
-            </a:r>
-          </a:p>
-          <a:p>
-            <a:pPr lvl="1"/>
-            <a:r>
-              <a:rPr lang="en-US" dirty="0"/>
-              <a:t> '</a:t>
+              <a:t>'], '</a:t>
             </a:r>
             <a:r>
               <a:rPr lang="en-US" dirty="0" err="1"/>
@@ -7088,13 +8217,17 @@
               <a:rPr lang="en-US" dirty="0"/>
               <a:t>':['balanced', None]}</a:t>
             </a:r>
+            <a:endParaRPr lang="en-US" dirty="0" smtClean="0"/>
+          </a:p>
+          <a:p>
+            <a:endParaRPr lang="en-US" dirty="0"/>
           </a:p>
         </p:txBody>
       </p:sp>
     </p:spTree>
     <p:extLst>
       <p:ext uri="{BB962C8B-B14F-4D97-AF65-F5344CB8AC3E}">
-        <p14:creationId xmlns:p14="http://schemas.microsoft.com/office/powerpoint/2010/main" val="4261198327"/>
+        <p14:creationId xmlns:p14="http://schemas.microsoft.com/office/powerpoint/2010/main" val="1955492487"/>
       </p:ext>
     </p:extLst>
   </p:cSld>
@@ -7137,12 +8270,8 @@
           <a:lstStyle/>
           <a:p>
             <a:r>
-              <a:rPr lang="en-US" dirty="0"/>
-              <a:t>Tips for parameter </a:t>
-            </a:r>
-            <a:r>
-              <a:rPr lang="en-US" dirty="0" smtClean="0"/>
-              <a:t>search</a:t>
+              <a:rPr lang="it-IT" dirty="0" smtClean="0"/>
+              <a:t>Continuous distribution of the params</a:t>
             </a:r>
             <a:endParaRPr lang="en-US" dirty="0"/>
           </a:p>
@@ -7160,64 +8289,154 @@
         </p:nvSpPr>
         <p:spPr/>
         <p:txBody>
-          <a:bodyPr/>
-          <a:lstStyle/>
-          <a:p>
-            <a:r>
-              <a:rPr lang="en-US" dirty="0"/>
-              <a:t>Specifying an objective </a:t>
-            </a:r>
-            <a:r>
-              <a:rPr lang="en-US" dirty="0" smtClean="0"/>
-              <a:t>metric</a:t>
-            </a:r>
-          </a:p>
-          <a:p>
-            <a:r>
-              <a:rPr lang="en-US" dirty="0"/>
-              <a:t>Specifying multiple metrics for evaluation</a:t>
-            </a:r>
-          </a:p>
-          <a:p>
-            <a:r>
-              <a:rPr lang="en-US" dirty="0"/>
-              <a:t>Composite estimators and parameter spaces</a:t>
-            </a:r>
-          </a:p>
-          <a:p>
-            <a:r>
-              <a:rPr lang="en-US" dirty="0"/>
-              <a:t>Model selection: development and evaluation</a:t>
-            </a:r>
-          </a:p>
-          <a:p>
-            <a:r>
-              <a:rPr lang="en-US" dirty="0"/>
-              <a:t>Parallelism</a:t>
-            </a:r>
-          </a:p>
-          <a:p>
-            <a:r>
-              <a:rPr lang="en-US" dirty="0"/>
-              <a:t>Robustness to failure</a:t>
-            </a:r>
-            <a:r>
-              <a:rPr lang="en-US" dirty="0">
-                <a:hlinkClick r:id="rId2" tooltip="Permalink to this headline"/>
-              </a:rPr>
-              <a:t>¶</a:t>
+          <a:bodyPr>
+            <a:normAutofit fontScale="92500" lnSpcReduction="10000"/>
+          </a:bodyPr>
+          <a:lstStyle/>
+          <a:p>
+            <a:r>
+              <a:rPr lang="en-US" dirty="0"/>
+              <a:t>For continuous parameters, such as C above, it is important to specify a continuous distribution to take full advantage of the randomization. This way, increasing </a:t>
+            </a:r>
+            <a:r>
+              <a:rPr lang="en-US" dirty="0" err="1"/>
+              <a:t>n_iter</a:t>
+            </a:r>
+            <a:r>
+              <a:rPr lang="en-US" dirty="0"/>
+              <a:t> will always lead to a finer search</a:t>
+            </a:r>
+            <a:r>
+              <a:rPr lang="en-US" dirty="0" smtClean="0"/>
+              <a:t>.</a:t>
             </a:r>
             <a:endParaRPr lang="en-US" dirty="0"/>
           </a:p>
           <a:p>
+            <a:r>
+              <a:rPr lang="en-US" dirty="0"/>
+              <a:t>A continuous log-uniform random variable is available through </a:t>
+            </a:r>
+            <a:r>
+              <a:rPr lang="en-US" dirty="0" err="1"/>
+              <a:t>loguniform</a:t>
+            </a:r>
+            <a:r>
+              <a:rPr lang="en-US" dirty="0"/>
+              <a:t>. This is a continuous version of log-spaced parameters. For example to specify C above, </a:t>
+            </a:r>
+            <a:r>
+              <a:rPr lang="en-US" dirty="0" err="1"/>
+              <a:t>loguniform</a:t>
+            </a:r>
+            <a:r>
+              <a:rPr lang="en-US" dirty="0"/>
+              <a:t>(1, 100) can be used instead of [1, 10, 100] or </a:t>
+            </a:r>
+            <a:r>
+              <a:rPr lang="en-US" dirty="0" err="1"/>
+              <a:t>np.logspace</a:t>
+            </a:r>
+            <a:r>
+              <a:rPr lang="en-US" dirty="0"/>
+              <a:t>(0, 2, </a:t>
+            </a:r>
+            <a:r>
+              <a:rPr lang="en-US" dirty="0" err="1"/>
+              <a:t>num</a:t>
+            </a:r>
+            <a:r>
+              <a:rPr lang="en-US" dirty="0"/>
+              <a:t>=1000). </a:t>
+            </a:r>
+            <a:endParaRPr lang="en-US" dirty="0" smtClean="0"/>
+          </a:p>
+          <a:p>
+            <a:pPr lvl="1"/>
+            <a:r>
+              <a:rPr lang="en-US" dirty="0"/>
+              <a:t>from </a:t>
+            </a:r>
+            <a:r>
+              <a:rPr lang="en-US" dirty="0" err="1"/>
+              <a:t>sklearn.utils.fixes</a:t>
+            </a:r>
+            <a:r>
+              <a:rPr lang="en-US" dirty="0"/>
+              <a:t> import </a:t>
+            </a:r>
+            <a:r>
+              <a:rPr lang="en-US" dirty="0" err="1"/>
+              <a:t>loguniform</a:t>
+            </a:r>
             <a:endParaRPr lang="en-US" dirty="0"/>
+          </a:p>
+          <a:p>
+            <a:pPr lvl="1"/>
+            <a:r>
+              <a:rPr lang="en-US" dirty="0"/>
+              <a:t>{'C': </a:t>
+            </a:r>
+            <a:r>
+              <a:rPr lang="en-US" dirty="0" err="1"/>
+              <a:t>loguniform</a:t>
+            </a:r>
+            <a:r>
+              <a:rPr lang="en-US" dirty="0"/>
+              <a:t>(1e0, 1e3),</a:t>
+            </a:r>
+          </a:p>
+          <a:p>
+            <a:pPr lvl="1"/>
+            <a:r>
+              <a:rPr lang="en-US" dirty="0"/>
+              <a:t> 'gamma': </a:t>
+            </a:r>
+            <a:r>
+              <a:rPr lang="en-US" dirty="0" err="1"/>
+              <a:t>loguniform</a:t>
+            </a:r>
+            <a:r>
+              <a:rPr lang="en-US" dirty="0"/>
+              <a:t>(1e-4, 1e-3),</a:t>
+            </a:r>
+          </a:p>
+          <a:p>
+            <a:pPr lvl="1"/>
+            <a:r>
+              <a:rPr lang="en-US" dirty="0"/>
+              <a:t> 'kernel': ['</a:t>
+            </a:r>
+            <a:r>
+              <a:rPr lang="en-US" dirty="0" err="1"/>
+              <a:t>rbf</a:t>
+            </a:r>
+            <a:r>
+              <a:rPr lang="en-US" dirty="0"/>
+              <a:t>'],</a:t>
+            </a:r>
+          </a:p>
+          <a:p>
+            <a:pPr lvl="1"/>
+            <a:r>
+              <a:rPr lang="en-US" dirty="0"/>
+              <a:t> '</a:t>
+            </a:r>
+            <a:r>
+              <a:rPr lang="en-US" dirty="0" err="1"/>
+              <a:t>class_weight</a:t>
+            </a:r>
+            <a:r>
+              <a:rPr lang="en-US" dirty="0"/>
+              <a:t>':['balanced', None]}</a:t>
+            </a:r>
           </a:p>
         </p:txBody>
       </p:sp>
     </p:spTree>
     <p:extLst>
       <p:ext uri="{BB962C8B-B14F-4D97-AF65-F5344CB8AC3E}">
-        <p14:creationId xmlns:p14="http://schemas.microsoft.com/office/powerpoint/2010/main" val="3678593528"/>
+        <p14:creationId xmlns:p14="http://schemas.microsoft.com/office/powerpoint/2010/main" val="4261198327"/>
       </p:ext>
     </p:extLst>
   </p:cSld>
@@ -7260,9 +8479,10 @@
           <a:lstStyle/>
           <a:p>
             <a:r>
-              <a:rPr lang="en-US" dirty="0"/>
-              <a:t>Specifying an objective metric</a:t>
-            </a:r>
+              <a:rPr lang="it-IT" dirty="0" smtClean="0"/>
+              <a:t>See example</a:t>
+            </a:r>
+            <a:endParaRPr lang="en-US" dirty="0"/>
           </a:p>
         </p:txBody>
       </p:sp>
@@ -7282,99 +8502,30 @@
           <a:lstStyle/>
           <a:p>
             <a:r>
-              <a:rPr lang="en-US" dirty="0"/>
-              <a:t>By default, parameter search uses the score function of the estimator to evaluate a parameter </a:t>
-            </a:r>
-            <a:r>
-              <a:rPr lang="en-US" dirty="0" smtClean="0"/>
-              <a:t>setting</a:t>
+              <a:rPr lang="en-US" dirty="0" smtClean="0"/>
+              <a:t>ex1_param_estim_GridSearchCV.py</a:t>
             </a:r>
           </a:p>
           <a:p>
             <a:pPr lvl="1"/>
             <a:r>
-              <a:rPr lang="en-US" dirty="0" err="1" smtClean="0"/>
-              <a:t>sklearn.metrics.accuracy_score</a:t>
-            </a:r>
-            <a:r>
-              <a:rPr lang="en-US" dirty="0" smtClean="0"/>
-              <a:t> </a:t>
-            </a:r>
-            <a:r>
-              <a:rPr lang="en-US" dirty="0"/>
-              <a:t>for </a:t>
-            </a:r>
-            <a:r>
-              <a:rPr lang="en-US" dirty="0" smtClean="0"/>
-              <a:t>classification</a:t>
-            </a:r>
-          </a:p>
-          <a:p>
-            <a:pPr lvl="1"/>
-            <a:r>
-              <a:rPr lang="en-US" dirty="0" smtClean="0"/>
-              <a:t>sklearn.metrics.r2_score </a:t>
-            </a:r>
-            <a:r>
-              <a:rPr lang="en-US" dirty="0"/>
-              <a:t>for </a:t>
-            </a:r>
-            <a:r>
-              <a:rPr lang="en-US" dirty="0" smtClean="0"/>
-              <a:t>regression.</a:t>
-            </a:r>
-          </a:p>
-          <a:p>
-            <a:r>
-              <a:rPr lang="en-US" dirty="0" smtClean="0"/>
-              <a:t>For </a:t>
-            </a:r>
-            <a:r>
-              <a:rPr lang="en-US" dirty="0"/>
-              <a:t>some applications, other scoring functions are better suited (for example in unbalanced classification, the accuracy score is often uninformative</a:t>
-            </a:r>
-            <a:r>
-              <a:rPr lang="en-US" dirty="0" smtClean="0"/>
-              <a:t>).</a:t>
-            </a:r>
-          </a:p>
-          <a:p>
-            <a:r>
-              <a:rPr lang="en-US" dirty="0" smtClean="0"/>
-              <a:t>An </a:t>
-            </a:r>
-            <a:r>
-              <a:rPr lang="en-US" dirty="0"/>
-              <a:t>alternative scoring function can be specified via the scoring parameter to </a:t>
-            </a:r>
-            <a:r>
-              <a:rPr lang="en-US" dirty="0" err="1"/>
-              <a:t>GridSearchCV</a:t>
-            </a:r>
-            <a:r>
-              <a:rPr lang="en-US" dirty="0"/>
-              <a:t>, </a:t>
-            </a:r>
-            <a:r>
-              <a:rPr lang="en-US" dirty="0" err="1"/>
-              <a:t>RandomizedSearchCV</a:t>
-            </a:r>
-            <a:r>
-              <a:rPr lang="en-US" dirty="0"/>
-              <a:t> and many of the specialized cross-validation tools described </a:t>
-            </a:r>
-            <a:r>
-              <a:rPr lang="en-US" dirty="0" smtClean="0"/>
-              <a:t>later</a:t>
-            </a:r>
-            <a:endParaRPr lang="en-US" dirty="0"/>
+              <a:rPr lang="it-IT" dirty="0" smtClean="0"/>
+              <a:t>For the classification report see also scikit-le</a:t>
+            </a:r>
+            <a:endParaRPr lang="en-US" dirty="0" smtClean="0"/>
+          </a:p>
+          <a:p>
+            <a:r>
+              <a:rPr lang="en-US" dirty="0"/>
+              <a:t>ex2_randomSvsGridS.py</a:t>
+            </a:r>
           </a:p>
         </p:txBody>
       </p:sp>
     </p:spTree>
     <p:extLst>
       <p:ext uri="{BB962C8B-B14F-4D97-AF65-F5344CB8AC3E}">
-        <p14:creationId xmlns:p14="http://schemas.microsoft.com/office/powerpoint/2010/main" val="3753478099"/>
+        <p14:creationId xmlns:p14="http://schemas.microsoft.com/office/powerpoint/2010/main" val="876434376"/>
       </p:ext>
     </p:extLst>
   </p:cSld>
@@ -7417,8 +8568,12 @@
           <a:lstStyle/>
           <a:p>
             <a:r>
-              <a:rPr lang="it-IT" dirty="0" smtClean="0"/>
-              <a:t>R^2 (Coeff of determination)</a:t>
+              <a:rPr lang="en-US" dirty="0"/>
+              <a:t>Tips for parameter </a:t>
+            </a:r>
+            <a:r>
+              <a:rPr lang="en-US" dirty="0" smtClean="0"/>
+              <a:t>search</a:t>
             </a:r>
             <a:endParaRPr lang="en-US" dirty="0"/>
           </a:p>
@@ -7441,57 +8596,54 @@
           <a:p>
             <a:r>
               <a:rPr lang="en-US" dirty="0"/>
-              <a:t>R^2 (coefficient of determination) regression score function.</a:t>
-            </a:r>
-          </a:p>
-          <a:p>
-            <a:r>
-              <a:rPr lang="en-US" dirty="0"/>
-              <a:t>I</a:t>
-            </a:r>
-            <a:r>
-              <a:rPr lang="en-US" dirty="0" smtClean="0"/>
-              <a:t>s </a:t>
-            </a:r>
-            <a:r>
-              <a:rPr lang="en-US" dirty="0"/>
-              <a:t>the proportion of the variance in the dependent variable that is predictable from the independent variable(s)</a:t>
-            </a:r>
-          </a:p>
-          <a:p>
-            <a:r>
-              <a:rPr lang="en-US" dirty="0"/>
-              <a:t>Best possible score is 1.0 and it can be negative (because the model can be arbitrarily worse</a:t>
-            </a:r>
-            <a:r>
-              <a:rPr lang="en-US" dirty="0" smtClean="0"/>
-              <a:t>). In </a:t>
-            </a:r>
-            <a:r>
-              <a:rPr lang="en-US" dirty="0" err="1" smtClean="0"/>
-              <a:t>sk</a:t>
-            </a:r>
-            <a:r>
-              <a:rPr lang="en-US" dirty="0" smtClean="0"/>
-              <a:t>-learn</a:t>
-            </a:r>
-          </a:p>
-          <a:p>
-            <a:r>
-              <a:rPr lang="en-US" dirty="0" smtClean="0"/>
-              <a:t>A </a:t>
-            </a:r>
-            <a:r>
-              <a:rPr lang="en-US" dirty="0"/>
-              <a:t>constant model that always predicts the expected value of y, disregarding the input features, would get a R^2 score of 0.0.</a:t>
-            </a:r>
+              <a:t>Specifying an objective </a:t>
+            </a:r>
+            <a:r>
+              <a:rPr lang="en-US" dirty="0" smtClean="0"/>
+              <a:t>metric</a:t>
+            </a:r>
+          </a:p>
+          <a:p>
+            <a:r>
+              <a:rPr lang="en-US" dirty="0"/>
+              <a:t>Specifying multiple metrics for evaluation</a:t>
+            </a:r>
+          </a:p>
+          <a:p>
+            <a:r>
+              <a:rPr lang="en-US" dirty="0"/>
+              <a:t>Composite estimators and parameter spaces</a:t>
+            </a:r>
+          </a:p>
+          <a:p>
+            <a:r>
+              <a:rPr lang="en-US" dirty="0"/>
+              <a:t>Model selection: development and evaluation</a:t>
+            </a:r>
+          </a:p>
+          <a:p>
+            <a:r>
+              <a:rPr lang="en-US" dirty="0"/>
+              <a:t>Parallelism</a:t>
+            </a:r>
+          </a:p>
+          <a:p>
+            <a:r>
+              <a:rPr lang="en-US" dirty="0"/>
+              <a:t>Robustness to </a:t>
+            </a:r>
+            <a:r>
+              <a:rPr lang="en-US" dirty="0" smtClean="0"/>
+              <a:t>failure</a:t>
+            </a:r>
+            <a:endParaRPr lang="en-US" dirty="0"/>
           </a:p>
         </p:txBody>
       </p:sp>
     </p:spTree>
     <p:extLst>
       <p:ext uri="{BB962C8B-B14F-4D97-AF65-F5344CB8AC3E}">
-        <p14:creationId xmlns:p14="http://schemas.microsoft.com/office/powerpoint/2010/main" val="1684554996"/>
+        <p14:creationId xmlns:p14="http://schemas.microsoft.com/office/powerpoint/2010/main" val="3678593528"/>
       </p:ext>
     </p:extLst>
   </p:cSld>
@@ -7535,13 +8687,8 @@
           <a:p>
             <a:r>
               <a:rPr lang="en-US" dirty="0"/>
-              <a:t>Specifying multiple metrics for </a:t>
-            </a:r>
-            <a:r>
-              <a:rPr lang="en-US" dirty="0" smtClean="0"/>
-              <a:t>evaluation</a:t>
-            </a:r>
-            <a:endParaRPr lang="en-US" dirty="0"/>
+              <a:t>Specifying an objective metric</a:t>
+            </a:r>
           </a:p>
         </p:txBody>
       </p:sp>
@@ -7557,18 +8704,82 @@
         </p:nvSpPr>
         <p:spPr/>
         <p:txBody>
-          <a:bodyPr>
-            <a:normAutofit fontScale="92500" lnSpcReduction="10000"/>
-          </a:bodyPr>
-          <a:lstStyle/>
-          <a:p>
+          <a:bodyPr/>
+          <a:lstStyle/>
+          <a:p>
+            <a:r>
+              <a:rPr lang="en-US" dirty="0"/>
+              <a:t>By default, parameter search uses the score function of the estimator to evaluate a parameter </a:t>
+            </a:r>
+            <a:r>
+              <a:rPr lang="en-US" dirty="0" smtClean="0"/>
+              <a:t>setting</a:t>
+            </a:r>
+          </a:p>
+          <a:p>
+            <a:pPr lvl="1"/>
+            <a:r>
+              <a:rPr lang="en-US" dirty="0" err="1" smtClean="0"/>
+              <a:t>sklearn.metrics.accuracy_score</a:t>
+            </a:r>
+            <a:r>
+              <a:rPr lang="en-US" dirty="0" smtClean="0"/>
+              <a:t> </a:t>
+            </a:r>
+            <a:r>
+              <a:rPr lang="en-US" dirty="0"/>
+              <a:t>for </a:t>
+            </a:r>
+            <a:r>
+              <a:rPr lang="en-US" dirty="0" smtClean="0"/>
+              <a:t>classification</a:t>
+            </a:r>
+          </a:p>
+          <a:p>
+            <a:pPr lvl="1"/>
+            <a:r>
+              <a:rPr lang="en-US" dirty="0" smtClean="0"/>
+              <a:t>sklearn.metrics.r2_score </a:t>
+            </a:r>
+            <a:r>
+              <a:rPr lang="en-US" dirty="0"/>
+              <a:t>for </a:t>
+            </a:r>
+            <a:r>
+              <a:rPr lang="en-US" dirty="0" smtClean="0"/>
+              <a:t>regression.</a:t>
+            </a:r>
+          </a:p>
+          <a:p>
+            <a:r>
+              <a:rPr lang="en-US" dirty="0" smtClean="0"/>
+              <a:t>For </a:t>
+            </a:r>
+            <a:r>
+              <a:rPr lang="en-US" dirty="0"/>
+              <a:t>some applications, other scoring functions are better suited (for example in unbalanced classification, the accuracy score is often uninformative</a:t>
+            </a:r>
+            <a:r>
+              <a:rPr lang="en-US" dirty="0" smtClean="0"/>
+              <a:t>).</a:t>
+            </a:r>
+          </a:p>
+          <a:p>
+            <a:r>
+              <a:rPr lang="en-US" dirty="0" smtClean="0"/>
+              <a:t>An </a:t>
+            </a:r>
+            <a:r>
+              <a:rPr lang="en-US" dirty="0"/>
+              <a:t>alternative scoring function can be specified via the scoring parameter to </a:t>
+            </a:r>
             <a:r>
               <a:rPr lang="en-US" dirty="0" err="1"/>
               <a:t>GridSearchCV</a:t>
             </a:r>
             <a:r>
               <a:rPr lang="en-US" dirty="0"/>
-              <a:t> and </a:t>
+              <a:t>, </a:t>
             </a:r>
             <a:r>
               <a:rPr lang="en-US" dirty="0" err="1"/>
@@ -7576,6 +8787,221 @@
             </a:r>
             <a:r>
               <a:rPr lang="en-US" dirty="0"/>
+              <a:t> and many of the specialized cross-validation tools described </a:t>
+            </a:r>
+            <a:r>
+              <a:rPr lang="en-US" dirty="0" smtClean="0"/>
+              <a:t>later</a:t>
+            </a:r>
+            <a:endParaRPr lang="en-US" dirty="0"/>
+          </a:p>
+        </p:txBody>
+      </p:sp>
+    </p:spTree>
+    <p:extLst>
+      <p:ext uri="{BB962C8B-B14F-4D97-AF65-F5344CB8AC3E}">
+        <p14:creationId xmlns:p14="http://schemas.microsoft.com/office/powerpoint/2010/main" val="3753478099"/>
+      </p:ext>
+    </p:extLst>
+  </p:cSld>
+  <p:clrMapOvr>
+    <a:masterClrMapping/>
+  </p:clrMapOvr>
+</p:sld>
+</file>
+
+<file path=ppt/slides/slide35.xml><?xml version="1.0" encoding="utf-8"?>
+<p:sld xmlns:a="http://schemas.openxmlformats.org/drawingml/2006/main" xmlns:r="http://schemas.openxmlformats.org/officeDocument/2006/relationships" xmlns:p="http://schemas.openxmlformats.org/presentationml/2006/main">
+  <p:cSld>
+    <p:spTree>
+      <p:nvGrpSpPr>
+        <p:cNvPr id="1" name=""/>
+        <p:cNvGrpSpPr/>
+        <p:nvPr/>
+      </p:nvGrpSpPr>
+      <p:grpSpPr>
+        <a:xfrm>
+          <a:off x="0" y="0"/>
+          <a:ext cx="0" cy="0"/>
+          <a:chOff x="0" y="0"/>
+          <a:chExt cx="0" cy="0"/>
+        </a:xfrm>
+      </p:grpSpPr>
+      <p:sp>
+        <p:nvSpPr>
+          <p:cNvPr id="2" name="Title 1"/>
+          <p:cNvSpPr>
+            <a:spLocks noGrp="1"/>
+          </p:cNvSpPr>
+          <p:nvPr>
+            <p:ph type="title"/>
+          </p:nvPr>
+        </p:nvSpPr>
+        <p:spPr/>
+        <p:txBody>
+          <a:bodyPr/>
+          <a:lstStyle/>
+          <a:p>
+            <a:r>
+              <a:rPr lang="it-IT" dirty="0" smtClean="0"/>
+              <a:t>R^2 (Coeff of determination)</a:t>
+            </a:r>
+            <a:endParaRPr lang="en-US" dirty="0"/>
+          </a:p>
+        </p:txBody>
+      </p:sp>
+      <p:sp>
+        <p:nvSpPr>
+          <p:cNvPr id="3" name="Content Placeholder 2"/>
+          <p:cNvSpPr>
+            <a:spLocks noGrp="1"/>
+          </p:cNvSpPr>
+          <p:nvPr>
+            <p:ph idx="1"/>
+          </p:nvPr>
+        </p:nvSpPr>
+        <p:spPr/>
+        <p:txBody>
+          <a:bodyPr/>
+          <a:lstStyle/>
+          <a:p>
+            <a:r>
+              <a:rPr lang="en-US" dirty="0"/>
+              <a:t>R^2 (coefficient of determination) regression score function.</a:t>
+            </a:r>
+          </a:p>
+          <a:p>
+            <a:r>
+              <a:rPr lang="en-US" dirty="0"/>
+              <a:t>I</a:t>
+            </a:r>
+            <a:r>
+              <a:rPr lang="en-US" dirty="0" smtClean="0"/>
+              <a:t>s </a:t>
+            </a:r>
+            <a:r>
+              <a:rPr lang="en-US" dirty="0"/>
+              <a:t>the proportion of the variance in the dependent variable that is predictable from the independent variable(s)</a:t>
+            </a:r>
+          </a:p>
+          <a:p>
+            <a:r>
+              <a:rPr lang="en-US" dirty="0"/>
+              <a:t>Best possible score is 1.0 and it can be negative (because the model can be arbitrarily worse</a:t>
+            </a:r>
+            <a:r>
+              <a:rPr lang="en-US" dirty="0" smtClean="0"/>
+              <a:t>). In </a:t>
+            </a:r>
+            <a:r>
+              <a:rPr lang="en-US" dirty="0" err="1" smtClean="0"/>
+              <a:t>sk</a:t>
+            </a:r>
+            <a:r>
+              <a:rPr lang="en-US" dirty="0" smtClean="0"/>
+              <a:t>-learn</a:t>
+            </a:r>
+          </a:p>
+          <a:p>
+            <a:r>
+              <a:rPr lang="en-US" dirty="0" smtClean="0"/>
+              <a:t>A </a:t>
+            </a:r>
+            <a:r>
+              <a:rPr lang="en-US" dirty="0"/>
+              <a:t>constant model that always predicts the expected value of y, disregarding the input features, would get a R^2 score of 0.0.</a:t>
+            </a:r>
+          </a:p>
+        </p:txBody>
+      </p:sp>
+    </p:spTree>
+    <p:extLst>
+      <p:ext uri="{BB962C8B-B14F-4D97-AF65-F5344CB8AC3E}">
+        <p14:creationId xmlns:p14="http://schemas.microsoft.com/office/powerpoint/2010/main" val="1684554996"/>
+      </p:ext>
+    </p:extLst>
+  </p:cSld>
+  <p:clrMapOvr>
+    <a:masterClrMapping/>
+  </p:clrMapOvr>
+</p:sld>
+</file>
+
+<file path=ppt/slides/slide36.xml><?xml version="1.0" encoding="utf-8"?>
+<p:sld xmlns:a="http://schemas.openxmlformats.org/drawingml/2006/main" xmlns:r="http://schemas.openxmlformats.org/officeDocument/2006/relationships" xmlns:p="http://schemas.openxmlformats.org/presentationml/2006/main">
+  <p:cSld>
+    <p:spTree>
+      <p:nvGrpSpPr>
+        <p:cNvPr id="1" name=""/>
+        <p:cNvGrpSpPr/>
+        <p:nvPr/>
+      </p:nvGrpSpPr>
+      <p:grpSpPr>
+        <a:xfrm>
+          <a:off x="0" y="0"/>
+          <a:ext cx="0" cy="0"/>
+          <a:chOff x="0" y="0"/>
+          <a:chExt cx="0" cy="0"/>
+        </a:xfrm>
+      </p:grpSpPr>
+      <p:sp>
+        <p:nvSpPr>
+          <p:cNvPr id="2" name="Title 1"/>
+          <p:cNvSpPr>
+            <a:spLocks noGrp="1"/>
+          </p:cNvSpPr>
+          <p:nvPr>
+            <p:ph type="title"/>
+          </p:nvPr>
+        </p:nvSpPr>
+        <p:spPr/>
+        <p:txBody>
+          <a:bodyPr/>
+          <a:lstStyle/>
+          <a:p>
+            <a:r>
+              <a:rPr lang="en-US" dirty="0"/>
+              <a:t>Specifying multiple metrics for </a:t>
+            </a:r>
+            <a:r>
+              <a:rPr lang="en-US" dirty="0" smtClean="0"/>
+              <a:t>evaluation</a:t>
+            </a:r>
+            <a:endParaRPr lang="en-US" dirty="0"/>
+          </a:p>
+        </p:txBody>
+      </p:sp>
+      <p:sp>
+        <p:nvSpPr>
+          <p:cNvPr id="3" name="Content Placeholder 2"/>
+          <p:cNvSpPr>
+            <a:spLocks noGrp="1"/>
+          </p:cNvSpPr>
+          <p:nvPr>
+            <p:ph idx="1"/>
+          </p:nvPr>
+        </p:nvSpPr>
+        <p:spPr/>
+        <p:txBody>
+          <a:bodyPr>
+            <a:normAutofit/>
+          </a:bodyPr>
+          <a:lstStyle/>
+          <a:p>
+            <a:r>
+              <a:rPr lang="en-US" dirty="0" err="1"/>
+              <a:t>GridSearchCV</a:t>
+            </a:r>
+            <a:r>
+              <a:rPr lang="en-US" dirty="0"/>
+              <a:t> and </a:t>
+            </a:r>
+            <a:r>
+              <a:rPr lang="en-US" dirty="0" err="1"/>
+              <a:t>RandomizedSearchCV</a:t>
+            </a:r>
+            <a:r>
+              <a:rPr lang="en-US" dirty="0"/>
               <a:t> allow specifying multiple metrics for the scoring parameter</a:t>
             </a:r>
             <a:r>
@@ -7600,110 +9026,6 @@
             <a:r>
               <a:rPr lang="en-US" dirty="0"/>
               <a:t> mapping the scorer name to the scorer function and/or the predefined scorer name(s). </a:t>
-            </a:r>
-          </a:p>
-          <a:p>
-            <a:r>
-              <a:rPr lang="en-US" dirty="0">
-                <a:solidFill>
-                  <a:srgbClr val="FFC000"/>
-                </a:solidFill>
-              </a:rPr>
-              <a:t>When specifying multiple metrics, the refit parameter must be set to the metric (string) for which the </a:t>
-            </a:r>
-            <a:r>
-              <a:rPr lang="en-US" dirty="0" err="1">
-                <a:solidFill>
-                  <a:srgbClr val="FFC000"/>
-                </a:solidFill>
-              </a:rPr>
-              <a:t>best_params</a:t>
-            </a:r>
-            <a:r>
-              <a:rPr lang="en-US" dirty="0">
-                <a:solidFill>
-                  <a:srgbClr val="FFC000"/>
-                </a:solidFill>
-              </a:rPr>
-              <a:t>_ will be found and used to build the </a:t>
-            </a:r>
-            <a:r>
-              <a:rPr lang="en-US" dirty="0" err="1">
-                <a:solidFill>
-                  <a:srgbClr val="FFC000"/>
-                </a:solidFill>
-              </a:rPr>
-              <a:t>best_estimator</a:t>
-            </a:r>
-            <a:r>
-              <a:rPr lang="en-US" dirty="0">
-                <a:solidFill>
-                  <a:srgbClr val="FFC000"/>
-                </a:solidFill>
-              </a:rPr>
-              <a:t>_ on the whole dataset. If the search should not be refit, set refit=False. Leaving refit to the default value None will result in an error when using multiple metrics</a:t>
-            </a:r>
-            <a:r>
-              <a:rPr lang="en-US" dirty="0" smtClean="0">
-                <a:solidFill>
-                  <a:srgbClr val="FFC000"/>
-                </a:solidFill>
-              </a:rPr>
-              <a:t>.</a:t>
-            </a:r>
-          </a:p>
-          <a:p>
-            <a:r>
-              <a:rPr lang="en-US" dirty="0">
-                <a:solidFill>
-                  <a:srgbClr val="FFC000"/>
-                </a:solidFill>
-              </a:rPr>
-              <a:t>See </a:t>
-            </a:r>
-            <a:r>
-              <a:rPr lang="en-US" dirty="0">
-                <a:solidFill>
-                  <a:srgbClr val="FFC000"/>
-                </a:solidFill>
-                <a:hlinkClick r:id="rId2"/>
-              </a:rPr>
-              <a:t>Demonstration of multi-metric evaluation on </a:t>
-            </a:r>
-            <a:r>
-              <a:rPr lang="en-US" dirty="0" err="1">
-                <a:solidFill>
-                  <a:srgbClr val="FFC000"/>
-                </a:solidFill>
-                <a:hlinkClick r:id="rId2"/>
-              </a:rPr>
-              <a:t>cross_val_score</a:t>
-            </a:r>
-            <a:r>
-              <a:rPr lang="en-US" dirty="0">
-                <a:solidFill>
-                  <a:srgbClr val="FFC000"/>
-                </a:solidFill>
-                <a:hlinkClick r:id="rId2"/>
-              </a:rPr>
-              <a:t> and </a:t>
-            </a:r>
-            <a:r>
-              <a:rPr lang="en-US" dirty="0" err="1">
-                <a:solidFill>
-                  <a:srgbClr val="FFC000"/>
-                </a:solidFill>
-                <a:hlinkClick r:id="rId2"/>
-              </a:rPr>
-              <a:t>GridSearchCV</a:t>
-            </a:r>
-            <a:r>
-              <a:rPr lang="en-US" dirty="0">
-                <a:solidFill>
-                  <a:srgbClr val="FFC000"/>
-                </a:solidFill>
-              </a:rPr>
-              <a:t> for an example usage</a:t>
             </a:r>
           </a:p>
         </p:txBody>
@@ -7721,7 +9043,7 @@
 </p:sld>
 </file>
 
-<file path=ppt/slides/slide35.xml><?xml version="1.0" encoding="utf-8"?>
+<file path=ppt/slides/slide37.xml><?xml version="1.0" encoding="utf-8"?>
 <p:sld xmlns:a="http://schemas.openxmlformats.org/drawingml/2006/main" xmlns:r="http://schemas.openxmlformats.org/officeDocument/2006/relationships" xmlns:p="http://schemas.openxmlformats.org/presentationml/2006/main">
   <p:cSld>
     <p:spTree>
@@ -7911,204 +9233,82 @@
           </a:p>
         </p:txBody>
       </p:sp>
+      <p:cxnSp>
+        <p:nvCxnSpPr>
+          <p:cNvPr id="6" name="Straight Arrow Connector 5"/>
+          <p:cNvCxnSpPr/>
+          <p:nvPr/>
+        </p:nvCxnSpPr>
+        <p:spPr>
+          <a:xfrm flipV="1">
+            <a:off x="5679281" y="4729163"/>
+            <a:ext cx="1285875" cy="492918"/>
+          </a:xfrm>
+          <a:prstGeom prst="straightConnector1">
+            <a:avLst/>
+          </a:prstGeom>
+          <a:ln>
+            <a:solidFill>
+              <a:schemeClr val="tx1"/>
+            </a:solidFill>
+            <a:tailEnd type="triangle"/>
+          </a:ln>
+        </p:spPr>
+        <p:style>
+          <a:lnRef idx="1">
+            <a:schemeClr val="accent1"/>
+          </a:lnRef>
+          <a:fillRef idx="0">
+            <a:schemeClr val="accent1"/>
+          </a:fillRef>
+          <a:effectRef idx="0">
+            <a:schemeClr val="accent1"/>
+          </a:effectRef>
+          <a:fontRef idx="minor">
+            <a:schemeClr val="tx1"/>
+          </a:fontRef>
+        </p:style>
+      </p:cxnSp>
+      <p:cxnSp>
+        <p:nvCxnSpPr>
+          <p:cNvPr id="8" name="Straight Arrow Connector 7"/>
+          <p:cNvCxnSpPr/>
+          <p:nvPr/>
+        </p:nvCxnSpPr>
+        <p:spPr>
+          <a:xfrm>
+            <a:off x="4614939" y="4360863"/>
+            <a:ext cx="2035893" cy="1317266"/>
+          </a:xfrm>
+          <a:prstGeom prst="straightConnector1">
+            <a:avLst/>
+          </a:prstGeom>
+          <a:ln>
+            <a:solidFill>
+              <a:schemeClr val="tx1"/>
+            </a:solidFill>
+            <a:tailEnd type="triangle"/>
+          </a:ln>
+        </p:spPr>
+        <p:style>
+          <a:lnRef idx="1">
+            <a:schemeClr val="accent1"/>
+          </a:lnRef>
+          <a:fillRef idx="0">
+            <a:schemeClr val="accent1"/>
+          </a:fillRef>
+          <a:effectRef idx="0">
+            <a:schemeClr val="accent1"/>
+          </a:effectRef>
+          <a:fontRef idx="minor">
+            <a:schemeClr val="tx1"/>
+          </a:fontRef>
+        </p:style>
+      </p:cxnSp>
     </p:spTree>
     <p:extLst>
       <p:ext uri="{BB962C8B-B14F-4D97-AF65-F5344CB8AC3E}">
         <p14:creationId xmlns:p14="http://schemas.microsoft.com/office/powerpoint/2010/main" val="2910587404"/>
-      </p:ext>
-    </p:extLst>
-  </p:cSld>
-  <p:clrMapOvr>
-    <a:masterClrMapping/>
-  </p:clrMapOvr>
-</p:sld>
-</file>
-
-<file path=ppt/slides/slide36.xml><?xml version="1.0" encoding="utf-8"?>
-<p:sld xmlns:a="http://schemas.openxmlformats.org/drawingml/2006/main" xmlns:r="http://schemas.openxmlformats.org/officeDocument/2006/relationships" xmlns:p="http://schemas.openxmlformats.org/presentationml/2006/main">
-  <p:cSld>
-    <p:spTree>
-      <p:nvGrpSpPr>
-        <p:cNvPr id="1" name=""/>
-        <p:cNvGrpSpPr/>
-        <p:nvPr/>
-      </p:nvGrpSpPr>
-      <p:grpSpPr>
-        <a:xfrm>
-          <a:off x="0" y="0"/>
-          <a:ext cx="0" cy="0"/>
-          <a:chOff x="0" y="0"/>
-          <a:chExt cx="0" cy="0"/>
-        </a:xfrm>
-      </p:grpSpPr>
-      <p:sp>
-        <p:nvSpPr>
-          <p:cNvPr id="2" name="Title 1"/>
-          <p:cNvSpPr>
-            <a:spLocks noGrp="1"/>
-          </p:cNvSpPr>
-          <p:nvPr>
-            <p:ph type="title"/>
-          </p:nvPr>
-        </p:nvSpPr>
-        <p:spPr/>
-        <p:txBody>
-          <a:bodyPr/>
-          <a:lstStyle/>
-          <a:p>
-            <a:r>
-              <a:rPr lang="it-IT" dirty="0" smtClean="0"/>
-              <a:t>Parallelism</a:t>
-            </a:r>
-            <a:endParaRPr lang="en-US" dirty="0"/>
-          </a:p>
-        </p:txBody>
-      </p:sp>
-      <p:sp>
-        <p:nvSpPr>
-          <p:cNvPr id="3" name="Content Placeholder 2"/>
-          <p:cNvSpPr>
-            <a:spLocks noGrp="1"/>
-          </p:cNvSpPr>
-          <p:nvPr>
-            <p:ph idx="1"/>
-          </p:nvPr>
-        </p:nvSpPr>
-        <p:spPr/>
-        <p:txBody>
-          <a:bodyPr/>
-          <a:lstStyle/>
-          <a:p>
-            <a:r>
-              <a:rPr lang="en-US" dirty="0" err="1"/>
-              <a:t>GridSearchCV</a:t>
-            </a:r>
-            <a:r>
-              <a:rPr lang="en-US" dirty="0"/>
-              <a:t> and </a:t>
-            </a:r>
-            <a:r>
-              <a:rPr lang="en-US" dirty="0" err="1"/>
-              <a:t>RandomizedSearchCV</a:t>
-            </a:r>
-            <a:r>
-              <a:rPr lang="en-US" dirty="0"/>
-              <a:t> evaluate each parameter setting independently. Computations can be run in parallel if your OS supports it, by using the keyword </a:t>
-            </a:r>
-            <a:r>
-              <a:rPr lang="en-US" dirty="0" err="1"/>
-              <a:t>n_jobs</a:t>
-            </a:r>
-            <a:r>
-              <a:rPr lang="en-US" dirty="0"/>
-              <a:t>=-1. </a:t>
-            </a:r>
-          </a:p>
-        </p:txBody>
-      </p:sp>
-    </p:spTree>
-    <p:extLst>
-      <p:ext uri="{BB962C8B-B14F-4D97-AF65-F5344CB8AC3E}">
-        <p14:creationId xmlns:p14="http://schemas.microsoft.com/office/powerpoint/2010/main" val="4288806125"/>
-      </p:ext>
-    </p:extLst>
-  </p:cSld>
-  <p:clrMapOvr>
-    <a:masterClrMapping/>
-  </p:clrMapOvr>
-</p:sld>
-</file>
-
-<file path=ppt/slides/slide37.xml><?xml version="1.0" encoding="utf-8"?>
-<p:sld xmlns:a="http://schemas.openxmlformats.org/drawingml/2006/main" xmlns:r="http://schemas.openxmlformats.org/officeDocument/2006/relationships" xmlns:p="http://schemas.openxmlformats.org/presentationml/2006/main">
-  <p:cSld>
-    <p:spTree>
-      <p:nvGrpSpPr>
-        <p:cNvPr id="1" name=""/>
-        <p:cNvGrpSpPr/>
-        <p:nvPr/>
-      </p:nvGrpSpPr>
-      <p:grpSpPr>
-        <a:xfrm>
-          <a:off x="0" y="0"/>
-          <a:ext cx="0" cy="0"/>
-          <a:chOff x="0" y="0"/>
-          <a:chExt cx="0" cy="0"/>
-        </a:xfrm>
-      </p:grpSpPr>
-      <p:sp>
-        <p:nvSpPr>
-          <p:cNvPr id="2" name="Title 1"/>
-          <p:cNvSpPr>
-            <a:spLocks noGrp="1"/>
-          </p:cNvSpPr>
-          <p:nvPr>
-            <p:ph type="title"/>
-          </p:nvPr>
-        </p:nvSpPr>
-        <p:spPr/>
-        <p:txBody>
-          <a:bodyPr/>
-          <a:lstStyle/>
-          <a:p>
-            <a:r>
-              <a:rPr lang="it-IT" dirty="0" smtClean="0"/>
-              <a:t>Robustness to failure</a:t>
-            </a:r>
-            <a:endParaRPr lang="en-US" dirty="0"/>
-          </a:p>
-        </p:txBody>
-      </p:sp>
-      <p:sp>
-        <p:nvSpPr>
-          <p:cNvPr id="3" name="Content Placeholder 2"/>
-          <p:cNvSpPr>
-            <a:spLocks noGrp="1"/>
-          </p:cNvSpPr>
-          <p:nvPr>
-            <p:ph idx="1"/>
-          </p:nvPr>
-        </p:nvSpPr>
-        <p:spPr/>
-        <p:txBody>
-          <a:bodyPr/>
-          <a:lstStyle/>
-          <a:p>
-            <a:r>
-              <a:rPr lang="en-US" dirty="0"/>
-              <a:t>Some parameter settings may result in a failure to fit one or more folds of the data. By default, this will cause the entire search to fail, even if some parameter settings could be fully evaluated. Setting </a:t>
-            </a:r>
-            <a:r>
-              <a:rPr lang="en-US" dirty="0" err="1"/>
-              <a:t>error_score</a:t>
-            </a:r>
-            <a:r>
-              <a:rPr lang="en-US" dirty="0"/>
-              <a:t>=0 (or =</a:t>
-            </a:r>
-            <a:r>
-              <a:rPr lang="en-US" dirty="0" err="1"/>
-              <a:t>np.NaN</a:t>
-            </a:r>
-            <a:r>
-              <a:rPr lang="en-US" dirty="0"/>
-              <a:t>) will make the procedure robust to such failure, issuing a warning and setting the score for that fold to 0 (or </a:t>
-            </a:r>
-            <a:r>
-              <a:rPr lang="en-US" dirty="0" err="1"/>
-              <a:t>NaN</a:t>
-            </a:r>
-            <a:r>
-              <a:rPr lang="en-US" dirty="0"/>
-              <a:t>), but completing the search.</a:t>
-            </a:r>
-          </a:p>
-        </p:txBody>
-      </p:sp>
-    </p:spTree>
-    <p:extLst>
-      <p:ext uri="{BB962C8B-B14F-4D97-AF65-F5344CB8AC3E}">
-        <p14:creationId xmlns:p14="http://schemas.microsoft.com/office/powerpoint/2010/main" val="3213252903"/>
       </p:ext>
     </p:extLst>
   </p:cSld>
@@ -8151,12 +9351,8 @@
           <a:lstStyle/>
           <a:p>
             <a:r>
-              <a:rPr lang="en-US" dirty="0"/>
-              <a:t>Alternatives to brute force parameter </a:t>
-            </a:r>
-            <a:r>
-              <a:rPr lang="en-US" dirty="0" smtClean="0"/>
-              <a:t>search</a:t>
+              <a:rPr lang="it-IT" dirty="0" smtClean="0"/>
+              <a:t>Parallel execution</a:t>
             </a:r>
             <a:endParaRPr lang="en-US" dirty="0"/>
           </a:p>
@@ -8174,41 +9370,40 @@
         </p:nvSpPr>
         <p:spPr/>
         <p:txBody>
-          <a:bodyPr>
-            <a:normAutofit/>
-          </a:bodyPr>
-          <a:lstStyle/>
-          <a:p>
-            <a:r>
-              <a:rPr lang="en-US" dirty="0"/>
-              <a:t>Model specific </a:t>
-            </a:r>
-            <a:r>
-              <a:rPr lang="en-US" dirty="0" smtClean="0"/>
-              <a:t>cross-validation</a:t>
-            </a:r>
-          </a:p>
-          <a:p>
-            <a:r>
-              <a:rPr lang="en-US" dirty="0"/>
-              <a:t>Information Criterion</a:t>
-            </a:r>
-          </a:p>
-          <a:p>
-            <a:r>
-              <a:rPr lang="en-US" dirty="0"/>
-              <a:t>Out of Bag Estimates</a:t>
-            </a:r>
-          </a:p>
-          <a:p>
-            <a:endParaRPr lang="en-US" dirty="0"/>
+          <a:bodyPr/>
+          <a:lstStyle/>
+          <a:p>
+            <a:r>
+              <a:rPr lang="en-US" dirty="0" err="1"/>
+              <a:t>GridSearchCV</a:t>
+            </a:r>
+            <a:r>
+              <a:rPr lang="en-US" dirty="0"/>
+              <a:t> and </a:t>
+            </a:r>
+            <a:r>
+              <a:rPr lang="en-US" dirty="0" err="1"/>
+              <a:t>RandomizedSearchCV</a:t>
+            </a:r>
+            <a:r>
+              <a:rPr lang="en-US" dirty="0"/>
+              <a:t> evaluate each parameter setting independently. Computations can be run in parallel if your OS supports it, by using the keyword </a:t>
+            </a:r>
+            <a:r>
+              <a:rPr lang="en-US" dirty="0" err="1"/>
+              <a:t>n_jobs</a:t>
+            </a:r>
+            <a:r>
+              <a:rPr lang="en-US" dirty="0"/>
+              <a:t>=-1. </a:t>
+            </a:r>
           </a:p>
         </p:txBody>
       </p:sp>
     </p:spTree>
     <p:extLst>
       <p:ext uri="{BB962C8B-B14F-4D97-AF65-F5344CB8AC3E}">
-        <p14:creationId xmlns:p14="http://schemas.microsoft.com/office/powerpoint/2010/main" val="1037273012"/>
+        <p14:creationId xmlns:p14="http://schemas.microsoft.com/office/powerpoint/2010/main" val="4288806125"/>
       </p:ext>
     </p:extLst>
   </p:cSld>
@@ -8251,9 +9446,10 @@
           <a:lstStyle/>
           <a:p>
             <a:r>
-              <a:rPr lang="en-US" dirty="0"/>
-              <a:t>Model specific cross-validation</a:t>
-            </a:r>
+              <a:rPr lang="it-IT" dirty="0" smtClean="0"/>
+              <a:t>Robustness to failure</a:t>
+            </a:r>
+            <a:endParaRPr lang="en-US" dirty="0"/>
           </a:p>
         </p:txBody>
       </p:sp>
@@ -8269,70 +9465,68 @@
         </p:nvSpPr>
         <p:spPr/>
         <p:txBody>
-          <a:bodyPr>
-            <a:normAutofit/>
-          </a:bodyPr>
-          <a:lstStyle/>
-          <a:p>
-            <a:r>
-              <a:rPr lang="en-US" dirty="0" smtClean="0"/>
-              <a:t>Some </a:t>
-            </a:r>
-            <a:r>
-              <a:rPr lang="en-US" dirty="0"/>
-              <a:t>models can fit data for a range of values of some parameter almost as efficiently as fitting the estimator for a single value of the parameter. This feature can be leveraged to perform a more efficient cross-validation used for model selection of this parameter.</a:t>
-            </a:r>
-          </a:p>
-          <a:p>
-            <a:r>
-              <a:rPr lang="en-US" dirty="0"/>
-              <a:t>The most common parameter amenable to this strategy is the parameter encoding the strength of the </a:t>
+          <a:bodyPr/>
+          <a:lstStyle/>
+          <a:p>
+            <a:r>
+              <a:rPr lang="en-US" dirty="0"/>
+              <a:t>Some parameter settings may result in a failure to fit one or more folds of the </a:t>
+            </a:r>
+            <a:r>
+              <a:rPr lang="en-US" dirty="0" smtClean="0"/>
+              <a:t>data.</a:t>
+            </a:r>
+          </a:p>
+          <a:p>
+            <a:r>
+              <a:rPr lang="en-US" dirty="0" smtClean="0"/>
+              <a:t>By </a:t>
+            </a:r>
+            <a:r>
+              <a:rPr lang="en-US" dirty="0"/>
+              <a:t>default, this will cause the entire search to fail, even if some parameter settings could be fully </a:t>
+            </a:r>
+            <a:r>
+              <a:rPr lang="en-US" dirty="0" smtClean="0"/>
+              <a:t>evaluated.</a:t>
+            </a:r>
+          </a:p>
+          <a:p>
+            <a:r>
+              <a:rPr lang="en-US" dirty="0" smtClean="0"/>
+              <a:t>Setting </a:t>
             </a:r>
             <a:r>
               <a:rPr lang="en-US" dirty="0" err="1"/>
-              <a:t>regularizer</a:t>
-            </a:r>
-            <a:r>
-              <a:rPr lang="en-US" dirty="0"/>
-              <a:t>. In this case we say that we compute the </a:t>
-            </a:r>
-            <a:r>
-              <a:rPr lang="en-US" b="1" dirty="0"/>
-              <a:t>regularization path</a:t>
-            </a:r>
-            <a:r>
-              <a:rPr lang="en-US" dirty="0"/>
-              <a:t> of the estimator.</a:t>
-            </a:r>
-          </a:p>
-          <a:p>
-            <a:pPr lvl="1"/>
-            <a:r>
-              <a:rPr lang="it-IT" dirty="0" smtClean="0"/>
-              <a:t>LassoCV</a:t>
-            </a:r>
-          </a:p>
-          <a:p>
-            <a:pPr lvl="1"/>
-            <a:r>
-              <a:rPr lang="it-IT" dirty="0" smtClean="0"/>
-              <a:t>LogisticRegressionCV</a:t>
-            </a:r>
-          </a:p>
-          <a:p>
-            <a:pPr lvl="1"/>
-            <a:r>
-              <a:rPr lang="it-IT" dirty="0" smtClean="0"/>
-              <a:t>RidgeCV</a:t>
-            </a:r>
-            <a:endParaRPr lang="en-US" dirty="0"/>
+              <a:t>error_score</a:t>
+            </a:r>
+            <a:r>
+              <a:rPr lang="en-US" dirty="0"/>
+              <a:t>=0 (or =</a:t>
+            </a:r>
+            <a:r>
+              <a:rPr lang="en-US" dirty="0" err="1"/>
+              <a:t>np.NaN</a:t>
+            </a:r>
+            <a:r>
+              <a:rPr lang="en-US" dirty="0"/>
+              <a:t>) will make the procedure robust to such failure, issuing a warning and setting the score for that fold to 0 (or </a:t>
+            </a:r>
+            <a:r>
+              <a:rPr lang="en-US" dirty="0" err="1"/>
+              <a:t>NaN</a:t>
+            </a:r>
+            <a:r>
+              <a:rPr lang="en-US" dirty="0"/>
+              <a:t>), but completing the search.</a:t>
+            </a:r>
           </a:p>
         </p:txBody>
       </p:sp>
     </p:spTree>
     <p:extLst>
       <p:ext uri="{BB962C8B-B14F-4D97-AF65-F5344CB8AC3E}">
-        <p14:creationId xmlns:p14="http://schemas.microsoft.com/office/powerpoint/2010/main" val="2691030574"/>
+        <p14:creationId xmlns:p14="http://schemas.microsoft.com/office/powerpoint/2010/main" val="3213252903"/>
       </p:ext>
     </p:extLst>
   </p:cSld>
@@ -8395,7 +9589,7 @@
         <p:spPr/>
         <p:txBody>
           <a:bodyPr>
-            <a:normAutofit fontScale="85000" lnSpcReduction="20000"/>
+            <a:normAutofit fontScale="85000" lnSpcReduction="10000"/>
           </a:bodyPr>
           <a:lstStyle/>
           <a:p>
@@ -8438,10 +9632,27 @@
             </a:r>
             <a:r>
               <a:rPr lang="en-US" dirty="0"/>
-              <a:t>solve this problem, yet another part of the dataset can be held out as a so-called “validation set”: training proceeds on the training set, after which evaluation is done on the validation set, and when the experiment seems to be successful, final evaluation can be done on the test set.</a:t>
-            </a:r>
-          </a:p>
-          <a:p>
+              <a:t>solve this problem, yet another part of the dataset can be held out as a so-called “validation set</a:t>
+            </a:r>
+            <a:r>
+              <a:rPr lang="en-US" dirty="0" smtClean="0"/>
+              <a:t>”:</a:t>
+            </a:r>
+          </a:p>
+          <a:p>
+            <a:pPr lvl="1"/>
+            <a:r>
+              <a:rPr lang="en-US" dirty="0" smtClean="0"/>
+              <a:t>training </a:t>
+            </a:r>
+            <a:r>
+              <a:rPr lang="en-US" dirty="0"/>
+              <a:t>proceeds on the training set, after which evaluation is done on the validation set, and when the experiment seems to be successful, final evaluation can be done on the test set</a:t>
+            </a:r>
+            <a:r>
+              <a:rPr lang="en-US" dirty="0" smtClean="0"/>
+              <a:t>.</a:t>
+            </a:r>
             <a:endParaRPr lang="en-US" dirty="0"/>
           </a:p>
           <a:p>
@@ -8499,11 +9710,11 @@
           <a:p>
             <a:r>
               <a:rPr lang="en-US" dirty="0"/>
-              <a:t> Out of Bag </a:t>
-            </a:r>
-            <a:r>
-              <a:rPr lang="en-US" dirty="0" smtClean="0"/>
-              <a:t>Estimates</a:t>
+              <a:t>Alternatives to brute force parameter </a:t>
+            </a:r>
+            <a:r>
+              <a:rPr lang="en-US" dirty="0" smtClean="0"/>
+              <a:t>search</a:t>
             </a:r>
             <a:endParaRPr lang="en-US" dirty="0"/>
           </a:p>
@@ -8522,41 +9733,30 @@
         <p:spPr/>
         <p:txBody>
           <a:bodyPr>
-            <a:normAutofit lnSpcReduction="10000"/>
+            <a:normAutofit/>
           </a:bodyPr>
           <a:lstStyle/>
           <a:p>
             <a:r>
               <a:rPr lang="en-US" dirty="0"/>
-              <a:t>When using ensemble methods base upon bagging, i.e. generating new training sets using sampling with replacement, part of the training set remains unused. For each classifier in the ensemble, a different part of the training set is left out.</a:t>
-            </a:r>
-          </a:p>
-          <a:p>
-            <a:r>
-              <a:rPr lang="en-US" dirty="0"/>
-              <a:t>This left out portion can be used to estimate the generalization error without having to rely on a separate validation set. This estimate comes “for free” as no additional data is needed and can be used for model selection</a:t>
-            </a:r>
-            <a:r>
-              <a:rPr lang="en-US" dirty="0" smtClean="0"/>
-              <a:t>.</a:t>
-            </a:r>
-          </a:p>
-          <a:p>
-            <a:endParaRPr lang="it-IT" dirty="0"/>
-          </a:p>
-          <a:p>
-            <a:r>
-              <a:rPr lang="it-IT" dirty="0" smtClean="0"/>
-              <a:t>RandomForest, ExtraTree, GradientBoosting</a:t>
-            </a:r>
-          </a:p>
-          <a:p>
-            <a:pPr lvl="1"/>
-            <a:r>
-              <a:rPr lang="it-IT" dirty="0" smtClean="0"/>
-              <a:t>Classifiers and regressors</a:t>
-            </a:r>
-            <a:endParaRPr lang="en-US" dirty="0"/>
+              <a:t>Model specific </a:t>
+            </a:r>
+            <a:r>
+              <a:rPr lang="en-US" dirty="0" smtClean="0"/>
+              <a:t>cross-validation</a:t>
+            </a:r>
+          </a:p>
+          <a:p>
+            <a:r>
+              <a:rPr lang="en-US" dirty="0"/>
+              <a:t>Information Criterion</a:t>
+            </a:r>
+          </a:p>
+          <a:p>
+            <a:r>
+              <a:rPr lang="en-US" dirty="0"/>
+              <a:t>Out of Bag Estimates</a:t>
+            </a:r>
           </a:p>
           <a:p>
             <a:endParaRPr lang="en-US" dirty="0"/>
@@ -8566,7 +9766,7 @@
     </p:spTree>
     <p:extLst>
       <p:ext uri="{BB962C8B-B14F-4D97-AF65-F5344CB8AC3E}">
-        <p14:creationId xmlns:p14="http://schemas.microsoft.com/office/powerpoint/2010/main" val="2281195647"/>
+        <p14:creationId xmlns:p14="http://schemas.microsoft.com/office/powerpoint/2010/main" val="1037273012"/>
       </p:ext>
     </p:extLst>
   </p:cSld>
@@ -8605,154 +9805,102 @@
         </p:nvSpPr>
         <p:spPr/>
         <p:txBody>
+          <a:bodyPr/>
+          <a:lstStyle/>
+          <a:p>
+            <a:r>
+              <a:rPr lang="en-US" dirty="0"/>
+              <a:t>Model specific cross-validation</a:t>
+            </a:r>
+          </a:p>
+        </p:txBody>
+      </p:sp>
+      <p:sp>
+        <p:nvSpPr>
+          <p:cNvPr id="3" name="Content Placeholder 2"/>
+          <p:cNvSpPr>
+            <a:spLocks noGrp="1"/>
+          </p:cNvSpPr>
+          <p:nvPr>
+            <p:ph idx="1"/>
+          </p:nvPr>
+        </p:nvSpPr>
+        <p:spPr/>
+        <p:txBody>
           <a:bodyPr>
-            <a:normAutofit/>
+            <a:normAutofit lnSpcReduction="10000"/>
           </a:bodyPr>
           <a:lstStyle/>
           <a:p>
             <a:r>
-              <a:rPr lang="en-US" dirty="0"/>
-              <a:t>Metrics and scoring: quantifying the quality of </a:t>
-            </a:r>
-            <a:r>
-              <a:rPr lang="en-US" dirty="0" smtClean="0"/>
-              <a:t>predictions</a:t>
-            </a:r>
-            <a:endParaRPr lang="en-US" dirty="0"/>
-          </a:p>
-        </p:txBody>
-      </p:sp>
-      <p:sp>
-        <p:nvSpPr>
-          <p:cNvPr id="3" name="Content Placeholder 2"/>
-          <p:cNvSpPr>
-            <a:spLocks noGrp="1"/>
-          </p:cNvSpPr>
-          <p:nvPr>
-            <p:ph idx="1"/>
-          </p:nvPr>
-        </p:nvSpPr>
-        <p:spPr/>
-        <p:txBody>
-          <a:bodyPr>
-            <a:normAutofit fontScale="92500"/>
-          </a:bodyPr>
-          <a:lstStyle/>
-          <a:p>
-            <a:r>
-              <a:rPr lang="en-US" dirty="0"/>
-              <a:t>There are 3 different APIs for evaluating the quality of a model’s predictions</a:t>
-            </a:r>
-            <a:r>
-              <a:rPr lang="en-US" dirty="0" smtClean="0"/>
-              <a:t>:</a:t>
-            </a:r>
-            <a:endParaRPr lang="en-US" dirty="0"/>
-          </a:p>
-          <a:p>
+              <a:rPr lang="en-US" dirty="0" smtClean="0"/>
+              <a:t>Some </a:t>
+            </a:r>
+            <a:r>
+              <a:rPr lang="en-US" dirty="0"/>
+              <a:t>models can fit data for a range of values of some parameter almost as efficiently as fitting the estimator for a single value of the </a:t>
+            </a:r>
+            <a:r>
+              <a:rPr lang="en-US" dirty="0" smtClean="0"/>
+              <a:t>parameter.</a:t>
+            </a:r>
+          </a:p>
+          <a:p>
+            <a:pPr lvl="1"/>
+            <a:r>
+              <a:rPr lang="en-US" dirty="0" smtClean="0"/>
+              <a:t>This </a:t>
+            </a:r>
+            <a:r>
+              <a:rPr lang="en-US" dirty="0"/>
+              <a:t>feature can be leveraged to perform a more efficient cross-validation used for model selection of this parameter.</a:t>
+            </a:r>
+          </a:p>
+          <a:p>
+            <a:r>
+              <a:rPr lang="en-US" dirty="0"/>
+              <a:t>The most common parameter amenable to this strategy is the parameter encoding the strength of the </a:t>
+            </a:r>
+            <a:r>
+              <a:rPr lang="en-US" dirty="0" err="1" smtClean="0"/>
+              <a:t>regularizer</a:t>
+            </a:r>
+            <a:r>
+              <a:rPr lang="en-US" dirty="0" smtClean="0"/>
+              <a:t> (i.e., alpha). </a:t>
+            </a:r>
+            <a:r>
+              <a:rPr lang="en-US" dirty="0"/>
+              <a:t>In this case we say that we compute the </a:t>
+            </a:r>
             <a:r>
               <a:rPr lang="en-US" b="1" dirty="0"/>
-              <a:t>Estimator </a:t>
-            </a:r>
-            <a:r>
-              <a:rPr lang="en-US" b="1" i="1" dirty="0" smtClean="0"/>
-              <a:t>score()</a:t>
-            </a:r>
-            <a:r>
-              <a:rPr lang="en-US" b="1" dirty="0" smtClean="0"/>
-              <a:t> </a:t>
-            </a:r>
-            <a:r>
-              <a:rPr lang="en-US" b="1" dirty="0"/>
-              <a:t>method</a:t>
-            </a:r>
-            <a:r>
-              <a:rPr lang="en-US" dirty="0"/>
-              <a:t>: Estimators have a score method providing a default evaluation criterion for the problem they are designed to </a:t>
-            </a:r>
-            <a:r>
-              <a:rPr lang="en-US" dirty="0" smtClean="0"/>
-              <a:t>solve.</a:t>
+              <a:t>regularization path</a:t>
+            </a:r>
+            <a:r>
+              <a:rPr lang="en-US" dirty="0"/>
+              <a:t> of the estimator.</a:t>
             </a:r>
           </a:p>
           <a:p>
             <a:pPr lvl="1"/>
             <a:r>
-              <a:rPr lang="en-US" dirty="0" smtClean="0"/>
-              <a:t>Typically accuracy (for classifiers) and R^2 (for </a:t>
-            </a:r>
-            <a:r>
-              <a:rPr lang="en-US" dirty="0" err="1" smtClean="0"/>
-              <a:t>regressors</a:t>
-            </a:r>
-            <a:r>
-              <a:rPr lang="en-US" dirty="0" smtClean="0"/>
-              <a:t>). See each </a:t>
-            </a:r>
-            <a:r>
-              <a:rPr lang="en-US" dirty="0"/>
-              <a:t>estimator’s documentation</a:t>
-            </a:r>
-            <a:r>
-              <a:rPr lang="en-US" dirty="0" smtClean="0"/>
-              <a:t>.</a:t>
-            </a:r>
-            <a:endParaRPr lang="en-US" dirty="0"/>
-          </a:p>
-          <a:p>
-            <a:r>
-              <a:rPr lang="en-US" b="1" dirty="0"/>
-              <a:t>Scoring parameter: </a:t>
-            </a:r>
-            <a:r>
-              <a:rPr lang="en-US" dirty="0"/>
-              <a:t>Model-evaluation tools using cross-validation (such as </a:t>
-            </a:r>
-            <a:r>
-              <a:rPr lang="en-US" i="1" dirty="0" err="1"/>
-              <a:t>model_selection.cross_val_score</a:t>
-            </a:r>
-            <a:r>
-              <a:rPr lang="en-US" dirty="0"/>
-              <a:t> and </a:t>
-            </a:r>
-            <a:r>
-              <a:rPr lang="en-US" i="1" dirty="0" err="1"/>
-              <a:t>model_selection.GridSearchCV</a:t>
-            </a:r>
-            <a:r>
-              <a:rPr lang="en-US" dirty="0"/>
-              <a:t>) rely on an internal scoring </a:t>
-            </a:r>
-            <a:r>
-              <a:rPr lang="en-US" dirty="0" smtClean="0"/>
-              <a:t>strategy.</a:t>
-            </a:r>
-          </a:p>
-          <a:p>
-            <a:r>
-              <a:rPr lang="en-US" b="1" dirty="0" smtClean="0"/>
-              <a:t>Metric </a:t>
-            </a:r>
-            <a:r>
-              <a:rPr lang="en-US" b="1" dirty="0"/>
-              <a:t>functions</a:t>
-            </a:r>
-            <a:r>
-              <a:rPr lang="en-US" dirty="0"/>
-              <a:t>: The metrics module implements functions assessing </a:t>
-            </a:r>
-            <a:r>
-              <a:rPr lang="en-US" b="1" dirty="0"/>
-              <a:t>prediction error </a:t>
-            </a:r>
-            <a:r>
-              <a:rPr lang="en-US" dirty="0"/>
-              <a:t>for specific purposes</a:t>
-            </a:r>
-            <a:r>
-              <a:rPr lang="en-US" dirty="0" smtClean="0"/>
-              <a:t>.</a:t>
+              <a:rPr lang="it-IT" dirty="0" smtClean="0"/>
+              <a:t>LassoCV</a:t>
+            </a:r>
+          </a:p>
+          <a:p>
+            <a:pPr lvl="1"/>
+            <a:r>
+              <a:rPr lang="it-IT" dirty="0" smtClean="0"/>
+              <a:t>LogisticRegressionCV</a:t>
+            </a:r>
+          </a:p>
+          <a:p>
+            <a:pPr lvl="1"/>
+            <a:r>
+              <a:rPr lang="it-IT" dirty="0" smtClean="0"/>
+              <a:t>RidgeCV</a:t>
             </a:r>
             <a:endParaRPr lang="en-US" dirty="0"/>
           </a:p>
@@ -8761,7 +9909,7 @@
     </p:spTree>
     <p:extLst>
       <p:ext uri="{BB962C8B-B14F-4D97-AF65-F5344CB8AC3E}">
-        <p14:creationId xmlns:p14="http://schemas.microsoft.com/office/powerpoint/2010/main" val="572214245"/>
+        <p14:creationId xmlns:p14="http://schemas.microsoft.com/office/powerpoint/2010/main" val="2691030574"/>
       </p:ext>
     </p:extLst>
   </p:cSld>
@@ -8800,13 +9948,20 @@
         </p:nvSpPr>
         <p:spPr/>
         <p:txBody>
-          <a:bodyPr/>
-          <a:lstStyle/>
-          <a:p>
-            <a:r>
-              <a:rPr lang="en-US" dirty="0"/>
-              <a:t>The scoring parameter: defining model evaluation rules</a:t>
-            </a:r>
+          <a:bodyPr>
+            <a:normAutofit/>
+          </a:bodyPr>
+          <a:lstStyle/>
+          <a:p>
+            <a:r>
+              <a:rPr lang="en-US" dirty="0"/>
+              <a:t>Metrics and scoring: quantifying the quality of </a:t>
+            </a:r>
+            <a:r>
+              <a:rPr lang="en-US" dirty="0" smtClean="0"/>
+              <a:t>predictions</a:t>
+            </a:r>
+            <a:endParaRPr lang="en-US" dirty="0"/>
           </a:p>
         </p:txBody>
       </p:sp>
@@ -8823,110 +9978,133 @@
         <p:spPr/>
         <p:txBody>
           <a:bodyPr>
-            <a:normAutofit fontScale="92500" lnSpcReduction="10000"/>
+            <a:normAutofit fontScale="92500"/>
           </a:bodyPr>
           <a:lstStyle/>
           <a:p>
             <a:r>
               <a:rPr lang="en-US" dirty="0"/>
-              <a:t>Model selection and evaluation using tools, such as </a:t>
-            </a:r>
-            <a:r>
-              <a:rPr lang="en-US" dirty="0" err="1"/>
+              <a:t>There are 3 different APIs for evaluating the quality of a model’s predictions</a:t>
+            </a:r>
+            <a:r>
+              <a:rPr lang="en-US" dirty="0" smtClean="0"/>
+              <a:t>:</a:t>
+            </a:r>
+            <a:endParaRPr lang="en-US" dirty="0"/>
+          </a:p>
+          <a:p>
+            <a:r>
+              <a:rPr lang="en-US" b="1" dirty="0"/>
+              <a:t>Estimator </a:t>
+            </a:r>
+            <a:r>
+              <a:rPr lang="en-US" b="1" i="1" dirty="0" smtClean="0"/>
+              <a:t>score()</a:t>
+            </a:r>
+            <a:r>
+              <a:rPr lang="en-US" b="1" dirty="0" smtClean="0"/>
+              <a:t> </a:t>
+            </a:r>
+            <a:r>
+              <a:rPr lang="en-US" b="1" dirty="0"/>
+              <a:t>method</a:t>
+            </a:r>
+            <a:r>
+              <a:rPr lang="en-US" dirty="0"/>
+              <a:t>: Estimators have a score method providing a default evaluation criterion for the problem they are designed to </a:t>
+            </a:r>
+            <a:r>
+              <a:rPr lang="en-US" dirty="0" smtClean="0"/>
+              <a:t>solve.</a:t>
+            </a:r>
+          </a:p>
+          <a:p>
+            <a:pPr lvl="1"/>
+            <a:r>
+              <a:rPr lang="en-US" dirty="0" smtClean="0"/>
+              <a:t>Typically accuracy (for classifiers) and R^2 (for </a:t>
+            </a:r>
+            <a:r>
+              <a:rPr lang="en-US" dirty="0" err="1" smtClean="0"/>
+              <a:t>regressors</a:t>
+            </a:r>
+            <a:r>
+              <a:rPr lang="en-US" dirty="0" smtClean="0"/>
+              <a:t>). See each </a:t>
+            </a:r>
+            <a:r>
+              <a:rPr lang="en-US" dirty="0"/>
+              <a:t>estimator’s documentation</a:t>
+            </a:r>
+            <a:r>
+              <a:rPr lang="en-US" dirty="0" smtClean="0"/>
+              <a:t>.</a:t>
+            </a:r>
+            <a:endParaRPr lang="en-US" dirty="0"/>
+          </a:p>
+          <a:p>
+            <a:r>
+              <a:rPr lang="en-US" b="1" dirty="0"/>
+              <a:t>Scoring parameter: </a:t>
+            </a:r>
+            <a:r>
+              <a:rPr lang="en-US" dirty="0"/>
+              <a:t>Model-evaluation tools using cross-validation (such as </a:t>
+            </a:r>
+            <a:r>
+              <a:rPr lang="en-US" i="1" dirty="0" err="1"/>
+              <a:t>model_selection.cross_val_score</a:t>
+            </a:r>
+            <a:r>
+              <a:rPr lang="en-US" dirty="0"/>
+              <a:t> and </a:t>
+            </a:r>
+            <a:r>
+              <a:rPr lang="en-US" i="1" dirty="0" err="1"/>
               <a:t>model_selection.GridSearchCV</a:t>
             </a:r>
             <a:r>
               <a:rPr lang="en-US" dirty="0"/>
-              <a:t> and </a:t>
-            </a:r>
-            <a:r>
-              <a:rPr lang="en-US" dirty="0" err="1"/>
-              <a:t>model_selection.cross_val_score</a:t>
-            </a:r>
-            <a:r>
-              <a:rPr lang="en-US" dirty="0"/>
-              <a:t>, take a scoring parameter that controls what metric they apply to the estimators evaluated</a:t>
+              <a:t>) rely on an internal scoring </a:t>
+            </a:r>
+            <a:r>
+              <a:rPr lang="en-US" dirty="0" smtClean="0"/>
+              <a:t>strategy.</a:t>
+            </a:r>
+          </a:p>
+          <a:p>
+            <a:r>
+              <a:rPr lang="en-US" b="1" dirty="0" smtClean="0"/>
+              <a:t>Metric </a:t>
+            </a:r>
+            <a:r>
+              <a:rPr lang="en-US" b="1" dirty="0"/>
+              <a:t>functions</a:t>
+            </a:r>
+            <a:r>
+              <a:rPr lang="en-US" dirty="0"/>
+              <a:t>: The metrics module implements functions assessing </a:t>
+            </a:r>
+            <a:r>
+              <a:rPr lang="en-US" b="1" dirty="0"/>
+              <a:t>prediction error </a:t>
+            </a:r>
+            <a:r>
+              <a:rPr lang="en-US" dirty="0"/>
+              <a:t>for specific purposes</a:t>
             </a:r>
             <a:r>
               <a:rPr lang="en-US" dirty="0" smtClean="0"/>
               <a:t>.</a:t>
             </a:r>
-          </a:p>
-          <a:p>
-            <a:r>
-              <a:rPr lang="en-US" dirty="0"/>
-              <a:t>For the most common use cases, you can designate a scorer object with the scoring parameter; the table below shows all possible </a:t>
-            </a:r>
-            <a:r>
-              <a:rPr lang="en-US" dirty="0" smtClean="0"/>
-              <a:t>values.</a:t>
-            </a:r>
-          </a:p>
-          <a:p>
-            <a:pPr lvl="1"/>
-            <a:r>
-              <a:rPr lang="en-US" dirty="0">
-                <a:hlinkClick r:id="rId2"/>
-              </a:rPr>
-              <a:t>https://scikit-learn.org/stable/modules/model_evaluation.html#the-scoring-parameter-defining-model-evaluation-rules</a:t>
-            </a:r>
-            <a:endParaRPr lang="en-US" dirty="0" smtClean="0"/>
-          </a:p>
-          <a:p>
-            <a:r>
-              <a:rPr lang="en-US" dirty="0" smtClean="0"/>
-              <a:t>All </a:t>
-            </a:r>
-            <a:r>
-              <a:rPr lang="en-US" dirty="0"/>
-              <a:t>scorer objects follow the </a:t>
-            </a:r>
-            <a:r>
-              <a:rPr lang="en-US" b="1" dirty="0"/>
-              <a:t>convention that higher return values are better than lower return </a:t>
-            </a:r>
-            <a:r>
-              <a:rPr lang="en-US" b="1" dirty="0" smtClean="0"/>
-              <a:t>values</a:t>
-            </a:r>
-            <a:r>
-              <a:rPr lang="en-US" dirty="0" smtClean="0"/>
-              <a:t>.</a:t>
-            </a:r>
-          </a:p>
-          <a:p>
-            <a:pPr lvl="1"/>
-            <a:r>
-              <a:rPr lang="en-US" dirty="0" smtClean="0"/>
-              <a:t>Thus </a:t>
-            </a:r>
-            <a:r>
-              <a:rPr lang="en-US" dirty="0"/>
-              <a:t>metrics which measure the distance between the model and the data, like </a:t>
-            </a:r>
-            <a:r>
-              <a:rPr lang="en-US" dirty="0" err="1"/>
-              <a:t>metrics.mean_squared_error</a:t>
-            </a:r>
-            <a:r>
-              <a:rPr lang="en-US" dirty="0"/>
-              <a:t>, are available as </a:t>
-            </a:r>
-            <a:r>
-              <a:rPr lang="en-US" dirty="0" err="1"/>
-              <a:t>neg_mean_squared_error</a:t>
-            </a:r>
-            <a:r>
-              <a:rPr lang="en-US" dirty="0"/>
-              <a:t> which return the negated value of the metric.</a:t>
-            </a:r>
+            <a:endParaRPr lang="en-US" dirty="0"/>
           </a:p>
         </p:txBody>
       </p:sp>
     </p:spTree>
     <p:extLst>
       <p:ext uri="{BB962C8B-B14F-4D97-AF65-F5344CB8AC3E}">
-        <p14:creationId xmlns:p14="http://schemas.microsoft.com/office/powerpoint/2010/main" val="1197746846"/>
+        <p14:creationId xmlns:p14="http://schemas.microsoft.com/office/powerpoint/2010/main" val="572214245"/>
       </p:ext>
     </p:extLst>
   </p:cSld>
@@ -8970,7 +10148,7 @@
           <a:p>
             <a:r>
               <a:rPr lang="en-US" dirty="0"/>
-              <a:t>Defining your scoring strategy from metric functions</a:t>
+              <a:t>The scoring parameter: defining model evaluation rules</a:t>
             </a:r>
           </a:p>
         </p:txBody>
@@ -8988,93 +10166,102 @@
         <p:spPr/>
         <p:txBody>
           <a:bodyPr>
-            <a:normAutofit fontScale="92500" lnSpcReduction="20000"/>
+            <a:normAutofit fontScale="92500" lnSpcReduction="10000"/>
           </a:bodyPr>
           <a:lstStyle/>
           <a:p>
             <a:r>
               <a:rPr lang="en-US" dirty="0"/>
-              <a:t>The module </a:t>
+              <a:t>Model selection and evaluation using tools, such as </a:t>
             </a:r>
             <a:r>
               <a:rPr lang="en-US" dirty="0" err="1"/>
-              <a:t>sklearn.metrics</a:t>
-            </a:r>
-            <a:r>
-              <a:rPr lang="en-US" dirty="0"/>
-              <a:t> also exposes a set of simple functions measuring a prediction error given ground truth and prediction</a:t>
-            </a:r>
-            <a:r>
-              <a:rPr lang="en-US" dirty="0" smtClean="0"/>
-              <a:t>:</a:t>
-            </a:r>
-            <a:endParaRPr lang="en-US" dirty="0"/>
-          </a:p>
-          <a:p>
-            <a:r>
-              <a:rPr lang="en-US" dirty="0"/>
-              <a:t>functions ending with _score return a value to maximize, the higher the better</a:t>
+              <a:t>model_selection.GridSearchCV</a:t>
+            </a:r>
+            <a:r>
+              <a:rPr lang="en-US" dirty="0"/>
+              <a:t> and </a:t>
+            </a:r>
+            <a:r>
+              <a:rPr lang="en-US" dirty="0" err="1"/>
+              <a:t>model_selection.cross_val_score</a:t>
+            </a:r>
+            <a:r>
+              <a:rPr lang="en-US" dirty="0"/>
+              <a:t>, take a scoring parameter that controls what metric they apply to the estimators evaluated</a:t>
             </a:r>
             <a:r>
               <a:rPr lang="en-US" dirty="0" smtClean="0"/>
               <a:t>.</a:t>
             </a:r>
-            <a:endParaRPr lang="en-US" dirty="0"/>
-          </a:p>
-          <a:p>
-            <a:r>
-              <a:rPr lang="en-US" dirty="0"/>
-              <a:t>functions ending with _error or _loss return a value to minimize, the lower the better. When converting into a scorer object using </a:t>
+          </a:p>
+          <a:p>
+            <a:r>
+              <a:rPr lang="en-US" dirty="0"/>
+              <a:t>For the most common use cases, you can designate a scorer object with the scoring parameter; the table below shows all possible </a:t>
+            </a:r>
+            <a:r>
+              <a:rPr lang="en-US" dirty="0" smtClean="0"/>
+              <a:t>values.</a:t>
+            </a:r>
+          </a:p>
+          <a:p>
+            <a:pPr lvl="1"/>
+            <a:r>
+              <a:rPr lang="en-US" dirty="0">
+                <a:hlinkClick r:id="rId2"/>
+              </a:rPr>
+              <a:t>https://scikit-learn.org/stable/modules/model_evaluation.html#the-scoring-parameter-defining-model-evaluation-rules</a:t>
+            </a:r>
+            <a:endParaRPr lang="en-US" dirty="0" smtClean="0"/>
+          </a:p>
+          <a:p>
+            <a:r>
+              <a:rPr lang="en-US" dirty="0" smtClean="0"/>
+              <a:t>All </a:t>
+            </a:r>
+            <a:r>
+              <a:rPr lang="en-US" dirty="0"/>
+              <a:t>scorer objects follow the </a:t>
+            </a:r>
+            <a:r>
+              <a:rPr lang="en-US" b="1" dirty="0"/>
+              <a:t>convention that higher return values are better than lower return </a:t>
+            </a:r>
+            <a:r>
+              <a:rPr lang="en-US" b="1" dirty="0" smtClean="0"/>
+              <a:t>values</a:t>
+            </a:r>
+            <a:r>
+              <a:rPr lang="en-US" dirty="0" smtClean="0"/>
+              <a:t>.</a:t>
+            </a:r>
+          </a:p>
+          <a:p>
+            <a:pPr lvl="1"/>
+            <a:r>
+              <a:rPr lang="en-US" dirty="0" smtClean="0"/>
+              <a:t>Thus </a:t>
+            </a:r>
+            <a:r>
+              <a:rPr lang="en-US" dirty="0"/>
+              <a:t>metrics which measure the distance between the model and the data, like </a:t>
             </a:r>
             <a:r>
               <a:rPr lang="en-US" dirty="0" err="1"/>
-              <a:t>make_scorer</a:t>
-            </a:r>
-            <a:r>
-              <a:rPr lang="en-US" dirty="0"/>
-              <a:t>, set the </a:t>
+              <a:t>metrics.mean_squared_error</a:t>
+            </a:r>
+            <a:r>
+              <a:rPr lang="en-US" dirty="0"/>
+              <a:t>, are available as </a:t>
             </a:r>
             <a:r>
               <a:rPr lang="en-US" dirty="0" err="1"/>
-              <a:t>greater_is_better</a:t>
-            </a:r>
-            <a:r>
-              <a:rPr lang="en-US" dirty="0"/>
-              <a:t> parameter to False (True by </a:t>
-            </a:r>
-            <a:r>
-              <a:rPr lang="en-US" dirty="0" smtClean="0"/>
-              <a:t>default).</a:t>
-            </a:r>
-          </a:p>
-          <a:p>
-            <a:r>
-              <a:rPr lang="en-US" dirty="0"/>
-              <a:t>Many metrics are not given names to be used as scoring values, sometimes because they require additional parameters, such as </a:t>
-            </a:r>
-            <a:r>
-              <a:rPr lang="en-US" i="1" dirty="0" err="1"/>
-              <a:t>fbeta_score</a:t>
-            </a:r>
-            <a:r>
-              <a:rPr lang="en-US" dirty="0"/>
-              <a:t>. In such cases, you need to generate an appropriate scoring object. The simplest way to generate a callable object for scoring is by using </a:t>
-            </a:r>
-            <a:r>
-              <a:rPr lang="en-US" dirty="0" err="1"/>
-              <a:t>make_scorer</a:t>
-            </a:r>
-            <a:r>
-              <a:rPr lang="en-US" dirty="0"/>
-              <a:t>. That function converts metrics into </a:t>
-            </a:r>
-            <a:r>
-              <a:rPr lang="en-US" dirty="0" err="1"/>
-              <a:t>callables</a:t>
-            </a:r>
-            <a:r>
-              <a:rPr lang="en-US" dirty="0"/>
-              <a:t> that can be used for model evaluation</a:t>
+              <a:t>neg_mean_squared_error</a:t>
+            </a:r>
+            <a:r>
+              <a:rPr lang="en-US" dirty="0"/>
+              <a:t> which return the negated value of the metric.</a:t>
             </a:r>
           </a:p>
         </p:txBody>
@@ -9082,7 +10269,7 @@
     </p:spTree>
     <p:extLst>
       <p:ext uri="{BB962C8B-B14F-4D97-AF65-F5344CB8AC3E}">
-        <p14:creationId xmlns:p14="http://schemas.microsoft.com/office/powerpoint/2010/main" val="402952039"/>
+        <p14:creationId xmlns:p14="http://schemas.microsoft.com/office/powerpoint/2010/main" val="1197746846"/>
       </p:ext>
     </p:extLst>
   </p:cSld>
@@ -9125,33 +10312,62 @@
           <a:lstStyle/>
           <a:p>
             <a:r>
-              <a:rPr lang="it-IT" dirty="0" smtClean="0"/>
-              <a:t>Completely custom scorer objects</a:t>
+              <a:rPr lang="en-US" dirty="0"/>
+              <a:t>Defining your scoring strategy from metric functions</a:t>
+            </a:r>
+          </a:p>
+        </p:txBody>
+      </p:sp>
+      <p:sp>
+        <p:nvSpPr>
+          <p:cNvPr id="3" name="Content Placeholder 2"/>
+          <p:cNvSpPr>
+            <a:spLocks noGrp="1"/>
+          </p:cNvSpPr>
+          <p:nvPr>
+            <p:ph idx="1"/>
+          </p:nvPr>
+        </p:nvSpPr>
+        <p:spPr/>
+        <p:txBody>
+          <a:bodyPr>
+            <a:normAutofit fontScale="92500" lnSpcReduction="20000"/>
+          </a:bodyPr>
+          <a:lstStyle/>
+          <a:p>
+            <a:r>
+              <a:rPr lang="en-US" dirty="0"/>
+              <a:t>The module </a:t>
+            </a:r>
+            <a:r>
+              <a:rPr lang="en-US" dirty="0" err="1"/>
+              <a:t>sklearn.metrics</a:t>
+            </a:r>
+            <a:r>
+              <a:rPr lang="en-US" dirty="0"/>
+              <a:t> also exposes a set of simple functions measuring a prediction error given ground truth and prediction</a:t>
+            </a:r>
+            <a:r>
+              <a:rPr lang="en-US" dirty="0" smtClean="0"/>
+              <a:t>:</a:t>
             </a:r>
             <a:endParaRPr lang="en-US" dirty="0"/>
           </a:p>
-        </p:txBody>
-      </p:sp>
-      <p:sp>
-        <p:nvSpPr>
-          <p:cNvPr id="3" name="Content Placeholder 2"/>
-          <p:cNvSpPr>
-            <a:spLocks noGrp="1"/>
-          </p:cNvSpPr>
-          <p:nvPr>
-            <p:ph idx="1"/>
-          </p:nvPr>
-        </p:nvSpPr>
-        <p:spPr/>
-        <p:txBody>
-          <a:bodyPr>
-            <a:normAutofit fontScale="92500"/>
-          </a:bodyPr>
-          <a:lstStyle/>
-          <a:p>
-            <a:r>
-              <a:rPr lang="en-US" dirty="0"/>
-              <a:t>The second use case is to build a completely custom scorer object from a simple python function using </a:t>
+          <a:p>
+            <a:r>
+              <a:rPr lang="en-US" dirty="0"/>
+              <a:t>functions ending with _score return a value to maximize, the higher the better</a:t>
+            </a:r>
+            <a:r>
+              <a:rPr lang="en-US" dirty="0" smtClean="0"/>
+              <a:t>.</a:t>
+            </a:r>
+            <a:endParaRPr lang="en-US" dirty="0"/>
+          </a:p>
+          <a:p>
+            <a:r>
+              <a:rPr lang="en-US" dirty="0"/>
+              <a:t>functions ending with _error or _loss return a value to minimize, the lower the better. When converting into a scorer object using </a:t>
             </a:r>
             <a:r>
               <a:rPr lang="en-US" dirty="0" err="1"/>
@@ -9159,39 +10375,7 @@
             </a:r>
             <a:r>
               <a:rPr lang="en-US" dirty="0"/>
-              <a:t>, which can take several parameters</a:t>
-            </a:r>
-            <a:r>
-              <a:rPr lang="en-US" dirty="0" smtClean="0"/>
-              <a:t>:</a:t>
-            </a:r>
-            <a:endParaRPr lang="en-US" dirty="0"/>
-          </a:p>
-          <a:p>
-            <a:pPr lvl="1"/>
-            <a:r>
-              <a:rPr lang="en-US" dirty="0"/>
-              <a:t>the python function you want to use </a:t>
-            </a:r>
-            <a:r>
-              <a:rPr lang="en-US" dirty="0" smtClean="0"/>
-              <a:t>(e.g., </a:t>
-            </a:r>
-            <a:r>
-              <a:rPr lang="en-US" dirty="0" err="1" smtClean="0"/>
-              <a:t>my_custom_loss_func</a:t>
-            </a:r>
-            <a:r>
-              <a:rPr lang="en-US" dirty="0" smtClean="0"/>
-              <a:t>)</a:t>
-            </a:r>
-            <a:endParaRPr lang="en-US" dirty="0"/>
-          </a:p>
-          <a:p>
-            <a:pPr lvl="1"/>
-            <a:r>
-              <a:rPr lang="en-US" dirty="0"/>
-              <a:t>whether the python function returns a score (</a:t>
+              <a:t>, set the </a:t>
             </a:r>
             <a:r>
               <a:rPr lang="en-US" dirty="0" err="1"/>
@@ -9199,62 +10383,41 @@
             </a:r>
             <a:r>
               <a:rPr lang="en-US" dirty="0"/>
-              <a:t>=True, the default) or a loss (</a:t>
+              <a:t> parameter to False (True by </a:t>
+            </a:r>
+            <a:r>
+              <a:rPr lang="en-US" dirty="0" smtClean="0"/>
+              <a:t>default).</a:t>
+            </a:r>
+          </a:p>
+          <a:p>
+            <a:r>
+              <a:rPr lang="en-US" dirty="0"/>
+              <a:t>Many metrics are not given names to be used as scoring values, sometimes because they require additional parameters, such as </a:t>
+            </a:r>
+            <a:r>
+              <a:rPr lang="en-US" i="1" dirty="0" err="1"/>
+              <a:t>fbeta_score</a:t>
+            </a:r>
+            <a:r>
+              <a:rPr lang="en-US" dirty="0"/>
+              <a:t>. In such cases, you need to generate an appropriate scoring object. The simplest way to generate a callable object for scoring is by using </a:t>
             </a:r>
             <a:r>
               <a:rPr lang="en-US" dirty="0" err="1"/>
-              <a:t>greater_is_better</a:t>
-            </a:r>
-            <a:r>
-              <a:rPr lang="en-US" dirty="0"/>
-              <a:t>=False</a:t>
-            </a:r>
-            <a:r>
-              <a:rPr lang="en-US" dirty="0" smtClean="0"/>
-              <a:t>).</a:t>
-            </a:r>
-          </a:p>
-          <a:p>
-            <a:pPr lvl="1"/>
-            <a:r>
-              <a:rPr lang="en-US" dirty="0" smtClean="0"/>
-              <a:t>If </a:t>
-            </a:r>
-            <a:r>
-              <a:rPr lang="en-US" dirty="0"/>
-              <a:t>a loss, the output of the python function is negated by the scorer object, conforming to the cross validation convention that scorers return higher values for better models</a:t>
-            </a:r>
-            <a:r>
-              <a:rPr lang="en-US" dirty="0" smtClean="0"/>
-              <a:t>.</a:t>
-            </a:r>
-            <a:endParaRPr lang="en-US" dirty="0"/>
-          </a:p>
-          <a:p>
-            <a:pPr lvl="1"/>
-            <a:r>
-              <a:rPr lang="en-US" dirty="0"/>
-              <a:t>for classification metrics only: whether the python function you provided requires continuous decision certainties (</a:t>
+              <a:t>make_scorer</a:t>
+            </a:r>
+            <a:r>
+              <a:rPr lang="en-US" dirty="0"/>
+              <a:t>. That function converts metrics into </a:t>
             </a:r>
             <a:r>
               <a:rPr lang="en-US" dirty="0" err="1"/>
-              <a:t>needs_threshold</a:t>
-            </a:r>
-            <a:r>
-              <a:rPr lang="en-US" dirty="0"/>
-              <a:t>=True). The default value is False</a:t>
-            </a:r>
-            <a:r>
-              <a:rPr lang="en-US" dirty="0" smtClean="0"/>
-              <a:t>.</a:t>
-            </a:r>
-            <a:endParaRPr lang="en-US" dirty="0"/>
-          </a:p>
-          <a:p>
-            <a:pPr lvl="1"/>
-            <a:r>
-              <a:rPr lang="en-US" dirty="0"/>
-              <a:t>any additional parameters, such as beta or labels in f1_score.</a:t>
+              <a:t>callables</a:t>
+            </a:r>
+            <a:r>
+              <a:rPr lang="en-US" dirty="0"/>
+              <a:t> that can be used for model evaluation</a:t>
             </a:r>
           </a:p>
         </p:txBody>
@@ -9262,7 +10425,7 @@
     </p:spTree>
     <p:extLst>
       <p:ext uri="{BB962C8B-B14F-4D97-AF65-F5344CB8AC3E}">
-        <p14:creationId xmlns:p14="http://schemas.microsoft.com/office/powerpoint/2010/main" val="1170630381"/>
+        <p14:creationId xmlns:p14="http://schemas.microsoft.com/office/powerpoint/2010/main" val="402952039"/>
       </p:ext>
     </p:extLst>
   </p:cSld>
@@ -9305,12 +10468,8 @@
           <a:lstStyle/>
           <a:p>
             <a:r>
-              <a:rPr lang="en-US" dirty="0"/>
-              <a:t>Using multiple metric </a:t>
-            </a:r>
-            <a:r>
-              <a:rPr lang="en-US" dirty="0" smtClean="0"/>
-              <a:t>evaluation</a:t>
+              <a:rPr lang="it-IT" dirty="0" smtClean="0"/>
+              <a:t>Completely custom scorer objects</a:t>
             </a:r>
             <a:endParaRPr lang="en-US" dirty="0"/>
           </a:p>
@@ -9328,21 +10487,125 @@
         </p:nvSpPr>
         <p:spPr/>
         <p:txBody>
-          <a:bodyPr/>
-          <a:lstStyle/>
-          <a:p>
-            <a:r>
-              <a:rPr lang="it-IT" dirty="0" smtClean="0"/>
-              <a:t>See example</a:t>
+          <a:bodyPr>
+            <a:normAutofit fontScale="92500"/>
+          </a:bodyPr>
+          <a:lstStyle/>
+          <a:p>
+            <a:r>
+              <a:rPr lang="en-US" dirty="0"/>
+              <a:t>The second use case is to build a completely custom scorer object from a simple python function using </a:t>
+            </a:r>
+            <a:r>
+              <a:rPr lang="en-US" dirty="0" err="1"/>
+              <a:t>make_scorer</a:t>
+            </a:r>
+            <a:r>
+              <a:rPr lang="en-US" dirty="0"/>
+              <a:t>, which can take several parameters</a:t>
+            </a:r>
+            <a:r>
+              <a:rPr lang="en-US" dirty="0" smtClean="0"/>
+              <a:t>:</a:t>
             </a:r>
             <a:endParaRPr lang="en-US" dirty="0"/>
+          </a:p>
+          <a:p>
+            <a:pPr lvl="1"/>
+            <a:r>
+              <a:rPr lang="en-US" dirty="0"/>
+              <a:t>the python function you want to use </a:t>
+            </a:r>
+            <a:r>
+              <a:rPr lang="en-US" dirty="0" smtClean="0"/>
+              <a:t>(e.g., </a:t>
+            </a:r>
+            <a:r>
+              <a:rPr lang="en-US" dirty="0" err="1" smtClean="0"/>
+              <a:t>my_custom_loss_func</a:t>
+            </a:r>
+            <a:r>
+              <a:rPr lang="en-US" dirty="0" smtClean="0"/>
+              <a:t>)</a:t>
+            </a:r>
+            <a:endParaRPr lang="en-US" dirty="0"/>
+          </a:p>
+          <a:p>
+            <a:pPr lvl="1"/>
+            <a:r>
+              <a:rPr lang="en-US" dirty="0"/>
+              <a:t>whether the python function returns a score (</a:t>
+            </a:r>
+            <a:r>
+              <a:rPr lang="en-US" dirty="0" err="1"/>
+              <a:t>greater_is_better</a:t>
+            </a:r>
+            <a:r>
+              <a:rPr lang="en-US" dirty="0"/>
+              <a:t>=True, the default) or a loss (</a:t>
+            </a:r>
+            <a:r>
+              <a:rPr lang="en-US" dirty="0" err="1"/>
+              <a:t>greater_is_better</a:t>
+            </a:r>
+            <a:r>
+              <a:rPr lang="en-US" dirty="0"/>
+              <a:t>=False</a:t>
+            </a:r>
+            <a:r>
+              <a:rPr lang="en-US" dirty="0" smtClean="0"/>
+              <a:t>).</a:t>
+            </a:r>
+          </a:p>
+          <a:p>
+            <a:pPr lvl="1"/>
+            <a:r>
+              <a:rPr lang="en-US" dirty="0" smtClean="0"/>
+              <a:t>If </a:t>
+            </a:r>
+            <a:r>
+              <a:rPr lang="en-US" dirty="0"/>
+              <a:t>a loss, the output of the python function is negated by the scorer object, conforming to the cross validation convention that scorers return higher values for better models</a:t>
+            </a:r>
+            <a:r>
+              <a:rPr lang="en-US" dirty="0" smtClean="0"/>
+              <a:t>.</a:t>
+            </a:r>
+            <a:endParaRPr lang="en-US" dirty="0"/>
+          </a:p>
+          <a:p>
+            <a:pPr lvl="1"/>
+            <a:r>
+              <a:rPr lang="en-US" dirty="0"/>
+              <a:t>for classification metrics only: whether the python function you provided requires continuous decision certainties (</a:t>
+            </a:r>
+            <a:r>
+              <a:rPr lang="en-US" dirty="0" err="1"/>
+              <a:t>needs_threshold</a:t>
+            </a:r>
+            <a:r>
+              <a:rPr lang="en-US" dirty="0"/>
+              <a:t>=True). The default value is False</a:t>
+            </a:r>
+            <a:r>
+              <a:rPr lang="en-US" dirty="0" smtClean="0"/>
+              <a:t>.</a:t>
+            </a:r>
+            <a:endParaRPr lang="en-US" dirty="0"/>
+          </a:p>
+          <a:p>
+            <a:pPr lvl="1"/>
+            <a:r>
+              <a:rPr lang="en-US" dirty="0"/>
+              <a:t>any additional parameters, such as beta or labels in f1_score.</a:t>
+            </a:r>
           </a:p>
         </p:txBody>
       </p:sp>
     </p:spTree>
     <p:extLst>
       <p:ext uri="{BB962C8B-B14F-4D97-AF65-F5344CB8AC3E}">
-        <p14:creationId xmlns:p14="http://schemas.microsoft.com/office/powerpoint/2010/main" val="1220962557"/>
+        <p14:creationId xmlns:p14="http://schemas.microsoft.com/office/powerpoint/2010/main" val="1170630381"/>
       </p:ext>
     </p:extLst>
   </p:cSld>
@@ -9386,11 +10649,11 @@
           <a:p>
             <a:r>
               <a:rPr lang="en-US" dirty="0"/>
-              <a:t>Classification </a:t>
-            </a:r>
-            <a:r>
-              <a:rPr lang="en-US" dirty="0" smtClean="0"/>
-              <a:t>metrics</a:t>
+              <a:t>Using multiple metric </a:t>
+            </a:r>
+            <a:r>
+              <a:rPr lang="en-US" dirty="0" smtClean="0"/>
+              <a:t>evaluation</a:t>
             </a:r>
             <a:endParaRPr lang="en-US" dirty="0"/>
           </a:p>
@@ -9412,24 +10675,17 @@
           <a:lstStyle/>
           <a:p>
             <a:r>
-              <a:rPr lang="en-US" dirty="0"/>
-              <a:t>The </a:t>
-            </a:r>
-            <a:r>
-              <a:rPr lang="en-US" dirty="0" err="1"/>
-              <a:t>sklearn.metrics</a:t>
-            </a:r>
-            <a:r>
-              <a:rPr lang="en-US" dirty="0"/>
-              <a:t> module implements several loss, score, and utility functions to measure classification performance. Some metrics might require probability estimates of the positive class, confidence values, or binary decisions values. </a:t>
-            </a:r>
+              <a:rPr lang="it-IT" dirty="0"/>
+              <a:t>For all the above, see: 2_scoring_metrics.py</a:t>
+            </a:r>
+            <a:endParaRPr lang="en-US" dirty="0"/>
           </a:p>
         </p:txBody>
       </p:sp>
     </p:spTree>
     <p:extLst>
       <p:ext uri="{BB962C8B-B14F-4D97-AF65-F5344CB8AC3E}">
-        <p14:creationId xmlns:p14="http://schemas.microsoft.com/office/powerpoint/2010/main" val="2698421520"/>
+        <p14:creationId xmlns:p14="http://schemas.microsoft.com/office/powerpoint/2010/main" val="1220962557"/>
       </p:ext>
     </p:extLst>
   </p:cSld>
@@ -9473,209 +10729,42 @@
           <a:p>
             <a:r>
               <a:rPr lang="en-US" dirty="0"/>
-              <a:t>From binary to multiclass and </a:t>
+              <a:t>Classification </a:t>
+            </a:r>
+            <a:r>
+              <a:rPr lang="en-US" dirty="0" smtClean="0"/>
+              <a:t>metrics</a:t>
+            </a:r>
+            <a:endParaRPr lang="en-US" dirty="0"/>
+          </a:p>
+        </p:txBody>
+      </p:sp>
+      <p:sp>
+        <p:nvSpPr>
+          <p:cNvPr id="3" name="Content Placeholder 2"/>
+          <p:cNvSpPr>
+            <a:spLocks noGrp="1"/>
+          </p:cNvSpPr>
+          <p:nvPr>
+            <p:ph idx="1"/>
+          </p:nvPr>
+        </p:nvSpPr>
+        <p:spPr/>
+        <p:txBody>
+          <a:bodyPr/>
+          <a:lstStyle/>
+          <a:p>
+            <a:r>
+              <a:rPr lang="en-US" dirty="0"/>
+              <a:t>The </a:t>
             </a:r>
             <a:r>
               <a:rPr lang="en-US" dirty="0" err="1"/>
-              <a:t>multilabel</a:t>
-            </a:r>
-            <a:endParaRPr lang="en-US" dirty="0"/>
-          </a:p>
-        </p:txBody>
-      </p:sp>
-      <p:sp>
-        <p:nvSpPr>
-          <p:cNvPr id="3" name="Content Placeholder 2"/>
-          <p:cNvSpPr>
-            <a:spLocks noGrp="1"/>
-          </p:cNvSpPr>
-          <p:nvPr>
-            <p:ph idx="1"/>
-          </p:nvPr>
-        </p:nvSpPr>
-        <p:spPr/>
-        <p:txBody>
-          <a:bodyPr>
-            <a:normAutofit fontScale="55000" lnSpcReduction="20000"/>
-          </a:bodyPr>
-          <a:lstStyle/>
-          <a:p>
-            <a:r>
-              <a:rPr lang="en-US" dirty="0"/>
-              <a:t>Some metrics are essentially defined for binary classification tasks (e.g. f1_score, </a:t>
-            </a:r>
-            <a:r>
-              <a:rPr lang="en-US" dirty="0" err="1"/>
-              <a:t>roc_auc_score</a:t>
-            </a:r>
-            <a:r>
-              <a:rPr lang="en-US" dirty="0"/>
-              <a:t>). In these cases, by default only the positive label is evaluated, assuming by default that the positive class is labelled 1 (though this may be configurable through the </a:t>
-            </a:r>
-            <a:r>
-              <a:rPr lang="en-US" dirty="0" err="1"/>
-              <a:t>pos_label</a:t>
-            </a:r>
-            <a:r>
-              <a:rPr lang="en-US" dirty="0"/>
-              <a:t> parameter</a:t>
-            </a:r>
-            <a:r>
-              <a:rPr lang="en-US" dirty="0" smtClean="0"/>
-              <a:t>).</a:t>
-            </a:r>
-            <a:endParaRPr lang="en-US" dirty="0"/>
-          </a:p>
-          <a:p>
-            <a:r>
-              <a:rPr lang="en-US" dirty="0"/>
-              <a:t>In extending a binary metric to multiclass or </a:t>
-            </a:r>
-            <a:r>
-              <a:rPr lang="en-US" dirty="0" err="1"/>
-              <a:t>multilabel</a:t>
-            </a:r>
-            <a:r>
-              <a:rPr lang="en-US" dirty="0"/>
-              <a:t> problems, the data is treated as a collection of binary problems, one for each class. There are then a number of ways to average binary metric calculations across the set of classes, each of which may be useful in some scenario. Where available, you should select among these using the average parameter</a:t>
-            </a:r>
-            <a:r>
-              <a:rPr lang="en-US" dirty="0" smtClean="0"/>
-              <a:t>.</a:t>
-            </a:r>
-            <a:endParaRPr lang="en-US" dirty="0"/>
-          </a:p>
-          <a:p>
-            <a:r>
-              <a:rPr lang="en-US" dirty="0"/>
-              <a:t>"macro" simply calculates the mean of the binary metrics, </a:t>
-            </a:r>
-            <a:r>
-              <a:rPr lang="en-US" b="1" dirty="0"/>
-              <a:t>giving equal weight to each class</a:t>
-            </a:r>
-            <a:r>
-              <a:rPr lang="en-US" dirty="0"/>
-              <a:t>. In problems where infrequent classes are nonetheless important, macro-averaging may be a means of highlighting their performance. On the other hand, the assumption that all classes are equally important is often untrue, such that macro-averaging will over-emphasize the typically low performance on an infrequent class</a:t>
-            </a:r>
-            <a:r>
-              <a:rPr lang="en-US" dirty="0" smtClean="0"/>
-              <a:t>.</a:t>
-            </a:r>
-            <a:endParaRPr lang="en-US" dirty="0"/>
-          </a:p>
-          <a:p>
-            <a:r>
-              <a:rPr lang="en-US" dirty="0"/>
-              <a:t>"weighted" accounts for class imbalance by computing the average of binary metrics in which each class’s score is weighted by its presence in the true data sample</a:t>
-            </a:r>
-            <a:r>
-              <a:rPr lang="en-US" dirty="0" smtClean="0"/>
-              <a:t>.</a:t>
-            </a:r>
-            <a:endParaRPr lang="en-US" dirty="0"/>
-          </a:p>
-          <a:p>
-            <a:r>
-              <a:rPr lang="en-US" dirty="0"/>
-              <a:t>"micro" gives each sample-class pair an equal contribution to the overall metric (except as a result of sample-weight). Rather than summing the metric per class, this sums the dividends and divisors that make up the per-class metrics to calculate an overall quotient. Micro-averaging may be preferred </a:t>
-            </a:r>
-            <a:r>
-              <a:rPr lang="en-US" b="1" dirty="0"/>
-              <a:t>in </a:t>
-            </a:r>
-            <a:r>
-              <a:rPr lang="en-US" b="1" dirty="0" err="1"/>
-              <a:t>multilabel</a:t>
-            </a:r>
-            <a:r>
-              <a:rPr lang="en-US" b="1" dirty="0"/>
-              <a:t> settings</a:t>
-            </a:r>
-            <a:r>
-              <a:rPr lang="en-US" dirty="0"/>
-              <a:t>, including multiclass classification where a majority class is to be ignored</a:t>
-            </a:r>
-            <a:r>
-              <a:rPr lang="en-US" dirty="0" smtClean="0"/>
-              <a:t>.</a:t>
-            </a:r>
-            <a:endParaRPr lang="en-US" dirty="0"/>
-          </a:p>
-          <a:p>
-            <a:r>
-              <a:rPr lang="en-US" dirty="0"/>
-              <a:t>"samples" applies only to </a:t>
-            </a:r>
-            <a:r>
-              <a:rPr lang="en-US" b="1" dirty="0" err="1"/>
-              <a:t>multilabel</a:t>
-            </a:r>
-            <a:r>
-              <a:rPr lang="en-US" b="1" dirty="0"/>
-              <a:t> problems</a:t>
-            </a:r>
-            <a:r>
-              <a:rPr lang="en-US" dirty="0"/>
-              <a:t>. It does not calculate a per-class measure, instead calculating the metric over the true and predicted classes for each sample in the evaluation data, and returning their (</a:t>
-            </a:r>
-            <a:r>
-              <a:rPr lang="en-US" dirty="0" err="1"/>
-              <a:t>sample_weight</a:t>
-            </a:r>
-            <a:r>
-              <a:rPr lang="en-US" dirty="0"/>
-              <a:t>-weighted) average</a:t>
-            </a:r>
-            <a:r>
-              <a:rPr lang="en-US" dirty="0" smtClean="0"/>
-              <a:t>.</a:t>
-            </a:r>
-            <a:endParaRPr lang="en-US" dirty="0"/>
-          </a:p>
-          <a:p>
-            <a:r>
-              <a:rPr lang="en-US" dirty="0"/>
-              <a:t>Selecting average=None will return an array with the </a:t>
-            </a:r>
-            <a:r>
-              <a:rPr lang="en-US" b="1" dirty="0"/>
-              <a:t>score for each class</a:t>
-            </a:r>
-            <a:r>
-              <a:rPr lang="en-US" dirty="0" smtClean="0"/>
-              <a:t>.</a:t>
-            </a:r>
-            <a:endParaRPr lang="en-US" dirty="0"/>
-          </a:p>
-          <a:p>
-            <a:r>
-              <a:rPr lang="en-US" dirty="0"/>
-              <a:t>While multiclass data is provided to the metric, like binary targets, as an array of class labels, </a:t>
-            </a:r>
-            <a:r>
-              <a:rPr lang="en-US" dirty="0" err="1"/>
-              <a:t>multilabel</a:t>
-            </a:r>
-            <a:r>
-              <a:rPr lang="en-US" dirty="0"/>
-              <a:t> data is specified as an indicator matrix, in which cell [</a:t>
-            </a:r>
-            <a:r>
-              <a:rPr lang="en-US" dirty="0" err="1"/>
-              <a:t>i</a:t>
-            </a:r>
-            <a:r>
-              <a:rPr lang="en-US" dirty="0"/>
-              <a:t>, j] has value 1 if sample </a:t>
-            </a:r>
-            <a:r>
-              <a:rPr lang="en-US" dirty="0" err="1"/>
-              <a:t>i</a:t>
-            </a:r>
-            <a:r>
-              <a:rPr lang="en-US" dirty="0"/>
-              <a:t> has label j and value 0 otherwise.</a:t>
+              <a:t>sklearn.metrics</a:t>
+            </a:r>
+            <a:r>
+              <a:rPr lang="en-US" dirty="0"/>
+              <a:t> module implements several loss, score, and utility functions to measure classification performance. </a:t>
             </a:r>
           </a:p>
         </p:txBody>
@@ -9683,7 +10772,7 @@
     </p:spTree>
     <p:extLst>
       <p:ext uri="{BB962C8B-B14F-4D97-AF65-F5344CB8AC3E}">
-        <p14:creationId xmlns:p14="http://schemas.microsoft.com/office/powerpoint/2010/main" val="3609270902"/>
+        <p14:creationId xmlns:p14="http://schemas.microsoft.com/office/powerpoint/2010/main" val="2698421520"/>
       </p:ext>
     </p:extLst>
   </p:cSld>
@@ -9726,6 +10815,711 @@
           <a:lstStyle/>
           <a:p>
             <a:r>
+              <a:rPr lang="en-US" dirty="0"/>
+              <a:t>From binary to multiclass and </a:t>
+            </a:r>
+            <a:r>
+              <a:rPr lang="en-US" dirty="0" err="1"/>
+              <a:t>multilabel</a:t>
+            </a:r>
+            <a:endParaRPr lang="en-US" dirty="0"/>
+          </a:p>
+        </p:txBody>
+      </p:sp>
+      <p:sp>
+        <p:nvSpPr>
+          <p:cNvPr id="3" name="Content Placeholder 2"/>
+          <p:cNvSpPr>
+            <a:spLocks noGrp="1"/>
+          </p:cNvSpPr>
+          <p:nvPr>
+            <p:ph idx="1"/>
+          </p:nvPr>
+        </p:nvSpPr>
+        <p:spPr/>
+        <p:txBody>
+          <a:bodyPr>
+            <a:normAutofit fontScale="92500"/>
+          </a:bodyPr>
+          <a:lstStyle/>
+          <a:p>
+            <a:r>
+              <a:rPr lang="en-US" dirty="0"/>
+              <a:t>Some metrics are essentially defined for binary classification tasks (e.g. f1_score, </a:t>
+            </a:r>
+            <a:r>
+              <a:rPr lang="en-US" dirty="0" err="1"/>
+              <a:t>roc_auc_score</a:t>
+            </a:r>
+            <a:r>
+              <a:rPr lang="en-US" dirty="0"/>
+              <a:t>). In these cases, by default only the positive label is evaluated, assuming by default that the positive class is labelled 1 (though this may be configurable through the </a:t>
+            </a:r>
+            <a:r>
+              <a:rPr lang="en-US" dirty="0" err="1"/>
+              <a:t>pos_label</a:t>
+            </a:r>
+            <a:r>
+              <a:rPr lang="en-US" dirty="0"/>
+              <a:t> parameter</a:t>
+            </a:r>
+            <a:r>
+              <a:rPr lang="en-US" dirty="0" smtClean="0"/>
+              <a:t>).</a:t>
+            </a:r>
+            <a:endParaRPr lang="en-US" dirty="0"/>
+          </a:p>
+          <a:p>
+            <a:r>
+              <a:rPr lang="en-US" dirty="0"/>
+              <a:t>In extending a binary metric to multiclass or </a:t>
+            </a:r>
+            <a:r>
+              <a:rPr lang="en-US" dirty="0" err="1"/>
+              <a:t>multilabel</a:t>
+            </a:r>
+            <a:r>
+              <a:rPr lang="en-US" dirty="0"/>
+              <a:t> problems, the data is treated as a collection of binary problems, one for each class. There are then a number of ways to average binary metric calculations across the set of classes, each of which may be useful in some </a:t>
+            </a:r>
+            <a:r>
+              <a:rPr lang="en-US" dirty="0" smtClean="0"/>
+              <a:t>scenario.</a:t>
+            </a:r>
+          </a:p>
+          <a:p>
+            <a:r>
+              <a:rPr lang="en-US" dirty="0" smtClean="0"/>
+              <a:t>Where </a:t>
+            </a:r>
+            <a:r>
+              <a:rPr lang="en-US" dirty="0"/>
+              <a:t>available, you should select among these using the average </a:t>
+            </a:r>
+            <a:r>
+              <a:rPr lang="en-US" dirty="0" smtClean="0"/>
+              <a:t>parameter</a:t>
+            </a:r>
+          </a:p>
+          <a:p>
+            <a:pPr lvl="1"/>
+            <a:r>
+              <a:rPr lang="en-US" dirty="0" smtClean="0"/>
+              <a:t>S</a:t>
+            </a:r>
+            <a:r>
+              <a:rPr lang="en-US" dirty="0" smtClean="0"/>
+              <a:t>ee next page</a:t>
+            </a:r>
+            <a:endParaRPr lang="en-US" dirty="0"/>
+          </a:p>
+        </p:txBody>
+      </p:sp>
+    </p:spTree>
+    <p:extLst>
+      <p:ext uri="{BB962C8B-B14F-4D97-AF65-F5344CB8AC3E}">
+        <p14:creationId xmlns:p14="http://schemas.microsoft.com/office/powerpoint/2010/main" val="3609270902"/>
+      </p:ext>
+    </p:extLst>
+  </p:cSld>
+  <p:clrMapOvr>
+    <a:masterClrMapping/>
+  </p:clrMapOvr>
+</p:sld>
+</file>
+
+<file path=ppt/slides/slide49.xml><?xml version="1.0" encoding="utf-8"?>
+<p:sld xmlns:a="http://schemas.openxmlformats.org/drawingml/2006/main" xmlns:r="http://schemas.openxmlformats.org/officeDocument/2006/relationships" xmlns:p="http://schemas.openxmlformats.org/presentationml/2006/main">
+  <p:cSld>
+    <p:spTree>
+      <p:nvGrpSpPr>
+        <p:cNvPr id="1" name=""/>
+        <p:cNvGrpSpPr/>
+        <p:nvPr/>
+      </p:nvGrpSpPr>
+      <p:grpSpPr>
+        <a:xfrm>
+          <a:off x="0" y="0"/>
+          <a:ext cx="0" cy="0"/>
+          <a:chOff x="0" y="0"/>
+          <a:chExt cx="0" cy="0"/>
+        </a:xfrm>
+      </p:grpSpPr>
+      <p:sp>
+        <p:nvSpPr>
+          <p:cNvPr id="2" name="Title 1"/>
+          <p:cNvSpPr>
+            <a:spLocks noGrp="1"/>
+          </p:cNvSpPr>
+          <p:nvPr>
+            <p:ph type="title"/>
+          </p:nvPr>
+        </p:nvSpPr>
+        <p:spPr/>
+        <p:txBody>
+          <a:bodyPr/>
+          <a:lstStyle/>
+          <a:p>
+            <a:r>
+              <a:rPr lang="en-US" dirty="0"/>
+              <a:t>From binary to multiclass and </a:t>
+            </a:r>
+            <a:r>
+              <a:rPr lang="en-US" dirty="0" err="1"/>
+              <a:t>multilabel</a:t>
+            </a:r>
+            <a:endParaRPr lang="en-US" dirty="0"/>
+          </a:p>
+        </p:txBody>
+      </p:sp>
+      <p:sp>
+        <p:nvSpPr>
+          <p:cNvPr id="3" name="Content Placeholder 2"/>
+          <p:cNvSpPr>
+            <a:spLocks noGrp="1"/>
+          </p:cNvSpPr>
+          <p:nvPr>
+            <p:ph idx="1"/>
+          </p:nvPr>
+        </p:nvSpPr>
+        <p:spPr/>
+        <p:txBody>
+          <a:bodyPr>
+            <a:normAutofit fontScale="62500" lnSpcReduction="20000"/>
+          </a:bodyPr>
+          <a:lstStyle/>
+          <a:p>
+            <a:r>
+              <a:rPr lang="en-US" dirty="0"/>
+              <a:t>"macro" simply calculates the mean of the binary metrics, </a:t>
+            </a:r>
+            <a:r>
+              <a:rPr lang="en-US" b="1" dirty="0"/>
+              <a:t>giving equal weight to each </a:t>
+            </a:r>
+            <a:r>
+              <a:rPr lang="en-US" b="1" dirty="0" smtClean="0"/>
+              <a:t>class</a:t>
+            </a:r>
+            <a:r>
+              <a:rPr lang="en-US" dirty="0" smtClean="0"/>
+              <a:t>.</a:t>
+            </a:r>
+          </a:p>
+          <a:p>
+            <a:pPr lvl="1"/>
+            <a:r>
+              <a:rPr lang="en-US" dirty="0" smtClean="0"/>
+              <a:t>In </a:t>
+            </a:r>
+            <a:r>
+              <a:rPr lang="en-US" dirty="0"/>
+              <a:t>problems where infrequent classes are nonetheless important, macro-averaging may be a means of highlighting their </a:t>
+            </a:r>
+            <a:r>
+              <a:rPr lang="en-US" dirty="0" smtClean="0"/>
+              <a:t>performance.</a:t>
+            </a:r>
+          </a:p>
+          <a:p>
+            <a:pPr lvl="1"/>
+            <a:r>
+              <a:rPr lang="en-US" dirty="0" smtClean="0"/>
+              <a:t>On </a:t>
+            </a:r>
+            <a:r>
+              <a:rPr lang="en-US" dirty="0"/>
+              <a:t>the other hand, the assumption that all classes are equally important is often untrue, such that macro-averaging will over-emphasize the typically low performance on an infrequent class.</a:t>
+            </a:r>
+          </a:p>
+          <a:p>
+            <a:r>
+              <a:rPr lang="en-US" dirty="0"/>
+              <a:t>"weighted" accounts for class imbalance by computing the average of binary metrics in which each class’s score is weighted by its presence in the true data sample.</a:t>
+            </a:r>
+          </a:p>
+          <a:p>
+            <a:r>
+              <a:rPr lang="en-US" dirty="0">
+                <a:solidFill>
+                  <a:schemeClr val="bg1">
+                    <a:lumMod val="75000"/>
+                  </a:schemeClr>
+                </a:solidFill>
+              </a:rPr>
+              <a:t>"micro" gives each sample-class pair an equal contribution to the overall metric (except as a result of sample-weight). Rather than summing the metric per class, this sums the dividends and divisors that make up the per-class metrics to calculate an overall </a:t>
+            </a:r>
+            <a:r>
+              <a:rPr lang="en-US" dirty="0" smtClean="0">
+                <a:solidFill>
+                  <a:schemeClr val="bg1">
+                    <a:lumMod val="75000"/>
+                  </a:schemeClr>
+                </a:solidFill>
+              </a:rPr>
+              <a:t>quotient.</a:t>
+            </a:r>
+          </a:p>
+          <a:p>
+            <a:pPr lvl="1"/>
+            <a:r>
+              <a:rPr lang="en-US" dirty="0" smtClean="0">
+                <a:solidFill>
+                  <a:schemeClr val="bg1">
+                    <a:lumMod val="75000"/>
+                  </a:schemeClr>
+                </a:solidFill>
+              </a:rPr>
+              <a:t>Micro-averaging </a:t>
+            </a:r>
+            <a:r>
+              <a:rPr lang="en-US" dirty="0">
+                <a:solidFill>
+                  <a:schemeClr val="bg1">
+                    <a:lumMod val="75000"/>
+                  </a:schemeClr>
+                </a:solidFill>
+              </a:rPr>
+              <a:t>may be preferred </a:t>
+            </a:r>
+            <a:r>
+              <a:rPr lang="en-US" b="1" dirty="0">
+                <a:solidFill>
+                  <a:schemeClr val="bg1">
+                    <a:lumMod val="75000"/>
+                  </a:schemeClr>
+                </a:solidFill>
+              </a:rPr>
+              <a:t>in </a:t>
+            </a:r>
+            <a:r>
+              <a:rPr lang="en-US" b="1" dirty="0" err="1">
+                <a:solidFill>
+                  <a:schemeClr val="bg1">
+                    <a:lumMod val="75000"/>
+                  </a:schemeClr>
+                </a:solidFill>
+              </a:rPr>
+              <a:t>multilabel</a:t>
+            </a:r>
+            <a:r>
+              <a:rPr lang="en-US" b="1" dirty="0">
+                <a:solidFill>
+                  <a:schemeClr val="bg1">
+                    <a:lumMod val="75000"/>
+                  </a:schemeClr>
+                </a:solidFill>
+              </a:rPr>
+              <a:t> settings</a:t>
+            </a:r>
+            <a:r>
+              <a:rPr lang="en-US" dirty="0">
+                <a:solidFill>
+                  <a:schemeClr val="bg1">
+                    <a:lumMod val="75000"/>
+                  </a:schemeClr>
+                </a:solidFill>
+              </a:rPr>
+              <a:t>, including multiclass classification where a majority class is to be ignored.</a:t>
+            </a:r>
+          </a:p>
+          <a:p>
+            <a:r>
+              <a:rPr lang="en-US" dirty="0">
+                <a:solidFill>
+                  <a:schemeClr val="bg1">
+                    <a:lumMod val="75000"/>
+                  </a:schemeClr>
+                </a:solidFill>
+              </a:rPr>
+              <a:t>"samples" applies only to </a:t>
+            </a:r>
+            <a:r>
+              <a:rPr lang="en-US" b="1" dirty="0" err="1">
+                <a:solidFill>
+                  <a:schemeClr val="bg1">
+                    <a:lumMod val="75000"/>
+                  </a:schemeClr>
+                </a:solidFill>
+              </a:rPr>
+              <a:t>multilabel</a:t>
+            </a:r>
+            <a:r>
+              <a:rPr lang="en-US" b="1" dirty="0">
+                <a:solidFill>
+                  <a:schemeClr val="bg1">
+                    <a:lumMod val="75000"/>
+                  </a:schemeClr>
+                </a:solidFill>
+              </a:rPr>
+              <a:t> problems</a:t>
+            </a:r>
+            <a:r>
+              <a:rPr lang="en-US" dirty="0">
+                <a:solidFill>
+                  <a:schemeClr val="bg1">
+                    <a:lumMod val="75000"/>
+                  </a:schemeClr>
+                </a:solidFill>
+              </a:rPr>
+              <a:t>. It does not calculate a per-class measure, instead calculating the metric over the true and predicted classes for each sample in the evaluation data, and returning their (</a:t>
+            </a:r>
+            <a:r>
+              <a:rPr lang="en-US" dirty="0" err="1">
+                <a:solidFill>
+                  <a:schemeClr val="bg1">
+                    <a:lumMod val="75000"/>
+                  </a:schemeClr>
+                </a:solidFill>
+              </a:rPr>
+              <a:t>sample_weight</a:t>
+            </a:r>
+            <a:r>
+              <a:rPr lang="en-US" dirty="0">
+                <a:solidFill>
+                  <a:schemeClr val="bg1">
+                    <a:lumMod val="75000"/>
+                  </a:schemeClr>
+                </a:solidFill>
+              </a:rPr>
+              <a:t>-weighted) average.</a:t>
+            </a:r>
+          </a:p>
+          <a:p>
+            <a:r>
+              <a:rPr lang="en-US" dirty="0">
+                <a:solidFill>
+                  <a:schemeClr val="bg1">
+                    <a:lumMod val="75000"/>
+                  </a:schemeClr>
+                </a:solidFill>
+              </a:rPr>
+              <a:t>Selecting average=None will return an array with the </a:t>
+            </a:r>
+            <a:r>
+              <a:rPr lang="en-US" b="1" dirty="0">
+                <a:solidFill>
+                  <a:schemeClr val="bg1">
+                    <a:lumMod val="75000"/>
+                  </a:schemeClr>
+                </a:solidFill>
+              </a:rPr>
+              <a:t>score for each class</a:t>
+            </a:r>
+            <a:r>
+              <a:rPr lang="en-US" dirty="0">
+                <a:solidFill>
+                  <a:schemeClr val="bg1">
+                    <a:lumMod val="75000"/>
+                  </a:schemeClr>
+                </a:solidFill>
+              </a:rPr>
+              <a:t>.</a:t>
+            </a:r>
+          </a:p>
+          <a:p>
+            <a:r>
+              <a:rPr lang="en-US" dirty="0">
+                <a:solidFill>
+                  <a:schemeClr val="bg1">
+                    <a:lumMod val="75000"/>
+                  </a:schemeClr>
+                </a:solidFill>
+              </a:rPr>
+              <a:t>While multiclass data is provided to the metric, like binary targets, as an array of class labels, </a:t>
+            </a:r>
+            <a:r>
+              <a:rPr lang="en-US" dirty="0" err="1">
+                <a:solidFill>
+                  <a:schemeClr val="bg1">
+                    <a:lumMod val="75000"/>
+                  </a:schemeClr>
+                </a:solidFill>
+              </a:rPr>
+              <a:t>multilabel</a:t>
+            </a:r>
+            <a:r>
+              <a:rPr lang="en-US" dirty="0">
+                <a:solidFill>
+                  <a:schemeClr val="bg1">
+                    <a:lumMod val="75000"/>
+                  </a:schemeClr>
+                </a:solidFill>
+              </a:rPr>
+              <a:t> data is specified as an indicator matrix, in which cell [</a:t>
+            </a:r>
+            <a:r>
+              <a:rPr lang="en-US" dirty="0" err="1">
+                <a:solidFill>
+                  <a:schemeClr val="bg1">
+                    <a:lumMod val="75000"/>
+                  </a:schemeClr>
+                </a:solidFill>
+              </a:rPr>
+              <a:t>i</a:t>
+            </a:r>
+            <a:r>
+              <a:rPr lang="en-US" dirty="0">
+                <a:solidFill>
+                  <a:schemeClr val="bg1">
+                    <a:lumMod val="75000"/>
+                  </a:schemeClr>
+                </a:solidFill>
+              </a:rPr>
+              <a:t>, j] has value 1 if sample </a:t>
+            </a:r>
+            <a:r>
+              <a:rPr lang="en-US" dirty="0" err="1">
+                <a:solidFill>
+                  <a:schemeClr val="bg1">
+                    <a:lumMod val="75000"/>
+                  </a:schemeClr>
+                </a:solidFill>
+              </a:rPr>
+              <a:t>i</a:t>
+            </a:r>
+            <a:r>
+              <a:rPr lang="en-US" dirty="0">
+                <a:solidFill>
+                  <a:schemeClr val="bg1">
+                    <a:lumMod val="75000"/>
+                  </a:schemeClr>
+                </a:solidFill>
+              </a:rPr>
+              <a:t> has label j and value 0 otherwise.</a:t>
+            </a:r>
+            <a:endParaRPr lang="en-US" dirty="0">
+              <a:solidFill>
+                <a:schemeClr val="bg1">
+                  <a:lumMod val="75000"/>
+                </a:schemeClr>
+              </a:solidFill>
+            </a:endParaRPr>
+          </a:p>
+        </p:txBody>
+      </p:sp>
+    </p:spTree>
+    <p:extLst>
+      <p:ext uri="{BB962C8B-B14F-4D97-AF65-F5344CB8AC3E}">
+        <p14:creationId xmlns:p14="http://schemas.microsoft.com/office/powerpoint/2010/main" val="3438316208"/>
+      </p:ext>
+    </p:extLst>
+  </p:cSld>
+  <p:clrMapOvr>
+    <a:masterClrMapping/>
+  </p:clrMapOvr>
+</p:sld>
+</file>
+
+<file path=ppt/slides/slide5.xml><?xml version="1.0" encoding="utf-8"?>
+<p:sld xmlns:a="http://schemas.openxmlformats.org/drawingml/2006/main" xmlns:r="http://schemas.openxmlformats.org/officeDocument/2006/relationships" xmlns:p="http://schemas.openxmlformats.org/presentationml/2006/main">
+  <p:cSld>
+    <p:spTree>
+      <p:nvGrpSpPr>
+        <p:cNvPr id="1" name=""/>
+        <p:cNvGrpSpPr/>
+        <p:nvPr/>
+      </p:nvGrpSpPr>
+      <p:grpSpPr>
+        <a:xfrm>
+          <a:off x="0" y="0"/>
+          <a:ext cx="0" cy="0"/>
+          <a:chOff x="0" y="0"/>
+          <a:chExt cx="0" cy="0"/>
+        </a:xfrm>
+      </p:grpSpPr>
+      <p:sp>
+        <p:nvSpPr>
+          <p:cNvPr id="2" name="Title 1"/>
+          <p:cNvSpPr>
+            <a:spLocks noGrp="1"/>
+          </p:cNvSpPr>
+          <p:nvPr>
+            <p:ph type="title"/>
+          </p:nvPr>
+        </p:nvSpPr>
+        <p:spPr/>
+        <p:txBody>
+          <a:bodyPr/>
+          <a:lstStyle/>
+          <a:p>
+            <a:r>
+              <a:rPr lang="it-IT" dirty="0" smtClean="0"/>
+              <a:t>K-fold cross validation</a:t>
+            </a:r>
+            <a:endParaRPr lang="en-US" dirty="0"/>
+          </a:p>
+        </p:txBody>
+      </p:sp>
+      <p:sp>
+        <p:nvSpPr>
+          <p:cNvPr id="3" name="Content Placeholder 2"/>
+          <p:cNvSpPr>
+            <a:spLocks noGrp="1"/>
+          </p:cNvSpPr>
+          <p:nvPr>
+            <p:ph idx="1"/>
+          </p:nvPr>
+        </p:nvSpPr>
+        <p:spPr/>
+        <p:txBody>
+          <a:bodyPr>
+            <a:normAutofit fontScale="92500" lnSpcReduction="20000"/>
+          </a:bodyPr>
+          <a:lstStyle/>
+          <a:p>
+            <a:r>
+              <a:rPr lang="en-US" dirty="0"/>
+              <a:t>A solution to this problem is a procedure called cross-validation (CV for short). A test set should still be held out for final evaluation, but the validation set is no longer needed when doing </a:t>
+            </a:r>
+            <a:r>
+              <a:rPr lang="en-US" dirty="0" smtClean="0"/>
+              <a:t>CV.</a:t>
+            </a:r>
+          </a:p>
+          <a:p>
+            <a:pPr lvl="1"/>
+            <a:r>
+              <a:rPr lang="en-US" dirty="0" smtClean="0"/>
+              <a:t>In </a:t>
+            </a:r>
+            <a:r>
+              <a:rPr lang="en-US" dirty="0"/>
+              <a:t>the basic approach, called k-fold CV, the training set is split into k smaller sets (other approaches are described below, but generally follow the same principles</a:t>
+            </a:r>
+            <a:r>
+              <a:rPr lang="en-US" dirty="0" smtClean="0"/>
+              <a:t>).</a:t>
+            </a:r>
+          </a:p>
+          <a:p>
+            <a:pPr lvl="2"/>
+            <a:r>
+              <a:rPr lang="en-US" dirty="0" smtClean="0"/>
+              <a:t>The </a:t>
+            </a:r>
+            <a:r>
+              <a:rPr lang="en-US" dirty="0"/>
+              <a:t>following procedure is followed for each of the k “folds</a:t>
+            </a:r>
+            <a:r>
+              <a:rPr lang="en-US" dirty="0" smtClean="0"/>
+              <a:t>”:</a:t>
+            </a:r>
+            <a:endParaRPr lang="en-US" dirty="0"/>
+          </a:p>
+          <a:p>
+            <a:pPr lvl="3"/>
+            <a:r>
+              <a:rPr lang="en-US" dirty="0"/>
+              <a:t>A model is trained using  </a:t>
+            </a:r>
+            <a:r>
+              <a:rPr lang="en-US" dirty="0" smtClean="0"/>
+              <a:t>k-1 of </a:t>
+            </a:r>
+            <a:r>
+              <a:rPr lang="en-US" dirty="0"/>
+              <a:t>the folds as training data</a:t>
+            </a:r>
+            <a:r>
+              <a:rPr lang="en-US" dirty="0" smtClean="0"/>
+              <a:t>;</a:t>
+            </a:r>
+            <a:endParaRPr lang="en-US" dirty="0"/>
+          </a:p>
+          <a:p>
+            <a:pPr lvl="3"/>
+            <a:r>
+              <a:rPr lang="en-US" dirty="0"/>
+              <a:t>the resulting model is validated on the remaining part of the data (i.e., it is used as a test set to compute a performance measure such as accuracy</a:t>
+            </a:r>
+            <a:r>
+              <a:rPr lang="en-US" dirty="0" smtClean="0"/>
+              <a:t>).</a:t>
+            </a:r>
+            <a:endParaRPr lang="en-US" dirty="0"/>
+          </a:p>
+          <a:p>
+            <a:r>
+              <a:rPr lang="en-US" dirty="0"/>
+              <a:t>The performance measure reported by k-fold cross-validation is then the average of the values computed in the </a:t>
+            </a:r>
+            <a:r>
+              <a:rPr lang="en-US" dirty="0" smtClean="0"/>
+              <a:t>loop.</a:t>
+            </a:r>
+          </a:p>
+          <a:p>
+            <a:r>
+              <a:rPr lang="en-US" dirty="0" smtClean="0"/>
+              <a:t>This </a:t>
+            </a:r>
+            <a:r>
+              <a:rPr lang="en-US" dirty="0"/>
+              <a:t>approach can be computationally expensive, but does not waste too much data (as is the case when fixing an arbitrary validation set</a:t>
+            </a:r>
+            <a:r>
+              <a:rPr lang="en-US" dirty="0" smtClean="0"/>
+              <a:t>)</a:t>
+            </a:r>
+          </a:p>
+          <a:p>
+            <a:pPr lvl="1"/>
+            <a:r>
+              <a:rPr lang="it-IT" dirty="0" smtClean="0"/>
+              <a:t>Time/space trade-off</a:t>
+            </a:r>
+            <a:endParaRPr lang="en-US" dirty="0" smtClean="0"/>
+          </a:p>
+        </p:txBody>
+      </p:sp>
+    </p:spTree>
+    <p:extLst>
+      <p:ext uri="{BB962C8B-B14F-4D97-AF65-F5344CB8AC3E}">
+        <p14:creationId xmlns:p14="http://schemas.microsoft.com/office/powerpoint/2010/main" val="1795323236"/>
+      </p:ext>
+    </p:extLst>
+  </p:cSld>
+  <p:clrMapOvr>
+    <a:masterClrMapping/>
+  </p:clrMapOvr>
+</p:sld>
+</file>
+
+<file path=ppt/slides/slide50.xml><?xml version="1.0" encoding="utf-8"?>
+<p:sld xmlns:a="http://schemas.openxmlformats.org/drawingml/2006/main" xmlns:r="http://schemas.openxmlformats.org/officeDocument/2006/relationships" xmlns:p="http://schemas.openxmlformats.org/presentationml/2006/main">
+  <p:cSld>
+    <p:spTree>
+      <p:nvGrpSpPr>
+        <p:cNvPr id="1" name=""/>
+        <p:cNvGrpSpPr/>
+        <p:nvPr/>
+      </p:nvGrpSpPr>
+      <p:grpSpPr>
+        <a:xfrm>
+          <a:off x="0" y="0"/>
+          <a:ext cx="0" cy="0"/>
+          <a:chOff x="0" y="0"/>
+          <a:chExt cx="0" cy="0"/>
+        </a:xfrm>
+      </p:grpSpPr>
+      <p:sp>
+        <p:nvSpPr>
+          <p:cNvPr id="2" name="Title 1"/>
+          <p:cNvSpPr>
+            <a:spLocks noGrp="1"/>
+          </p:cNvSpPr>
+          <p:nvPr>
+            <p:ph type="title"/>
+          </p:nvPr>
+        </p:nvSpPr>
+        <p:spPr/>
+        <p:txBody>
+          <a:bodyPr/>
+          <a:lstStyle/>
+          <a:p>
+            <a:r>
               <a:rPr lang="it-IT" dirty="0" smtClean="0"/>
               <a:t>Accuracy score</a:t>
             </a:r>
@@ -9821,7 +11615,7 @@
 </p:sld>
 </file>
 
-<file path=ppt/slides/slide49.xml><?xml version="1.0" encoding="utf-8"?>
+<file path=ppt/slides/slide51.xml><?xml version="1.0" encoding="utf-8"?>
 <p:sld xmlns:a="http://schemas.openxmlformats.org/drawingml/2006/main" xmlns:r="http://schemas.openxmlformats.org/officeDocument/2006/relationships" xmlns:p="http://schemas.openxmlformats.org/presentationml/2006/main">
   <p:cSld>
     <p:spTree>
@@ -9923,317 +11717,40 @@
           </a:extLst>
         </p:spPr>
       </p:pic>
+      <p:sp>
+        <p:nvSpPr>
+          <p:cNvPr id="4" name="TextBox 3"/>
+          <p:cNvSpPr txBox="1"/>
+          <p:nvPr/>
+        </p:nvSpPr>
+        <p:spPr>
+          <a:xfrm>
+            <a:off x="8550268" y="4984955"/>
+            <a:ext cx="3318387" cy="646331"/>
+          </a:xfrm>
+          <a:prstGeom prst="rect">
+            <a:avLst/>
+          </a:prstGeom>
+          <a:noFill/>
+        </p:spPr>
+        <p:txBody>
+          <a:bodyPr wrap="square" rtlCol="0">
+            <a:spAutoFit/>
+          </a:bodyPr>
+          <a:lstStyle/>
+          <a:p>
+            <a:r>
+              <a:rPr lang="it-IT" dirty="0"/>
+              <a:t>See example: ex4_confusion_matrix.py</a:t>
+            </a:r>
+            <a:endParaRPr lang="en-US" dirty="0"/>
+          </a:p>
+        </p:txBody>
+      </p:sp>
     </p:spTree>
     <p:extLst>
       <p:ext uri="{BB962C8B-B14F-4D97-AF65-F5344CB8AC3E}">
         <p14:creationId xmlns:p14="http://schemas.microsoft.com/office/powerpoint/2010/main" val="241344080"/>
-      </p:ext>
-    </p:extLst>
-  </p:cSld>
-  <p:clrMapOvr>
-    <a:masterClrMapping/>
-  </p:clrMapOvr>
-</p:sld>
-</file>
-
-<file path=ppt/slides/slide5.xml><?xml version="1.0" encoding="utf-8"?>
-<p:sld xmlns:a="http://schemas.openxmlformats.org/drawingml/2006/main" xmlns:r="http://schemas.openxmlformats.org/officeDocument/2006/relationships" xmlns:p="http://schemas.openxmlformats.org/presentationml/2006/main">
-  <p:cSld>
-    <p:spTree>
-      <p:nvGrpSpPr>
-        <p:cNvPr id="1" name=""/>
-        <p:cNvGrpSpPr/>
-        <p:nvPr/>
-      </p:nvGrpSpPr>
-      <p:grpSpPr>
-        <a:xfrm>
-          <a:off x="0" y="0"/>
-          <a:ext cx="0" cy="0"/>
-          <a:chOff x="0" y="0"/>
-          <a:chExt cx="0" cy="0"/>
-        </a:xfrm>
-      </p:grpSpPr>
-      <p:sp>
-        <p:nvSpPr>
-          <p:cNvPr id="2" name="Title 1"/>
-          <p:cNvSpPr>
-            <a:spLocks noGrp="1"/>
-          </p:cNvSpPr>
-          <p:nvPr>
-            <p:ph type="title"/>
-          </p:nvPr>
-        </p:nvSpPr>
-        <p:spPr/>
-        <p:txBody>
-          <a:bodyPr/>
-          <a:lstStyle/>
-          <a:p>
-            <a:r>
-              <a:rPr lang="it-IT" dirty="0" smtClean="0"/>
-              <a:t>K-fold cross validation</a:t>
-            </a:r>
-            <a:endParaRPr lang="en-US" dirty="0"/>
-          </a:p>
-        </p:txBody>
-      </p:sp>
-      <p:sp>
-        <p:nvSpPr>
-          <p:cNvPr id="3" name="Content Placeholder 2"/>
-          <p:cNvSpPr>
-            <a:spLocks noGrp="1"/>
-          </p:cNvSpPr>
-          <p:nvPr>
-            <p:ph idx="1"/>
-          </p:nvPr>
-        </p:nvSpPr>
-        <p:spPr/>
-        <p:txBody>
-          <a:bodyPr>
-            <a:normAutofit fontScale="92500" lnSpcReduction="10000"/>
-          </a:bodyPr>
-          <a:lstStyle/>
-          <a:p>
-            <a:r>
-              <a:rPr lang="en-US" dirty="0"/>
-              <a:t>A solution to this problem is a procedure called cross-validation (CV for short). A test set should still be held out for final evaluation, but the validation set is no longer needed when doing CV. In the basic approach, called k-fold CV, the training set is split into k smaller sets (other approaches are described below, but generally follow the same principles</a:t>
-            </a:r>
-            <a:r>
-              <a:rPr lang="en-US" dirty="0" smtClean="0"/>
-              <a:t>).</a:t>
-            </a:r>
-          </a:p>
-          <a:p>
-            <a:pPr lvl="1"/>
-            <a:r>
-              <a:rPr lang="en-US" dirty="0" smtClean="0"/>
-              <a:t>The </a:t>
-            </a:r>
-            <a:r>
-              <a:rPr lang="en-US" dirty="0"/>
-              <a:t>following procedure is followed for each of the k “folds</a:t>
-            </a:r>
-            <a:r>
-              <a:rPr lang="en-US" dirty="0" smtClean="0"/>
-              <a:t>”:</a:t>
-            </a:r>
-            <a:endParaRPr lang="en-US" dirty="0"/>
-          </a:p>
-          <a:p>
-            <a:pPr lvl="2"/>
-            <a:r>
-              <a:rPr lang="en-US" dirty="0"/>
-              <a:t>A model is trained using  </a:t>
-            </a:r>
-            <a:r>
-              <a:rPr lang="en-US" dirty="0" smtClean="0"/>
-              <a:t>k-1 of </a:t>
-            </a:r>
-            <a:r>
-              <a:rPr lang="en-US" dirty="0"/>
-              <a:t>the folds as training data</a:t>
-            </a:r>
-            <a:r>
-              <a:rPr lang="en-US" dirty="0" smtClean="0"/>
-              <a:t>;</a:t>
-            </a:r>
-            <a:endParaRPr lang="en-US" dirty="0"/>
-          </a:p>
-          <a:p>
-            <a:pPr lvl="2"/>
-            <a:r>
-              <a:rPr lang="en-US" dirty="0"/>
-              <a:t>the resulting model is validated on the remaining part of the data (i.e., it is used as a test set to compute a performance measure such as accuracy</a:t>
-            </a:r>
-            <a:r>
-              <a:rPr lang="en-US" dirty="0" smtClean="0"/>
-              <a:t>).</a:t>
-            </a:r>
-            <a:endParaRPr lang="en-US" dirty="0"/>
-          </a:p>
-          <a:p>
-            <a:r>
-              <a:rPr lang="en-US" dirty="0"/>
-              <a:t>The performance measure reported by k-fold cross-validation is then the average of the values computed in the </a:t>
-            </a:r>
-            <a:r>
-              <a:rPr lang="en-US" dirty="0" smtClean="0"/>
-              <a:t>loop.</a:t>
-            </a:r>
-          </a:p>
-          <a:p>
-            <a:pPr lvl="1"/>
-            <a:r>
-              <a:rPr lang="en-US" dirty="0" smtClean="0"/>
-              <a:t>This </a:t>
-            </a:r>
-            <a:r>
-              <a:rPr lang="en-US" dirty="0"/>
-              <a:t>approach can be computationally expensive, but does not waste too much data (as is the case when fixing an arbitrary validation </a:t>
-            </a:r>
-            <a:r>
-              <a:rPr lang="en-US"/>
-              <a:t>set</a:t>
-            </a:r>
-            <a:r>
-              <a:rPr lang="en-US" smtClean="0"/>
-              <a:t>)</a:t>
-            </a:r>
-            <a:endParaRPr lang="en-US" dirty="0" smtClean="0"/>
-          </a:p>
-        </p:txBody>
-      </p:sp>
-    </p:spTree>
-    <p:extLst>
-      <p:ext uri="{BB962C8B-B14F-4D97-AF65-F5344CB8AC3E}">
-        <p14:creationId xmlns:p14="http://schemas.microsoft.com/office/powerpoint/2010/main" val="1795323236"/>
-      </p:ext>
-    </p:extLst>
-  </p:cSld>
-  <p:clrMapOvr>
-    <a:masterClrMapping/>
-  </p:clrMapOvr>
-</p:sld>
-</file>
-
-<file path=ppt/slides/slide50.xml><?xml version="1.0" encoding="utf-8"?>
-<p:sld xmlns:a="http://schemas.openxmlformats.org/drawingml/2006/main" xmlns:r="http://schemas.openxmlformats.org/officeDocument/2006/relationships" xmlns:p="http://schemas.openxmlformats.org/presentationml/2006/main">
-  <p:cSld>
-    <p:spTree>
-      <p:nvGrpSpPr>
-        <p:cNvPr id="1" name=""/>
-        <p:cNvGrpSpPr/>
-        <p:nvPr/>
-      </p:nvGrpSpPr>
-      <p:grpSpPr>
-        <a:xfrm>
-          <a:off x="0" y="0"/>
-          <a:ext cx="0" cy="0"/>
-          <a:chOff x="0" y="0"/>
-          <a:chExt cx="0" cy="0"/>
-        </a:xfrm>
-      </p:grpSpPr>
-      <p:sp>
-        <p:nvSpPr>
-          <p:cNvPr id="2" name="Title 1"/>
-          <p:cNvSpPr>
-            <a:spLocks noGrp="1"/>
-          </p:cNvSpPr>
-          <p:nvPr>
-            <p:ph type="title"/>
-          </p:nvPr>
-        </p:nvSpPr>
-        <p:spPr/>
-        <p:txBody>
-          <a:bodyPr/>
-          <a:lstStyle/>
-          <a:p>
-            <a:r>
-              <a:rPr lang="it-IT" dirty="0" smtClean="0"/>
-              <a:t>Classification report</a:t>
-            </a:r>
-            <a:endParaRPr lang="en-US" dirty="0"/>
-          </a:p>
-        </p:txBody>
-      </p:sp>
-      <p:sp>
-        <p:nvSpPr>
-          <p:cNvPr id="3" name="Content Placeholder 2"/>
-          <p:cNvSpPr>
-            <a:spLocks noGrp="1"/>
-          </p:cNvSpPr>
-          <p:nvPr>
-            <p:ph idx="1"/>
-          </p:nvPr>
-        </p:nvSpPr>
-        <p:spPr/>
-        <p:txBody>
-          <a:bodyPr/>
-          <a:lstStyle/>
-          <a:p>
-            <a:endParaRPr lang="en-US"/>
-          </a:p>
-        </p:txBody>
-      </p:sp>
-    </p:spTree>
-    <p:extLst>
-      <p:ext uri="{BB962C8B-B14F-4D97-AF65-F5344CB8AC3E}">
-        <p14:creationId xmlns:p14="http://schemas.microsoft.com/office/powerpoint/2010/main" val="815029530"/>
-      </p:ext>
-    </p:extLst>
-  </p:cSld>
-  <p:clrMapOvr>
-    <a:masterClrMapping/>
-  </p:clrMapOvr>
-</p:sld>
-</file>
-
-<file path=ppt/slides/slide51.xml><?xml version="1.0" encoding="utf-8"?>
-<p:sld xmlns:a="http://schemas.openxmlformats.org/drawingml/2006/main" xmlns:r="http://schemas.openxmlformats.org/officeDocument/2006/relationships" xmlns:p="http://schemas.openxmlformats.org/presentationml/2006/main">
-  <p:cSld>
-    <p:spTree>
-      <p:nvGrpSpPr>
-        <p:cNvPr id="1" name=""/>
-        <p:cNvGrpSpPr/>
-        <p:nvPr/>
-      </p:nvGrpSpPr>
-      <p:grpSpPr>
-        <a:xfrm>
-          <a:off x="0" y="0"/>
-          <a:ext cx="0" cy="0"/>
-          <a:chOff x="0" y="0"/>
-          <a:chExt cx="0" cy="0"/>
-        </a:xfrm>
-      </p:grpSpPr>
-      <p:sp>
-        <p:nvSpPr>
-          <p:cNvPr id="2" name="Title 1"/>
-          <p:cNvSpPr>
-            <a:spLocks noGrp="1"/>
-          </p:cNvSpPr>
-          <p:nvPr>
-            <p:ph type="title"/>
-          </p:nvPr>
-        </p:nvSpPr>
-        <p:spPr/>
-        <p:txBody>
-          <a:bodyPr/>
-          <a:lstStyle/>
-          <a:p>
-            <a:r>
-              <a:rPr lang="en-US" dirty="0"/>
-              <a:t>Binary </a:t>
-            </a:r>
-            <a:r>
-              <a:rPr lang="en-US" dirty="0" smtClean="0"/>
-              <a:t>classification</a:t>
-            </a:r>
-            <a:endParaRPr lang="en-US" dirty="0"/>
-          </a:p>
-        </p:txBody>
-      </p:sp>
-      <p:sp>
-        <p:nvSpPr>
-          <p:cNvPr id="3" name="Content Placeholder 2"/>
-          <p:cNvSpPr>
-            <a:spLocks noGrp="1"/>
-          </p:cNvSpPr>
-          <p:nvPr>
-            <p:ph idx="1"/>
-          </p:nvPr>
-        </p:nvSpPr>
-        <p:spPr/>
-        <p:txBody>
-          <a:bodyPr/>
-          <a:lstStyle/>
-          <a:p>
-            <a:endParaRPr lang="en-US" dirty="0"/>
-          </a:p>
-        </p:txBody>
-      </p:sp>
-    </p:spTree>
-    <p:extLst>
-      <p:ext uri="{BB962C8B-B14F-4D97-AF65-F5344CB8AC3E}">
-        <p14:creationId xmlns:p14="http://schemas.microsoft.com/office/powerpoint/2010/main" val="1195661877"/>
       </p:ext>
     </p:extLst>
   </p:cSld>
@@ -10276,12 +11793,8 @@
           <a:lstStyle/>
           <a:p>
             <a:r>
-              <a:rPr lang="en-US" dirty="0"/>
-              <a:t>Multi-label confusion </a:t>
-            </a:r>
-            <a:r>
-              <a:rPr lang="en-US" dirty="0" smtClean="0"/>
-              <a:t>matrix</a:t>
+              <a:rPr lang="it-IT" dirty="0" smtClean="0"/>
+              <a:t>Classification report</a:t>
             </a:r>
             <a:endParaRPr lang="en-US" dirty="0"/>
           </a:p>
@@ -10302,14 +11815,14 @@
           <a:bodyPr/>
           <a:lstStyle/>
           <a:p>
-            <a:endParaRPr lang="en-US" dirty="0"/>
+            <a:endParaRPr lang="en-US"/>
           </a:p>
         </p:txBody>
       </p:sp>
     </p:spTree>
     <p:extLst>
       <p:ext uri="{BB962C8B-B14F-4D97-AF65-F5344CB8AC3E}">
-        <p14:creationId xmlns:p14="http://schemas.microsoft.com/office/powerpoint/2010/main" val="1343420063"/>
+        <p14:creationId xmlns:p14="http://schemas.microsoft.com/office/powerpoint/2010/main" val="815029530"/>
       </p:ext>
     </p:extLst>
   </p:cSld>
@@ -10353,11 +11866,11 @@
           <a:p>
             <a:r>
               <a:rPr lang="en-US" dirty="0"/>
-              <a:t> Receiver operating characteristic (ROC</a:t>
-            </a:r>
-            <a:r>
-              <a:rPr lang="en-US" dirty="0" smtClean="0"/>
-              <a:t>)</a:t>
+              <a:t>Binary </a:t>
+            </a:r>
+            <a:r>
+              <a:rPr lang="en-US" dirty="0" smtClean="0"/>
+              <a:t>classification</a:t>
             </a:r>
             <a:endParaRPr lang="en-US" dirty="0"/>
           </a:p>
@@ -10378,43 +11891,6 @@
           <a:bodyPr/>
           <a:lstStyle/>
           <a:p>
-            <a:r>
-              <a:rPr lang="en-US" dirty="0" smtClean="0"/>
-              <a:t>A </a:t>
-            </a:r>
-            <a:r>
-              <a:rPr lang="en-US" dirty="0"/>
-              <a:t>receiver operating characteristic (ROC), or simply ROC curve, is a graphical plot which illustrates the performance of a binary classifier </a:t>
-            </a:r>
-            <a:r>
-              <a:rPr lang="en-US" dirty="0" smtClean="0"/>
-              <a:t>system.</a:t>
-            </a:r>
-          </a:p>
-          <a:p>
-            <a:r>
-              <a:rPr lang="en-US" dirty="0" smtClean="0"/>
-              <a:t>It </a:t>
-            </a:r>
-            <a:r>
-              <a:rPr lang="en-US" dirty="0"/>
-              <a:t>is created by plotting the fraction of true positives out of the positives (TPR = true positive rate) vs. the fraction of false positives out of the negatives (FPR = false positive rate), at various threshold settings. TPR is also known as sensitivity, and FPR is one minus the specificity or true negative rate</a:t>
-            </a:r>
-            <a:r>
-              <a:rPr lang="en-US" dirty="0" smtClean="0"/>
-              <a:t>.”</a:t>
-            </a:r>
-          </a:p>
-          <a:p>
-            <a:endParaRPr lang="it-IT" dirty="0"/>
-          </a:p>
-          <a:p>
-            <a:r>
-              <a:rPr lang="en-US" dirty="0">
-                <a:hlinkClick r:id="rId2"/>
-              </a:rPr>
-              <a:t>https://stackabuse.com/understanding-roc-curves-with-python/</a:t>
-            </a:r>
             <a:endParaRPr lang="en-US" dirty="0"/>
           </a:p>
         </p:txBody>
@@ -10422,7 +11898,7 @@
     </p:spTree>
     <p:extLst>
       <p:ext uri="{BB962C8B-B14F-4D97-AF65-F5344CB8AC3E}">
-        <p14:creationId xmlns:p14="http://schemas.microsoft.com/office/powerpoint/2010/main" val="885522796"/>
+        <p14:creationId xmlns:p14="http://schemas.microsoft.com/office/powerpoint/2010/main" val="1195661877"/>
       </p:ext>
     </p:extLst>
   </p:cSld>
@@ -10466,6 +11942,195 @@
           <a:p>
             <a:r>
               <a:rPr lang="en-US" dirty="0"/>
+              <a:t>Multi-label confusion </a:t>
+            </a:r>
+            <a:r>
+              <a:rPr lang="en-US" dirty="0" smtClean="0"/>
+              <a:t>matrix</a:t>
+            </a:r>
+            <a:endParaRPr lang="en-US" dirty="0"/>
+          </a:p>
+        </p:txBody>
+      </p:sp>
+      <p:sp>
+        <p:nvSpPr>
+          <p:cNvPr id="3" name="Content Placeholder 2"/>
+          <p:cNvSpPr>
+            <a:spLocks noGrp="1"/>
+          </p:cNvSpPr>
+          <p:nvPr>
+            <p:ph idx="1"/>
+          </p:nvPr>
+        </p:nvSpPr>
+        <p:spPr/>
+        <p:txBody>
+          <a:bodyPr/>
+          <a:lstStyle/>
+          <a:p>
+            <a:endParaRPr lang="en-US" dirty="0"/>
+          </a:p>
+        </p:txBody>
+      </p:sp>
+    </p:spTree>
+    <p:extLst>
+      <p:ext uri="{BB962C8B-B14F-4D97-AF65-F5344CB8AC3E}">
+        <p14:creationId xmlns:p14="http://schemas.microsoft.com/office/powerpoint/2010/main" val="1343420063"/>
+      </p:ext>
+    </p:extLst>
+  </p:cSld>
+  <p:clrMapOvr>
+    <a:masterClrMapping/>
+  </p:clrMapOvr>
+</p:sld>
+</file>
+
+<file path=ppt/slides/slide55.xml><?xml version="1.0" encoding="utf-8"?>
+<p:sld xmlns:a="http://schemas.openxmlformats.org/drawingml/2006/main" xmlns:r="http://schemas.openxmlformats.org/officeDocument/2006/relationships" xmlns:p="http://schemas.openxmlformats.org/presentationml/2006/main">
+  <p:cSld>
+    <p:spTree>
+      <p:nvGrpSpPr>
+        <p:cNvPr id="1" name=""/>
+        <p:cNvGrpSpPr/>
+        <p:nvPr/>
+      </p:nvGrpSpPr>
+      <p:grpSpPr>
+        <a:xfrm>
+          <a:off x="0" y="0"/>
+          <a:ext cx="0" cy="0"/>
+          <a:chOff x="0" y="0"/>
+          <a:chExt cx="0" cy="0"/>
+        </a:xfrm>
+      </p:grpSpPr>
+      <p:sp>
+        <p:nvSpPr>
+          <p:cNvPr id="2" name="Title 1"/>
+          <p:cNvSpPr>
+            <a:spLocks noGrp="1"/>
+          </p:cNvSpPr>
+          <p:nvPr>
+            <p:ph type="title"/>
+          </p:nvPr>
+        </p:nvSpPr>
+        <p:spPr/>
+        <p:txBody>
+          <a:bodyPr/>
+          <a:lstStyle/>
+          <a:p>
+            <a:r>
+              <a:rPr lang="en-US" dirty="0"/>
+              <a:t> Receiver operating characteristic (ROC</a:t>
+            </a:r>
+            <a:r>
+              <a:rPr lang="en-US" dirty="0" smtClean="0"/>
+              <a:t>)</a:t>
+            </a:r>
+            <a:endParaRPr lang="en-US" dirty="0"/>
+          </a:p>
+        </p:txBody>
+      </p:sp>
+      <p:sp>
+        <p:nvSpPr>
+          <p:cNvPr id="3" name="Content Placeholder 2"/>
+          <p:cNvSpPr>
+            <a:spLocks noGrp="1"/>
+          </p:cNvSpPr>
+          <p:nvPr>
+            <p:ph idx="1"/>
+          </p:nvPr>
+        </p:nvSpPr>
+        <p:spPr/>
+        <p:txBody>
+          <a:bodyPr/>
+          <a:lstStyle/>
+          <a:p>
+            <a:r>
+              <a:rPr lang="en-US" dirty="0" smtClean="0"/>
+              <a:t>A </a:t>
+            </a:r>
+            <a:r>
+              <a:rPr lang="en-US" dirty="0"/>
+              <a:t>receiver operating characteristic (ROC), or simply ROC curve, is a graphical plot which illustrates the performance of a binary classifier </a:t>
+            </a:r>
+            <a:r>
+              <a:rPr lang="en-US" dirty="0" smtClean="0"/>
+              <a:t>system.</a:t>
+            </a:r>
+          </a:p>
+          <a:p>
+            <a:r>
+              <a:rPr lang="en-US" dirty="0" smtClean="0"/>
+              <a:t>It </a:t>
+            </a:r>
+            <a:r>
+              <a:rPr lang="en-US" dirty="0"/>
+              <a:t>is created by plotting the fraction of true positives out of the positives (TPR = true positive rate) vs. the fraction of false positives out of the negatives (FPR = false positive rate), at various threshold settings. TPR is also known as sensitivity, and FPR is one minus the specificity or true negative rate</a:t>
+            </a:r>
+            <a:r>
+              <a:rPr lang="en-US" dirty="0" smtClean="0"/>
+              <a:t>.”</a:t>
+            </a:r>
+          </a:p>
+          <a:p>
+            <a:endParaRPr lang="it-IT" dirty="0"/>
+          </a:p>
+          <a:p>
+            <a:r>
+              <a:rPr lang="en-US" dirty="0">
+                <a:hlinkClick r:id="rId3"/>
+              </a:rPr>
+              <a:t>https://stackabuse.com/understanding-roc-curves-with-python/</a:t>
+            </a:r>
+            <a:endParaRPr lang="en-US" dirty="0"/>
+          </a:p>
+        </p:txBody>
+      </p:sp>
+    </p:spTree>
+    <p:extLst>
+      <p:ext uri="{BB962C8B-B14F-4D97-AF65-F5344CB8AC3E}">
+        <p14:creationId xmlns:p14="http://schemas.microsoft.com/office/powerpoint/2010/main" val="885522796"/>
+      </p:ext>
+    </p:extLst>
+  </p:cSld>
+  <p:clrMapOvr>
+    <a:masterClrMapping/>
+  </p:clrMapOvr>
+</p:sld>
+</file>
+
+<file path=ppt/slides/slide56.xml><?xml version="1.0" encoding="utf-8"?>
+<p:sld xmlns:a="http://schemas.openxmlformats.org/drawingml/2006/main" xmlns:r="http://schemas.openxmlformats.org/officeDocument/2006/relationships" xmlns:p="http://schemas.openxmlformats.org/presentationml/2006/main">
+  <p:cSld>
+    <p:spTree>
+      <p:nvGrpSpPr>
+        <p:cNvPr id="1" name=""/>
+        <p:cNvGrpSpPr/>
+        <p:nvPr/>
+      </p:nvGrpSpPr>
+      <p:grpSpPr>
+        <a:xfrm>
+          <a:off x="0" y="0"/>
+          <a:ext cx="0" cy="0"/>
+          <a:chOff x="0" y="0"/>
+          <a:chExt cx="0" cy="0"/>
+        </a:xfrm>
+      </p:grpSpPr>
+      <p:sp>
+        <p:nvSpPr>
+          <p:cNvPr id="2" name="Title 1"/>
+          <p:cNvSpPr>
+            <a:spLocks noGrp="1"/>
+          </p:cNvSpPr>
+          <p:nvPr>
+            <p:ph type="title"/>
+          </p:nvPr>
+        </p:nvSpPr>
+        <p:spPr/>
+        <p:txBody>
+          <a:bodyPr/>
+          <a:lstStyle/>
+          <a:p>
+            <a:r>
+              <a:rPr lang="en-US" dirty="0"/>
               <a:t>Regression </a:t>
             </a:r>
             <a:r>
@@ -10508,7 +12173,7 @@
 </p:sld>
 </file>
 
-<file path=ppt/slides/slide55.xml><?xml version="1.0" encoding="utf-8"?>
+<file path=ppt/slides/slide57.xml><?xml version="1.0" encoding="utf-8"?>
 <p:sld xmlns:a="http://schemas.openxmlformats.org/drawingml/2006/main" xmlns:r="http://schemas.openxmlformats.org/officeDocument/2006/relationships" xmlns:p="http://schemas.openxmlformats.org/presentationml/2006/main">
   <p:cSld>
     <p:spTree>
@@ -10790,42 +12455,132 @@
           <a:lstStyle/>
           <a:p>
             <a:r>
+              <a:rPr lang="en-US" dirty="0"/>
+              <a:t>Computing cross-validated </a:t>
+            </a:r>
+            <a:r>
+              <a:rPr lang="en-US" dirty="0" smtClean="0"/>
+              <a:t>metrics</a:t>
+            </a:r>
+            <a:endParaRPr lang="en-US" dirty="0"/>
+          </a:p>
+        </p:txBody>
+      </p:sp>
+      <p:sp>
+        <p:nvSpPr>
+          <p:cNvPr id="3" name="Content Placeholder 2"/>
+          <p:cNvSpPr>
+            <a:spLocks noGrp="1"/>
+          </p:cNvSpPr>
+          <p:nvPr>
+            <p:ph idx="1"/>
+          </p:nvPr>
+        </p:nvSpPr>
+        <p:spPr/>
+        <p:txBody>
+          <a:bodyPr>
+            <a:normAutofit/>
+          </a:bodyPr>
+          <a:lstStyle/>
+          <a:p>
+            <a:r>
               <a:rPr lang="it-IT" dirty="0" smtClean="0"/>
-              <a:t>N.B.</a:t>
-            </a:r>
-            <a:endParaRPr lang="en-US" dirty="0"/>
-          </a:p>
-        </p:txBody>
-      </p:sp>
-      <p:sp>
-        <p:nvSpPr>
-          <p:cNvPr id="3" name="Content Placeholder 2"/>
-          <p:cNvSpPr>
-            <a:spLocks noGrp="1"/>
-          </p:cNvSpPr>
-          <p:nvPr>
-            <p:ph idx="1"/>
-          </p:nvPr>
-        </p:nvSpPr>
-        <p:spPr/>
-        <p:txBody>
-          <a:bodyPr/>
-          <a:lstStyle/>
-          <a:p>
-            <a:r>
-              <a:rPr lang="en-US" dirty="0"/>
-              <a:t>Just as it is important to test a predictor on data held-out from training, preprocessing (e.g., standardization, PCA, feature selection, etc.) and similar data transformations similarly should be learnt from a training set and applied to held-out data for prediction</a:t>
-            </a:r>
-          </a:p>
-          <a:p>
-            <a:endParaRPr lang="en-US" dirty="0"/>
+              <a:t>A general way to assess performance of an estimator under training</a:t>
+            </a:r>
+          </a:p>
+          <a:p>
+            <a:endParaRPr lang="en-US" dirty="0" smtClean="0"/>
+          </a:p>
+          <a:p>
+            <a:r>
+              <a:rPr lang="en-US" dirty="0" smtClean="0"/>
+              <a:t>The </a:t>
+            </a:r>
+            <a:r>
+              <a:rPr lang="en-US" dirty="0"/>
+              <a:t>simplest way to use cross-validation is to call the </a:t>
+            </a:r>
+            <a:r>
+              <a:rPr lang="en-US" dirty="0" err="1"/>
+              <a:t>cross_val_score</a:t>
+            </a:r>
+            <a:r>
+              <a:rPr lang="en-US" dirty="0"/>
+              <a:t> helper function on the estimator and the dataset</a:t>
+            </a:r>
+            <a:r>
+              <a:rPr lang="en-US" dirty="0" smtClean="0"/>
+              <a:t>.</a:t>
+            </a:r>
+          </a:p>
+          <a:p>
+            <a:r>
+              <a:rPr lang="en-US" dirty="0"/>
+              <a:t>scores = </a:t>
+            </a:r>
+            <a:r>
+              <a:rPr lang="en-US" dirty="0" err="1"/>
+              <a:t>cross_val_score</a:t>
+            </a:r>
+            <a:r>
+              <a:rPr lang="en-US" dirty="0"/>
+              <a:t>(</a:t>
+            </a:r>
+            <a:r>
+              <a:rPr lang="en-US" dirty="0" err="1"/>
+              <a:t>clf</a:t>
+            </a:r>
+            <a:r>
+              <a:rPr lang="en-US" dirty="0"/>
+              <a:t>, </a:t>
+            </a:r>
+            <a:r>
+              <a:rPr lang="en-US" dirty="0" err="1" smtClean="0"/>
+              <a:t>X_train</a:t>
+            </a:r>
+            <a:r>
+              <a:rPr lang="en-US" dirty="0" smtClean="0"/>
+              <a:t>, </a:t>
+            </a:r>
+            <a:r>
+              <a:rPr lang="en-US" dirty="0" err="1" smtClean="0"/>
+              <a:t>y_train</a:t>
+            </a:r>
+            <a:r>
+              <a:rPr lang="en-US" dirty="0" smtClean="0"/>
+              <a:t>, </a:t>
+            </a:r>
+            <a:r>
+              <a:rPr lang="en-US" dirty="0"/>
+              <a:t>cv=5</a:t>
+            </a:r>
+            <a:r>
+              <a:rPr lang="en-US" dirty="0" smtClean="0"/>
+              <a:t>)</a:t>
+            </a:r>
+          </a:p>
+          <a:p>
+            <a:r>
+              <a:rPr lang="it-IT" dirty="0" smtClean="0"/>
+              <a:t>Default ‘scoring’ parameter: accuracy for classifiers, R^2 for regressors</a:t>
+            </a:r>
+            <a:endParaRPr lang="en-US" dirty="0" smtClean="0"/>
+          </a:p>
+          <a:p>
+            <a:endParaRPr lang="it-IT" dirty="0"/>
+          </a:p>
+          <a:p>
+            <a:endParaRPr lang="en-US" dirty="0" smtClean="0"/>
+          </a:p>
+          <a:p>
+            <a:endParaRPr lang="it-IT" dirty="0"/>
           </a:p>
         </p:txBody>
       </p:sp>
     </p:spTree>
     <p:extLst>
       <p:ext uri="{BB962C8B-B14F-4D97-AF65-F5344CB8AC3E}">
-        <p14:creationId xmlns:p14="http://schemas.microsoft.com/office/powerpoint/2010/main" val="1005453781"/>
+        <p14:creationId xmlns:p14="http://schemas.microsoft.com/office/powerpoint/2010/main" val="2158760358"/>
       </p:ext>
     </p:extLst>
   </p:cSld>
@@ -10868,12 +12623,8 @@
           <a:lstStyle/>
           <a:p>
             <a:r>
-              <a:rPr lang="en-US" dirty="0"/>
-              <a:t>Computing cross-validated </a:t>
-            </a:r>
-            <a:r>
-              <a:rPr lang="en-US" dirty="0" smtClean="0"/>
-              <a:t>metrics</a:t>
+              <a:rPr lang="en-US" dirty="0" err="1"/>
+              <a:t>cross_validate</a:t>
             </a:r>
             <a:endParaRPr lang="en-US" dirty="0"/>
           </a:p>
@@ -10891,17 +12642,13 @@
         </p:nvSpPr>
         <p:spPr/>
         <p:txBody>
-          <a:bodyPr>
-            <a:normAutofit/>
-          </a:bodyPr>
+          <a:bodyPr/>
           <a:lstStyle/>
           <a:p>
             <a:r>
               <a:rPr lang="it-IT" dirty="0" smtClean="0"/>
-              <a:t>A general way to assess performance of an estimator</a:t>
-            </a:r>
-          </a:p>
-          <a:p>
+              <a:t>A more flexible/powerful function</a:t>
+            </a:r>
             <a:endParaRPr lang="en-US" dirty="0" smtClean="0"/>
           </a:p>
           <a:p>
@@ -10910,8 +12657,12 @@
               <a:t>The </a:t>
             </a:r>
             <a:r>
-              <a:rPr lang="en-US" dirty="0"/>
-              <a:t>simplest way to use cross-validation is to call the </a:t>
+              <a:rPr lang="en-US" dirty="0" err="1"/>
+              <a:t>cross_validate</a:t>
+            </a:r>
+            <a:r>
+              <a:rPr lang="en-US" dirty="0"/>
+              <a:t> function differs from </a:t>
             </a:r>
             <a:r>
               <a:rPr lang="en-US" dirty="0" err="1"/>
@@ -10919,75 +12670,66 @@
             </a:r>
             <a:r>
               <a:rPr lang="en-US" dirty="0"/>
-              <a:t> helper function on the estimator and the dataset</a:t>
-            </a:r>
-            <a:r>
-              <a:rPr lang="en-US" dirty="0" smtClean="0"/>
-              <a:t>.</a:t>
-            </a:r>
-          </a:p>
-          <a:p>
-            <a:r>
-              <a:rPr lang="en-US" dirty="0"/>
-              <a:t>scores = </a:t>
+              <a:t> in two ways</a:t>
+            </a:r>
+            <a:r>
+              <a:rPr lang="en-US" dirty="0" smtClean="0"/>
+              <a:t>:</a:t>
+            </a:r>
+            <a:endParaRPr lang="en-US" dirty="0"/>
+          </a:p>
+          <a:p>
+            <a:pPr lvl="1"/>
+            <a:r>
+              <a:rPr lang="en-US" dirty="0"/>
+              <a:t>It allows specifying multiple metrics for </a:t>
+            </a:r>
+            <a:r>
+              <a:rPr lang="en-US" dirty="0" smtClean="0"/>
+              <a:t>evaluation</a:t>
+            </a:r>
+            <a:endParaRPr lang="en-US" dirty="0"/>
+          </a:p>
+          <a:p>
+            <a:pPr lvl="1"/>
+            <a:r>
+              <a:rPr lang="en-US" dirty="0"/>
+              <a:t>It returns a </a:t>
             </a:r>
             <a:r>
               <a:rPr lang="en-US" dirty="0" err="1"/>
-              <a:t>cross_val_score</a:t>
-            </a:r>
-            <a:r>
-              <a:rPr lang="en-US" dirty="0"/>
-              <a:t>(</a:t>
-            </a:r>
-            <a:r>
-              <a:rPr lang="en-US" dirty="0" err="1"/>
-              <a:t>clf</a:t>
-            </a:r>
-            <a:r>
-              <a:rPr lang="en-US" dirty="0"/>
-              <a:t>, X, y, cv=5</a:t>
-            </a:r>
-            <a:r>
-              <a:rPr lang="en-US" dirty="0" smtClean="0"/>
-              <a:t>)</a:t>
-            </a:r>
-          </a:p>
-          <a:p>
-            <a:endParaRPr lang="it-IT" dirty="0"/>
-          </a:p>
-          <a:p>
-            <a:r>
-              <a:rPr lang="en-US" dirty="0"/>
-              <a:t>The </a:t>
-            </a:r>
-            <a:r>
-              <a:rPr lang="en-US" dirty="0" err="1"/>
-              <a:t>cross_validate</a:t>
-            </a:r>
-            <a:r>
-              <a:rPr lang="en-US" dirty="0"/>
-              <a:t> function allows multiple metric evaluation</a:t>
-            </a:r>
-          </a:p>
-          <a:p>
-            <a:r>
-              <a:rPr lang="it-IT" dirty="0"/>
-              <a:t>Accuracy etc., see also scikit-learn.ppt</a:t>
+              <a:t>dict</a:t>
+            </a:r>
+            <a:r>
+              <a:rPr lang="en-US" dirty="0"/>
+              <a:t> containing fit-times, score-times (and optionally training scores as well as fitted </a:t>
+            </a:r>
+            <a:r>
+              <a:rPr lang="en-US" dirty="0" smtClean="0"/>
+              <a:t>estimators, one for each split) </a:t>
+            </a:r>
+            <a:r>
+              <a:rPr lang="en-US" dirty="0"/>
+              <a:t>in addition to the test </a:t>
+            </a:r>
+            <a:r>
+              <a:rPr lang="en-US" dirty="0" smtClean="0"/>
+              <a:t>score</a:t>
             </a:r>
             <a:endParaRPr lang="en-US" dirty="0"/>
           </a:p>
           <a:p>
-            <a:endParaRPr lang="en-US" dirty="0" smtClean="0"/>
-          </a:p>
-          <a:p>
-            <a:endParaRPr lang="it-IT" dirty="0"/>
+            <a:pPr marL="0" indent="0">
+              <a:buNone/>
+            </a:pPr>
+            <a:endParaRPr lang="it-IT" dirty="0" smtClean="0"/>
           </a:p>
         </p:txBody>
       </p:sp>
     </p:spTree>
     <p:extLst>
       <p:ext uri="{BB962C8B-B14F-4D97-AF65-F5344CB8AC3E}">
-        <p14:creationId xmlns:p14="http://schemas.microsoft.com/office/powerpoint/2010/main" val="2158760358"/>
+        <p14:creationId xmlns:p14="http://schemas.microsoft.com/office/powerpoint/2010/main" val="3197688793"/>
       </p:ext>
     </p:extLst>
   </p:cSld>
@@ -11031,7 +12773,7 @@
           <a:p>
             <a:r>
               <a:rPr lang="it-IT" dirty="0" smtClean="0"/>
-              <a:t>Cross-validation iterators</a:t>
+              <a:t>Recall</a:t>
             </a:r>
             <a:endParaRPr lang="en-US" dirty="0"/>
           </a:p>
@@ -11050,17 +12792,13 @@
         <p:spPr/>
         <p:txBody>
           <a:bodyPr>
-            <a:normAutofit fontScale="92500" lnSpcReduction="20000"/>
+            <a:normAutofit/>
           </a:bodyPr>
           <a:lstStyle/>
           <a:p>
             <a:r>
-              <a:rPr lang="en-US" dirty="0">
-                <a:solidFill>
-                  <a:srgbClr val="FF0000"/>
-                </a:solidFill>
-              </a:rPr>
-              <a:t>U</a:t>
+              <a:rPr lang="en-US" dirty="0"/>
+              <a:t>Just as it is important to test a predictor on data held-out from training, </a:t>
             </a:r>
             <a:r>
               <a:rPr lang="en-US" dirty="0" smtClean="0">
@@ -11068,110 +12806,110 @@
                   <a:srgbClr val="FF0000"/>
                 </a:solidFill>
               </a:rPr>
-              <a:t>tilities </a:t>
+              <a:t>so</a:t>
+            </a:r>
+            <a:r>
+              <a:rPr lang="en-US" dirty="0" smtClean="0"/>
+              <a:t>, preprocessing </a:t>
+            </a:r>
+            <a:r>
+              <a:rPr lang="en-US" dirty="0"/>
+              <a:t>(e.g., standardization, PCA, feature selection, etc.) and similar data transformations similarly should be learnt from a training set and applied to held-out data for </a:t>
+            </a:r>
+            <a:r>
+              <a:rPr lang="en-US" dirty="0" smtClean="0"/>
+              <a:t>prediction</a:t>
+            </a:r>
+          </a:p>
+          <a:p>
+            <a:pPr marL="0" indent="0">
+              <a:buNone/>
+            </a:pPr>
+            <a:endParaRPr lang="it-IT" dirty="0" smtClean="0"/>
+          </a:p>
+          <a:p>
+            <a:r>
+              <a:rPr lang="it-IT" dirty="0" smtClean="0"/>
+              <a:t>Pipeline can streamline the coding process</a:t>
+            </a:r>
+          </a:p>
+          <a:p>
+            <a:r>
+              <a:rPr lang="it-IT" dirty="0" smtClean="0"/>
+              <a:t>A pipe is a composed estimator</a:t>
+            </a:r>
+            <a:endParaRPr lang="en-US" dirty="0" smtClean="0">
+              <a:hlinkClick r:id="rId2"/>
+            </a:endParaRPr>
+          </a:p>
+          <a:p>
+            <a:r>
+              <a:rPr lang="en-US" dirty="0" smtClean="0">
+                <a:hlinkClick r:id="rId2"/>
+              </a:rPr>
+              <a:t>https</a:t>
             </a:r>
             <a:r>
               <a:rPr lang="en-US" dirty="0">
+                <a:hlinkClick r:id="rId2"/>
+              </a:rPr>
+              <a:t>://</a:t>
+            </a:r>
+            <a:r>
+              <a:rPr lang="en-US" dirty="0" smtClean="0">
+                <a:hlinkClick r:id="rId2"/>
+              </a:rPr>
+              <a:t>iaml.it/blog/optimizing-sklearn-pipelines</a:t>
+            </a:r>
+            <a:endParaRPr lang="it-IT" dirty="0" smtClean="0"/>
+          </a:p>
+        </p:txBody>
+      </p:sp>
+      <p:pic>
+        <p:nvPicPr>
+          <p:cNvPr id="1026" name="Picture 2" descr="Pipeline"/>
+          <p:cNvPicPr>
+            <a:picLocks noChangeAspect="1" noChangeArrowheads="1"/>
+          </p:cNvPicPr>
+          <p:nvPr/>
+        </p:nvPicPr>
+        <p:blipFill>
+          <a:blip r:embed="rId3">
+            <a:extLst>
+              <a:ext uri="{28A0092B-C50C-407E-A947-70E740481C1C}">
+                <a14:useLocalDpi xmlns:a14="http://schemas.microsoft.com/office/drawing/2010/main" val="0"/>
+              </a:ext>
+            </a:extLst>
+          </a:blip>
+          <a:srcRect/>
+          <a:stretch>
+            <a:fillRect/>
+          </a:stretch>
+        </p:blipFill>
+        <p:spPr bwMode="auto">
+          <a:xfrm>
+            <a:off x="7384211" y="3396621"/>
+            <a:ext cx="4727276" cy="3451118"/>
+          </a:xfrm>
+          <a:prstGeom prst="rect">
+            <a:avLst/>
+          </a:prstGeom>
+          <a:noFill/>
+          <a:extLst>
+            <a:ext uri="{909E8E84-426E-40DD-AFC4-6F175D3DCCD1}">
+              <a14:hiddenFill xmlns:a14="http://schemas.microsoft.com/office/drawing/2010/main">
                 <a:solidFill>
-                  <a:srgbClr val="FF0000"/>
+                  <a:srgbClr val="FFFFFF"/>
                 </a:solidFill>
-              </a:rPr>
-              <a:t>to generate indices that can be used to generate dataset splits according to different cross validation strategies.</a:t>
-            </a:r>
-            <a:endParaRPr lang="en-US" dirty="0" smtClean="0">
-              <a:solidFill>
-                <a:srgbClr val="FF0000"/>
-              </a:solidFill>
-            </a:endParaRPr>
-          </a:p>
-          <a:p>
-            <a:r>
-              <a:rPr lang="en-US" dirty="0" smtClean="0"/>
-              <a:t>Cross-validation </a:t>
-            </a:r>
-            <a:r>
-              <a:rPr lang="en-US" dirty="0"/>
-              <a:t>iterators for </a:t>
-            </a:r>
-            <a:r>
-              <a:rPr lang="en-US" dirty="0" err="1"/>
-              <a:t>i.i.d</a:t>
-            </a:r>
-            <a:r>
-              <a:rPr lang="en-US" dirty="0"/>
-              <a:t>. data</a:t>
-            </a:r>
-          </a:p>
-          <a:p>
-            <a:pPr lvl="1"/>
-            <a:r>
-              <a:rPr lang="en-US" dirty="0"/>
-              <a:t>Assuming that some data is Independent and Identically Distributed (</a:t>
-            </a:r>
-            <a:r>
-              <a:rPr lang="en-US" dirty="0" err="1"/>
-              <a:t>i.i.d</a:t>
-            </a:r>
-            <a:r>
-              <a:rPr lang="en-US" dirty="0"/>
-              <a:t>.) is making the assumption that all samples stem from the same generative process and that the generative process is assumed to have no memory of past generated samples</a:t>
-            </a:r>
-            <a:r>
-              <a:rPr lang="en-US" dirty="0" smtClean="0"/>
-              <a:t>.</a:t>
-            </a:r>
-          </a:p>
-          <a:p>
-            <a:r>
-              <a:rPr lang="en-US" dirty="0"/>
-              <a:t>While </a:t>
-            </a:r>
-            <a:r>
-              <a:rPr lang="en-US" dirty="0" err="1"/>
-              <a:t>i.i.d</a:t>
-            </a:r>
-            <a:r>
-              <a:rPr lang="en-US" dirty="0"/>
-              <a:t>. data is a common assumption in machine learning theory, it rarely holds in practice. If one knows that the samples have been generated using a time-dependent process, it’s safer to use a </a:t>
-            </a:r>
-            <a:r>
-              <a:rPr lang="en-US" b="1" dirty="0"/>
-              <a:t>time-series aware cross-validation </a:t>
-            </a:r>
-            <a:r>
-              <a:rPr lang="en-US" b="1" dirty="0" smtClean="0"/>
-              <a:t>scheme</a:t>
-            </a:r>
-            <a:endParaRPr lang="en-US" b="1" dirty="0"/>
-          </a:p>
-          <a:p>
-            <a:r>
-              <a:rPr lang="en-US" dirty="0" smtClean="0"/>
-              <a:t>Similarly </a:t>
-            </a:r>
-            <a:r>
-              <a:rPr lang="en-US" dirty="0"/>
-              <a:t>if we know that the generative process has a group structure (samples from collected from different subjects, experiments, measurement devices) it safer to use </a:t>
-            </a:r>
-            <a:r>
-              <a:rPr lang="en-US" b="1" dirty="0"/>
-              <a:t>group-wise cross-validation</a:t>
-            </a:r>
-            <a:r>
-              <a:rPr lang="en-US" dirty="0"/>
-              <a:t>.</a:t>
-            </a:r>
-            <a:endParaRPr lang="en-US" dirty="0" smtClean="0"/>
-          </a:p>
-          <a:p>
-            <a:endParaRPr lang="en-US" dirty="0"/>
-          </a:p>
-        </p:txBody>
-      </p:sp>
+              </a14:hiddenFill>
+            </a:ext>
+          </a:extLst>
+        </p:spPr>
+      </p:pic>
     </p:spTree>
     <p:extLst>
       <p:ext uri="{BB962C8B-B14F-4D97-AF65-F5344CB8AC3E}">
-        <p14:creationId xmlns:p14="http://schemas.microsoft.com/office/powerpoint/2010/main" val="2352341139"/>
+        <p14:creationId xmlns:p14="http://schemas.microsoft.com/office/powerpoint/2010/main" val="1005453781"/>
       </p:ext>
     </p:extLst>
   </p:cSld>

--- a/Model selection.pptx
+++ b/Model selection.pptx
@@ -253,7 +253,7 @@
           <a:p>
             <a:fld id="{8F741A61-F0C9-4925-957E-8E5C327261BC}" type="datetimeFigureOut">
               <a:rPr lang="en-US" smtClean="0"/>
-              <a:t>5/16/2020</a:t>
+              <a:t>5/18/2020</a:t>
             </a:fld>
             <a:endParaRPr lang="en-US"/>
           </a:p>
@@ -571,11 +571,7 @@
             </a:r>
             <a:r>
               <a:rPr lang="it-IT" baseline="0" dirty="0" smtClean="0"/>
-              <a:t> it has only one estimator. We’ll see later the parameter tuning (grid search</a:t>
-            </a:r>
-            <a:r>
-              <a:rPr lang="it-IT" baseline="0" dirty="0" smtClean="0"/>
-              <a:t>)</a:t>
+              <a:t> it has only one estimator. We’ll see later the parameter tuning (grid search)</a:t>
             </a:r>
           </a:p>
           <a:p>
@@ -1060,23 +1056,11 @@
           <a:p>
             <a:r>
               <a:rPr lang="it-IT" dirty="0" smtClean="0"/>
-              <a:t>As, before, </a:t>
-            </a:r>
-            <a:r>
-              <a:rPr lang="it-IT" dirty="0" smtClean="0"/>
-              <a:t>we are dealing with only</a:t>
+              <a:t>As, before, we are dealing with only</a:t>
             </a:r>
             <a:r>
               <a:rPr lang="it-IT" baseline="0" dirty="0" smtClean="0"/>
-              <a:t> </a:t>
-            </a:r>
-            <a:r>
-              <a:rPr lang="it-IT" baseline="0" dirty="0" smtClean="0"/>
-              <a:t>one estimator, not parameter tuning (grid search</a:t>
-            </a:r>
-            <a:r>
-              <a:rPr lang="it-IT" baseline="0" dirty="0" smtClean="0"/>
-              <a:t>)</a:t>
+              <a:t> one estimator, not parameter tuning (grid search)</a:t>
             </a:r>
           </a:p>
           <a:p>
@@ -1897,7 +1881,7 @@
           <a:p>
             <a:fld id="{63A1C593-65D0-4073-BCC9-577B9352EA97}" type="datetimeFigureOut">
               <a:rPr lang="en-US" smtClean="0"/>
-              <a:t>5/16/2020</a:t>
+              <a:t>5/18/2020</a:t>
             </a:fld>
             <a:endParaRPr lang="en-US"/>
           </a:p>
@@ -2067,7 +2051,7 @@
           <a:p>
             <a:fld id="{63A1C593-65D0-4073-BCC9-577B9352EA97}" type="datetimeFigureOut">
               <a:rPr lang="en-US" smtClean="0"/>
-              <a:t>5/16/2020</a:t>
+              <a:t>5/18/2020</a:t>
             </a:fld>
             <a:endParaRPr lang="en-US"/>
           </a:p>
@@ -2247,7 +2231,7 @@
           <a:p>
             <a:fld id="{63A1C593-65D0-4073-BCC9-577B9352EA97}" type="datetimeFigureOut">
               <a:rPr lang="en-US" smtClean="0"/>
-              <a:t>5/16/2020</a:t>
+              <a:t>5/18/2020</a:t>
             </a:fld>
             <a:endParaRPr lang="en-US"/>
           </a:p>
@@ -2417,7 +2401,7 @@
           <a:p>
             <a:fld id="{63A1C593-65D0-4073-BCC9-577B9352EA97}" type="datetimeFigureOut">
               <a:rPr lang="en-US" smtClean="0"/>
-              <a:t>5/16/2020</a:t>
+              <a:t>5/18/2020</a:t>
             </a:fld>
             <a:endParaRPr lang="en-US"/>
           </a:p>
@@ -2663,7 +2647,7 @@
           <a:p>
             <a:fld id="{63A1C593-65D0-4073-BCC9-577B9352EA97}" type="datetimeFigureOut">
               <a:rPr lang="en-US" smtClean="0"/>
-              <a:t>5/16/2020</a:t>
+              <a:t>5/18/2020</a:t>
             </a:fld>
             <a:endParaRPr lang="en-US"/>
           </a:p>
@@ -2895,7 +2879,7 @@
           <a:p>
             <a:fld id="{63A1C593-65D0-4073-BCC9-577B9352EA97}" type="datetimeFigureOut">
               <a:rPr lang="en-US" smtClean="0"/>
-              <a:t>5/16/2020</a:t>
+              <a:t>5/18/2020</a:t>
             </a:fld>
             <a:endParaRPr lang="en-US"/>
           </a:p>
@@ -3262,7 +3246,7 @@
           <a:p>
             <a:fld id="{63A1C593-65D0-4073-BCC9-577B9352EA97}" type="datetimeFigureOut">
               <a:rPr lang="en-US" smtClean="0"/>
-              <a:t>5/16/2020</a:t>
+              <a:t>5/18/2020</a:t>
             </a:fld>
             <a:endParaRPr lang="en-US"/>
           </a:p>
@@ -3380,7 +3364,7 @@
           <a:p>
             <a:fld id="{63A1C593-65D0-4073-BCC9-577B9352EA97}" type="datetimeFigureOut">
               <a:rPr lang="en-US" smtClean="0"/>
-              <a:t>5/16/2020</a:t>
+              <a:t>5/18/2020</a:t>
             </a:fld>
             <a:endParaRPr lang="en-US"/>
           </a:p>
@@ -3475,7 +3459,7 @@
           <a:p>
             <a:fld id="{63A1C593-65D0-4073-BCC9-577B9352EA97}" type="datetimeFigureOut">
               <a:rPr lang="en-US" smtClean="0"/>
-              <a:t>5/16/2020</a:t>
+              <a:t>5/18/2020</a:t>
             </a:fld>
             <a:endParaRPr lang="en-US"/>
           </a:p>
@@ -3752,7 +3736,7 @@
           <a:p>
             <a:fld id="{63A1C593-65D0-4073-BCC9-577B9352EA97}" type="datetimeFigureOut">
               <a:rPr lang="en-US" smtClean="0"/>
-              <a:t>5/16/2020</a:t>
+              <a:t>5/18/2020</a:t>
             </a:fld>
             <a:endParaRPr lang="en-US"/>
           </a:p>
@@ -4005,7 +3989,7 @@
           <a:p>
             <a:fld id="{63A1C593-65D0-4073-BCC9-577B9352EA97}" type="datetimeFigureOut">
               <a:rPr lang="en-US" smtClean="0"/>
-              <a:t>5/16/2020</a:t>
+              <a:t>5/18/2020</a:t>
             </a:fld>
             <a:endParaRPr lang="en-US"/>
           </a:p>
@@ -4218,7 +4202,7 @@
           <a:p>
             <a:fld id="{63A1C593-65D0-4073-BCC9-577B9352EA97}" type="datetimeFigureOut">
               <a:rPr lang="en-US" smtClean="0"/>
-              <a:t>5/16/2020</a:t>
+              <a:t>5/18/2020</a:t>
             </a:fld>
             <a:endParaRPr lang="en-US"/>
           </a:p>
@@ -5323,7 +5307,6 @@
               <a:rPr lang="en-US" sz="1800" dirty="0"/>
               <a:t>just divides the dataset into k folds</a:t>
             </a:r>
-            <a:endParaRPr lang="en-US" sz="1800" dirty="0"/>
           </a:p>
         </p:txBody>
       </p:sp>
@@ -7844,11 +7827,7 @@
             </a:r>
             <a:r>
               <a:rPr lang="en-US" dirty="0"/>
-              <a:t> computation budget </a:t>
-            </a:r>
-            <a:r>
-              <a:rPr lang="en-US" dirty="0"/>
-              <a:t>can be chosen independent of the number of parameters and possible values</a:t>
+              <a:t> computation budget can be chosen independent of the number of parameters and possible values</a:t>
             </a:r>
             <a:r>
               <a:rPr lang="en-US" dirty="0" smtClean="0"/>
@@ -7869,7 +7848,6 @@
               <a:rPr lang="en-US" dirty="0"/>
               <a:t>being the number of sampled candidates or sampling iterations</a:t>
             </a:r>
-            <a:endParaRPr lang="en-US" dirty="0"/>
           </a:p>
           <a:p>
             <a:pPr lvl="1"/>
@@ -10905,11 +10883,7 @@
             <a:pPr lvl="1"/>
             <a:r>
               <a:rPr lang="en-US" dirty="0" smtClean="0"/>
-              <a:t>S</a:t>
-            </a:r>
-            <a:r>
-              <a:rPr lang="en-US" dirty="0" smtClean="0"/>
-              <a:t>ee next page</a:t>
+              <a:t>See next page</a:t>
             </a:r>
             <a:endParaRPr lang="en-US" dirty="0"/>
           </a:p>
@@ -11288,13 +11262,6 @@
               </a:rPr>
               <a:t> has label j and value 0 otherwise.</a:t>
             </a:r>
-            <a:endParaRPr lang="en-US" dirty="0">
-              <a:solidFill>
-                <a:schemeClr val="bg1">
-                  <a:lumMod val="75000"/>
-                </a:schemeClr>
-              </a:solidFill>
-            </a:endParaRPr>
           </a:p>
         </p:txBody>
       </p:sp>

--- a/Model selection.pptx
+++ b/Model selection.pptx
@@ -39,12 +39,12 @@
     <p:sldId id="283" r:id="rId30"/>
     <p:sldId id="285" r:id="rId31"/>
     <p:sldId id="286" r:id="rId32"/>
-    <p:sldId id="313" r:id="rId33"/>
-    <p:sldId id="284" r:id="rId34"/>
-    <p:sldId id="288" r:id="rId35"/>
-    <p:sldId id="287" r:id="rId36"/>
-    <p:sldId id="289" r:id="rId37"/>
-    <p:sldId id="290" r:id="rId38"/>
+    <p:sldId id="290" r:id="rId33"/>
+    <p:sldId id="313" r:id="rId34"/>
+    <p:sldId id="284" r:id="rId35"/>
+    <p:sldId id="288" r:id="rId36"/>
+    <p:sldId id="287" r:id="rId37"/>
+    <p:sldId id="289" r:id="rId38"/>
     <p:sldId id="291" r:id="rId39"/>
     <p:sldId id="292" r:id="rId40"/>
     <p:sldId id="293" r:id="rId41"/>
@@ -253,7 +253,7 @@
           <a:p>
             <a:fld id="{8F741A61-F0C9-4925-957E-8E5C327261BC}" type="datetimeFigureOut">
               <a:rPr lang="en-US" smtClean="0"/>
-              <a:t>5/18/2020</a:t>
+              <a:t>5/28/2020</a:t>
             </a:fld>
             <a:endParaRPr lang="en-US"/>
           </a:p>
@@ -790,6 +790,14 @@
           <a:bodyPr/>
           <a:lstStyle/>
           <a:p>
+            <a:r>
+              <a:rPr lang="it-IT" dirty="0" smtClean="0"/>
+              <a:t>ROC curve,</a:t>
+            </a:r>
+            <a:r>
+              <a:rPr lang="it-IT" baseline="0" dirty="0" smtClean="0"/>
+              <a:t> true positive vs false positive (false positive vs negative) rate – see next slides</a:t>
+            </a:r>
             <a:endParaRPr lang="en-US" dirty="0"/>
           </a:p>
         </p:txBody>
@@ -1010,6 +1018,116 @@
 </p:notes>
 </file>
 
+<file path=ppt/notesSlides/notesSlide14.xml><?xml version="1.0" encoding="utf-8"?>
+<p:notes xmlns:a="http://schemas.openxmlformats.org/drawingml/2006/main" xmlns:r="http://schemas.openxmlformats.org/officeDocument/2006/relationships" xmlns:p="http://schemas.openxmlformats.org/presentationml/2006/main">
+  <p:cSld>
+    <p:spTree>
+      <p:nvGrpSpPr>
+        <p:cNvPr id="1" name=""/>
+        <p:cNvGrpSpPr/>
+        <p:nvPr/>
+      </p:nvGrpSpPr>
+      <p:grpSpPr>
+        <a:xfrm>
+          <a:off x="0" y="0"/>
+          <a:ext cx="0" cy="0"/>
+          <a:chOff x="0" y="0"/>
+          <a:chExt cx="0" cy="0"/>
+        </a:xfrm>
+      </p:grpSpPr>
+      <p:sp>
+        <p:nvSpPr>
+          <p:cNvPr id="2" name="Slide Image Placeholder 1"/>
+          <p:cNvSpPr>
+            <a:spLocks noGrp="1" noRot="1" noChangeAspect="1"/>
+          </p:cNvSpPr>
+          <p:nvPr>
+            <p:ph type="sldImg"/>
+          </p:nvPr>
+        </p:nvSpPr>
+        <p:spPr/>
+      </p:sp>
+      <p:sp>
+        <p:nvSpPr>
+          <p:cNvPr id="3" name="Notes Placeholder 2"/>
+          <p:cNvSpPr>
+            <a:spLocks noGrp="1"/>
+          </p:cNvSpPr>
+          <p:nvPr>
+            <p:ph type="body" idx="1"/>
+          </p:nvPr>
+        </p:nvSpPr>
+        <p:spPr/>
+        <p:txBody>
+          <a:bodyPr/>
+          <a:lstStyle/>
+          <a:p>
+            <a:pPr marL="0" marR="0" lvl="0" indent="0" algn="l" defTabSz="914400" rtl="0" eaLnBrk="1" fontAlgn="auto" latinLnBrk="0" hangingPunct="1">
+              <a:lnSpc>
+                <a:spcPct val="100000"/>
+              </a:lnSpc>
+              <a:spcBef>
+                <a:spcPts val="0"/>
+              </a:spcBef>
+              <a:spcAft>
+                <a:spcPts val="0"/>
+              </a:spcAft>
+              <a:buClrTx/>
+              <a:buSzTx/>
+              <a:buFontTx/>
+              <a:buNone/>
+              <a:tabLst/>
+              <a:defRPr/>
+            </a:pPr>
+            <a:r>
+              <a:rPr lang="en-US" dirty="0" smtClean="0">
+                <a:hlinkClick r:id="rId3"/>
+              </a:rPr>
+              <a:t>https://stackoverflow.com/questions/24378176/python-sci-kit-learn-metrics-difference-between-r2-score-and-explained-varian</a:t>
+            </a:r>
+            <a:endParaRPr lang="en-US" dirty="0" smtClean="0"/>
+          </a:p>
+          <a:p>
+            <a:endParaRPr lang="en-US" dirty="0"/>
+          </a:p>
+        </p:txBody>
+      </p:sp>
+      <p:sp>
+        <p:nvSpPr>
+          <p:cNvPr id="4" name="Slide Number Placeholder 3"/>
+          <p:cNvSpPr>
+            <a:spLocks noGrp="1"/>
+          </p:cNvSpPr>
+          <p:nvPr>
+            <p:ph type="sldNum" sz="quarter" idx="10"/>
+          </p:nvPr>
+        </p:nvSpPr>
+        <p:spPr/>
+        <p:txBody>
+          <a:bodyPr/>
+          <a:lstStyle/>
+          <a:p>
+            <a:fld id="{A5A93F47-1213-4D57-BF48-400492A37E81}" type="slidenum">
+              <a:rPr lang="en-US" smtClean="0"/>
+              <a:t>57</a:t>
+            </a:fld>
+            <a:endParaRPr lang="en-US"/>
+          </a:p>
+        </p:txBody>
+      </p:sp>
+    </p:spTree>
+    <p:extLst>
+      <p:ext uri="{BB962C8B-B14F-4D97-AF65-F5344CB8AC3E}">
+        <p14:creationId xmlns:p14="http://schemas.microsoft.com/office/powerpoint/2010/main" val="1249580816"/>
+      </p:ext>
+    </p:extLst>
+  </p:cSld>
+  <p:clrMapOvr>
+    <a:masterClrMapping/>
+  </p:clrMapOvr>
+</p:notes>
+</file>
+
 <file path=ppt/notesSlides/notesSlide2.xml><?xml version="1.0" encoding="utf-8"?>
 <p:notes xmlns:a="http://schemas.openxmlformats.org/drawingml/2006/main" xmlns:r="http://schemas.openxmlformats.org/officeDocument/2006/relationships" xmlns:p="http://schemas.openxmlformats.org/presentationml/2006/main">
   <p:cSld>
@@ -1643,7 +1761,7 @@
           <a:p>
             <a:fld id="{A5A93F47-1213-4D57-BF48-400492A37E81}" type="slidenum">
               <a:rPr lang="en-US" smtClean="0"/>
-              <a:t>33</a:t>
+              <a:t>34</a:t>
             </a:fld>
             <a:endParaRPr lang="en-US"/>
           </a:p>
@@ -1881,7 +1999,7 @@
           <a:p>
             <a:fld id="{63A1C593-65D0-4073-BCC9-577B9352EA97}" type="datetimeFigureOut">
               <a:rPr lang="en-US" smtClean="0"/>
-              <a:t>5/18/2020</a:t>
+              <a:t>5/28/2020</a:t>
             </a:fld>
             <a:endParaRPr lang="en-US"/>
           </a:p>
@@ -2051,7 +2169,7 @@
           <a:p>
             <a:fld id="{63A1C593-65D0-4073-BCC9-577B9352EA97}" type="datetimeFigureOut">
               <a:rPr lang="en-US" smtClean="0"/>
-              <a:t>5/18/2020</a:t>
+              <a:t>5/28/2020</a:t>
             </a:fld>
             <a:endParaRPr lang="en-US"/>
           </a:p>
@@ -2231,7 +2349,7 @@
           <a:p>
             <a:fld id="{63A1C593-65D0-4073-BCC9-577B9352EA97}" type="datetimeFigureOut">
               <a:rPr lang="en-US" smtClean="0"/>
-              <a:t>5/18/2020</a:t>
+              <a:t>5/28/2020</a:t>
             </a:fld>
             <a:endParaRPr lang="en-US"/>
           </a:p>
@@ -2401,7 +2519,7 @@
           <a:p>
             <a:fld id="{63A1C593-65D0-4073-BCC9-577B9352EA97}" type="datetimeFigureOut">
               <a:rPr lang="en-US" smtClean="0"/>
-              <a:t>5/18/2020</a:t>
+              <a:t>5/28/2020</a:t>
             </a:fld>
             <a:endParaRPr lang="en-US"/>
           </a:p>
@@ -2647,7 +2765,7 @@
           <a:p>
             <a:fld id="{63A1C593-65D0-4073-BCC9-577B9352EA97}" type="datetimeFigureOut">
               <a:rPr lang="en-US" smtClean="0"/>
-              <a:t>5/18/2020</a:t>
+              <a:t>5/28/2020</a:t>
             </a:fld>
             <a:endParaRPr lang="en-US"/>
           </a:p>
@@ -2879,7 +2997,7 @@
           <a:p>
             <a:fld id="{63A1C593-65D0-4073-BCC9-577B9352EA97}" type="datetimeFigureOut">
               <a:rPr lang="en-US" smtClean="0"/>
-              <a:t>5/18/2020</a:t>
+              <a:t>5/28/2020</a:t>
             </a:fld>
             <a:endParaRPr lang="en-US"/>
           </a:p>
@@ -3246,7 +3364,7 @@
           <a:p>
             <a:fld id="{63A1C593-65D0-4073-BCC9-577B9352EA97}" type="datetimeFigureOut">
               <a:rPr lang="en-US" smtClean="0"/>
-              <a:t>5/18/2020</a:t>
+              <a:t>5/28/2020</a:t>
             </a:fld>
             <a:endParaRPr lang="en-US"/>
           </a:p>
@@ -3364,7 +3482,7 @@
           <a:p>
             <a:fld id="{63A1C593-65D0-4073-BCC9-577B9352EA97}" type="datetimeFigureOut">
               <a:rPr lang="en-US" smtClean="0"/>
-              <a:t>5/18/2020</a:t>
+              <a:t>5/28/2020</a:t>
             </a:fld>
             <a:endParaRPr lang="en-US"/>
           </a:p>
@@ -3459,7 +3577,7 @@
           <a:p>
             <a:fld id="{63A1C593-65D0-4073-BCC9-577B9352EA97}" type="datetimeFigureOut">
               <a:rPr lang="en-US" smtClean="0"/>
-              <a:t>5/18/2020</a:t>
+              <a:t>5/28/2020</a:t>
             </a:fld>
             <a:endParaRPr lang="en-US"/>
           </a:p>
@@ -3736,7 +3854,7 @@
           <a:p>
             <a:fld id="{63A1C593-65D0-4073-BCC9-577B9352EA97}" type="datetimeFigureOut">
               <a:rPr lang="en-US" smtClean="0"/>
-              <a:t>5/18/2020</a:t>
+              <a:t>5/28/2020</a:t>
             </a:fld>
             <a:endParaRPr lang="en-US"/>
           </a:p>
@@ -3989,7 +4107,7 @@
           <a:p>
             <a:fld id="{63A1C593-65D0-4073-BCC9-577B9352EA97}" type="datetimeFigureOut">
               <a:rPr lang="en-US" smtClean="0"/>
-              <a:t>5/18/2020</a:t>
+              <a:t>5/28/2020</a:t>
             </a:fld>
             <a:endParaRPr lang="en-US"/>
           </a:p>
@@ -4202,7 +4320,7 @@
           <a:p>
             <a:fld id="{63A1C593-65D0-4073-BCC9-577B9352EA97}" type="datetimeFigureOut">
               <a:rPr lang="en-US" smtClean="0"/>
-              <a:t>5/18/2020</a:t>
+              <a:t>5/28/2020</a:t>
             </a:fld>
             <a:endParaRPr lang="en-US"/>
           </a:p>
@@ -7146,7 +7264,15 @@
           <a:p>
             <a:r>
               <a:rPr lang="en-US" dirty="0"/>
-              <a:t>It is possible and recommended to search the hyper-parameter space for the best cross validation score</a:t>
+              <a:t>It is </a:t>
+            </a:r>
+            <a:r>
+              <a:rPr lang="en-US" dirty="0" smtClean="0"/>
+              <a:t>recommended </a:t>
+            </a:r>
+            <a:r>
+              <a:rPr lang="en-US" dirty="0"/>
+              <a:t>to search the hyper-parameter space for the best cross validation score</a:t>
             </a:r>
             <a:r>
               <a:rPr lang="en-US" dirty="0" smtClean="0"/>
@@ -7418,7 +7544,7 @@
         <p:spPr/>
         <p:txBody>
           <a:bodyPr>
-            <a:normAutofit fontScale="92500"/>
+            <a:normAutofit/>
           </a:bodyPr>
           <a:lstStyle/>
           <a:p>
@@ -7482,25 +7608,13 @@
             </a:r>
           </a:p>
           <a:p>
-            <a:pPr lvl="1"/>
-            <a:r>
-              <a:rPr lang="en-US" dirty="0" smtClean="0"/>
-              <a:t>After </a:t>
-            </a:r>
-            <a:r>
-              <a:rPr lang="en-US" dirty="0"/>
-              <a:t>describing these tools we detail best practice applicable to both approaches</a:t>
-            </a:r>
-            <a:r>
-              <a:rPr lang="en-US" dirty="0" smtClean="0"/>
-              <a:t>.</a:t>
-            </a:r>
-            <a:endParaRPr lang="en-US" dirty="0"/>
-          </a:p>
-          <a:p>
-            <a:r>
-              <a:rPr lang="en-US" dirty="0"/>
-              <a:t>Note that it is common that a small subset of those parameters can have a large impact on the predictive or computation performance of the model while others can be left to their default </a:t>
+            <a:r>
+              <a:rPr lang="en-US" dirty="0" smtClean="0"/>
+              <a:t>Note </a:t>
+            </a:r>
+            <a:r>
+              <a:rPr lang="en-US" dirty="0"/>
+              <a:t>that it is common that a small subset of those parameters can have a large impact on the predictive or computation performance of the model while others can be left to their default </a:t>
             </a:r>
             <a:r>
               <a:rPr lang="en-US" dirty="0" smtClean="0"/>
@@ -7686,7 +7800,22 @@
             </a:r>
             <a:r>
               <a:rPr lang="en-US" dirty="0"/>
-              <a:t> instance implements the usual estimator API: when “fitting” it on a dataset all the possible combinations of parameter values are evaluated and the best combination is retained.</a:t>
+              <a:t> instance implements the usual estimator </a:t>
+            </a:r>
+            <a:r>
+              <a:rPr lang="en-US" dirty="0" smtClean="0"/>
+              <a:t>API:</a:t>
+            </a:r>
+          </a:p>
+          <a:p>
+            <a:pPr lvl="1"/>
+            <a:r>
+              <a:rPr lang="en-US" dirty="0" smtClean="0"/>
+              <a:t>when </a:t>
+            </a:r>
+            <a:r>
+              <a:rPr lang="en-US" dirty="0"/>
+              <a:t>“fitting” it on a dataset all the possible combinations of parameter values are evaluated and the best combination is retained.</a:t>
             </a:r>
           </a:p>
         </p:txBody>
@@ -8457,603 +8586,6 @@
           <a:lstStyle/>
           <a:p>
             <a:r>
-              <a:rPr lang="it-IT" dirty="0" smtClean="0"/>
-              <a:t>See example</a:t>
-            </a:r>
-            <a:endParaRPr lang="en-US" dirty="0"/>
-          </a:p>
-        </p:txBody>
-      </p:sp>
-      <p:sp>
-        <p:nvSpPr>
-          <p:cNvPr id="3" name="Content Placeholder 2"/>
-          <p:cNvSpPr>
-            <a:spLocks noGrp="1"/>
-          </p:cNvSpPr>
-          <p:nvPr>
-            <p:ph idx="1"/>
-          </p:nvPr>
-        </p:nvSpPr>
-        <p:spPr/>
-        <p:txBody>
-          <a:bodyPr/>
-          <a:lstStyle/>
-          <a:p>
-            <a:r>
-              <a:rPr lang="en-US" dirty="0" smtClean="0"/>
-              <a:t>ex1_param_estim_GridSearchCV.py</a:t>
-            </a:r>
-          </a:p>
-          <a:p>
-            <a:pPr lvl="1"/>
-            <a:r>
-              <a:rPr lang="it-IT" dirty="0" smtClean="0"/>
-              <a:t>For the classification report see also scikit-le</a:t>
-            </a:r>
-            <a:endParaRPr lang="en-US" dirty="0" smtClean="0"/>
-          </a:p>
-          <a:p>
-            <a:r>
-              <a:rPr lang="en-US" dirty="0"/>
-              <a:t>ex2_randomSvsGridS.py</a:t>
-            </a:r>
-          </a:p>
-        </p:txBody>
-      </p:sp>
-    </p:spTree>
-    <p:extLst>
-      <p:ext uri="{BB962C8B-B14F-4D97-AF65-F5344CB8AC3E}">
-        <p14:creationId xmlns:p14="http://schemas.microsoft.com/office/powerpoint/2010/main" val="876434376"/>
-      </p:ext>
-    </p:extLst>
-  </p:cSld>
-  <p:clrMapOvr>
-    <a:masterClrMapping/>
-  </p:clrMapOvr>
-</p:sld>
-</file>
-
-<file path=ppt/slides/slide33.xml><?xml version="1.0" encoding="utf-8"?>
-<p:sld xmlns:a="http://schemas.openxmlformats.org/drawingml/2006/main" xmlns:r="http://schemas.openxmlformats.org/officeDocument/2006/relationships" xmlns:p="http://schemas.openxmlformats.org/presentationml/2006/main">
-  <p:cSld>
-    <p:spTree>
-      <p:nvGrpSpPr>
-        <p:cNvPr id="1" name=""/>
-        <p:cNvGrpSpPr/>
-        <p:nvPr/>
-      </p:nvGrpSpPr>
-      <p:grpSpPr>
-        <a:xfrm>
-          <a:off x="0" y="0"/>
-          <a:ext cx="0" cy="0"/>
-          <a:chOff x="0" y="0"/>
-          <a:chExt cx="0" cy="0"/>
-        </a:xfrm>
-      </p:grpSpPr>
-      <p:sp>
-        <p:nvSpPr>
-          <p:cNvPr id="2" name="Title 1"/>
-          <p:cNvSpPr>
-            <a:spLocks noGrp="1"/>
-          </p:cNvSpPr>
-          <p:nvPr>
-            <p:ph type="title"/>
-          </p:nvPr>
-        </p:nvSpPr>
-        <p:spPr/>
-        <p:txBody>
-          <a:bodyPr/>
-          <a:lstStyle/>
-          <a:p>
-            <a:r>
-              <a:rPr lang="en-US" dirty="0"/>
-              <a:t>Tips for parameter </a:t>
-            </a:r>
-            <a:r>
-              <a:rPr lang="en-US" dirty="0" smtClean="0"/>
-              <a:t>search</a:t>
-            </a:r>
-            <a:endParaRPr lang="en-US" dirty="0"/>
-          </a:p>
-        </p:txBody>
-      </p:sp>
-      <p:sp>
-        <p:nvSpPr>
-          <p:cNvPr id="3" name="Content Placeholder 2"/>
-          <p:cNvSpPr>
-            <a:spLocks noGrp="1"/>
-          </p:cNvSpPr>
-          <p:nvPr>
-            <p:ph idx="1"/>
-          </p:nvPr>
-        </p:nvSpPr>
-        <p:spPr/>
-        <p:txBody>
-          <a:bodyPr/>
-          <a:lstStyle/>
-          <a:p>
-            <a:r>
-              <a:rPr lang="en-US" dirty="0"/>
-              <a:t>Specifying an objective </a:t>
-            </a:r>
-            <a:r>
-              <a:rPr lang="en-US" dirty="0" smtClean="0"/>
-              <a:t>metric</a:t>
-            </a:r>
-          </a:p>
-          <a:p>
-            <a:r>
-              <a:rPr lang="en-US" dirty="0"/>
-              <a:t>Specifying multiple metrics for evaluation</a:t>
-            </a:r>
-          </a:p>
-          <a:p>
-            <a:r>
-              <a:rPr lang="en-US" dirty="0"/>
-              <a:t>Composite estimators and parameter spaces</a:t>
-            </a:r>
-          </a:p>
-          <a:p>
-            <a:r>
-              <a:rPr lang="en-US" dirty="0"/>
-              <a:t>Model selection: development and evaluation</a:t>
-            </a:r>
-          </a:p>
-          <a:p>
-            <a:r>
-              <a:rPr lang="en-US" dirty="0"/>
-              <a:t>Parallelism</a:t>
-            </a:r>
-          </a:p>
-          <a:p>
-            <a:r>
-              <a:rPr lang="en-US" dirty="0"/>
-              <a:t>Robustness to </a:t>
-            </a:r>
-            <a:r>
-              <a:rPr lang="en-US" dirty="0" smtClean="0"/>
-              <a:t>failure</a:t>
-            </a:r>
-            <a:endParaRPr lang="en-US" dirty="0"/>
-          </a:p>
-        </p:txBody>
-      </p:sp>
-    </p:spTree>
-    <p:extLst>
-      <p:ext uri="{BB962C8B-B14F-4D97-AF65-F5344CB8AC3E}">
-        <p14:creationId xmlns:p14="http://schemas.microsoft.com/office/powerpoint/2010/main" val="3678593528"/>
-      </p:ext>
-    </p:extLst>
-  </p:cSld>
-  <p:clrMapOvr>
-    <a:masterClrMapping/>
-  </p:clrMapOvr>
-</p:sld>
-</file>
-
-<file path=ppt/slides/slide34.xml><?xml version="1.0" encoding="utf-8"?>
-<p:sld xmlns:a="http://schemas.openxmlformats.org/drawingml/2006/main" xmlns:r="http://schemas.openxmlformats.org/officeDocument/2006/relationships" xmlns:p="http://schemas.openxmlformats.org/presentationml/2006/main">
-  <p:cSld>
-    <p:spTree>
-      <p:nvGrpSpPr>
-        <p:cNvPr id="1" name=""/>
-        <p:cNvGrpSpPr/>
-        <p:nvPr/>
-      </p:nvGrpSpPr>
-      <p:grpSpPr>
-        <a:xfrm>
-          <a:off x="0" y="0"/>
-          <a:ext cx="0" cy="0"/>
-          <a:chOff x="0" y="0"/>
-          <a:chExt cx="0" cy="0"/>
-        </a:xfrm>
-      </p:grpSpPr>
-      <p:sp>
-        <p:nvSpPr>
-          <p:cNvPr id="2" name="Title 1"/>
-          <p:cNvSpPr>
-            <a:spLocks noGrp="1"/>
-          </p:cNvSpPr>
-          <p:nvPr>
-            <p:ph type="title"/>
-          </p:nvPr>
-        </p:nvSpPr>
-        <p:spPr/>
-        <p:txBody>
-          <a:bodyPr/>
-          <a:lstStyle/>
-          <a:p>
-            <a:r>
-              <a:rPr lang="en-US" dirty="0"/>
-              <a:t>Specifying an objective metric</a:t>
-            </a:r>
-          </a:p>
-        </p:txBody>
-      </p:sp>
-      <p:sp>
-        <p:nvSpPr>
-          <p:cNvPr id="3" name="Content Placeholder 2"/>
-          <p:cNvSpPr>
-            <a:spLocks noGrp="1"/>
-          </p:cNvSpPr>
-          <p:nvPr>
-            <p:ph idx="1"/>
-          </p:nvPr>
-        </p:nvSpPr>
-        <p:spPr/>
-        <p:txBody>
-          <a:bodyPr/>
-          <a:lstStyle/>
-          <a:p>
-            <a:r>
-              <a:rPr lang="en-US" dirty="0"/>
-              <a:t>By default, parameter search uses the score function of the estimator to evaluate a parameter </a:t>
-            </a:r>
-            <a:r>
-              <a:rPr lang="en-US" dirty="0" smtClean="0"/>
-              <a:t>setting</a:t>
-            </a:r>
-          </a:p>
-          <a:p>
-            <a:pPr lvl="1"/>
-            <a:r>
-              <a:rPr lang="en-US" dirty="0" err="1" smtClean="0"/>
-              <a:t>sklearn.metrics.accuracy_score</a:t>
-            </a:r>
-            <a:r>
-              <a:rPr lang="en-US" dirty="0" smtClean="0"/>
-              <a:t> </a:t>
-            </a:r>
-            <a:r>
-              <a:rPr lang="en-US" dirty="0"/>
-              <a:t>for </a:t>
-            </a:r>
-            <a:r>
-              <a:rPr lang="en-US" dirty="0" smtClean="0"/>
-              <a:t>classification</a:t>
-            </a:r>
-          </a:p>
-          <a:p>
-            <a:pPr lvl="1"/>
-            <a:r>
-              <a:rPr lang="en-US" dirty="0" smtClean="0"/>
-              <a:t>sklearn.metrics.r2_score </a:t>
-            </a:r>
-            <a:r>
-              <a:rPr lang="en-US" dirty="0"/>
-              <a:t>for </a:t>
-            </a:r>
-            <a:r>
-              <a:rPr lang="en-US" dirty="0" smtClean="0"/>
-              <a:t>regression.</a:t>
-            </a:r>
-          </a:p>
-          <a:p>
-            <a:r>
-              <a:rPr lang="en-US" dirty="0" smtClean="0"/>
-              <a:t>For </a:t>
-            </a:r>
-            <a:r>
-              <a:rPr lang="en-US" dirty="0"/>
-              <a:t>some applications, other scoring functions are better suited (for example in unbalanced classification, the accuracy score is often uninformative</a:t>
-            </a:r>
-            <a:r>
-              <a:rPr lang="en-US" dirty="0" smtClean="0"/>
-              <a:t>).</a:t>
-            </a:r>
-          </a:p>
-          <a:p>
-            <a:r>
-              <a:rPr lang="en-US" dirty="0" smtClean="0"/>
-              <a:t>An </a:t>
-            </a:r>
-            <a:r>
-              <a:rPr lang="en-US" dirty="0"/>
-              <a:t>alternative scoring function can be specified via the scoring parameter to </a:t>
-            </a:r>
-            <a:r>
-              <a:rPr lang="en-US" dirty="0" err="1"/>
-              <a:t>GridSearchCV</a:t>
-            </a:r>
-            <a:r>
-              <a:rPr lang="en-US" dirty="0"/>
-              <a:t>, </a:t>
-            </a:r>
-            <a:r>
-              <a:rPr lang="en-US" dirty="0" err="1"/>
-              <a:t>RandomizedSearchCV</a:t>
-            </a:r>
-            <a:r>
-              <a:rPr lang="en-US" dirty="0"/>
-              <a:t> and many of the specialized cross-validation tools described </a:t>
-            </a:r>
-            <a:r>
-              <a:rPr lang="en-US" dirty="0" smtClean="0"/>
-              <a:t>later</a:t>
-            </a:r>
-            <a:endParaRPr lang="en-US" dirty="0"/>
-          </a:p>
-        </p:txBody>
-      </p:sp>
-    </p:spTree>
-    <p:extLst>
-      <p:ext uri="{BB962C8B-B14F-4D97-AF65-F5344CB8AC3E}">
-        <p14:creationId xmlns:p14="http://schemas.microsoft.com/office/powerpoint/2010/main" val="3753478099"/>
-      </p:ext>
-    </p:extLst>
-  </p:cSld>
-  <p:clrMapOvr>
-    <a:masterClrMapping/>
-  </p:clrMapOvr>
-</p:sld>
-</file>
-
-<file path=ppt/slides/slide35.xml><?xml version="1.0" encoding="utf-8"?>
-<p:sld xmlns:a="http://schemas.openxmlformats.org/drawingml/2006/main" xmlns:r="http://schemas.openxmlformats.org/officeDocument/2006/relationships" xmlns:p="http://schemas.openxmlformats.org/presentationml/2006/main">
-  <p:cSld>
-    <p:spTree>
-      <p:nvGrpSpPr>
-        <p:cNvPr id="1" name=""/>
-        <p:cNvGrpSpPr/>
-        <p:nvPr/>
-      </p:nvGrpSpPr>
-      <p:grpSpPr>
-        <a:xfrm>
-          <a:off x="0" y="0"/>
-          <a:ext cx="0" cy="0"/>
-          <a:chOff x="0" y="0"/>
-          <a:chExt cx="0" cy="0"/>
-        </a:xfrm>
-      </p:grpSpPr>
-      <p:sp>
-        <p:nvSpPr>
-          <p:cNvPr id="2" name="Title 1"/>
-          <p:cNvSpPr>
-            <a:spLocks noGrp="1"/>
-          </p:cNvSpPr>
-          <p:nvPr>
-            <p:ph type="title"/>
-          </p:nvPr>
-        </p:nvSpPr>
-        <p:spPr/>
-        <p:txBody>
-          <a:bodyPr/>
-          <a:lstStyle/>
-          <a:p>
-            <a:r>
-              <a:rPr lang="it-IT" dirty="0" smtClean="0"/>
-              <a:t>R^2 (Coeff of determination)</a:t>
-            </a:r>
-            <a:endParaRPr lang="en-US" dirty="0"/>
-          </a:p>
-        </p:txBody>
-      </p:sp>
-      <p:sp>
-        <p:nvSpPr>
-          <p:cNvPr id="3" name="Content Placeholder 2"/>
-          <p:cNvSpPr>
-            <a:spLocks noGrp="1"/>
-          </p:cNvSpPr>
-          <p:nvPr>
-            <p:ph idx="1"/>
-          </p:nvPr>
-        </p:nvSpPr>
-        <p:spPr/>
-        <p:txBody>
-          <a:bodyPr/>
-          <a:lstStyle/>
-          <a:p>
-            <a:r>
-              <a:rPr lang="en-US" dirty="0"/>
-              <a:t>R^2 (coefficient of determination) regression score function.</a:t>
-            </a:r>
-          </a:p>
-          <a:p>
-            <a:r>
-              <a:rPr lang="en-US" dirty="0"/>
-              <a:t>I</a:t>
-            </a:r>
-            <a:r>
-              <a:rPr lang="en-US" dirty="0" smtClean="0"/>
-              <a:t>s </a:t>
-            </a:r>
-            <a:r>
-              <a:rPr lang="en-US" dirty="0"/>
-              <a:t>the proportion of the variance in the dependent variable that is predictable from the independent variable(s)</a:t>
-            </a:r>
-          </a:p>
-          <a:p>
-            <a:r>
-              <a:rPr lang="en-US" dirty="0"/>
-              <a:t>Best possible score is 1.0 and it can be negative (because the model can be arbitrarily worse</a:t>
-            </a:r>
-            <a:r>
-              <a:rPr lang="en-US" dirty="0" smtClean="0"/>
-              <a:t>). In </a:t>
-            </a:r>
-            <a:r>
-              <a:rPr lang="en-US" dirty="0" err="1" smtClean="0"/>
-              <a:t>sk</a:t>
-            </a:r>
-            <a:r>
-              <a:rPr lang="en-US" dirty="0" smtClean="0"/>
-              <a:t>-learn</a:t>
-            </a:r>
-          </a:p>
-          <a:p>
-            <a:r>
-              <a:rPr lang="en-US" dirty="0" smtClean="0"/>
-              <a:t>A </a:t>
-            </a:r>
-            <a:r>
-              <a:rPr lang="en-US" dirty="0"/>
-              <a:t>constant model that always predicts the expected value of y, disregarding the input features, would get a R^2 score of 0.0.</a:t>
-            </a:r>
-          </a:p>
-        </p:txBody>
-      </p:sp>
-    </p:spTree>
-    <p:extLst>
-      <p:ext uri="{BB962C8B-B14F-4D97-AF65-F5344CB8AC3E}">
-        <p14:creationId xmlns:p14="http://schemas.microsoft.com/office/powerpoint/2010/main" val="1684554996"/>
-      </p:ext>
-    </p:extLst>
-  </p:cSld>
-  <p:clrMapOvr>
-    <a:masterClrMapping/>
-  </p:clrMapOvr>
-</p:sld>
-</file>
-
-<file path=ppt/slides/slide36.xml><?xml version="1.0" encoding="utf-8"?>
-<p:sld xmlns:a="http://schemas.openxmlformats.org/drawingml/2006/main" xmlns:r="http://schemas.openxmlformats.org/officeDocument/2006/relationships" xmlns:p="http://schemas.openxmlformats.org/presentationml/2006/main">
-  <p:cSld>
-    <p:spTree>
-      <p:nvGrpSpPr>
-        <p:cNvPr id="1" name=""/>
-        <p:cNvGrpSpPr/>
-        <p:nvPr/>
-      </p:nvGrpSpPr>
-      <p:grpSpPr>
-        <a:xfrm>
-          <a:off x="0" y="0"/>
-          <a:ext cx="0" cy="0"/>
-          <a:chOff x="0" y="0"/>
-          <a:chExt cx="0" cy="0"/>
-        </a:xfrm>
-      </p:grpSpPr>
-      <p:sp>
-        <p:nvSpPr>
-          <p:cNvPr id="2" name="Title 1"/>
-          <p:cNvSpPr>
-            <a:spLocks noGrp="1"/>
-          </p:cNvSpPr>
-          <p:nvPr>
-            <p:ph type="title"/>
-          </p:nvPr>
-        </p:nvSpPr>
-        <p:spPr/>
-        <p:txBody>
-          <a:bodyPr/>
-          <a:lstStyle/>
-          <a:p>
-            <a:r>
-              <a:rPr lang="en-US" dirty="0"/>
-              <a:t>Specifying multiple metrics for </a:t>
-            </a:r>
-            <a:r>
-              <a:rPr lang="en-US" dirty="0" smtClean="0"/>
-              <a:t>evaluation</a:t>
-            </a:r>
-            <a:endParaRPr lang="en-US" dirty="0"/>
-          </a:p>
-        </p:txBody>
-      </p:sp>
-      <p:sp>
-        <p:nvSpPr>
-          <p:cNvPr id="3" name="Content Placeholder 2"/>
-          <p:cNvSpPr>
-            <a:spLocks noGrp="1"/>
-          </p:cNvSpPr>
-          <p:nvPr>
-            <p:ph idx="1"/>
-          </p:nvPr>
-        </p:nvSpPr>
-        <p:spPr/>
-        <p:txBody>
-          <a:bodyPr>
-            <a:normAutofit/>
-          </a:bodyPr>
-          <a:lstStyle/>
-          <a:p>
-            <a:r>
-              <a:rPr lang="en-US" dirty="0" err="1"/>
-              <a:t>GridSearchCV</a:t>
-            </a:r>
-            <a:r>
-              <a:rPr lang="en-US" dirty="0"/>
-              <a:t> and </a:t>
-            </a:r>
-            <a:r>
-              <a:rPr lang="en-US" dirty="0" err="1"/>
-              <a:t>RandomizedSearchCV</a:t>
-            </a:r>
-            <a:r>
-              <a:rPr lang="en-US" dirty="0"/>
-              <a:t> allow specifying multiple metrics for the scoring parameter</a:t>
-            </a:r>
-            <a:r>
-              <a:rPr lang="en-US" dirty="0" smtClean="0"/>
-              <a:t>.</a:t>
-            </a:r>
-            <a:endParaRPr lang="en-US" dirty="0"/>
-          </a:p>
-          <a:p>
-            <a:r>
-              <a:rPr lang="en-US" dirty="0" err="1"/>
-              <a:t>Multimetric</a:t>
-            </a:r>
-            <a:r>
-              <a:rPr lang="en-US" dirty="0"/>
-              <a:t> scoring can either be specified as a list of strings of predefined scores names or a </a:t>
-            </a:r>
-            <a:r>
-              <a:rPr lang="en-US" dirty="0" err="1"/>
-              <a:t>dict</a:t>
-            </a:r>
-            <a:r>
-              <a:rPr lang="en-US" dirty="0"/>
-              <a:t> mapping the scorer name to the scorer function and/or the predefined scorer name(s). </a:t>
-            </a:r>
-          </a:p>
-        </p:txBody>
-      </p:sp>
-    </p:spTree>
-    <p:extLst>
-      <p:ext uri="{BB962C8B-B14F-4D97-AF65-F5344CB8AC3E}">
-        <p14:creationId xmlns:p14="http://schemas.microsoft.com/office/powerpoint/2010/main" val="3732372324"/>
-      </p:ext>
-    </p:extLst>
-  </p:cSld>
-  <p:clrMapOvr>
-    <a:masterClrMapping/>
-  </p:clrMapOvr>
-</p:sld>
-</file>
-
-<file path=ppt/slides/slide37.xml><?xml version="1.0" encoding="utf-8"?>
-<p:sld xmlns:a="http://schemas.openxmlformats.org/drawingml/2006/main" xmlns:r="http://schemas.openxmlformats.org/officeDocument/2006/relationships" xmlns:p="http://schemas.openxmlformats.org/presentationml/2006/main">
-  <p:cSld>
-    <p:spTree>
-      <p:nvGrpSpPr>
-        <p:cNvPr id="1" name=""/>
-        <p:cNvGrpSpPr/>
-        <p:nvPr/>
-      </p:nvGrpSpPr>
-      <p:grpSpPr>
-        <a:xfrm>
-          <a:off x="0" y="0"/>
-          <a:ext cx="0" cy="0"/>
-          <a:chOff x="0" y="0"/>
-          <a:chExt cx="0" cy="0"/>
-        </a:xfrm>
-      </p:grpSpPr>
-      <p:sp>
-        <p:nvSpPr>
-          <p:cNvPr id="2" name="Title 1"/>
-          <p:cNvSpPr>
-            <a:spLocks noGrp="1"/>
-          </p:cNvSpPr>
-          <p:nvPr>
-            <p:ph type="title"/>
-          </p:nvPr>
-        </p:nvSpPr>
-        <p:spPr/>
-        <p:txBody>
-          <a:bodyPr/>
-          <a:lstStyle/>
-          <a:p>
-            <a:r>
               <a:rPr lang="en-US" dirty="0"/>
               <a:t>Model selection: development and </a:t>
             </a:r>
@@ -9190,7 +8722,7 @@
         <p:spPr>
           <a:xfrm>
             <a:off x="4891088" y="6486526"/>
-            <a:ext cx="3519488" cy="276999"/>
+            <a:ext cx="3519488" cy="461665"/>
           </a:xfrm>
           <a:prstGeom prst="rect">
             <a:avLst/>
@@ -9205,7 +8737,7 @@
           <a:p>
             <a:r>
               <a:rPr lang="it-IT" sz="1200" dirty="0" smtClean="0"/>
-              <a:t>Once the model is selected: train on whole Train set</a:t>
+              <a:t>Once the model is selected: train on whole Train set (this is done automatically with SearchCV)</a:t>
             </a:r>
             <a:endParaRPr lang="en-US" sz="1200" dirty="0"/>
           </a:p>
@@ -9219,8 +8751,8 @@
         </p:nvCxnSpPr>
         <p:spPr>
           <a:xfrm flipV="1">
-            <a:off x="5679281" y="4729163"/>
-            <a:ext cx="1285875" cy="492918"/>
+            <a:off x="5679281" y="4584879"/>
+            <a:ext cx="2889294" cy="637202"/>
           </a:xfrm>
           <a:prstGeom prst="straightConnector1">
             <a:avLst/>
@@ -9255,8 +8787,44 @@
         </p:nvCxnSpPr>
         <p:spPr>
           <a:xfrm>
-            <a:off x="4614939" y="4360863"/>
-            <a:ext cx="2035893" cy="1317266"/>
+            <a:off x="4891088" y="4201265"/>
+            <a:ext cx="3344951" cy="527898"/>
+          </a:xfrm>
+          <a:prstGeom prst="straightConnector1">
+            <a:avLst/>
+          </a:prstGeom>
+          <a:ln>
+            <a:solidFill>
+              <a:schemeClr val="tx1"/>
+            </a:solidFill>
+            <a:tailEnd type="triangle"/>
+          </a:ln>
+        </p:spPr>
+        <p:style>
+          <a:lnRef idx="1">
+            <a:schemeClr val="accent1"/>
+          </a:lnRef>
+          <a:fillRef idx="0">
+            <a:schemeClr val="accent1"/>
+          </a:fillRef>
+          <a:effectRef idx="0">
+            <a:schemeClr val="accent1"/>
+          </a:effectRef>
+          <a:fontRef idx="minor">
+            <a:schemeClr val="tx1"/>
+          </a:fontRef>
+        </p:style>
+      </p:cxnSp>
+      <p:cxnSp>
+        <p:nvCxnSpPr>
+          <p:cNvPr id="7" name="Straight Arrow Connector 6"/>
+          <p:cNvCxnSpPr/>
+          <p:nvPr/>
+        </p:nvCxnSpPr>
+        <p:spPr>
+          <a:xfrm>
+            <a:off x="7914068" y="4233730"/>
+            <a:ext cx="1500389" cy="399245"/>
           </a:xfrm>
           <a:prstGeom prst="straightConnector1">
             <a:avLst/>
@@ -9296,6 +8864,634 @@
 </p:sld>
 </file>
 
+<file path=ppt/slides/slide33.xml><?xml version="1.0" encoding="utf-8"?>
+<p:sld xmlns:a="http://schemas.openxmlformats.org/drawingml/2006/main" xmlns:r="http://schemas.openxmlformats.org/officeDocument/2006/relationships" xmlns:p="http://schemas.openxmlformats.org/presentationml/2006/main">
+  <p:cSld>
+    <p:spTree>
+      <p:nvGrpSpPr>
+        <p:cNvPr id="1" name=""/>
+        <p:cNvGrpSpPr/>
+        <p:nvPr/>
+      </p:nvGrpSpPr>
+      <p:grpSpPr>
+        <a:xfrm>
+          <a:off x="0" y="0"/>
+          <a:ext cx="0" cy="0"/>
+          <a:chOff x="0" y="0"/>
+          <a:chExt cx="0" cy="0"/>
+        </a:xfrm>
+      </p:grpSpPr>
+      <p:sp>
+        <p:nvSpPr>
+          <p:cNvPr id="2" name="Title 1"/>
+          <p:cNvSpPr>
+            <a:spLocks noGrp="1"/>
+          </p:cNvSpPr>
+          <p:nvPr>
+            <p:ph type="title"/>
+          </p:nvPr>
+        </p:nvSpPr>
+        <p:spPr/>
+        <p:txBody>
+          <a:bodyPr/>
+          <a:lstStyle/>
+          <a:p>
+            <a:r>
+              <a:rPr lang="it-IT" dirty="0" smtClean="0"/>
+              <a:t>See example</a:t>
+            </a:r>
+            <a:endParaRPr lang="en-US" dirty="0"/>
+          </a:p>
+        </p:txBody>
+      </p:sp>
+      <p:sp>
+        <p:nvSpPr>
+          <p:cNvPr id="3" name="Content Placeholder 2"/>
+          <p:cNvSpPr>
+            <a:spLocks noGrp="1"/>
+          </p:cNvSpPr>
+          <p:nvPr>
+            <p:ph idx="1"/>
+          </p:nvPr>
+        </p:nvSpPr>
+        <p:spPr/>
+        <p:txBody>
+          <a:bodyPr/>
+          <a:lstStyle/>
+          <a:p>
+            <a:r>
+              <a:rPr lang="en-US" dirty="0" smtClean="0"/>
+              <a:t>ex1_param_estim_GridSearchCV.py</a:t>
+            </a:r>
+          </a:p>
+          <a:p>
+            <a:pPr lvl="1"/>
+            <a:r>
+              <a:rPr lang="it-IT" dirty="0" smtClean="0"/>
+              <a:t>For the classification report see also scikit-le</a:t>
+            </a:r>
+            <a:endParaRPr lang="en-US" dirty="0" smtClean="0"/>
+          </a:p>
+          <a:p>
+            <a:r>
+              <a:rPr lang="en-US" dirty="0"/>
+              <a:t>ex2_randomSvsGridS.py</a:t>
+            </a:r>
+          </a:p>
+        </p:txBody>
+      </p:sp>
+    </p:spTree>
+    <p:extLst>
+      <p:ext uri="{BB962C8B-B14F-4D97-AF65-F5344CB8AC3E}">
+        <p14:creationId xmlns:p14="http://schemas.microsoft.com/office/powerpoint/2010/main" val="876434376"/>
+      </p:ext>
+    </p:extLst>
+  </p:cSld>
+  <p:clrMapOvr>
+    <a:masterClrMapping/>
+  </p:clrMapOvr>
+</p:sld>
+</file>
+
+<file path=ppt/slides/slide34.xml><?xml version="1.0" encoding="utf-8"?>
+<p:sld xmlns:a="http://schemas.openxmlformats.org/drawingml/2006/main" xmlns:r="http://schemas.openxmlformats.org/officeDocument/2006/relationships" xmlns:p="http://schemas.openxmlformats.org/presentationml/2006/main">
+  <p:cSld>
+    <p:spTree>
+      <p:nvGrpSpPr>
+        <p:cNvPr id="1" name=""/>
+        <p:cNvGrpSpPr/>
+        <p:nvPr/>
+      </p:nvGrpSpPr>
+      <p:grpSpPr>
+        <a:xfrm>
+          <a:off x="0" y="0"/>
+          <a:ext cx="0" cy="0"/>
+          <a:chOff x="0" y="0"/>
+          <a:chExt cx="0" cy="0"/>
+        </a:xfrm>
+      </p:grpSpPr>
+      <p:sp>
+        <p:nvSpPr>
+          <p:cNvPr id="2" name="Title 1"/>
+          <p:cNvSpPr>
+            <a:spLocks noGrp="1"/>
+          </p:cNvSpPr>
+          <p:nvPr>
+            <p:ph type="title"/>
+          </p:nvPr>
+        </p:nvSpPr>
+        <p:spPr/>
+        <p:txBody>
+          <a:bodyPr/>
+          <a:lstStyle/>
+          <a:p>
+            <a:r>
+              <a:rPr lang="en-US" dirty="0"/>
+              <a:t>Tips for parameter </a:t>
+            </a:r>
+            <a:r>
+              <a:rPr lang="en-US" dirty="0" smtClean="0"/>
+              <a:t>search</a:t>
+            </a:r>
+            <a:endParaRPr lang="en-US" dirty="0"/>
+          </a:p>
+        </p:txBody>
+      </p:sp>
+      <p:sp>
+        <p:nvSpPr>
+          <p:cNvPr id="3" name="Content Placeholder 2"/>
+          <p:cNvSpPr>
+            <a:spLocks noGrp="1"/>
+          </p:cNvSpPr>
+          <p:nvPr>
+            <p:ph idx="1"/>
+          </p:nvPr>
+        </p:nvSpPr>
+        <p:spPr/>
+        <p:txBody>
+          <a:bodyPr/>
+          <a:lstStyle/>
+          <a:p>
+            <a:r>
+              <a:rPr lang="en-US" dirty="0"/>
+              <a:t>Specifying an objective </a:t>
+            </a:r>
+            <a:r>
+              <a:rPr lang="en-US" dirty="0" smtClean="0"/>
+              <a:t>metric</a:t>
+            </a:r>
+          </a:p>
+          <a:p>
+            <a:r>
+              <a:rPr lang="en-US" dirty="0"/>
+              <a:t>Specifying multiple metrics for evaluation</a:t>
+            </a:r>
+          </a:p>
+          <a:p>
+            <a:r>
+              <a:rPr lang="en-US" dirty="0"/>
+              <a:t>Composite estimators and parameter spaces</a:t>
+            </a:r>
+          </a:p>
+          <a:p>
+            <a:r>
+              <a:rPr lang="en-US" dirty="0"/>
+              <a:t>Model selection: development and evaluation</a:t>
+            </a:r>
+          </a:p>
+          <a:p>
+            <a:r>
+              <a:rPr lang="en-US" dirty="0"/>
+              <a:t>Parallelism</a:t>
+            </a:r>
+          </a:p>
+          <a:p>
+            <a:r>
+              <a:rPr lang="en-US" dirty="0"/>
+              <a:t>Robustness to </a:t>
+            </a:r>
+            <a:r>
+              <a:rPr lang="en-US" dirty="0" smtClean="0"/>
+              <a:t>failure</a:t>
+            </a:r>
+            <a:endParaRPr lang="en-US" dirty="0"/>
+          </a:p>
+        </p:txBody>
+      </p:sp>
+    </p:spTree>
+    <p:extLst>
+      <p:ext uri="{BB962C8B-B14F-4D97-AF65-F5344CB8AC3E}">
+        <p14:creationId xmlns:p14="http://schemas.microsoft.com/office/powerpoint/2010/main" val="3678593528"/>
+      </p:ext>
+    </p:extLst>
+  </p:cSld>
+  <p:clrMapOvr>
+    <a:masterClrMapping/>
+  </p:clrMapOvr>
+</p:sld>
+</file>
+
+<file path=ppt/slides/slide35.xml><?xml version="1.0" encoding="utf-8"?>
+<p:sld xmlns:a="http://schemas.openxmlformats.org/drawingml/2006/main" xmlns:r="http://schemas.openxmlformats.org/officeDocument/2006/relationships" xmlns:p="http://schemas.openxmlformats.org/presentationml/2006/main">
+  <p:cSld>
+    <p:spTree>
+      <p:nvGrpSpPr>
+        <p:cNvPr id="1" name=""/>
+        <p:cNvGrpSpPr/>
+        <p:nvPr/>
+      </p:nvGrpSpPr>
+      <p:grpSpPr>
+        <a:xfrm>
+          <a:off x="0" y="0"/>
+          <a:ext cx="0" cy="0"/>
+          <a:chOff x="0" y="0"/>
+          <a:chExt cx="0" cy="0"/>
+        </a:xfrm>
+      </p:grpSpPr>
+      <p:sp>
+        <p:nvSpPr>
+          <p:cNvPr id="2" name="Title 1"/>
+          <p:cNvSpPr>
+            <a:spLocks noGrp="1"/>
+          </p:cNvSpPr>
+          <p:nvPr>
+            <p:ph type="title"/>
+          </p:nvPr>
+        </p:nvSpPr>
+        <p:spPr/>
+        <p:txBody>
+          <a:bodyPr/>
+          <a:lstStyle/>
+          <a:p>
+            <a:r>
+              <a:rPr lang="en-US" dirty="0"/>
+              <a:t>Specifying an objective metric</a:t>
+            </a:r>
+          </a:p>
+        </p:txBody>
+      </p:sp>
+      <p:sp>
+        <p:nvSpPr>
+          <p:cNvPr id="3" name="Content Placeholder 2"/>
+          <p:cNvSpPr>
+            <a:spLocks noGrp="1"/>
+          </p:cNvSpPr>
+          <p:nvPr>
+            <p:ph idx="1"/>
+          </p:nvPr>
+        </p:nvSpPr>
+        <p:spPr/>
+        <p:txBody>
+          <a:bodyPr/>
+          <a:lstStyle/>
+          <a:p>
+            <a:r>
+              <a:rPr lang="en-US" dirty="0"/>
+              <a:t>By default, parameter search uses the score function of the estimator to evaluate a parameter </a:t>
+            </a:r>
+            <a:r>
+              <a:rPr lang="en-US" dirty="0" smtClean="0"/>
+              <a:t>setting</a:t>
+            </a:r>
+          </a:p>
+          <a:p>
+            <a:pPr lvl="1"/>
+            <a:r>
+              <a:rPr lang="en-US" dirty="0" err="1" smtClean="0"/>
+              <a:t>sklearn.metrics.accuracy_score</a:t>
+            </a:r>
+            <a:r>
+              <a:rPr lang="en-US" dirty="0" smtClean="0"/>
+              <a:t> </a:t>
+            </a:r>
+            <a:r>
+              <a:rPr lang="en-US" dirty="0"/>
+              <a:t>for </a:t>
+            </a:r>
+            <a:r>
+              <a:rPr lang="en-US" dirty="0" smtClean="0"/>
+              <a:t>classification</a:t>
+            </a:r>
+          </a:p>
+          <a:p>
+            <a:pPr lvl="1"/>
+            <a:r>
+              <a:rPr lang="en-US" dirty="0" smtClean="0"/>
+              <a:t>sklearn.metrics.r2_score </a:t>
+            </a:r>
+            <a:r>
+              <a:rPr lang="en-US" dirty="0"/>
+              <a:t>for </a:t>
+            </a:r>
+            <a:r>
+              <a:rPr lang="en-US" dirty="0" smtClean="0"/>
+              <a:t>regression.</a:t>
+            </a:r>
+          </a:p>
+          <a:p>
+            <a:r>
+              <a:rPr lang="en-US" dirty="0" smtClean="0"/>
+              <a:t>For </a:t>
+            </a:r>
+            <a:r>
+              <a:rPr lang="en-US" dirty="0"/>
+              <a:t>some applications, other scoring functions are better </a:t>
+            </a:r>
+            <a:r>
+              <a:rPr lang="en-US" dirty="0" smtClean="0"/>
+              <a:t>suited</a:t>
+            </a:r>
+          </a:p>
+          <a:p>
+            <a:pPr lvl="1"/>
+            <a:r>
+              <a:rPr lang="en-US" dirty="0"/>
+              <a:t>F</a:t>
+            </a:r>
+            <a:r>
+              <a:rPr lang="en-US" dirty="0" smtClean="0"/>
+              <a:t>or </a:t>
+            </a:r>
+            <a:r>
+              <a:rPr lang="en-US" dirty="0"/>
+              <a:t>example in unbalanced classification, the accuracy score is often </a:t>
+            </a:r>
+            <a:r>
+              <a:rPr lang="en-US" dirty="0" smtClean="0"/>
+              <a:t>uninformative</a:t>
+            </a:r>
+          </a:p>
+          <a:p>
+            <a:r>
+              <a:rPr lang="en-US" dirty="0" smtClean="0"/>
+              <a:t>An </a:t>
+            </a:r>
+            <a:r>
+              <a:rPr lang="en-US" dirty="0"/>
+              <a:t>alternative scoring function can be specified via the scoring parameter to </a:t>
+            </a:r>
+            <a:r>
+              <a:rPr lang="en-US" dirty="0" err="1"/>
+              <a:t>GridSearchCV</a:t>
+            </a:r>
+            <a:r>
+              <a:rPr lang="en-US" dirty="0"/>
+              <a:t>, </a:t>
+            </a:r>
+            <a:r>
+              <a:rPr lang="en-US" dirty="0" err="1"/>
+              <a:t>RandomizedSearchCV</a:t>
+            </a:r>
+            <a:r>
+              <a:rPr lang="en-US" dirty="0"/>
+              <a:t> and many of the specialized cross-validation tools described </a:t>
+            </a:r>
+            <a:r>
+              <a:rPr lang="en-US" dirty="0" smtClean="0"/>
+              <a:t>later</a:t>
+            </a:r>
+            <a:endParaRPr lang="en-US" dirty="0"/>
+          </a:p>
+        </p:txBody>
+      </p:sp>
+    </p:spTree>
+    <p:extLst>
+      <p:ext uri="{BB962C8B-B14F-4D97-AF65-F5344CB8AC3E}">
+        <p14:creationId xmlns:p14="http://schemas.microsoft.com/office/powerpoint/2010/main" val="3753478099"/>
+      </p:ext>
+    </p:extLst>
+  </p:cSld>
+  <p:clrMapOvr>
+    <a:masterClrMapping/>
+  </p:clrMapOvr>
+</p:sld>
+</file>
+
+<file path=ppt/slides/slide36.xml><?xml version="1.0" encoding="utf-8"?>
+<p:sld xmlns:a="http://schemas.openxmlformats.org/drawingml/2006/main" xmlns:r="http://schemas.openxmlformats.org/officeDocument/2006/relationships" xmlns:p="http://schemas.openxmlformats.org/presentationml/2006/main">
+  <p:cSld>
+    <p:spTree>
+      <p:nvGrpSpPr>
+        <p:cNvPr id="1" name=""/>
+        <p:cNvGrpSpPr/>
+        <p:nvPr/>
+      </p:nvGrpSpPr>
+      <p:grpSpPr>
+        <a:xfrm>
+          <a:off x="0" y="0"/>
+          <a:ext cx="0" cy="0"/>
+          <a:chOff x="0" y="0"/>
+          <a:chExt cx="0" cy="0"/>
+        </a:xfrm>
+      </p:grpSpPr>
+      <p:sp>
+        <p:nvSpPr>
+          <p:cNvPr id="2" name="Title 1"/>
+          <p:cNvSpPr>
+            <a:spLocks noGrp="1"/>
+          </p:cNvSpPr>
+          <p:nvPr>
+            <p:ph type="title"/>
+          </p:nvPr>
+        </p:nvSpPr>
+        <p:spPr/>
+        <p:txBody>
+          <a:bodyPr/>
+          <a:lstStyle/>
+          <a:p>
+            <a:r>
+              <a:rPr lang="it-IT" dirty="0" smtClean="0"/>
+              <a:t>R^2 (Coeff of determination)</a:t>
+            </a:r>
+            <a:endParaRPr lang="en-US" dirty="0"/>
+          </a:p>
+        </p:txBody>
+      </p:sp>
+      <p:sp>
+        <p:nvSpPr>
+          <p:cNvPr id="3" name="Content Placeholder 2"/>
+          <p:cNvSpPr>
+            <a:spLocks noGrp="1"/>
+          </p:cNvSpPr>
+          <p:nvPr>
+            <p:ph idx="1"/>
+          </p:nvPr>
+        </p:nvSpPr>
+        <p:spPr/>
+        <p:txBody>
+          <a:bodyPr/>
+          <a:lstStyle/>
+          <a:p>
+            <a:r>
+              <a:rPr lang="en-US" dirty="0"/>
+              <a:t>R^2 (coefficient of determination) regression score function.</a:t>
+            </a:r>
+          </a:p>
+          <a:p>
+            <a:r>
+              <a:rPr lang="en-US" dirty="0"/>
+              <a:t>I</a:t>
+            </a:r>
+            <a:r>
+              <a:rPr lang="en-US" dirty="0" smtClean="0"/>
+              <a:t>s </a:t>
+            </a:r>
+            <a:r>
+              <a:rPr lang="en-US" dirty="0"/>
+              <a:t>the proportion of the variance in the dependent variable that is predictable from the independent variable(s)</a:t>
+            </a:r>
+          </a:p>
+          <a:p>
+            <a:r>
+              <a:rPr lang="en-US" dirty="0"/>
+              <a:t>Best possible score is 1.0 and it can be negative (because the model can be arbitrarily worse</a:t>
+            </a:r>
+            <a:r>
+              <a:rPr lang="en-US" dirty="0" smtClean="0"/>
+              <a:t>).</a:t>
+            </a:r>
+          </a:p>
+          <a:p>
+            <a:pPr lvl="1"/>
+            <a:r>
+              <a:rPr lang="en-US" dirty="0">
+                <a:hlinkClick r:id="rId2"/>
+              </a:rPr>
+              <a:t>https://</a:t>
+            </a:r>
+            <a:r>
+              <a:rPr lang="en-US" dirty="0" smtClean="0">
+                <a:hlinkClick r:id="rId2"/>
+              </a:rPr>
+              <a:t>en.wikipedia.org/wiki/Coefficient_of_determination</a:t>
+            </a:r>
+            <a:r>
+              <a:rPr lang="en-US" dirty="0" smtClean="0"/>
+              <a:t> </a:t>
+            </a:r>
+            <a:endParaRPr lang="en-US" dirty="0"/>
+          </a:p>
+          <a:p>
+            <a:r>
+              <a:rPr lang="en-US" dirty="0" smtClean="0"/>
+              <a:t>A </a:t>
+            </a:r>
+            <a:r>
+              <a:rPr lang="en-US" dirty="0"/>
+              <a:t>constant model that always predicts the expected value of y, disregarding the input features, would get a R^2 score of 0.0.</a:t>
+            </a:r>
+          </a:p>
+        </p:txBody>
+      </p:sp>
+    </p:spTree>
+    <p:extLst>
+      <p:ext uri="{BB962C8B-B14F-4D97-AF65-F5344CB8AC3E}">
+        <p14:creationId xmlns:p14="http://schemas.microsoft.com/office/powerpoint/2010/main" val="1684554996"/>
+      </p:ext>
+    </p:extLst>
+  </p:cSld>
+  <p:clrMapOvr>
+    <a:masterClrMapping/>
+  </p:clrMapOvr>
+</p:sld>
+</file>
+
+<file path=ppt/slides/slide37.xml><?xml version="1.0" encoding="utf-8"?>
+<p:sld xmlns:a="http://schemas.openxmlformats.org/drawingml/2006/main" xmlns:r="http://schemas.openxmlformats.org/officeDocument/2006/relationships" xmlns:p="http://schemas.openxmlformats.org/presentationml/2006/main">
+  <p:cSld>
+    <p:spTree>
+      <p:nvGrpSpPr>
+        <p:cNvPr id="1" name=""/>
+        <p:cNvGrpSpPr/>
+        <p:nvPr/>
+      </p:nvGrpSpPr>
+      <p:grpSpPr>
+        <a:xfrm>
+          <a:off x="0" y="0"/>
+          <a:ext cx="0" cy="0"/>
+          <a:chOff x="0" y="0"/>
+          <a:chExt cx="0" cy="0"/>
+        </a:xfrm>
+      </p:grpSpPr>
+      <p:sp>
+        <p:nvSpPr>
+          <p:cNvPr id="2" name="Title 1"/>
+          <p:cNvSpPr>
+            <a:spLocks noGrp="1"/>
+          </p:cNvSpPr>
+          <p:nvPr>
+            <p:ph type="title"/>
+          </p:nvPr>
+        </p:nvSpPr>
+        <p:spPr/>
+        <p:txBody>
+          <a:bodyPr/>
+          <a:lstStyle/>
+          <a:p>
+            <a:r>
+              <a:rPr lang="en-US" dirty="0"/>
+              <a:t>Specifying multiple metrics for </a:t>
+            </a:r>
+            <a:r>
+              <a:rPr lang="en-US" dirty="0" smtClean="0"/>
+              <a:t>evaluation</a:t>
+            </a:r>
+            <a:endParaRPr lang="en-US" dirty="0"/>
+          </a:p>
+        </p:txBody>
+      </p:sp>
+      <p:sp>
+        <p:nvSpPr>
+          <p:cNvPr id="3" name="Content Placeholder 2"/>
+          <p:cNvSpPr>
+            <a:spLocks noGrp="1"/>
+          </p:cNvSpPr>
+          <p:nvPr>
+            <p:ph idx="1"/>
+          </p:nvPr>
+        </p:nvSpPr>
+        <p:spPr/>
+        <p:txBody>
+          <a:bodyPr>
+            <a:normAutofit/>
+          </a:bodyPr>
+          <a:lstStyle/>
+          <a:p>
+            <a:r>
+              <a:rPr lang="en-US" dirty="0" err="1"/>
+              <a:t>GridSearchCV</a:t>
+            </a:r>
+            <a:r>
+              <a:rPr lang="en-US" dirty="0"/>
+              <a:t> and </a:t>
+            </a:r>
+            <a:r>
+              <a:rPr lang="en-US" dirty="0" err="1"/>
+              <a:t>RandomizedSearchCV</a:t>
+            </a:r>
+            <a:r>
+              <a:rPr lang="en-US" dirty="0"/>
+              <a:t> allow specifying multiple metrics for the scoring parameter</a:t>
+            </a:r>
+            <a:r>
+              <a:rPr lang="en-US" dirty="0" smtClean="0"/>
+              <a:t>.</a:t>
+            </a:r>
+            <a:endParaRPr lang="en-US" dirty="0"/>
+          </a:p>
+          <a:p>
+            <a:r>
+              <a:rPr lang="en-US" dirty="0" err="1"/>
+              <a:t>Multimetric</a:t>
+            </a:r>
+            <a:r>
+              <a:rPr lang="en-US" dirty="0"/>
+              <a:t> scoring can either be specified as a list of strings of predefined scores names or a </a:t>
+            </a:r>
+            <a:r>
+              <a:rPr lang="en-US" dirty="0" err="1"/>
+              <a:t>dict</a:t>
+            </a:r>
+            <a:r>
+              <a:rPr lang="en-US" dirty="0"/>
+              <a:t> mapping the scorer name to the scorer function and/or the predefined scorer name(s). </a:t>
+            </a:r>
+          </a:p>
+        </p:txBody>
+      </p:sp>
+    </p:spTree>
+    <p:extLst>
+      <p:ext uri="{BB962C8B-B14F-4D97-AF65-F5344CB8AC3E}">
+        <p14:creationId xmlns:p14="http://schemas.microsoft.com/office/powerpoint/2010/main" val="3732372324"/>
+      </p:ext>
+    </p:extLst>
+  </p:cSld>
+  <p:clrMapOvr>
+    <a:masterClrMapping/>
+  </p:clrMapOvr>
+</p:sld>
+</file>
+
 <file path=ppt/slides/slide38.xml><?xml version="1.0" encoding="utf-8"?>
 <p:sld xmlns:a="http://schemas.openxmlformats.org/drawingml/2006/main" xmlns:r="http://schemas.openxmlformats.org/officeDocument/2006/relationships" xmlns:p="http://schemas.openxmlformats.org/presentationml/2006/main">
   <p:cSld>
@@ -10176,7 +10372,15 @@
           <a:p>
             <a:r>
               <a:rPr lang="en-US" dirty="0"/>
-              <a:t>For the most common use cases, you can designate a scorer object with the scoring parameter; the table below shows all possible </a:t>
+              <a:t>For the most common use cases, you can designate a </a:t>
+            </a:r>
+            <a:r>
+              <a:rPr lang="en-US" b="1" dirty="0"/>
+              <a:t>scorer object </a:t>
+            </a:r>
+            <a:r>
+              <a:rPr lang="en-US" dirty="0"/>
+              <a:t>with the scoring parameter; the table below shows all possible </a:t>
             </a:r>
             <a:r>
               <a:rPr lang="en-US" dirty="0" smtClean="0"/>
@@ -10199,12 +10403,20 @@
               <a:t>All </a:t>
             </a:r>
             <a:r>
-              <a:rPr lang="en-US" dirty="0"/>
-              <a:t>scorer objects follow the </a:t>
-            </a:r>
-            <a:r>
               <a:rPr lang="en-US" b="1" dirty="0"/>
-              <a:t>convention that higher return values are better than lower return </a:t>
+              <a:t>scorer objects </a:t>
+            </a:r>
+            <a:r>
+              <a:rPr lang="en-US" dirty="0"/>
+              <a:t>follow the </a:t>
+            </a:r>
+            <a:r>
+              <a:rPr lang="en-US" b="1" dirty="0" smtClean="0"/>
+              <a:t>CV convention </a:t>
+            </a:r>
+            <a:r>
+              <a:rPr lang="en-US" b="1" dirty="0"/>
+              <a:t>that higher return values are better than lower return </a:t>
             </a:r>
             <a:r>
               <a:rPr lang="en-US" b="1" dirty="0" smtClean="0"/>
@@ -10345,10 +10557,25 @@
           <a:p>
             <a:r>
               <a:rPr lang="en-US" dirty="0"/>
-              <a:t>functions ending with _error or _loss return a value to minimize, the lower the better. When converting into a scorer object using </a:t>
-            </a:r>
-            <a:r>
-              <a:rPr lang="en-US" dirty="0" err="1"/>
+              <a:t>functions ending with _error or _loss return a value to minimize, the lower the </a:t>
+            </a:r>
+            <a:r>
+              <a:rPr lang="en-US" dirty="0" smtClean="0"/>
+              <a:t>better.</a:t>
+            </a:r>
+          </a:p>
+          <a:p>
+            <a:pPr lvl="1"/>
+            <a:r>
+              <a:rPr lang="en-US" dirty="0" smtClean="0"/>
+              <a:t>When </a:t>
+            </a:r>
+            <a:r>
+              <a:rPr lang="en-US" dirty="0"/>
+              <a:t>converting into a scorer object using </a:t>
+            </a:r>
+            <a:r>
+              <a:rPr lang="en-US" i="1" dirty="0" err="1"/>
               <a:t>make_scorer</a:t>
             </a:r>
             <a:r>
@@ -10356,7 +10583,7 @@
               <a:t>, set the </a:t>
             </a:r>
             <a:r>
-              <a:rPr lang="en-US" dirty="0" err="1"/>
+              <a:rPr lang="en-US" i="1" dirty="0" err="1"/>
               <a:t>greater_is_better</a:t>
             </a:r>
             <a:r>
@@ -10379,10 +10606,25 @@
             </a:r>
             <a:r>
               <a:rPr lang="en-US" dirty="0"/>
-              <a:t>. In such cases, you need to generate an appropriate scoring object. The simplest way to generate a callable object for scoring is by using </a:t>
-            </a:r>
-            <a:r>
-              <a:rPr lang="en-US" dirty="0" err="1"/>
+              <a:t>. In such cases, you need to generate an appropriate scoring </a:t>
+            </a:r>
+            <a:r>
+              <a:rPr lang="en-US" dirty="0" smtClean="0"/>
+              <a:t>object.</a:t>
+            </a:r>
+          </a:p>
+          <a:p>
+            <a:pPr lvl="1"/>
+            <a:r>
+              <a:rPr lang="en-US" dirty="0" smtClean="0"/>
+              <a:t>The </a:t>
+            </a:r>
+            <a:r>
+              <a:rPr lang="en-US" dirty="0"/>
+              <a:t>simplest way to generate a callable object for scoring is by using </a:t>
+            </a:r>
+            <a:r>
+              <a:rPr lang="en-US" i="1" dirty="0" err="1"/>
               <a:t>make_scorer</a:t>
             </a:r>
             <a:r>
@@ -10817,7 +11059,7 @@
         <p:spPr/>
         <p:txBody>
           <a:bodyPr>
-            <a:normAutofit fontScale="92500"/>
+            <a:normAutofit fontScale="92500" lnSpcReduction="10000"/>
           </a:bodyPr>
           <a:lstStyle/>
           <a:p>
@@ -10830,8 +11072,19 @@
               <a:t>roc_auc_score</a:t>
             </a:r>
             <a:r>
-              <a:rPr lang="en-US" dirty="0"/>
-              <a:t>). In these cases, by default only the positive label is evaluated, assuming by default that the positive class is labelled 1 (though this may be configurable through the </a:t>
+              <a:rPr lang="en-US" dirty="0" smtClean="0"/>
+              <a:t>).</a:t>
+            </a:r>
+          </a:p>
+          <a:p>
+            <a:pPr lvl="1"/>
+            <a:r>
+              <a:rPr lang="en-US" dirty="0" smtClean="0"/>
+              <a:t>In </a:t>
+            </a:r>
+            <a:r>
+              <a:rPr lang="en-US" dirty="0"/>
+              <a:t>these cases, by default only the positive label is evaluated, assuming by default that the positive class is labelled 1 (though this may be configurable through the </a:t>
             </a:r>
             <a:r>
               <a:rPr lang="en-US" dirty="0" err="1"/>
@@ -12007,7 +12260,9 @@
         </p:nvSpPr>
         <p:spPr/>
         <p:txBody>
-          <a:bodyPr/>
+          <a:bodyPr>
+            <a:normAutofit lnSpcReduction="10000"/>
+          </a:bodyPr>
           <a:lstStyle/>
           <a:p>
             <a:r>
@@ -12030,7 +12285,22 @@
             </a:r>
             <a:r>
               <a:rPr lang="en-US" dirty="0"/>
-              <a:t>is created by plotting the fraction of true positives out of the positives (TPR = true positive rate) vs. the fraction of false positives out of the negatives (FPR = false positive rate), at various threshold settings. TPR is also known as sensitivity, and FPR is one minus the specificity or true negative rate</a:t>
+              <a:t>is created by plotting the fraction of true positives out of the positives (TPR = true positive rate) vs. the fraction of false positives out of the negatives (FPR = false positive rate), at various threshold </a:t>
+            </a:r>
+            <a:r>
+              <a:rPr lang="en-US" dirty="0" smtClean="0"/>
+              <a:t>settings.</a:t>
+            </a:r>
+          </a:p>
+          <a:p>
+            <a:pPr lvl="1"/>
+            <a:r>
+              <a:rPr lang="en-US" dirty="0" smtClean="0"/>
+              <a:t>TPR </a:t>
+            </a:r>
+            <a:r>
+              <a:rPr lang="en-US" dirty="0"/>
+              <a:t>is also known as sensitivity, and FPR is one minus the specificity or true negative rate</a:t>
             </a:r>
             <a:r>
               <a:rPr lang="en-US" dirty="0" smtClean="0"/>
@@ -12202,8 +12472,13 @@
           <a:p>
             <a:r>
               <a:rPr lang="it-IT" dirty="0" smtClean="0"/>
-              <a:t>Check difference with R2</a:t>
-            </a:r>
+              <a:t>Check difference with </a:t>
+            </a:r>
+            <a:r>
+              <a:rPr lang="it-IT" dirty="0" smtClean="0"/>
+              <a:t>R2 (coefficient of determination)</a:t>
+            </a:r>
+            <a:endParaRPr lang="it-IT" dirty="0" smtClean="0"/>
           </a:p>
           <a:p>
             <a:r>
@@ -12211,21 +12486,68 @@
               <a:t>Difference is given by the mean error</a:t>
             </a:r>
             <a:endParaRPr lang="en-US" dirty="0">
-              <a:hlinkClick r:id="rId2"/>
+              <a:hlinkClick r:id="rId3"/>
             </a:endParaRPr>
           </a:p>
           <a:p>
             <a:r>
+              <a:rPr lang="en-US" dirty="0"/>
+              <a:t>Explained Variance Score = 1 - [Variance(</a:t>
+            </a:r>
+            <a:r>
+              <a:rPr lang="en-US" dirty="0" err="1"/>
+              <a:t>Y</a:t>
+            </a:r>
+            <a:r>
+              <a:rPr lang="en-US" baseline="-25000" dirty="0" err="1"/>
+              <a:t>predicted</a:t>
+            </a:r>
+            <a:r>
+              <a:rPr lang="en-US" dirty="0"/>
+              <a:t> - </a:t>
+            </a:r>
+            <a:r>
+              <a:rPr lang="en-US" dirty="0" err="1"/>
+              <a:t>Y</a:t>
+            </a:r>
+            <a:r>
+              <a:rPr lang="en-US" baseline="-25000" dirty="0" err="1"/>
+              <a:t>actual</a:t>
+            </a:r>
+            <a:r>
+              <a:rPr lang="en-US" dirty="0"/>
+              <a:t>) / </a:t>
+            </a:r>
+            <a:r>
+              <a:rPr lang="en-US" dirty="0" err="1"/>
+              <a:t>Variance</a:t>
+            </a:r>
+            <a:r>
+              <a:rPr lang="en-US" baseline="-25000" dirty="0" err="1"/>
+              <a:t>y_actual</a:t>
+            </a:r>
+            <a:r>
+              <a:rPr lang="en-US" dirty="0"/>
+              <a:t>]</a:t>
+            </a:r>
+            <a:endParaRPr lang="it-IT" dirty="0"/>
+          </a:p>
+          <a:p>
+            <a:r>
+              <a:rPr lang="en-US" dirty="0">
+                <a:hlinkClick r:id="rId4"/>
+              </a:rPr>
+              <a:t>https://</a:t>
+            </a:r>
+            <a:r>
               <a:rPr lang="en-US" dirty="0" smtClean="0">
-                <a:hlinkClick r:id="rId2"/>
+                <a:hlinkClick r:id="rId4"/>
               </a:rPr>
-              <a:t>https</a:t>
-            </a:r>
-            <a:r>
-              <a:rPr lang="en-US" dirty="0">
-                <a:hlinkClick r:id="rId2"/>
-              </a:rPr>
-              <a:t>://stackoverflow.com/questions/24378176/python-sci-kit-learn-metrics-difference-between-r2-score-and-explained-varian</a:t>
+              <a:t>en.wikipedia.org/wiki/Coefficient_of_determination</a:t>
+            </a:r>
+            <a:r>
+              <a:rPr lang="en-US" dirty="0" smtClean="0"/>
+              <a:t> (this also shows the meaning of the 0 value) </a:t>
             </a:r>
             <a:endParaRPr lang="en-US" dirty="0"/>
           </a:p>
@@ -12468,7 +12790,7 @@
               <a:t>simplest way to use cross-validation is to call the </a:t>
             </a:r>
             <a:r>
-              <a:rPr lang="en-US" dirty="0" err="1"/>
+              <a:rPr lang="en-US" i="1" dirty="0" err="1"/>
               <a:t>cross_val_score</a:t>
             </a:r>
             <a:r>

--- a/Model selection.pptx
+++ b/Model selection.pptx
@@ -1650,7 +1650,24 @@
           <a:p>
             <a:r>
               <a:rPr lang="it-IT" dirty="0" smtClean="0"/>
-              <a:t>Num is the number of samples</a:t>
+              <a:t>https://docs.scipy.org/doc/scipy/reference/generated/scipy.stats.loguniform.html</a:t>
+            </a:r>
+          </a:p>
+          <a:p>
+            <a:endParaRPr lang="it-IT" dirty="0" smtClean="0"/>
+          </a:p>
+          <a:p>
+            <a:r>
+              <a:rPr lang="it-IT" dirty="0" smtClean="0"/>
+              <a:t>Num </a:t>
+            </a:r>
+            <a:r>
+              <a:rPr lang="it-IT" dirty="0" smtClean="0"/>
+              <a:t>is the number of </a:t>
+            </a:r>
+            <a:r>
+              <a:rPr lang="it-IT" dirty="0" smtClean="0"/>
+              <a:t>samples</a:t>
             </a:r>
             <a:endParaRPr lang="en-US" dirty="0"/>
           </a:p>
@@ -7913,7 +7930,7 @@
           </a:p>
           <a:p>
             <a:r>
-              <a:rPr lang="en-US" dirty="0" err="1" smtClean="0"/>
+              <a:rPr lang="en-US" i="1" dirty="0" err="1" smtClean="0"/>
               <a:t>RandomizedSearchCV</a:t>
             </a:r>
             <a:r>
@@ -7966,12 +7983,16 @@
           <a:p>
             <a:pPr lvl="2"/>
             <a:r>
-              <a:rPr lang="it-IT" dirty="0"/>
+              <a:rPr lang="it-IT" i="1" dirty="0"/>
               <a:t>n</a:t>
             </a:r>
             <a:r>
+              <a:rPr lang="it-IT" i="1" dirty="0" smtClean="0"/>
+              <a:t>_iter</a:t>
+            </a:r>
+            <a:r>
               <a:rPr lang="it-IT" dirty="0" smtClean="0"/>
-              <a:t>_iter param, </a:t>
+              <a:t> param, </a:t>
             </a:r>
             <a:r>
               <a:rPr lang="en-US" dirty="0"/>
@@ -10152,7 +10173,7 @@
         <p:spPr/>
         <p:txBody>
           <a:bodyPr>
-            <a:normAutofit fontScale="92500"/>
+            <a:normAutofit fontScale="92500" lnSpcReduction="10000"/>
           </a:bodyPr>
           <a:lstStyle/>
           <a:p>
@@ -10213,6 +10234,13 @@
             <a:r>
               <a:rPr lang="en-US" dirty="0" smtClean="0"/>
               <a:t>.</a:t>
+            </a:r>
+          </a:p>
+          <a:p>
+            <a:pPr lvl="1"/>
+            <a:r>
+              <a:rPr lang="it-IT" dirty="0" smtClean="0"/>
+              <a:t>See example in 1_cross_validation.py</a:t>
             </a:r>
             <a:endParaRPr lang="en-US" dirty="0"/>
           </a:p>

--- a/Model selection.pptx
+++ b/Model selection.pptx
@@ -253,7 +253,7 @@
           <a:p>
             <a:fld id="{8F741A61-F0C9-4925-957E-8E5C327261BC}" type="datetimeFigureOut">
               <a:rPr lang="en-US" smtClean="0"/>
-              <a:t>5/28/2020</a:t>
+              <a:t>6/3/2020</a:t>
             </a:fld>
             <a:endParaRPr lang="en-US"/>
           </a:p>
@@ -1659,15 +1659,7 @@
           <a:p>
             <a:r>
               <a:rPr lang="it-IT" dirty="0" smtClean="0"/>
-              <a:t>Num </a:t>
-            </a:r>
-            <a:r>
-              <a:rPr lang="it-IT" dirty="0" smtClean="0"/>
-              <a:t>is the number of </a:t>
-            </a:r>
-            <a:r>
-              <a:rPr lang="it-IT" dirty="0" smtClean="0"/>
-              <a:t>samples</a:t>
+              <a:t>Num is the number of samples</a:t>
             </a:r>
             <a:endParaRPr lang="en-US" dirty="0"/>
           </a:p>
@@ -2016,7 +2008,7 @@
           <a:p>
             <a:fld id="{63A1C593-65D0-4073-BCC9-577B9352EA97}" type="datetimeFigureOut">
               <a:rPr lang="en-US" smtClean="0"/>
-              <a:t>5/28/2020</a:t>
+              <a:t>6/3/2020</a:t>
             </a:fld>
             <a:endParaRPr lang="en-US"/>
           </a:p>
@@ -2186,7 +2178,7 @@
           <a:p>
             <a:fld id="{63A1C593-65D0-4073-BCC9-577B9352EA97}" type="datetimeFigureOut">
               <a:rPr lang="en-US" smtClean="0"/>
-              <a:t>5/28/2020</a:t>
+              <a:t>6/3/2020</a:t>
             </a:fld>
             <a:endParaRPr lang="en-US"/>
           </a:p>
@@ -2366,7 +2358,7 @@
           <a:p>
             <a:fld id="{63A1C593-65D0-4073-BCC9-577B9352EA97}" type="datetimeFigureOut">
               <a:rPr lang="en-US" smtClean="0"/>
-              <a:t>5/28/2020</a:t>
+              <a:t>6/3/2020</a:t>
             </a:fld>
             <a:endParaRPr lang="en-US"/>
           </a:p>
@@ -2536,7 +2528,7 @@
           <a:p>
             <a:fld id="{63A1C593-65D0-4073-BCC9-577B9352EA97}" type="datetimeFigureOut">
               <a:rPr lang="en-US" smtClean="0"/>
-              <a:t>5/28/2020</a:t>
+              <a:t>6/3/2020</a:t>
             </a:fld>
             <a:endParaRPr lang="en-US"/>
           </a:p>
@@ -2782,7 +2774,7 @@
           <a:p>
             <a:fld id="{63A1C593-65D0-4073-BCC9-577B9352EA97}" type="datetimeFigureOut">
               <a:rPr lang="en-US" smtClean="0"/>
-              <a:t>5/28/2020</a:t>
+              <a:t>6/3/2020</a:t>
             </a:fld>
             <a:endParaRPr lang="en-US"/>
           </a:p>
@@ -3014,7 +3006,7 @@
           <a:p>
             <a:fld id="{63A1C593-65D0-4073-BCC9-577B9352EA97}" type="datetimeFigureOut">
               <a:rPr lang="en-US" smtClean="0"/>
-              <a:t>5/28/2020</a:t>
+              <a:t>6/3/2020</a:t>
             </a:fld>
             <a:endParaRPr lang="en-US"/>
           </a:p>
@@ -3381,7 +3373,7 @@
           <a:p>
             <a:fld id="{63A1C593-65D0-4073-BCC9-577B9352EA97}" type="datetimeFigureOut">
               <a:rPr lang="en-US" smtClean="0"/>
-              <a:t>5/28/2020</a:t>
+              <a:t>6/3/2020</a:t>
             </a:fld>
             <a:endParaRPr lang="en-US"/>
           </a:p>
@@ -3499,7 +3491,7 @@
           <a:p>
             <a:fld id="{63A1C593-65D0-4073-BCC9-577B9352EA97}" type="datetimeFigureOut">
               <a:rPr lang="en-US" smtClean="0"/>
-              <a:t>5/28/2020</a:t>
+              <a:t>6/3/2020</a:t>
             </a:fld>
             <a:endParaRPr lang="en-US"/>
           </a:p>
@@ -3594,7 +3586,7 @@
           <a:p>
             <a:fld id="{63A1C593-65D0-4073-BCC9-577B9352EA97}" type="datetimeFigureOut">
               <a:rPr lang="en-US" smtClean="0"/>
-              <a:t>5/28/2020</a:t>
+              <a:t>6/3/2020</a:t>
             </a:fld>
             <a:endParaRPr lang="en-US"/>
           </a:p>
@@ -3871,7 +3863,7 @@
           <a:p>
             <a:fld id="{63A1C593-65D0-4073-BCC9-577B9352EA97}" type="datetimeFigureOut">
               <a:rPr lang="en-US" smtClean="0"/>
-              <a:t>5/28/2020</a:t>
+              <a:t>6/3/2020</a:t>
             </a:fld>
             <a:endParaRPr lang="en-US"/>
           </a:p>
@@ -4124,7 +4116,7 @@
           <a:p>
             <a:fld id="{63A1C593-65D0-4073-BCC9-577B9352EA97}" type="datetimeFigureOut">
               <a:rPr lang="en-US" smtClean="0"/>
-              <a:t>5/28/2020</a:t>
+              <a:t>6/3/2020</a:t>
             </a:fld>
             <a:endParaRPr lang="en-US"/>
           </a:p>
@@ -4337,7 +4329,7 @@
           <a:p>
             <a:fld id="{63A1C593-65D0-4073-BCC9-577B9352EA97}" type="datetimeFigureOut">
               <a:rPr lang="en-US" smtClean="0"/>
-              <a:t>5/28/2020</a:t>
+              <a:t>6/3/2020</a:t>
             </a:fld>
             <a:endParaRPr lang="en-US"/>
           </a:p>
@@ -12500,13 +12492,8 @@
           <a:p>
             <a:r>
               <a:rPr lang="it-IT" dirty="0" smtClean="0"/>
-              <a:t>Check difference with </a:t>
-            </a:r>
-            <a:r>
-              <a:rPr lang="it-IT" dirty="0" smtClean="0"/>
-              <a:t>R2 (coefficient of determination)</a:t>
-            </a:r>
-            <a:endParaRPr lang="it-IT" dirty="0" smtClean="0"/>
+              <a:t>Check difference with R2 (coefficient of determination)</a:t>
+            </a:r>
           </a:p>
           <a:p>
             <a:r>
@@ -12547,16 +12534,16 @@
               <a:t>) / </a:t>
             </a:r>
             <a:r>
-              <a:rPr lang="en-US" dirty="0" err="1"/>
-              <a:t>Variance</a:t>
-            </a:r>
-            <a:r>
-              <a:rPr lang="en-US" baseline="-25000" dirty="0" err="1"/>
+              <a:rPr lang="en-US" dirty="0" smtClean="0"/>
+              <a:t>Variance(</a:t>
+            </a:r>
+            <a:r>
+              <a:rPr lang="en-US" dirty="0" err="1" smtClean="0"/>
               <a:t>y_actual</a:t>
             </a:r>
             <a:r>
-              <a:rPr lang="en-US" dirty="0"/>
-              <a:t>]</a:t>
+              <a:rPr lang="en-US" dirty="0" smtClean="0"/>
+              <a:t>)]</a:t>
             </a:r>
             <a:endParaRPr lang="it-IT" dirty="0"/>
           </a:p>
